--- a/Agile Team.pptx
+++ b/Agile Team.pptx
@@ -5,16 +5,18 @@
     <p:sldMasterId id="2147483648" r:id="rId1"/>
   </p:sldMasterIdLst>
   <p:notesMasterIdLst>
-    <p:notesMasterId r:id="rId9"/>
+    <p:notesMasterId r:id="rId11"/>
   </p:notesMasterIdLst>
   <p:sldIdLst>
     <p:sldId id="257" r:id="rId2"/>
     <p:sldId id="259" r:id="rId3"/>
     <p:sldId id="261" r:id="rId4"/>
-    <p:sldId id="264" r:id="rId5"/>
-    <p:sldId id="266" r:id="rId6"/>
-    <p:sldId id="265" r:id="rId7"/>
-    <p:sldId id="267" r:id="rId8"/>
+    <p:sldId id="268" r:id="rId5"/>
+    <p:sldId id="269" r:id="rId6"/>
+    <p:sldId id="264" r:id="rId7"/>
+    <p:sldId id="266" r:id="rId8"/>
+    <p:sldId id="265" r:id="rId9"/>
+    <p:sldId id="267" r:id="rId10"/>
   </p:sldIdLst>
   <p:sldSz cx="12192000" cy="6858000"/>
   <p:notesSz cx="6858000" cy="9144000"/>
@@ -117,8 +119,95 @@
     <p:ext uri="{EFAFB233-063F-42B5-8137-9DF3F51BA10A}">
       <p15:sldGuideLst xmlns:p15="http://schemas.microsoft.com/office/powerpoint/2012/main"/>
     </p:ext>
+    <p:ext uri="{2D200454-40CA-4A62-9FC3-DE9A4176ACB9}">
+      <p15:notesGuideLst xmlns:p15="http://schemas.microsoft.com/office/powerpoint/2012/main"/>
+    </p:ext>
   </p:extLst>
 </p:presentation>
+</file>
+
+<file path=ppt/revisionInfo.xml><?xml version="1.0" encoding="utf-8"?>
+<p1510:revInfo xmlns:a="http://schemas.openxmlformats.org/drawingml/2006/main" xmlns:r="http://schemas.openxmlformats.org/officeDocument/2006/relationships" xmlns:p1510="http://schemas.microsoft.com/office/powerpoint/2015/10/main">
+  <p1510:revLst>
+    <p1510:client id="{C2423EBC-4C80-BE3A-62AB-B7FEB5F867BA}" v="16" dt="2022-04-06T08:53:09.171"/>
+  </p1510:revLst>
+</p1510:revInfo>
+</file>
+
+<file path=ppt/changesInfos/changesInfo1.xml><?xml version="1.0" encoding="utf-8"?>
+<pc:chgInfo xmlns:a="http://schemas.openxmlformats.org/drawingml/2006/main" xmlns:r="http://schemas.openxmlformats.org/officeDocument/2006/relationships" xmlns:ac="http://schemas.microsoft.com/office/drawing/2013/main/command" xmlns:pc="http://schemas.microsoft.com/office/powerpoint/2013/main/command">
+  <pc:docChgLst>
+    <pc:chgData name="Garg, Mayank" userId="S::mayank.garg@atos.net::fec3db7b-09ce-4f68-ad21-96b289f88cdd" providerId="AD" clId="Web-{C2423EBC-4C80-BE3A-62AB-B7FEB5F867BA}"/>
+    <pc:docChg chg="addSld modSld">
+      <pc:chgData name="Garg, Mayank" userId="S::mayank.garg@atos.net::fec3db7b-09ce-4f68-ad21-96b289f88cdd" providerId="AD" clId="Web-{C2423EBC-4C80-BE3A-62AB-B7FEB5F867BA}" dt="2022-04-06T08:53:44.422" v="27" actId="20577"/>
+      <pc:docMkLst>
+        <pc:docMk/>
+      </pc:docMkLst>
+      <pc:sldChg chg="addSp delSp modSp new">
+        <pc:chgData name="Garg, Mayank" userId="S::mayank.garg@atos.net::fec3db7b-09ce-4f68-ad21-96b289f88cdd" providerId="AD" clId="Web-{C2423EBC-4C80-BE3A-62AB-B7FEB5F867BA}" dt="2022-04-06T08:52:10.779" v="15" actId="20577"/>
+        <pc:sldMkLst>
+          <pc:docMk/>
+          <pc:sldMk cId="4208166662" sldId="268"/>
+        </pc:sldMkLst>
+        <pc:spChg chg="mod">
+          <ac:chgData name="Garg, Mayank" userId="S::mayank.garg@atos.net::fec3db7b-09ce-4f68-ad21-96b289f88cdd" providerId="AD" clId="Web-{C2423EBC-4C80-BE3A-62AB-B7FEB5F867BA}" dt="2022-04-06T08:50:56.012" v="7" actId="20577"/>
+          <ac:spMkLst>
+            <pc:docMk/>
+            <pc:sldMk cId="4208166662" sldId="268"/>
+            <ac:spMk id="2" creationId="{74DC037E-F290-0954-41D3-E431BDB53E3E}"/>
+          </ac:spMkLst>
+        </pc:spChg>
+        <pc:spChg chg="del">
+          <ac:chgData name="Garg, Mayank" userId="S::mayank.garg@atos.net::fec3db7b-09ce-4f68-ad21-96b289f88cdd" providerId="AD" clId="Web-{C2423EBC-4C80-BE3A-62AB-B7FEB5F867BA}" dt="2022-04-06T08:51:15.481" v="8"/>
+          <ac:spMkLst>
+            <pc:docMk/>
+            <pc:sldMk cId="4208166662" sldId="268"/>
+            <ac:spMk id="3" creationId="{D01F2DAF-444D-0DAE-A1A7-BE780F349AFA}"/>
+          </ac:spMkLst>
+        </pc:spChg>
+        <pc:graphicFrameChg chg="add mod modGraphic">
+          <ac:chgData name="Garg, Mayank" userId="S::mayank.garg@atos.net::fec3db7b-09ce-4f68-ad21-96b289f88cdd" providerId="AD" clId="Web-{C2423EBC-4C80-BE3A-62AB-B7FEB5F867BA}" dt="2022-04-06T08:52:10.779" v="15" actId="20577"/>
+          <ac:graphicFrameMkLst>
+            <pc:docMk/>
+            <pc:sldMk cId="4208166662" sldId="268"/>
+            <ac:graphicFrameMk id="4" creationId="{C0FF4A55-8C8F-BE47-3503-EC4CEB5F88AF}"/>
+          </ac:graphicFrameMkLst>
+        </pc:graphicFrameChg>
+      </pc:sldChg>
+      <pc:sldChg chg="addSp delSp modSp new">
+        <pc:chgData name="Garg, Mayank" userId="S::mayank.garg@atos.net::fec3db7b-09ce-4f68-ad21-96b289f88cdd" providerId="AD" clId="Web-{C2423EBC-4C80-BE3A-62AB-B7FEB5F867BA}" dt="2022-04-06T08:53:44.422" v="27" actId="20577"/>
+        <pc:sldMkLst>
+          <pc:docMk/>
+          <pc:sldMk cId="3068612066" sldId="269"/>
+        </pc:sldMkLst>
+        <pc:spChg chg="mod">
+          <ac:chgData name="Garg, Mayank" userId="S::mayank.garg@atos.net::fec3db7b-09ce-4f68-ad21-96b289f88cdd" providerId="AD" clId="Web-{C2423EBC-4C80-BE3A-62AB-B7FEB5F867BA}" dt="2022-04-06T08:52:47.265" v="20" actId="20577"/>
+          <ac:spMkLst>
+            <pc:docMk/>
+            <pc:sldMk cId="3068612066" sldId="269"/>
+            <ac:spMk id="2" creationId="{162678FA-6855-0838-8D5F-572BFE6FA1F6}"/>
+          </ac:spMkLst>
+        </pc:spChg>
+        <pc:spChg chg="del">
+          <ac:chgData name="Garg, Mayank" userId="S::mayank.garg@atos.net::fec3db7b-09ce-4f68-ad21-96b289f88cdd" providerId="AD" clId="Web-{C2423EBC-4C80-BE3A-62AB-B7FEB5F867BA}" dt="2022-04-06T08:52:55.093" v="21"/>
+          <ac:spMkLst>
+            <pc:docMk/>
+            <pc:sldMk cId="3068612066" sldId="269"/>
+            <ac:spMk id="3" creationId="{EC5BB7D8-34DB-1953-6A7F-81E2A52C5233}"/>
+          </ac:spMkLst>
+        </pc:spChg>
+        <pc:graphicFrameChg chg="add mod modGraphic">
+          <ac:chgData name="Garg, Mayank" userId="S::mayank.garg@atos.net::fec3db7b-09ce-4f68-ad21-96b289f88cdd" providerId="AD" clId="Web-{C2423EBC-4C80-BE3A-62AB-B7FEB5F867BA}" dt="2022-04-06T08:53:44.422" v="27" actId="20577"/>
+          <ac:graphicFrameMkLst>
+            <pc:docMk/>
+            <pc:sldMk cId="3068612066" sldId="269"/>
+            <ac:graphicFrameMk id="4" creationId="{060DE2D8-B7EE-49C7-46D9-EDA3AFEA2469}"/>
+          </ac:graphicFrameMkLst>
+        </pc:graphicFrameChg>
+      </pc:sldChg>
+    </pc:docChg>
+  </pc:docChgLst>
+</pc:chgInfo>
 </file>
 
 <file path=ppt/diagrams/colors1.xml><?xml version="1.0" encoding="utf-8"?>
@@ -929,6 +1018,1672 @@
 </file>
 
 <file path=ppt/diagrams/colors2.xml><?xml version="1.0" encoding="utf-8"?>
+<dgm:colorsDef xmlns:dgm="http://schemas.openxmlformats.org/drawingml/2006/diagram" xmlns:a="http://schemas.openxmlformats.org/drawingml/2006/main" uniqueId="urn:microsoft.com/office/officeart/2005/8/colors/colorful1">
+  <dgm:title val=""/>
+  <dgm:desc val=""/>
+  <dgm:catLst>
+    <dgm:cat type="colorful" pri="10100"/>
+  </dgm:catLst>
+  <dgm:styleLbl name="node0">
+    <dgm:fillClrLst meth="repeat">
+      <a:schemeClr val="accent1"/>
+    </dgm:fillClrLst>
+    <dgm:linClrLst meth="repeat">
+      <a:schemeClr val="lt1"/>
+    </dgm:linClrLst>
+    <dgm:effectClrLst/>
+    <dgm:txLinClrLst/>
+    <dgm:txFillClrLst/>
+    <dgm:txEffectClrLst/>
+  </dgm:styleLbl>
+  <dgm:styleLbl name="node1">
+    <dgm:fillClrLst meth="repeat">
+      <a:schemeClr val="accent2"/>
+      <a:schemeClr val="accent3"/>
+      <a:schemeClr val="accent4"/>
+      <a:schemeClr val="accent5"/>
+      <a:schemeClr val="accent6"/>
+    </dgm:fillClrLst>
+    <dgm:linClrLst meth="repeat">
+      <a:schemeClr val="lt1"/>
+    </dgm:linClrLst>
+    <dgm:effectClrLst/>
+    <dgm:txLinClrLst/>
+    <dgm:txFillClrLst/>
+    <dgm:txEffectClrLst/>
+  </dgm:styleLbl>
+  <dgm:styleLbl name="alignNode1">
+    <dgm:fillClrLst meth="repeat">
+      <a:schemeClr val="accent2"/>
+      <a:schemeClr val="accent3"/>
+      <a:schemeClr val="accent4"/>
+      <a:schemeClr val="accent5"/>
+      <a:schemeClr val="accent6"/>
+    </dgm:fillClrLst>
+    <dgm:linClrLst meth="repeat">
+      <a:schemeClr val="accent2"/>
+      <a:schemeClr val="accent3"/>
+      <a:schemeClr val="accent4"/>
+      <a:schemeClr val="accent5"/>
+      <a:schemeClr val="accent6"/>
+    </dgm:linClrLst>
+    <dgm:effectClrLst/>
+    <dgm:txLinClrLst/>
+    <dgm:txFillClrLst/>
+    <dgm:txEffectClrLst/>
+  </dgm:styleLbl>
+  <dgm:styleLbl name="lnNode1">
+    <dgm:fillClrLst meth="repeat">
+      <a:schemeClr val="accent2"/>
+      <a:schemeClr val="accent3"/>
+      <a:schemeClr val="accent4"/>
+      <a:schemeClr val="accent5"/>
+      <a:schemeClr val="accent6"/>
+    </dgm:fillClrLst>
+    <dgm:linClrLst meth="repeat">
+      <a:schemeClr val="lt1"/>
+    </dgm:linClrLst>
+    <dgm:effectClrLst/>
+    <dgm:txLinClrLst/>
+    <dgm:txFillClrLst/>
+    <dgm:txEffectClrLst/>
+  </dgm:styleLbl>
+  <dgm:styleLbl name="vennNode1">
+    <dgm:fillClrLst meth="repeat">
+      <a:schemeClr val="accent2">
+        <a:alpha val="50000"/>
+      </a:schemeClr>
+      <a:schemeClr val="accent3">
+        <a:alpha val="50000"/>
+      </a:schemeClr>
+      <a:schemeClr val="accent4">
+        <a:alpha val="50000"/>
+      </a:schemeClr>
+      <a:schemeClr val="accent5">
+        <a:alpha val="50000"/>
+      </a:schemeClr>
+      <a:schemeClr val="accent6">
+        <a:alpha val="50000"/>
+      </a:schemeClr>
+    </dgm:fillClrLst>
+    <dgm:linClrLst meth="repeat">
+      <a:schemeClr val="lt1"/>
+    </dgm:linClrLst>
+    <dgm:effectClrLst/>
+    <dgm:txLinClrLst/>
+    <dgm:txFillClrLst/>
+    <dgm:txEffectClrLst/>
+  </dgm:styleLbl>
+  <dgm:styleLbl name="node2">
+    <dgm:fillClrLst>
+      <a:schemeClr val="accent2"/>
+    </dgm:fillClrLst>
+    <dgm:linClrLst meth="repeat">
+      <a:schemeClr val="lt1"/>
+    </dgm:linClrLst>
+    <dgm:effectClrLst/>
+    <dgm:txLinClrLst/>
+    <dgm:txFillClrLst/>
+    <dgm:txEffectClrLst/>
+  </dgm:styleLbl>
+  <dgm:styleLbl name="node3">
+    <dgm:fillClrLst>
+      <a:schemeClr val="accent3"/>
+    </dgm:fillClrLst>
+    <dgm:linClrLst meth="repeat">
+      <a:schemeClr val="lt1"/>
+    </dgm:linClrLst>
+    <dgm:effectClrLst/>
+    <dgm:txLinClrLst/>
+    <dgm:txFillClrLst/>
+    <dgm:txEffectClrLst/>
+  </dgm:styleLbl>
+  <dgm:styleLbl name="node4">
+    <dgm:fillClrLst>
+      <a:schemeClr val="accent4"/>
+    </dgm:fillClrLst>
+    <dgm:linClrLst meth="repeat">
+      <a:schemeClr val="lt1"/>
+    </dgm:linClrLst>
+    <dgm:effectClrLst/>
+    <dgm:txLinClrLst/>
+    <dgm:txFillClrLst/>
+    <dgm:txEffectClrLst/>
+  </dgm:styleLbl>
+  <dgm:styleLbl name="fgImgPlace1">
+    <dgm:fillClrLst meth="repeat">
+      <a:schemeClr val="accent2">
+        <a:tint val="50000"/>
+      </a:schemeClr>
+      <a:schemeClr val="accent3">
+        <a:tint val="50000"/>
+      </a:schemeClr>
+      <a:schemeClr val="accent4">
+        <a:tint val="50000"/>
+      </a:schemeClr>
+      <a:schemeClr val="accent5">
+        <a:tint val="50000"/>
+      </a:schemeClr>
+      <a:schemeClr val="accent6">
+        <a:tint val="50000"/>
+      </a:schemeClr>
+    </dgm:fillClrLst>
+    <dgm:linClrLst meth="repeat">
+      <a:schemeClr val="lt1"/>
+    </dgm:linClrLst>
+    <dgm:effectClrLst/>
+    <dgm:txLinClrLst/>
+    <dgm:txFillClrLst meth="repeat">
+      <a:schemeClr val="lt1"/>
+    </dgm:txFillClrLst>
+    <dgm:txEffectClrLst/>
+  </dgm:styleLbl>
+  <dgm:styleLbl name="alignImgPlace1">
+    <dgm:fillClrLst>
+      <a:schemeClr val="accent1">
+        <a:tint val="50000"/>
+      </a:schemeClr>
+      <a:schemeClr val="accent2">
+        <a:tint val="20000"/>
+      </a:schemeClr>
+    </dgm:fillClrLst>
+    <dgm:linClrLst meth="repeat">
+      <a:schemeClr val="lt1"/>
+    </dgm:linClrLst>
+    <dgm:effectClrLst/>
+    <dgm:txLinClrLst/>
+    <dgm:txFillClrLst meth="repeat">
+      <a:schemeClr val="lt1"/>
+    </dgm:txFillClrLst>
+    <dgm:txEffectClrLst/>
+  </dgm:styleLbl>
+  <dgm:styleLbl name="bgImgPlace1">
+    <dgm:fillClrLst>
+      <a:schemeClr val="accent1">
+        <a:tint val="50000"/>
+      </a:schemeClr>
+      <a:schemeClr val="accent2">
+        <a:tint val="20000"/>
+      </a:schemeClr>
+    </dgm:fillClrLst>
+    <dgm:linClrLst meth="repeat">
+      <a:schemeClr val="lt1"/>
+    </dgm:linClrLst>
+    <dgm:effectClrLst/>
+    <dgm:txLinClrLst/>
+    <dgm:txFillClrLst meth="repeat">
+      <a:schemeClr val="lt1"/>
+    </dgm:txFillClrLst>
+    <dgm:txEffectClrLst/>
+  </dgm:styleLbl>
+  <dgm:styleLbl name="sibTrans2D1">
+    <dgm:fillClrLst meth="repeat">
+      <a:schemeClr val="accent2"/>
+      <a:schemeClr val="accent3"/>
+      <a:schemeClr val="accent4"/>
+      <a:schemeClr val="accent5"/>
+      <a:schemeClr val="accent6"/>
+    </dgm:fillClrLst>
+    <dgm:linClrLst meth="cycle">
+      <a:schemeClr val="lt1"/>
+    </dgm:linClrLst>
+    <dgm:effectClrLst/>
+    <dgm:txLinClrLst/>
+    <dgm:txFillClrLst/>
+    <dgm:txEffectClrLst/>
+  </dgm:styleLbl>
+  <dgm:styleLbl name="fgSibTrans2D1">
+    <dgm:fillClrLst meth="repeat">
+      <a:schemeClr val="accent2"/>
+      <a:schemeClr val="accent3"/>
+      <a:schemeClr val="accent4"/>
+      <a:schemeClr val="accent5"/>
+      <a:schemeClr val="accent6"/>
+    </dgm:fillClrLst>
+    <dgm:linClrLst meth="cycle">
+      <a:schemeClr val="lt1"/>
+    </dgm:linClrLst>
+    <dgm:effectClrLst/>
+    <dgm:txLinClrLst/>
+    <dgm:txFillClrLst meth="repeat">
+      <a:schemeClr val="lt1"/>
+    </dgm:txFillClrLst>
+    <dgm:txEffectClrLst/>
+  </dgm:styleLbl>
+  <dgm:styleLbl name="bgSibTrans2D1">
+    <dgm:fillClrLst meth="repeat">
+      <a:schemeClr val="accent2"/>
+      <a:schemeClr val="accent3"/>
+      <a:schemeClr val="accent4"/>
+      <a:schemeClr val="accent5"/>
+      <a:schemeClr val="accent6"/>
+    </dgm:fillClrLst>
+    <dgm:linClrLst meth="cycle">
+      <a:schemeClr val="lt1"/>
+    </dgm:linClrLst>
+    <dgm:effectClrLst/>
+    <dgm:txLinClrLst/>
+    <dgm:txFillClrLst meth="repeat">
+      <a:schemeClr val="lt1"/>
+    </dgm:txFillClrLst>
+    <dgm:txEffectClrLst/>
+  </dgm:styleLbl>
+  <dgm:styleLbl name="sibTrans1D1">
+    <dgm:fillClrLst meth="repeat">
+      <a:schemeClr val="accent2"/>
+      <a:schemeClr val="accent3"/>
+      <a:schemeClr val="accent4"/>
+      <a:schemeClr val="accent5"/>
+      <a:schemeClr val="accent6"/>
+    </dgm:fillClrLst>
+    <dgm:linClrLst meth="repeat">
+      <a:schemeClr val="accent2"/>
+      <a:schemeClr val="accent3"/>
+      <a:schemeClr val="accent4"/>
+      <a:schemeClr val="accent5"/>
+      <a:schemeClr val="accent6"/>
+    </dgm:linClrLst>
+    <dgm:effectClrLst/>
+    <dgm:txLinClrLst/>
+    <dgm:txFillClrLst meth="repeat">
+      <a:schemeClr val="tx1"/>
+    </dgm:txFillClrLst>
+    <dgm:txEffectClrLst/>
+  </dgm:styleLbl>
+  <dgm:styleLbl name="callout">
+    <dgm:fillClrLst meth="repeat">
+      <a:schemeClr val="accent2"/>
+    </dgm:fillClrLst>
+    <dgm:linClrLst meth="repeat">
+      <a:schemeClr val="accent2">
+        <a:tint val="50000"/>
+      </a:schemeClr>
+    </dgm:linClrLst>
+    <dgm:effectClrLst/>
+    <dgm:txLinClrLst/>
+    <dgm:txFillClrLst meth="repeat">
+      <a:schemeClr val="tx1"/>
+    </dgm:txFillClrLst>
+    <dgm:txEffectClrLst/>
+  </dgm:styleLbl>
+  <dgm:styleLbl name="asst0">
+    <dgm:fillClrLst meth="repeat">
+      <a:schemeClr val="accent1"/>
+    </dgm:fillClrLst>
+    <dgm:linClrLst meth="repeat">
+      <a:schemeClr val="lt1"/>
+    </dgm:linClrLst>
+    <dgm:effectClrLst/>
+    <dgm:txLinClrLst/>
+    <dgm:txFillClrLst/>
+    <dgm:txEffectClrLst/>
+  </dgm:styleLbl>
+  <dgm:styleLbl name="asst1">
+    <dgm:fillClrLst meth="repeat">
+      <a:schemeClr val="accent2"/>
+    </dgm:fillClrLst>
+    <dgm:linClrLst meth="repeat">
+      <a:schemeClr val="lt1"/>
+    </dgm:linClrLst>
+    <dgm:effectClrLst/>
+    <dgm:txLinClrLst/>
+    <dgm:txFillClrLst/>
+    <dgm:txEffectClrLst/>
+  </dgm:styleLbl>
+  <dgm:styleLbl name="asst2">
+    <dgm:fillClrLst>
+      <a:schemeClr val="accent3"/>
+    </dgm:fillClrLst>
+    <dgm:linClrLst meth="repeat">
+      <a:schemeClr val="lt1"/>
+    </dgm:linClrLst>
+    <dgm:effectClrLst/>
+    <dgm:txLinClrLst/>
+    <dgm:txFillClrLst/>
+    <dgm:txEffectClrLst/>
+  </dgm:styleLbl>
+  <dgm:styleLbl name="asst3">
+    <dgm:fillClrLst>
+      <a:schemeClr val="accent4"/>
+    </dgm:fillClrLst>
+    <dgm:linClrLst meth="repeat">
+      <a:schemeClr val="lt1"/>
+    </dgm:linClrLst>
+    <dgm:effectClrLst/>
+    <dgm:txLinClrLst/>
+    <dgm:txFillClrLst/>
+    <dgm:txEffectClrLst/>
+  </dgm:styleLbl>
+  <dgm:styleLbl name="asst4">
+    <dgm:fillClrLst>
+      <a:schemeClr val="accent5"/>
+    </dgm:fillClrLst>
+    <dgm:linClrLst meth="repeat">
+      <a:schemeClr val="lt1"/>
+    </dgm:linClrLst>
+    <dgm:effectClrLst/>
+    <dgm:txLinClrLst/>
+    <dgm:txFillClrLst/>
+    <dgm:txEffectClrLst/>
+  </dgm:styleLbl>
+  <dgm:styleLbl name="parChTrans2D1">
+    <dgm:fillClrLst meth="repeat">
+      <a:schemeClr val="accent2"/>
+    </dgm:fillClrLst>
+    <dgm:linClrLst meth="repeat">
+      <a:schemeClr val="lt1"/>
+    </dgm:linClrLst>
+    <dgm:effectClrLst/>
+    <dgm:txLinClrLst/>
+    <dgm:txFillClrLst meth="repeat">
+      <a:schemeClr val="lt1"/>
+    </dgm:txFillClrLst>
+    <dgm:txEffectClrLst/>
+  </dgm:styleLbl>
+  <dgm:styleLbl name="parChTrans2D2">
+    <dgm:fillClrLst meth="repeat">
+      <a:schemeClr val="accent3"/>
+    </dgm:fillClrLst>
+    <dgm:linClrLst meth="repeat">
+      <a:schemeClr val="lt1"/>
+    </dgm:linClrLst>
+    <dgm:effectClrLst/>
+    <dgm:txLinClrLst/>
+    <dgm:txFillClrLst/>
+    <dgm:txEffectClrLst/>
+  </dgm:styleLbl>
+  <dgm:styleLbl name="parChTrans2D3">
+    <dgm:fillClrLst meth="repeat">
+      <a:schemeClr val="accent4"/>
+    </dgm:fillClrLst>
+    <dgm:linClrLst meth="repeat">
+      <a:schemeClr val="lt1"/>
+    </dgm:linClrLst>
+    <dgm:effectClrLst/>
+    <dgm:txLinClrLst/>
+    <dgm:txFillClrLst/>
+    <dgm:txEffectClrLst/>
+  </dgm:styleLbl>
+  <dgm:styleLbl name="parChTrans2D4">
+    <dgm:fillClrLst meth="repeat">
+      <a:schemeClr val="accent5"/>
+    </dgm:fillClrLst>
+    <dgm:linClrLst meth="repeat">
+      <a:schemeClr val="lt1"/>
+    </dgm:linClrLst>
+    <dgm:effectClrLst/>
+    <dgm:txLinClrLst/>
+    <dgm:txFillClrLst meth="repeat">
+      <a:schemeClr val="lt1"/>
+    </dgm:txFillClrLst>
+    <dgm:txEffectClrLst/>
+  </dgm:styleLbl>
+  <dgm:styleLbl name="parChTrans1D1">
+    <dgm:fillClrLst meth="repeat">
+      <a:schemeClr val="accent2"/>
+    </dgm:fillClrLst>
+    <dgm:linClrLst meth="repeat">
+      <a:schemeClr val="accent1"/>
+    </dgm:linClrLst>
+    <dgm:effectClrLst/>
+    <dgm:txLinClrLst/>
+    <dgm:txFillClrLst meth="repeat">
+      <a:schemeClr val="tx1"/>
+    </dgm:txFillClrLst>
+    <dgm:txEffectClrLst/>
+  </dgm:styleLbl>
+  <dgm:styleLbl name="parChTrans1D2">
+    <dgm:fillClrLst meth="repeat">
+      <a:schemeClr val="accent3">
+        <a:tint val="90000"/>
+      </a:schemeClr>
+    </dgm:fillClrLst>
+    <dgm:linClrLst meth="repeat">
+      <a:schemeClr val="accent2"/>
+    </dgm:linClrLst>
+    <dgm:effectClrLst/>
+    <dgm:txLinClrLst/>
+    <dgm:txFillClrLst meth="repeat">
+      <a:schemeClr val="tx1"/>
+    </dgm:txFillClrLst>
+    <dgm:txEffectClrLst/>
+  </dgm:styleLbl>
+  <dgm:styleLbl name="parChTrans1D3">
+    <dgm:fillClrLst meth="repeat">
+      <a:schemeClr val="accent4">
+        <a:tint val="70000"/>
+      </a:schemeClr>
+    </dgm:fillClrLst>
+    <dgm:linClrLst meth="repeat">
+      <a:schemeClr val="accent3"/>
+    </dgm:linClrLst>
+    <dgm:effectClrLst/>
+    <dgm:txLinClrLst/>
+    <dgm:txFillClrLst meth="repeat">
+      <a:schemeClr val="tx1"/>
+    </dgm:txFillClrLst>
+    <dgm:txEffectClrLst/>
+  </dgm:styleLbl>
+  <dgm:styleLbl name="parChTrans1D4">
+    <dgm:fillClrLst meth="repeat">
+      <a:schemeClr val="accent5">
+        <a:tint val="50000"/>
+      </a:schemeClr>
+    </dgm:fillClrLst>
+    <dgm:linClrLst meth="repeat">
+      <a:schemeClr val="accent4"/>
+    </dgm:linClrLst>
+    <dgm:effectClrLst/>
+    <dgm:txLinClrLst/>
+    <dgm:txFillClrLst meth="repeat">
+      <a:schemeClr val="tx1"/>
+    </dgm:txFillClrLst>
+    <dgm:txEffectClrLst/>
+  </dgm:styleLbl>
+  <dgm:styleLbl name="fgAcc1">
+    <dgm:fillClrLst meth="repeat">
+      <a:schemeClr val="lt1">
+        <a:alpha val="90000"/>
+      </a:schemeClr>
+    </dgm:fillClrLst>
+    <dgm:linClrLst meth="repeat">
+      <a:schemeClr val="accent2"/>
+      <a:schemeClr val="accent3"/>
+      <a:schemeClr val="accent4"/>
+      <a:schemeClr val="accent5"/>
+      <a:schemeClr val="accent6"/>
+    </dgm:linClrLst>
+    <dgm:effectClrLst/>
+    <dgm:txLinClrLst/>
+    <dgm:txFillClrLst meth="repeat">
+      <a:schemeClr val="dk1"/>
+    </dgm:txFillClrLst>
+    <dgm:txEffectClrLst/>
+  </dgm:styleLbl>
+  <dgm:styleLbl name="conFgAcc1">
+    <dgm:fillClrLst meth="repeat">
+      <a:schemeClr val="lt1">
+        <a:alpha val="90000"/>
+      </a:schemeClr>
+    </dgm:fillClrLst>
+    <dgm:linClrLst meth="repeat">
+      <a:schemeClr val="accent2"/>
+      <a:schemeClr val="accent3"/>
+      <a:schemeClr val="accent4"/>
+      <a:schemeClr val="accent5"/>
+      <a:schemeClr val="accent6"/>
+    </dgm:linClrLst>
+    <dgm:effectClrLst/>
+    <dgm:txLinClrLst/>
+    <dgm:txFillClrLst meth="repeat">
+      <a:schemeClr val="dk1"/>
+    </dgm:txFillClrLst>
+    <dgm:txEffectClrLst/>
+  </dgm:styleLbl>
+  <dgm:styleLbl name="alignAcc1">
+    <dgm:fillClrLst meth="repeat">
+      <a:schemeClr val="lt1">
+        <a:alpha val="90000"/>
+      </a:schemeClr>
+    </dgm:fillClrLst>
+    <dgm:linClrLst meth="repeat">
+      <a:schemeClr val="accent2"/>
+      <a:schemeClr val="accent3"/>
+      <a:schemeClr val="accent4"/>
+      <a:schemeClr val="accent5"/>
+      <a:schemeClr val="accent6"/>
+    </dgm:linClrLst>
+    <dgm:effectClrLst/>
+    <dgm:txLinClrLst/>
+    <dgm:txFillClrLst meth="repeat">
+      <a:schemeClr val="dk1"/>
+    </dgm:txFillClrLst>
+    <dgm:txEffectClrLst/>
+  </dgm:styleLbl>
+  <dgm:styleLbl name="trAlignAcc1">
+    <dgm:fillClrLst meth="repeat">
+      <a:schemeClr val="lt1">
+        <a:alpha val="40000"/>
+      </a:schemeClr>
+    </dgm:fillClrLst>
+    <dgm:linClrLst meth="repeat">
+      <a:schemeClr val="accent1"/>
+    </dgm:linClrLst>
+    <dgm:effectClrLst/>
+    <dgm:txLinClrLst/>
+    <dgm:txFillClrLst meth="repeat">
+      <a:schemeClr val="dk1"/>
+    </dgm:txFillClrLst>
+    <dgm:txEffectClrLst/>
+  </dgm:styleLbl>
+  <dgm:styleLbl name="bgAcc1">
+    <dgm:fillClrLst meth="repeat">
+      <a:schemeClr val="lt1">
+        <a:alpha val="90000"/>
+      </a:schemeClr>
+    </dgm:fillClrLst>
+    <dgm:linClrLst meth="repeat">
+      <a:schemeClr val="accent2"/>
+      <a:schemeClr val="accent3"/>
+      <a:schemeClr val="accent4"/>
+      <a:schemeClr val="accent5"/>
+      <a:schemeClr val="accent6"/>
+    </dgm:linClrLst>
+    <dgm:effectClrLst/>
+    <dgm:txLinClrLst/>
+    <dgm:txFillClrLst meth="repeat">
+      <a:schemeClr val="dk1"/>
+    </dgm:txFillClrLst>
+    <dgm:txEffectClrLst/>
+  </dgm:styleLbl>
+  <dgm:styleLbl name="solidFgAcc1">
+    <dgm:fillClrLst meth="repeat">
+      <a:schemeClr val="lt1"/>
+    </dgm:fillClrLst>
+    <dgm:linClrLst meth="repeat">
+      <a:schemeClr val="accent2"/>
+      <a:schemeClr val="accent3"/>
+      <a:schemeClr val="accent4"/>
+      <a:schemeClr val="accent5"/>
+      <a:schemeClr val="accent6"/>
+    </dgm:linClrLst>
+    <dgm:effectClrLst/>
+    <dgm:txLinClrLst/>
+    <dgm:txFillClrLst meth="repeat">
+      <a:schemeClr val="dk1"/>
+    </dgm:txFillClrLst>
+    <dgm:txEffectClrLst/>
+  </dgm:styleLbl>
+  <dgm:styleLbl name="solidAlignAcc1">
+    <dgm:fillClrLst meth="repeat">
+      <a:schemeClr val="lt1"/>
+    </dgm:fillClrLst>
+    <dgm:linClrLst meth="repeat">
+      <a:schemeClr val="accent2"/>
+      <a:schemeClr val="accent3"/>
+      <a:schemeClr val="accent4"/>
+      <a:schemeClr val="accent5"/>
+      <a:schemeClr val="accent6"/>
+    </dgm:linClrLst>
+    <dgm:effectClrLst/>
+    <dgm:txLinClrLst/>
+    <dgm:txFillClrLst meth="repeat">
+      <a:schemeClr val="dk1"/>
+    </dgm:txFillClrLst>
+    <dgm:txEffectClrLst/>
+  </dgm:styleLbl>
+  <dgm:styleLbl name="solidBgAcc1">
+    <dgm:fillClrLst meth="repeat">
+      <a:schemeClr val="lt1"/>
+    </dgm:fillClrLst>
+    <dgm:linClrLst meth="repeat">
+      <a:schemeClr val="accent2"/>
+      <a:schemeClr val="accent3"/>
+      <a:schemeClr val="accent4"/>
+      <a:schemeClr val="accent5"/>
+      <a:schemeClr val="accent6"/>
+    </dgm:linClrLst>
+    <dgm:effectClrLst/>
+    <dgm:txLinClrLst/>
+    <dgm:txFillClrLst meth="repeat">
+      <a:schemeClr val="dk1"/>
+    </dgm:txFillClrLst>
+    <dgm:txEffectClrLst/>
+  </dgm:styleLbl>
+  <dgm:styleLbl name="fgAccFollowNode1">
+    <dgm:fillClrLst meth="repeat">
+      <a:schemeClr val="accent2">
+        <a:tint val="40000"/>
+        <a:alpha val="90000"/>
+      </a:schemeClr>
+      <a:schemeClr val="accent3">
+        <a:tint val="40000"/>
+        <a:alpha val="90000"/>
+      </a:schemeClr>
+      <a:schemeClr val="accent4">
+        <a:tint val="40000"/>
+        <a:alpha val="90000"/>
+      </a:schemeClr>
+      <a:schemeClr val="accent5">
+        <a:tint val="40000"/>
+        <a:alpha val="90000"/>
+      </a:schemeClr>
+      <a:schemeClr val="accent6">
+        <a:tint val="40000"/>
+        <a:alpha val="90000"/>
+      </a:schemeClr>
+    </dgm:fillClrLst>
+    <dgm:linClrLst meth="repeat">
+      <a:schemeClr val="accent2">
+        <a:tint val="40000"/>
+        <a:alpha val="90000"/>
+      </a:schemeClr>
+      <a:schemeClr val="accent3">
+        <a:tint val="40000"/>
+        <a:alpha val="90000"/>
+      </a:schemeClr>
+      <a:schemeClr val="accent4">
+        <a:tint val="40000"/>
+        <a:alpha val="90000"/>
+      </a:schemeClr>
+      <a:schemeClr val="accent5">
+        <a:tint val="40000"/>
+        <a:alpha val="90000"/>
+      </a:schemeClr>
+      <a:schemeClr val="accent6">
+        <a:tint val="40000"/>
+        <a:alpha val="90000"/>
+      </a:schemeClr>
+    </dgm:linClrLst>
+    <dgm:effectClrLst/>
+    <dgm:txLinClrLst/>
+    <dgm:txFillClrLst meth="repeat">
+      <a:schemeClr val="dk1"/>
+    </dgm:txFillClrLst>
+    <dgm:txEffectClrLst/>
+  </dgm:styleLbl>
+  <dgm:styleLbl name="alignAccFollowNode1">
+    <dgm:fillClrLst meth="repeat">
+      <a:schemeClr val="accent2">
+        <a:tint val="40000"/>
+        <a:alpha val="90000"/>
+      </a:schemeClr>
+      <a:schemeClr val="accent3">
+        <a:tint val="40000"/>
+        <a:alpha val="90000"/>
+      </a:schemeClr>
+      <a:schemeClr val="accent4">
+        <a:tint val="40000"/>
+        <a:alpha val="90000"/>
+      </a:schemeClr>
+      <a:schemeClr val="accent5">
+        <a:tint val="40000"/>
+        <a:alpha val="90000"/>
+      </a:schemeClr>
+      <a:schemeClr val="accent6">
+        <a:tint val="40000"/>
+        <a:alpha val="90000"/>
+      </a:schemeClr>
+    </dgm:fillClrLst>
+    <dgm:linClrLst meth="repeat">
+      <a:schemeClr val="accent2">
+        <a:tint val="40000"/>
+        <a:alpha val="90000"/>
+      </a:schemeClr>
+      <a:schemeClr val="accent3">
+        <a:tint val="40000"/>
+        <a:alpha val="90000"/>
+      </a:schemeClr>
+      <a:schemeClr val="accent4">
+        <a:tint val="40000"/>
+        <a:alpha val="90000"/>
+      </a:schemeClr>
+      <a:schemeClr val="accent5">
+        <a:tint val="40000"/>
+        <a:alpha val="90000"/>
+      </a:schemeClr>
+      <a:schemeClr val="accent6">
+        <a:tint val="40000"/>
+        <a:alpha val="90000"/>
+      </a:schemeClr>
+    </dgm:linClrLst>
+    <dgm:effectClrLst/>
+    <dgm:txLinClrLst/>
+    <dgm:txFillClrLst meth="repeat">
+      <a:schemeClr val="dk1"/>
+    </dgm:txFillClrLst>
+    <dgm:txEffectClrLst/>
+  </dgm:styleLbl>
+  <dgm:styleLbl name="bgAccFollowNode1">
+    <dgm:fillClrLst meth="repeat">
+      <a:schemeClr val="accent2">
+        <a:tint val="40000"/>
+        <a:alpha val="90000"/>
+      </a:schemeClr>
+      <a:schemeClr val="accent3">
+        <a:tint val="40000"/>
+        <a:alpha val="90000"/>
+      </a:schemeClr>
+      <a:schemeClr val="accent4">
+        <a:tint val="40000"/>
+        <a:alpha val="90000"/>
+      </a:schemeClr>
+      <a:schemeClr val="accent5">
+        <a:tint val="40000"/>
+        <a:alpha val="90000"/>
+      </a:schemeClr>
+      <a:schemeClr val="accent6">
+        <a:tint val="40000"/>
+        <a:alpha val="90000"/>
+      </a:schemeClr>
+    </dgm:fillClrLst>
+    <dgm:linClrLst meth="repeat">
+      <a:schemeClr val="accent2">
+        <a:tint val="40000"/>
+        <a:alpha val="90000"/>
+      </a:schemeClr>
+      <a:schemeClr val="accent3">
+        <a:tint val="40000"/>
+        <a:alpha val="90000"/>
+      </a:schemeClr>
+      <a:schemeClr val="accent4">
+        <a:tint val="40000"/>
+        <a:alpha val="90000"/>
+      </a:schemeClr>
+      <a:schemeClr val="accent5">
+        <a:tint val="40000"/>
+        <a:alpha val="90000"/>
+      </a:schemeClr>
+      <a:schemeClr val="accent6">
+        <a:tint val="40000"/>
+        <a:alpha val="90000"/>
+      </a:schemeClr>
+    </dgm:linClrLst>
+    <dgm:effectClrLst/>
+    <dgm:txLinClrLst/>
+    <dgm:txFillClrLst meth="repeat">
+      <a:schemeClr val="dk1"/>
+    </dgm:txFillClrLst>
+    <dgm:txEffectClrLst/>
+  </dgm:styleLbl>
+  <dgm:styleLbl name="fgAcc0">
+    <dgm:fillClrLst meth="repeat">
+      <a:schemeClr val="lt1">
+        <a:alpha val="90000"/>
+      </a:schemeClr>
+    </dgm:fillClrLst>
+    <dgm:linClrLst>
+      <a:schemeClr val="accent1"/>
+    </dgm:linClrLst>
+    <dgm:effectClrLst/>
+    <dgm:txLinClrLst/>
+    <dgm:txFillClrLst meth="repeat">
+      <a:schemeClr val="dk1"/>
+    </dgm:txFillClrLst>
+    <dgm:txEffectClrLst/>
+  </dgm:styleLbl>
+  <dgm:styleLbl name="fgAcc2">
+    <dgm:fillClrLst meth="repeat">
+      <a:schemeClr val="lt1">
+        <a:alpha val="90000"/>
+      </a:schemeClr>
+    </dgm:fillClrLst>
+    <dgm:linClrLst>
+      <a:schemeClr val="accent2"/>
+    </dgm:linClrLst>
+    <dgm:effectClrLst/>
+    <dgm:txLinClrLst/>
+    <dgm:txFillClrLst meth="repeat">
+      <a:schemeClr val="dk1"/>
+    </dgm:txFillClrLst>
+    <dgm:txEffectClrLst/>
+  </dgm:styleLbl>
+  <dgm:styleLbl name="fgAcc3">
+    <dgm:fillClrLst meth="repeat">
+      <a:schemeClr val="lt1">
+        <a:alpha val="90000"/>
+      </a:schemeClr>
+    </dgm:fillClrLst>
+    <dgm:linClrLst>
+      <a:schemeClr val="accent3"/>
+    </dgm:linClrLst>
+    <dgm:effectClrLst/>
+    <dgm:txLinClrLst/>
+    <dgm:txFillClrLst meth="repeat">
+      <a:schemeClr val="dk1"/>
+    </dgm:txFillClrLst>
+    <dgm:txEffectClrLst/>
+  </dgm:styleLbl>
+  <dgm:styleLbl name="fgAcc4">
+    <dgm:fillClrLst meth="repeat">
+      <a:schemeClr val="lt1">
+        <a:alpha val="90000"/>
+      </a:schemeClr>
+    </dgm:fillClrLst>
+    <dgm:linClrLst>
+      <a:schemeClr val="accent4"/>
+    </dgm:linClrLst>
+    <dgm:effectClrLst/>
+    <dgm:txLinClrLst/>
+    <dgm:txFillClrLst meth="repeat">
+      <a:schemeClr val="dk1"/>
+    </dgm:txFillClrLst>
+    <dgm:txEffectClrLst/>
+  </dgm:styleLbl>
+  <dgm:styleLbl name="bgShp">
+    <dgm:fillClrLst meth="repeat">
+      <a:schemeClr val="accent2">
+        <a:tint val="40000"/>
+      </a:schemeClr>
+    </dgm:fillClrLst>
+    <dgm:linClrLst meth="repeat">
+      <a:schemeClr val="dk1"/>
+    </dgm:linClrLst>
+    <dgm:effectClrLst/>
+    <dgm:txLinClrLst/>
+    <dgm:txFillClrLst meth="repeat">
+      <a:schemeClr val="dk1"/>
+    </dgm:txFillClrLst>
+    <dgm:txEffectClrLst/>
+  </dgm:styleLbl>
+  <dgm:styleLbl name="dkBgShp">
+    <dgm:fillClrLst meth="repeat">
+      <a:schemeClr val="accent2">
+        <a:shade val="90000"/>
+      </a:schemeClr>
+    </dgm:fillClrLst>
+    <dgm:linClrLst meth="repeat">
+      <a:schemeClr val="dk1"/>
+    </dgm:linClrLst>
+    <dgm:effectClrLst/>
+    <dgm:txLinClrLst/>
+    <dgm:txFillClrLst meth="repeat">
+      <a:schemeClr val="lt1"/>
+    </dgm:txFillClrLst>
+    <dgm:txEffectClrLst/>
+  </dgm:styleLbl>
+  <dgm:styleLbl name="trBgShp">
+    <dgm:fillClrLst meth="repeat">
+      <a:schemeClr val="accent1">
+        <a:tint val="50000"/>
+        <a:alpha val="40000"/>
+      </a:schemeClr>
+    </dgm:fillClrLst>
+    <dgm:linClrLst meth="repeat">
+      <a:schemeClr val="accent2"/>
+    </dgm:linClrLst>
+    <dgm:effectClrLst/>
+    <dgm:txLinClrLst/>
+    <dgm:txFillClrLst meth="repeat">
+      <a:schemeClr val="lt1"/>
+    </dgm:txFillClrLst>
+    <dgm:txEffectClrLst/>
+  </dgm:styleLbl>
+  <dgm:styleLbl name="fgShp">
+    <dgm:fillClrLst meth="repeat">
+      <a:schemeClr val="accent2">
+        <a:tint val="40000"/>
+      </a:schemeClr>
+    </dgm:fillClrLst>
+    <dgm:linClrLst meth="repeat">
+      <a:schemeClr val="lt1"/>
+    </dgm:linClrLst>
+    <dgm:effectClrLst/>
+    <dgm:txLinClrLst/>
+    <dgm:txFillClrLst meth="repeat">
+      <a:schemeClr val="dk1"/>
+    </dgm:txFillClrLst>
+    <dgm:txEffectClrLst/>
+  </dgm:styleLbl>
+  <dgm:styleLbl name="revTx">
+    <dgm:fillClrLst meth="repeat">
+      <a:schemeClr val="lt1">
+        <a:alpha val="0"/>
+      </a:schemeClr>
+    </dgm:fillClrLst>
+    <dgm:linClrLst meth="repeat">
+      <a:schemeClr val="dk1">
+        <a:alpha val="0"/>
+      </a:schemeClr>
+    </dgm:linClrLst>
+    <dgm:effectClrLst/>
+    <dgm:txLinClrLst/>
+    <dgm:txFillClrLst meth="repeat">
+      <a:schemeClr val="tx1"/>
+    </dgm:txFillClrLst>
+    <dgm:txEffectClrLst/>
+  </dgm:styleLbl>
+</dgm:colorsDef>
+</file>
+
+<file path=ppt/diagrams/colors3.xml><?xml version="1.0" encoding="utf-8"?>
+<dgm:colorsDef xmlns:dgm="http://schemas.openxmlformats.org/drawingml/2006/diagram" xmlns:a="http://schemas.openxmlformats.org/drawingml/2006/main" uniqueId="urn:microsoft.com/office/officeart/2005/8/colors/accent3_2">
+  <dgm:title val=""/>
+  <dgm:desc val=""/>
+  <dgm:catLst>
+    <dgm:cat type="accent3" pri="11200"/>
+  </dgm:catLst>
+  <dgm:styleLbl name="node0">
+    <dgm:fillClrLst meth="repeat">
+      <a:schemeClr val="accent3"/>
+    </dgm:fillClrLst>
+    <dgm:linClrLst meth="repeat">
+      <a:schemeClr val="lt1"/>
+    </dgm:linClrLst>
+    <dgm:effectClrLst/>
+    <dgm:txLinClrLst/>
+    <dgm:txFillClrLst/>
+    <dgm:txEffectClrLst/>
+  </dgm:styleLbl>
+  <dgm:styleLbl name="node1">
+    <dgm:fillClrLst meth="repeat">
+      <a:schemeClr val="accent3"/>
+    </dgm:fillClrLst>
+    <dgm:linClrLst meth="repeat">
+      <a:schemeClr val="lt1"/>
+    </dgm:linClrLst>
+    <dgm:effectClrLst/>
+    <dgm:txLinClrLst/>
+    <dgm:txFillClrLst/>
+    <dgm:txEffectClrLst/>
+  </dgm:styleLbl>
+  <dgm:styleLbl name="alignNode1">
+    <dgm:fillClrLst meth="repeat">
+      <a:schemeClr val="accent3"/>
+    </dgm:fillClrLst>
+    <dgm:linClrLst meth="repeat">
+      <a:schemeClr val="accent3"/>
+    </dgm:linClrLst>
+    <dgm:effectClrLst/>
+    <dgm:txLinClrLst/>
+    <dgm:txFillClrLst/>
+    <dgm:txEffectClrLst/>
+  </dgm:styleLbl>
+  <dgm:styleLbl name="lnNode1">
+    <dgm:fillClrLst meth="repeat">
+      <a:schemeClr val="accent3"/>
+    </dgm:fillClrLst>
+    <dgm:linClrLst meth="repeat">
+      <a:schemeClr val="lt1"/>
+    </dgm:linClrLst>
+    <dgm:effectClrLst/>
+    <dgm:txLinClrLst/>
+    <dgm:txFillClrLst/>
+    <dgm:txEffectClrLst/>
+  </dgm:styleLbl>
+  <dgm:styleLbl name="vennNode1">
+    <dgm:fillClrLst meth="repeat">
+      <a:schemeClr val="accent3">
+        <a:alpha val="50000"/>
+      </a:schemeClr>
+    </dgm:fillClrLst>
+    <dgm:linClrLst meth="repeat">
+      <a:schemeClr val="lt1"/>
+    </dgm:linClrLst>
+    <dgm:effectClrLst/>
+    <dgm:txLinClrLst/>
+    <dgm:txFillClrLst/>
+    <dgm:txEffectClrLst/>
+  </dgm:styleLbl>
+  <dgm:styleLbl name="node2">
+    <dgm:fillClrLst meth="repeat">
+      <a:schemeClr val="accent3"/>
+    </dgm:fillClrLst>
+    <dgm:linClrLst meth="repeat">
+      <a:schemeClr val="lt1"/>
+    </dgm:linClrLst>
+    <dgm:effectClrLst/>
+    <dgm:txLinClrLst/>
+    <dgm:txFillClrLst/>
+    <dgm:txEffectClrLst/>
+  </dgm:styleLbl>
+  <dgm:styleLbl name="node3">
+    <dgm:fillClrLst meth="repeat">
+      <a:schemeClr val="accent3"/>
+    </dgm:fillClrLst>
+    <dgm:linClrLst meth="repeat">
+      <a:schemeClr val="lt1"/>
+    </dgm:linClrLst>
+    <dgm:effectClrLst/>
+    <dgm:txLinClrLst/>
+    <dgm:txFillClrLst/>
+    <dgm:txEffectClrLst/>
+  </dgm:styleLbl>
+  <dgm:styleLbl name="node4">
+    <dgm:fillClrLst meth="repeat">
+      <a:schemeClr val="accent3"/>
+    </dgm:fillClrLst>
+    <dgm:linClrLst meth="repeat">
+      <a:schemeClr val="lt1"/>
+    </dgm:linClrLst>
+    <dgm:effectClrLst/>
+    <dgm:txLinClrLst/>
+    <dgm:txFillClrLst/>
+    <dgm:txEffectClrLst/>
+  </dgm:styleLbl>
+  <dgm:styleLbl name="fgImgPlace1">
+    <dgm:fillClrLst meth="repeat">
+      <a:schemeClr val="accent3">
+        <a:tint val="50000"/>
+      </a:schemeClr>
+    </dgm:fillClrLst>
+    <dgm:linClrLst meth="repeat">
+      <a:schemeClr val="lt1"/>
+    </dgm:linClrLst>
+    <dgm:effectClrLst/>
+    <dgm:txLinClrLst/>
+    <dgm:txFillClrLst meth="repeat">
+      <a:schemeClr val="lt1"/>
+    </dgm:txFillClrLst>
+    <dgm:txEffectClrLst/>
+  </dgm:styleLbl>
+  <dgm:styleLbl name="alignImgPlace1">
+    <dgm:fillClrLst meth="repeat">
+      <a:schemeClr val="accent3">
+        <a:tint val="50000"/>
+      </a:schemeClr>
+    </dgm:fillClrLst>
+    <dgm:linClrLst meth="repeat">
+      <a:schemeClr val="lt1"/>
+    </dgm:linClrLst>
+    <dgm:effectClrLst/>
+    <dgm:txLinClrLst/>
+    <dgm:txFillClrLst meth="repeat">
+      <a:schemeClr val="lt1"/>
+    </dgm:txFillClrLst>
+    <dgm:txEffectClrLst/>
+  </dgm:styleLbl>
+  <dgm:styleLbl name="bgImgPlace1">
+    <dgm:fillClrLst meth="repeat">
+      <a:schemeClr val="accent3">
+        <a:tint val="50000"/>
+      </a:schemeClr>
+    </dgm:fillClrLst>
+    <dgm:linClrLst meth="repeat">
+      <a:schemeClr val="lt1"/>
+    </dgm:linClrLst>
+    <dgm:effectClrLst/>
+    <dgm:txLinClrLst/>
+    <dgm:txFillClrLst meth="repeat">
+      <a:schemeClr val="lt1"/>
+    </dgm:txFillClrLst>
+    <dgm:txEffectClrLst/>
+  </dgm:styleLbl>
+  <dgm:styleLbl name="sibTrans2D1">
+    <dgm:fillClrLst meth="repeat">
+      <a:schemeClr val="accent3">
+        <a:tint val="60000"/>
+      </a:schemeClr>
+    </dgm:fillClrLst>
+    <dgm:linClrLst meth="repeat">
+      <a:schemeClr val="accent3">
+        <a:tint val="60000"/>
+      </a:schemeClr>
+    </dgm:linClrLst>
+    <dgm:effectClrLst/>
+    <dgm:txLinClrLst/>
+    <dgm:txFillClrLst/>
+    <dgm:txEffectClrLst/>
+  </dgm:styleLbl>
+  <dgm:styleLbl name="fgSibTrans2D1">
+    <dgm:fillClrLst meth="repeat">
+      <a:schemeClr val="accent3">
+        <a:tint val="60000"/>
+      </a:schemeClr>
+    </dgm:fillClrLst>
+    <dgm:linClrLst meth="repeat">
+      <a:schemeClr val="accent3">
+        <a:tint val="60000"/>
+      </a:schemeClr>
+    </dgm:linClrLst>
+    <dgm:effectClrLst/>
+    <dgm:txLinClrLst/>
+    <dgm:txFillClrLst/>
+    <dgm:txEffectClrLst/>
+  </dgm:styleLbl>
+  <dgm:styleLbl name="bgSibTrans2D1">
+    <dgm:fillClrLst meth="repeat">
+      <a:schemeClr val="accent3">
+        <a:tint val="60000"/>
+      </a:schemeClr>
+    </dgm:fillClrLst>
+    <dgm:linClrLst meth="repeat">
+      <a:schemeClr val="accent3">
+        <a:tint val="60000"/>
+      </a:schemeClr>
+    </dgm:linClrLst>
+    <dgm:effectClrLst/>
+    <dgm:txLinClrLst/>
+    <dgm:txFillClrLst/>
+    <dgm:txEffectClrLst/>
+  </dgm:styleLbl>
+  <dgm:styleLbl name="sibTrans1D1">
+    <dgm:fillClrLst meth="repeat">
+      <a:schemeClr val="accent3"/>
+    </dgm:fillClrLst>
+    <dgm:linClrLst meth="repeat">
+      <a:schemeClr val="accent3"/>
+    </dgm:linClrLst>
+    <dgm:effectClrLst/>
+    <dgm:txLinClrLst/>
+    <dgm:txFillClrLst meth="repeat">
+      <a:schemeClr val="tx1"/>
+    </dgm:txFillClrLst>
+    <dgm:txEffectClrLst/>
+  </dgm:styleLbl>
+  <dgm:styleLbl name="callout">
+    <dgm:fillClrLst meth="repeat">
+      <a:schemeClr val="accent3"/>
+    </dgm:fillClrLst>
+    <dgm:linClrLst meth="repeat">
+      <a:schemeClr val="accent3">
+        <a:tint val="50000"/>
+      </a:schemeClr>
+    </dgm:linClrLst>
+    <dgm:effectClrLst/>
+    <dgm:txLinClrLst/>
+    <dgm:txFillClrLst meth="repeat">
+      <a:schemeClr val="tx1"/>
+    </dgm:txFillClrLst>
+    <dgm:txEffectClrLst/>
+  </dgm:styleLbl>
+  <dgm:styleLbl name="asst0">
+    <dgm:fillClrLst meth="repeat">
+      <a:schemeClr val="accent3"/>
+    </dgm:fillClrLst>
+    <dgm:linClrLst meth="repeat">
+      <a:schemeClr val="lt1"/>
+    </dgm:linClrLst>
+    <dgm:effectClrLst/>
+    <dgm:txLinClrLst/>
+    <dgm:txFillClrLst/>
+    <dgm:txEffectClrLst/>
+  </dgm:styleLbl>
+  <dgm:styleLbl name="asst1">
+    <dgm:fillClrLst meth="repeat">
+      <a:schemeClr val="accent3"/>
+    </dgm:fillClrLst>
+    <dgm:linClrLst meth="repeat">
+      <a:schemeClr val="lt1"/>
+    </dgm:linClrLst>
+    <dgm:effectClrLst/>
+    <dgm:txLinClrLst/>
+    <dgm:txFillClrLst/>
+    <dgm:txEffectClrLst/>
+  </dgm:styleLbl>
+  <dgm:styleLbl name="asst2">
+    <dgm:fillClrLst meth="repeat">
+      <a:schemeClr val="accent3"/>
+    </dgm:fillClrLst>
+    <dgm:linClrLst meth="repeat">
+      <a:schemeClr val="lt1"/>
+    </dgm:linClrLst>
+    <dgm:effectClrLst/>
+    <dgm:txLinClrLst/>
+    <dgm:txFillClrLst/>
+    <dgm:txEffectClrLst/>
+  </dgm:styleLbl>
+  <dgm:styleLbl name="asst3">
+    <dgm:fillClrLst meth="repeat">
+      <a:schemeClr val="accent3"/>
+    </dgm:fillClrLst>
+    <dgm:linClrLst meth="repeat">
+      <a:schemeClr val="lt1"/>
+    </dgm:linClrLst>
+    <dgm:effectClrLst/>
+    <dgm:txLinClrLst/>
+    <dgm:txFillClrLst/>
+    <dgm:txEffectClrLst/>
+  </dgm:styleLbl>
+  <dgm:styleLbl name="asst4">
+    <dgm:fillClrLst meth="repeat">
+      <a:schemeClr val="accent3"/>
+    </dgm:fillClrLst>
+    <dgm:linClrLst meth="repeat">
+      <a:schemeClr val="lt1"/>
+    </dgm:linClrLst>
+    <dgm:effectClrLst/>
+    <dgm:txLinClrLst/>
+    <dgm:txFillClrLst/>
+    <dgm:txEffectClrLst/>
+  </dgm:styleLbl>
+  <dgm:styleLbl name="parChTrans2D1">
+    <dgm:fillClrLst meth="repeat">
+      <a:schemeClr val="accent3">
+        <a:tint val="60000"/>
+      </a:schemeClr>
+    </dgm:fillClrLst>
+    <dgm:linClrLst meth="repeat">
+      <a:schemeClr val="accent3">
+        <a:tint val="60000"/>
+      </a:schemeClr>
+    </dgm:linClrLst>
+    <dgm:effectClrLst/>
+    <dgm:txLinClrLst/>
+    <dgm:txFillClrLst meth="repeat">
+      <a:schemeClr val="lt1"/>
+    </dgm:txFillClrLst>
+    <dgm:txEffectClrLst/>
+  </dgm:styleLbl>
+  <dgm:styleLbl name="parChTrans2D2">
+    <dgm:fillClrLst meth="repeat">
+      <a:schemeClr val="accent3"/>
+    </dgm:fillClrLst>
+    <dgm:linClrLst meth="repeat">
+      <a:schemeClr val="accent3"/>
+    </dgm:linClrLst>
+    <dgm:effectClrLst/>
+    <dgm:txLinClrLst/>
+    <dgm:txFillClrLst meth="repeat">
+      <a:schemeClr val="lt1"/>
+    </dgm:txFillClrLst>
+    <dgm:txEffectClrLst/>
+  </dgm:styleLbl>
+  <dgm:styleLbl name="parChTrans2D3">
+    <dgm:fillClrLst meth="repeat">
+      <a:schemeClr val="accent3"/>
+    </dgm:fillClrLst>
+    <dgm:linClrLst meth="repeat">
+      <a:schemeClr val="accent3"/>
+    </dgm:linClrLst>
+    <dgm:effectClrLst/>
+    <dgm:txLinClrLst/>
+    <dgm:txFillClrLst meth="repeat">
+      <a:schemeClr val="lt1"/>
+    </dgm:txFillClrLst>
+    <dgm:txEffectClrLst/>
+  </dgm:styleLbl>
+  <dgm:styleLbl name="parChTrans2D4">
+    <dgm:fillClrLst meth="repeat">
+      <a:schemeClr val="accent3"/>
+    </dgm:fillClrLst>
+    <dgm:linClrLst meth="repeat">
+      <a:schemeClr val="accent3"/>
+    </dgm:linClrLst>
+    <dgm:effectClrLst/>
+    <dgm:txLinClrLst/>
+    <dgm:txFillClrLst meth="repeat">
+      <a:schemeClr val="lt1"/>
+    </dgm:txFillClrLst>
+    <dgm:txEffectClrLst/>
+  </dgm:styleLbl>
+  <dgm:styleLbl name="parChTrans1D1">
+    <dgm:fillClrLst meth="repeat">
+      <a:schemeClr val="accent3"/>
+    </dgm:fillClrLst>
+    <dgm:linClrLst meth="repeat">
+      <a:schemeClr val="accent3">
+        <a:shade val="60000"/>
+      </a:schemeClr>
+    </dgm:linClrLst>
+    <dgm:effectClrLst/>
+    <dgm:txLinClrLst/>
+    <dgm:txFillClrLst meth="repeat">
+      <a:schemeClr val="tx1"/>
+    </dgm:txFillClrLst>
+    <dgm:txEffectClrLst/>
+  </dgm:styleLbl>
+  <dgm:styleLbl name="parChTrans1D2">
+    <dgm:fillClrLst meth="repeat">
+      <a:schemeClr val="accent3"/>
+    </dgm:fillClrLst>
+    <dgm:linClrLst meth="repeat">
+      <a:schemeClr val="accent3">
+        <a:shade val="60000"/>
+      </a:schemeClr>
+    </dgm:linClrLst>
+    <dgm:effectClrLst/>
+    <dgm:txLinClrLst/>
+    <dgm:txFillClrLst meth="repeat">
+      <a:schemeClr val="tx1"/>
+    </dgm:txFillClrLst>
+    <dgm:txEffectClrLst/>
+  </dgm:styleLbl>
+  <dgm:styleLbl name="parChTrans1D3">
+    <dgm:fillClrLst meth="repeat">
+      <a:schemeClr val="accent3"/>
+    </dgm:fillClrLst>
+    <dgm:linClrLst meth="repeat">
+      <a:schemeClr val="accent3">
+        <a:shade val="80000"/>
+      </a:schemeClr>
+    </dgm:linClrLst>
+    <dgm:effectClrLst/>
+    <dgm:txLinClrLst/>
+    <dgm:txFillClrLst meth="repeat">
+      <a:schemeClr val="tx1"/>
+    </dgm:txFillClrLst>
+    <dgm:txEffectClrLst/>
+  </dgm:styleLbl>
+  <dgm:styleLbl name="parChTrans1D4">
+    <dgm:fillClrLst meth="repeat">
+      <a:schemeClr val="accent3"/>
+    </dgm:fillClrLst>
+    <dgm:linClrLst meth="repeat">
+      <a:schemeClr val="accent3">
+        <a:shade val="80000"/>
+      </a:schemeClr>
+    </dgm:linClrLst>
+    <dgm:effectClrLst/>
+    <dgm:txLinClrLst/>
+    <dgm:txFillClrLst meth="repeat">
+      <a:schemeClr val="tx1"/>
+    </dgm:txFillClrLst>
+    <dgm:txEffectClrLst/>
+  </dgm:styleLbl>
+  <dgm:styleLbl name="fgAcc1">
+    <dgm:fillClrLst meth="repeat">
+      <a:schemeClr val="lt1">
+        <a:alpha val="90000"/>
+      </a:schemeClr>
+    </dgm:fillClrLst>
+    <dgm:linClrLst meth="repeat">
+      <a:schemeClr val="accent3"/>
+    </dgm:linClrLst>
+    <dgm:effectClrLst/>
+    <dgm:txLinClrLst/>
+    <dgm:txFillClrLst meth="repeat">
+      <a:schemeClr val="dk1"/>
+    </dgm:txFillClrLst>
+    <dgm:txEffectClrLst/>
+  </dgm:styleLbl>
+  <dgm:styleLbl name="conFgAcc1">
+    <dgm:fillClrLst meth="repeat">
+      <a:schemeClr val="lt1">
+        <a:alpha val="90000"/>
+      </a:schemeClr>
+    </dgm:fillClrLst>
+    <dgm:linClrLst meth="repeat">
+      <a:schemeClr val="accent3"/>
+    </dgm:linClrLst>
+    <dgm:effectClrLst/>
+    <dgm:txLinClrLst/>
+    <dgm:txFillClrLst meth="repeat">
+      <a:schemeClr val="dk1"/>
+    </dgm:txFillClrLst>
+    <dgm:txEffectClrLst/>
+  </dgm:styleLbl>
+  <dgm:styleLbl name="alignAcc1">
+    <dgm:fillClrLst meth="repeat">
+      <a:schemeClr val="lt1">
+        <a:alpha val="90000"/>
+      </a:schemeClr>
+    </dgm:fillClrLst>
+    <dgm:linClrLst meth="repeat">
+      <a:schemeClr val="accent3"/>
+    </dgm:linClrLst>
+    <dgm:effectClrLst/>
+    <dgm:txLinClrLst/>
+    <dgm:txFillClrLst meth="repeat">
+      <a:schemeClr val="dk1"/>
+    </dgm:txFillClrLst>
+    <dgm:txEffectClrLst/>
+  </dgm:styleLbl>
+  <dgm:styleLbl name="trAlignAcc1">
+    <dgm:fillClrLst meth="repeat">
+      <a:schemeClr val="lt1">
+        <a:alpha val="40000"/>
+      </a:schemeClr>
+    </dgm:fillClrLst>
+    <dgm:linClrLst meth="repeat">
+      <a:schemeClr val="accent3"/>
+    </dgm:linClrLst>
+    <dgm:effectClrLst/>
+    <dgm:txLinClrLst/>
+    <dgm:txFillClrLst meth="repeat">
+      <a:schemeClr val="dk1"/>
+    </dgm:txFillClrLst>
+    <dgm:txEffectClrLst/>
+  </dgm:styleLbl>
+  <dgm:styleLbl name="bgAcc1">
+    <dgm:fillClrLst meth="repeat">
+      <a:schemeClr val="lt1">
+        <a:alpha val="90000"/>
+      </a:schemeClr>
+    </dgm:fillClrLst>
+    <dgm:linClrLst meth="repeat">
+      <a:schemeClr val="accent3"/>
+    </dgm:linClrLst>
+    <dgm:effectClrLst/>
+    <dgm:txLinClrLst/>
+    <dgm:txFillClrLst meth="repeat">
+      <a:schemeClr val="dk1"/>
+    </dgm:txFillClrLst>
+    <dgm:txEffectClrLst/>
+  </dgm:styleLbl>
+  <dgm:styleLbl name="solidFgAcc1">
+    <dgm:fillClrLst meth="repeat">
+      <a:schemeClr val="lt1"/>
+    </dgm:fillClrLst>
+    <dgm:linClrLst meth="repeat">
+      <a:schemeClr val="accent3"/>
+    </dgm:linClrLst>
+    <dgm:effectClrLst/>
+    <dgm:txLinClrLst/>
+    <dgm:txFillClrLst meth="repeat">
+      <a:schemeClr val="dk1"/>
+    </dgm:txFillClrLst>
+    <dgm:txEffectClrLst/>
+  </dgm:styleLbl>
+  <dgm:styleLbl name="solidAlignAcc1">
+    <dgm:fillClrLst meth="repeat">
+      <a:schemeClr val="lt1"/>
+    </dgm:fillClrLst>
+    <dgm:linClrLst meth="repeat">
+      <a:schemeClr val="accent3"/>
+    </dgm:linClrLst>
+    <dgm:effectClrLst/>
+    <dgm:txLinClrLst/>
+    <dgm:txFillClrLst meth="repeat">
+      <a:schemeClr val="dk1"/>
+    </dgm:txFillClrLst>
+    <dgm:txEffectClrLst/>
+  </dgm:styleLbl>
+  <dgm:styleLbl name="solidBgAcc1">
+    <dgm:fillClrLst meth="repeat">
+      <a:schemeClr val="lt1"/>
+    </dgm:fillClrLst>
+    <dgm:linClrLst meth="repeat">
+      <a:schemeClr val="accent3"/>
+    </dgm:linClrLst>
+    <dgm:effectClrLst/>
+    <dgm:txLinClrLst/>
+    <dgm:txFillClrLst meth="repeat">
+      <a:schemeClr val="dk1"/>
+    </dgm:txFillClrLst>
+    <dgm:txEffectClrLst/>
+  </dgm:styleLbl>
+  <dgm:styleLbl name="fgAccFollowNode1">
+    <dgm:fillClrLst meth="repeat">
+      <a:schemeClr val="accent3">
+        <a:alpha val="90000"/>
+        <a:tint val="40000"/>
+      </a:schemeClr>
+    </dgm:fillClrLst>
+    <dgm:linClrLst meth="repeat">
+      <a:schemeClr val="accent3">
+        <a:alpha val="90000"/>
+        <a:tint val="40000"/>
+      </a:schemeClr>
+    </dgm:linClrLst>
+    <dgm:effectClrLst/>
+    <dgm:txLinClrLst/>
+    <dgm:txFillClrLst meth="repeat">
+      <a:schemeClr val="dk1"/>
+    </dgm:txFillClrLst>
+    <dgm:txEffectClrLst/>
+  </dgm:styleLbl>
+  <dgm:styleLbl name="alignAccFollowNode1">
+    <dgm:fillClrLst meth="repeat">
+      <a:schemeClr val="accent3">
+        <a:alpha val="90000"/>
+        <a:tint val="40000"/>
+      </a:schemeClr>
+    </dgm:fillClrLst>
+    <dgm:linClrLst meth="repeat">
+      <a:schemeClr val="accent3">
+        <a:alpha val="90000"/>
+        <a:tint val="40000"/>
+      </a:schemeClr>
+    </dgm:linClrLst>
+    <dgm:effectClrLst/>
+    <dgm:txLinClrLst/>
+    <dgm:txFillClrLst meth="repeat">
+      <a:schemeClr val="dk1"/>
+    </dgm:txFillClrLst>
+    <dgm:txEffectClrLst/>
+  </dgm:styleLbl>
+  <dgm:styleLbl name="bgAccFollowNode1">
+    <dgm:fillClrLst meth="repeat">
+      <a:schemeClr val="accent3">
+        <a:alpha val="90000"/>
+        <a:tint val="40000"/>
+      </a:schemeClr>
+    </dgm:fillClrLst>
+    <dgm:linClrLst meth="repeat">
+      <a:schemeClr val="accent3">
+        <a:alpha val="90000"/>
+        <a:tint val="40000"/>
+      </a:schemeClr>
+    </dgm:linClrLst>
+    <dgm:effectClrLst/>
+    <dgm:txLinClrLst/>
+    <dgm:txFillClrLst meth="repeat">
+      <a:schemeClr val="dk1"/>
+    </dgm:txFillClrLst>
+    <dgm:txEffectClrLst/>
+  </dgm:styleLbl>
+  <dgm:styleLbl name="fgAcc0">
+    <dgm:fillClrLst meth="repeat">
+      <a:schemeClr val="lt1">
+        <a:alpha val="90000"/>
+      </a:schemeClr>
+    </dgm:fillClrLst>
+    <dgm:linClrLst meth="repeat">
+      <a:schemeClr val="accent3"/>
+    </dgm:linClrLst>
+    <dgm:effectClrLst/>
+    <dgm:txLinClrLst/>
+    <dgm:txFillClrLst meth="repeat">
+      <a:schemeClr val="dk1"/>
+    </dgm:txFillClrLst>
+    <dgm:txEffectClrLst/>
+  </dgm:styleLbl>
+  <dgm:styleLbl name="fgAcc2">
+    <dgm:fillClrLst meth="repeat">
+      <a:schemeClr val="lt1">
+        <a:alpha val="90000"/>
+      </a:schemeClr>
+    </dgm:fillClrLst>
+    <dgm:linClrLst meth="repeat">
+      <a:schemeClr val="accent3"/>
+    </dgm:linClrLst>
+    <dgm:effectClrLst/>
+    <dgm:txLinClrLst/>
+    <dgm:txFillClrLst meth="repeat">
+      <a:schemeClr val="dk1"/>
+    </dgm:txFillClrLst>
+    <dgm:txEffectClrLst/>
+  </dgm:styleLbl>
+  <dgm:styleLbl name="fgAcc3">
+    <dgm:fillClrLst meth="repeat">
+      <a:schemeClr val="lt1">
+        <a:alpha val="90000"/>
+      </a:schemeClr>
+    </dgm:fillClrLst>
+    <dgm:linClrLst meth="repeat">
+      <a:schemeClr val="accent3"/>
+    </dgm:linClrLst>
+    <dgm:effectClrLst/>
+    <dgm:txLinClrLst/>
+    <dgm:txFillClrLst meth="repeat">
+      <a:schemeClr val="dk1"/>
+    </dgm:txFillClrLst>
+    <dgm:txEffectClrLst/>
+  </dgm:styleLbl>
+  <dgm:styleLbl name="fgAcc4">
+    <dgm:fillClrLst meth="repeat">
+      <a:schemeClr val="lt1">
+        <a:alpha val="90000"/>
+      </a:schemeClr>
+    </dgm:fillClrLst>
+    <dgm:linClrLst meth="repeat">
+      <a:schemeClr val="accent3"/>
+    </dgm:linClrLst>
+    <dgm:effectClrLst/>
+    <dgm:txLinClrLst/>
+    <dgm:txFillClrLst meth="repeat">
+      <a:schemeClr val="dk1"/>
+    </dgm:txFillClrLst>
+    <dgm:txEffectClrLst/>
+  </dgm:styleLbl>
+  <dgm:styleLbl name="bgShp">
+    <dgm:fillClrLst meth="repeat">
+      <a:schemeClr val="accent3">
+        <a:tint val="40000"/>
+      </a:schemeClr>
+    </dgm:fillClrLst>
+    <dgm:linClrLst meth="repeat">
+      <a:schemeClr val="accent3"/>
+    </dgm:linClrLst>
+    <dgm:effectClrLst/>
+    <dgm:txLinClrLst/>
+    <dgm:txFillClrLst meth="repeat">
+      <a:schemeClr val="dk1"/>
+    </dgm:txFillClrLst>
+    <dgm:txEffectClrLst/>
+  </dgm:styleLbl>
+  <dgm:styleLbl name="dkBgShp">
+    <dgm:fillClrLst meth="repeat">
+      <a:schemeClr val="accent3">
+        <a:shade val="80000"/>
+      </a:schemeClr>
+    </dgm:fillClrLst>
+    <dgm:linClrLst meth="repeat">
+      <a:schemeClr val="accent3"/>
+    </dgm:linClrLst>
+    <dgm:effectClrLst/>
+    <dgm:txLinClrLst/>
+    <dgm:txFillClrLst meth="repeat">
+      <a:schemeClr val="lt1"/>
+    </dgm:txFillClrLst>
+    <dgm:txEffectClrLst/>
+  </dgm:styleLbl>
+  <dgm:styleLbl name="trBgShp">
+    <dgm:fillClrLst meth="repeat">
+      <a:schemeClr val="accent3">
+        <a:tint val="50000"/>
+        <a:alpha val="40000"/>
+      </a:schemeClr>
+    </dgm:fillClrLst>
+    <dgm:linClrLst meth="repeat">
+      <a:schemeClr val="accent3"/>
+    </dgm:linClrLst>
+    <dgm:effectClrLst/>
+    <dgm:txLinClrLst/>
+    <dgm:txFillClrLst meth="repeat">
+      <a:schemeClr val="lt1"/>
+    </dgm:txFillClrLst>
+    <dgm:txEffectClrLst/>
+  </dgm:styleLbl>
+  <dgm:styleLbl name="fgShp">
+    <dgm:fillClrLst meth="repeat">
+      <a:schemeClr val="accent3">
+        <a:tint val="60000"/>
+      </a:schemeClr>
+    </dgm:fillClrLst>
+    <dgm:linClrLst meth="repeat">
+      <a:schemeClr val="lt1"/>
+    </dgm:linClrLst>
+    <dgm:effectClrLst/>
+    <dgm:txLinClrLst/>
+    <dgm:txFillClrLst meth="repeat">
+      <a:schemeClr val="dk1"/>
+    </dgm:txFillClrLst>
+    <dgm:txEffectClrLst/>
+  </dgm:styleLbl>
+  <dgm:styleLbl name="revTx">
+    <dgm:fillClrLst meth="repeat">
+      <a:schemeClr val="lt1">
+        <a:alpha val="0"/>
+      </a:schemeClr>
+    </dgm:fillClrLst>
+    <dgm:linClrLst meth="repeat">
+      <a:schemeClr val="dk1">
+        <a:alpha val="0"/>
+      </a:schemeClr>
+    </dgm:linClrLst>
+    <dgm:effectClrLst/>
+    <dgm:txLinClrLst/>
+    <dgm:txFillClrLst meth="repeat">
+      <a:schemeClr val="tx1"/>
+    </dgm:txFillClrLst>
+    <dgm:txEffectClrLst/>
+  </dgm:styleLbl>
+</dgm:colorsDef>
+</file>
+
+<file path=ppt/diagrams/colors4.xml><?xml version="1.0" encoding="utf-8"?>
 <dgm:colorsDef xmlns:dgm="http://schemas.openxmlformats.org/drawingml/2006/diagram" xmlns:a="http://schemas.openxmlformats.org/drawingml/2006/main" uniqueId="urn:microsoft.com/office/officeart/2005/8/colors/accent0_2">
   <dgm:title val=""/>
   <dgm:desc val=""/>
@@ -1735,7 +3490,7 @@
 </dgm:colorsDef>
 </file>
 
-<file path=ppt/diagrams/colors3.xml><?xml version="1.0" encoding="utf-8"?>
+<file path=ppt/diagrams/colors5.xml><?xml version="1.0" encoding="utf-8"?>
 <dgm:colorsDef xmlns:dgm="http://schemas.openxmlformats.org/drawingml/2006/diagram" xmlns:a="http://schemas.openxmlformats.org/drawingml/2006/main" uniqueId="urn:microsoft.com/office/officeart/2005/8/colors/accent0_2">
   <dgm:title val=""/>
   <dgm:desc val=""/>
@@ -3092,6 +4847,1206 @@
 <file path=ppt/diagrams/data2.xml><?xml version="1.0" encoding="utf-8"?>
 <dgm:dataModel xmlns:dgm="http://schemas.openxmlformats.org/drawingml/2006/diagram" xmlns:a="http://schemas.openxmlformats.org/drawingml/2006/main">
   <dgm:ptLst>
+    <dgm:pt modelId="{AB386464-54B2-4420-B563-C3BF0DF83EEF}" type="doc">
+      <dgm:prSet loTypeId="urn:microsoft.com/office/officeart/2008/layout/LinedList" loCatId="list" qsTypeId="urn:microsoft.com/office/officeart/2005/8/quickstyle/simple1" qsCatId="simple" csTypeId="urn:microsoft.com/office/officeart/2005/8/colors/colorful1" csCatId="colorful" phldr="1"/>
+      <dgm:spPr/>
+      <dgm:t>
+        <a:bodyPr/>
+        <a:lstStyle/>
+        <a:p>
+          <a:endParaRPr lang="en-US"/>
+        </a:p>
+      </dgm:t>
+    </dgm:pt>
+    <dgm:pt modelId="{0DE62FAE-9088-4707-BEAD-5EA59EC1870C}">
+      <dgm:prSet/>
+      <dgm:spPr/>
+      <dgm:t>
+        <a:bodyPr/>
+        <a:lstStyle/>
+        <a:p>
+          <a:pPr rtl="0"/>
+          <a:r>
+            <a:rPr lang="en-US" b="1" dirty="0">
+              <a:latin typeface="Calibri"/>
+              <a:ea typeface="Verdana"/>
+              <a:cs typeface="Calibri"/>
+            </a:rPr>
+            <a:t>Tech lead</a:t>
+          </a:r>
+          <a:r>
+            <a:rPr lang="en-US" dirty="0">
+              <a:latin typeface="Calibri"/>
+              <a:ea typeface="Verdana"/>
+              <a:cs typeface="Calibri"/>
+            </a:rPr>
+            <a:t>  - A tech lead is a person responsible for leading a development group. Tech lead guides the technical decision within a team. The responsibility of a tech lead is to drive, lead, motivate the team and its members. He also help the team members to resolve e technical queries/blockers.</a:t>
+          </a:r>
+        </a:p>
+      </dgm:t>
+    </dgm:pt>
+    <dgm:pt modelId="{3CE7E4F1-D241-4540-8F22-710FEE30B61F}" type="parTrans" cxnId="{8E16078C-361F-43EA-BBA7-95451DF81FD2}">
+      <dgm:prSet/>
+      <dgm:spPr/>
+      <dgm:t>
+        <a:bodyPr/>
+        <a:lstStyle/>
+        <a:p>
+          <a:endParaRPr lang="en-US"/>
+        </a:p>
+      </dgm:t>
+    </dgm:pt>
+    <dgm:pt modelId="{D0355329-B943-4688-9FCA-5696AFB5155B}" type="sibTrans" cxnId="{8E16078C-361F-43EA-BBA7-95451DF81FD2}">
+      <dgm:prSet/>
+      <dgm:spPr/>
+      <dgm:t>
+        <a:bodyPr/>
+        <a:lstStyle/>
+        <a:p>
+          <a:endParaRPr lang="en-US"/>
+        </a:p>
+      </dgm:t>
+    </dgm:pt>
+    <dgm:pt modelId="{757D02AE-CE79-4AD9-B92A-C1AB8E379C96}">
+      <dgm:prSet/>
+      <dgm:spPr/>
+      <dgm:t>
+        <a:bodyPr/>
+        <a:lstStyle/>
+        <a:p>
+          <a:pPr rtl="0"/>
+          <a:r>
+            <a:rPr lang="en-US" b="1" dirty="0">
+              <a:latin typeface="Calibri"/>
+              <a:ea typeface="Verdana"/>
+              <a:cs typeface="Calibri"/>
+            </a:rPr>
+            <a:t>Developers </a:t>
+          </a:r>
+          <a:r>
+            <a:rPr lang="en-US" dirty="0">
+              <a:latin typeface="Calibri"/>
+              <a:ea typeface="Verdana"/>
+              <a:cs typeface="Calibri"/>
+            </a:rPr>
+            <a:t>- They are cross functional and cross skilled self-organizing team members. They are responsible for developing the code as per the planned sprint to achieve the sprint goals. They are also responsible for estimating the stories and sprint planning. In ideal scrum team developers are consists of Front-end Developers, Backend Developers, Dev-Ops, QA Experts, Business Analyst, DBA etc.</a:t>
+          </a:r>
+        </a:p>
+      </dgm:t>
+    </dgm:pt>
+    <dgm:pt modelId="{EE191C55-B66D-4582-B248-86293BE5BCD6}" type="parTrans" cxnId="{9B7CE718-D56D-4221-91DC-D5E8D8BEECE5}">
+      <dgm:prSet/>
+      <dgm:spPr/>
+      <dgm:t>
+        <a:bodyPr/>
+        <a:lstStyle/>
+        <a:p>
+          <a:endParaRPr lang="en-US"/>
+        </a:p>
+      </dgm:t>
+    </dgm:pt>
+    <dgm:pt modelId="{784479ED-C6F7-4BBC-B80E-225C4F681C56}" type="sibTrans" cxnId="{9B7CE718-D56D-4221-91DC-D5E8D8BEECE5}">
+      <dgm:prSet/>
+      <dgm:spPr/>
+      <dgm:t>
+        <a:bodyPr/>
+        <a:lstStyle/>
+        <a:p>
+          <a:endParaRPr lang="en-US"/>
+        </a:p>
+      </dgm:t>
+    </dgm:pt>
+    <dgm:pt modelId="{7B9AB8DF-23FD-4230-8167-1F1AB23FA96C}">
+      <dgm:prSet/>
+      <dgm:spPr/>
+      <dgm:t>
+        <a:bodyPr/>
+        <a:lstStyle/>
+        <a:p>
+          <a:pPr rtl="0"/>
+          <a:r>
+            <a:rPr lang="en-US" b="1" dirty="0">
+              <a:latin typeface="Calibri"/>
+              <a:ea typeface="Verdana"/>
+              <a:cs typeface="Calibri"/>
+            </a:rPr>
+            <a:t>QA engineer - </a:t>
+          </a:r>
+          <a:r>
+            <a:rPr lang="en-US" dirty="0">
+              <a:latin typeface="Calibri"/>
+              <a:ea typeface="Verdana"/>
+              <a:cs typeface="Calibri"/>
+            </a:rPr>
+            <a:t>QA engineer analyze the requirement, write and execute the test cases to make sure the product meets its specifications or requirements. They are responsible for finding bugs in the product, which is under test and thereby helping to improve the product quality.  </a:t>
+          </a:r>
+        </a:p>
+      </dgm:t>
+    </dgm:pt>
+    <dgm:pt modelId="{4F83D531-36DA-491F-BA3B-B6756F9586B1}" type="parTrans" cxnId="{368EC4CC-1DD4-4FBF-9C4A-026C65B2E610}">
+      <dgm:prSet/>
+      <dgm:spPr/>
+      <dgm:t>
+        <a:bodyPr/>
+        <a:lstStyle/>
+        <a:p>
+          <a:endParaRPr lang="en-US"/>
+        </a:p>
+      </dgm:t>
+    </dgm:pt>
+    <dgm:pt modelId="{F2B503C7-E19A-4203-AA51-8B027EDDCE08}" type="sibTrans" cxnId="{368EC4CC-1DD4-4FBF-9C4A-026C65B2E610}">
+      <dgm:prSet/>
+      <dgm:spPr/>
+      <dgm:t>
+        <a:bodyPr/>
+        <a:lstStyle/>
+        <a:p>
+          <a:endParaRPr lang="en-US"/>
+        </a:p>
+      </dgm:t>
+    </dgm:pt>
+    <dgm:pt modelId="{0C7EF4E4-31F3-414E-BBA3-A891A10DD2A4}">
+      <dgm:prSet phldr="0"/>
+      <dgm:spPr/>
+      <dgm:t>
+        <a:bodyPr/>
+        <a:lstStyle/>
+        <a:p>
+          <a:pPr rtl="0"/>
+          <a:r>
+            <a:rPr lang="en-US" b="1" dirty="0">
+              <a:latin typeface="Calibri"/>
+              <a:ea typeface="Verdana"/>
+              <a:cs typeface="Calibri"/>
+            </a:rPr>
+            <a:t>DevOps engineer</a:t>
+          </a:r>
+          <a:r>
+            <a:rPr lang="en-US" dirty="0">
+              <a:latin typeface="Calibri"/>
+              <a:ea typeface="Verdana"/>
+              <a:cs typeface="Calibri"/>
+            </a:rPr>
+            <a:t> - </a:t>
+          </a:r>
+          <a:r>
+            <a:rPr lang="en-US" dirty="0" err="1">
+              <a:latin typeface="Calibri"/>
+              <a:ea typeface="Verdana"/>
+              <a:cs typeface="Calibri"/>
+            </a:rPr>
+            <a:t>Devops</a:t>
+          </a:r>
+          <a:r>
+            <a:rPr lang="en-US" dirty="0">
+              <a:latin typeface="Calibri"/>
+              <a:ea typeface="Verdana"/>
+              <a:cs typeface="Calibri"/>
+            </a:rPr>
+            <a:t> engineer is responsible for Designing, building, testing, and maintaining the continuous integration and continuous delivery (CI/CD) process. Automating different phases of the DevOps cycle and monitoring systems for malicious activity</a:t>
+          </a:r>
+        </a:p>
+      </dgm:t>
+    </dgm:pt>
+    <dgm:pt modelId="{6E17482E-7B8C-48FD-A61E-9596972942EA}" type="parTrans" cxnId="{B98ACE3A-BC51-4D2D-980E-BAFC6487A151}">
+      <dgm:prSet/>
+      <dgm:spPr/>
+    </dgm:pt>
+    <dgm:pt modelId="{988EA475-F2AC-4194-B7E3-183069310706}" type="sibTrans" cxnId="{B98ACE3A-BC51-4D2D-980E-BAFC6487A151}">
+      <dgm:prSet/>
+      <dgm:spPr/>
+    </dgm:pt>
+    <dgm:pt modelId="{88637844-CA9C-4896-BB1A-1264FEADF15F}">
+      <dgm:prSet phldr="0"/>
+      <dgm:spPr/>
+      <dgm:t>
+        <a:bodyPr/>
+        <a:lstStyle/>
+        <a:p>
+          <a:r>
+            <a:rPr lang="en-US" b="1" dirty="0">
+              <a:latin typeface="Calibri"/>
+              <a:ea typeface="Verdana"/>
+              <a:cs typeface="Calibri"/>
+            </a:rPr>
+            <a:t>Support engineer</a:t>
+          </a:r>
+          <a:r>
+            <a:rPr lang="en-US" dirty="0">
+              <a:latin typeface="Calibri"/>
+              <a:ea typeface="Verdana"/>
+              <a:cs typeface="Calibri"/>
+            </a:rPr>
+            <a:t> - Support engineer is responsible to review and resolve the production issues. He will be first point of contact in scrum team for any production issue without disturbing the whole team. As per his requirement he will reach out to developer in case he need support in resolving the issues.</a:t>
+          </a:r>
+        </a:p>
+      </dgm:t>
+    </dgm:pt>
+    <dgm:pt modelId="{5B700E0A-00A6-4C9E-82C3-2329E0A7159C}" type="parTrans" cxnId="{A49FAFF8-8368-4EBD-B4FA-4A04295B8C17}">
+      <dgm:prSet/>
+      <dgm:spPr/>
+    </dgm:pt>
+    <dgm:pt modelId="{BF4F6CAE-33F2-49CF-9DCF-6C43BC7424DB}" type="sibTrans" cxnId="{A49FAFF8-8368-4EBD-B4FA-4A04295B8C17}">
+      <dgm:prSet/>
+      <dgm:spPr/>
+    </dgm:pt>
+    <dgm:pt modelId="{8785FB39-6D76-4FC4-9616-385B844B2A28}" type="pres">
+      <dgm:prSet presAssocID="{AB386464-54B2-4420-B563-C3BF0DF83EEF}" presName="vert0" presStyleCnt="0">
+        <dgm:presLayoutVars>
+          <dgm:dir/>
+          <dgm:animOne val="branch"/>
+          <dgm:animLvl val="lvl"/>
+        </dgm:presLayoutVars>
+      </dgm:prSet>
+      <dgm:spPr/>
+    </dgm:pt>
+    <dgm:pt modelId="{11AA961E-6BF6-452F-A785-23364A833DE7}" type="pres">
+      <dgm:prSet presAssocID="{0DE62FAE-9088-4707-BEAD-5EA59EC1870C}" presName="thickLine" presStyleLbl="alignNode1" presStyleIdx="0" presStyleCnt="5"/>
+      <dgm:spPr/>
+    </dgm:pt>
+    <dgm:pt modelId="{FEE95421-DCB2-4EB0-A47F-4963169DA8C3}" type="pres">
+      <dgm:prSet presAssocID="{0DE62FAE-9088-4707-BEAD-5EA59EC1870C}" presName="horz1" presStyleCnt="0"/>
+      <dgm:spPr/>
+    </dgm:pt>
+    <dgm:pt modelId="{4AECA517-DEEC-452F-B867-CC482984D685}" type="pres">
+      <dgm:prSet presAssocID="{0DE62FAE-9088-4707-BEAD-5EA59EC1870C}" presName="tx1" presStyleLbl="revTx" presStyleIdx="0" presStyleCnt="5"/>
+      <dgm:spPr/>
+    </dgm:pt>
+    <dgm:pt modelId="{06A5D386-50A0-48B6-BF90-2F4B632812F5}" type="pres">
+      <dgm:prSet presAssocID="{0DE62FAE-9088-4707-BEAD-5EA59EC1870C}" presName="vert1" presStyleCnt="0"/>
+      <dgm:spPr/>
+    </dgm:pt>
+    <dgm:pt modelId="{79AF55A1-2136-4DD3-BFA7-09E86FE35E97}" type="pres">
+      <dgm:prSet presAssocID="{757D02AE-CE79-4AD9-B92A-C1AB8E379C96}" presName="thickLine" presStyleLbl="alignNode1" presStyleIdx="1" presStyleCnt="5"/>
+      <dgm:spPr/>
+    </dgm:pt>
+    <dgm:pt modelId="{94B37831-34EF-48E9-990E-70D5232232BF}" type="pres">
+      <dgm:prSet presAssocID="{757D02AE-CE79-4AD9-B92A-C1AB8E379C96}" presName="horz1" presStyleCnt="0"/>
+      <dgm:spPr/>
+    </dgm:pt>
+    <dgm:pt modelId="{5956F49E-C3B0-4CAA-B68D-59D03677D907}" type="pres">
+      <dgm:prSet presAssocID="{757D02AE-CE79-4AD9-B92A-C1AB8E379C96}" presName="tx1" presStyleLbl="revTx" presStyleIdx="1" presStyleCnt="5"/>
+      <dgm:spPr/>
+    </dgm:pt>
+    <dgm:pt modelId="{98158B05-2F07-42D6-B742-CD621E55C76C}" type="pres">
+      <dgm:prSet presAssocID="{757D02AE-CE79-4AD9-B92A-C1AB8E379C96}" presName="vert1" presStyleCnt="0"/>
+      <dgm:spPr/>
+    </dgm:pt>
+    <dgm:pt modelId="{1060C546-19FB-41A9-BEBF-BA01DAF267CB}" type="pres">
+      <dgm:prSet presAssocID="{7B9AB8DF-23FD-4230-8167-1F1AB23FA96C}" presName="thickLine" presStyleLbl="alignNode1" presStyleIdx="2" presStyleCnt="5"/>
+      <dgm:spPr/>
+    </dgm:pt>
+    <dgm:pt modelId="{7746B27F-1B21-46AF-B050-3541D30C20DE}" type="pres">
+      <dgm:prSet presAssocID="{7B9AB8DF-23FD-4230-8167-1F1AB23FA96C}" presName="horz1" presStyleCnt="0"/>
+      <dgm:spPr/>
+    </dgm:pt>
+    <dgm:pt modelId="{591F5ACF-0648-47A8-8299-D020D6C44B37}" type="pres">
+      <dgm:prSet presAssocID="{7B9AB8DF-23FD-4230-8167-1F1AB23FA96C}" presName="tx1" presStyleLbl="revTx" presStyleIdx="2" presStyleCnt="5"/>
+      <dgm:spPr/>
+    </dgm:pt>
+    <dgm:pt modelId="{D1828183-5500-4296-A59A-3A272DC021A9}" type="pres">
+      <dgm:prSet presAssocID="{7B9AB8DF-23FD-4230-8167-1F1AB23FA96C}" presName="vert1" presStyleCnt="0"/>
+      <dgm:spPr/>
+    </dgm:pt>
+    <dgm:pt modelId="{7B245826-966E-482A-B565-8321CFE7C90D}" type="pres">
+      <dgm:prSet presAssocID="{0C7EF4E4-31F3-414E-BBA3-A891A10DD2A4}" presName="thickLine" presStyleLbl="alignNode1" presStyleIdx="3" presStyleCnt="5"/>
+      <dgm:spPr/>
+    </dgm:pt>
+    <dgm:pt modelId="{D25296FF-6696-4612-91E2-BB8F47895A58}" type="pres">
+      <dgm:prSet presAssocID="{0C7EF4E4-31F3-414E-BBA3-A891A10DD2A4}" presName="horz1" presStyleCnt="0"/>
+      <dgm:spPr/>
+    </dgm:pt>
+    <dgm:pt modelId="{2697B6D3-9A3D-4119-BC31-56C2942217F1}" type="pres">
+      <dgm:prSet presAssocID="{0C7EF4E4-31F3-414E-BBA3-A891A10DD2A4}" presName="tx1" presStyleLbl="revTx" presStyleIdx="3" presStyleCnt="5"/>
+      <dgm:spPr/>
+    </dgm:pt>
+    <dgm:pt modelId="{4C159E4B-35DB-480A-9B5B-EA34B75B28B7}" type="pres">
+      <dgm:prSet presAssocID="{0C7EF4E4-31F3-414E-BBA3-A891A10DD2A4}" presName="vert1" presStyleCnt="0"/>
+      <dgm:spPr/>
+    </dgm:pt>
+    <dgm:pt modelId="{AE710763-8221-481F-A1D7-893708E3E85C}" type="pres">
+      <dgm:prSet presAssocID="{88637844-CA9C-4896-BB1A-1264FEADF15F}" presName="thickLine" presStyleLbl="alignNode1" presStyleIdx="4" presStyleCnt="5"/>
+      <dgm:spPr/>
+    </dgm:pt>
+    <dgm:pt modelId="{03CCA35E-22B2-4C44-8BA4-C6DA9A2A4128}" type="pres">
+      <dgm:prSet presAssocID="{88637844-CA9C-4896-BB1A-1264FEADF15F}" presName="horz1" presStyleCnt="0"/>
+      <dgm:spPr/>
+    </dgm:pt>
+    <dgm:pt modelId="{BFB182EE-7374-4408-B601-0499BFD44009}" type="pres">
+      <dgm:prSet presAssocID="{88637844-CA9C-4896-BB1A-1264FEADF15F}" presName="tx1" presStyleLbl="revTx" presStyleIdx="4" presStyleCnt="5"/>
+      <dgm:spPr/>
+    </dgm:pt>
+    <dgm:pt modelId="{DEB3E2D8-10BE-425E-B1C2-C46DAB2418F9}" type="pres">
+      <dgm:prSet presAssocID="{88637844-CA9C-4896-BB1A-1264FEADF15F}" presName="vert1" presStyleCnt="0"/>
+      <dgm:spPr/>
+    </dgm:pt>
+  </dgm:ptLst>
+  <dgm:cxnLst>
+    <dgm:cxn modelId="{1C312702-3576-455D-A8EE-07620BFD73B8}" type="presOf" srcId="{AB386464-54B2-4420-B563-C3BF0DF83EEF}" destId="{8785FB39-6D76-4FC4-9616-385B844B2A28}" srcOrd="0" destOrd="0" presId="urn:microsoft.com/office/officeart/2008/layout/LinedList"/>
+    <dgm:cxn modelId="{77D0220F-181B-4CE1-ACD6-3941C6F07BF7}" type="presOf" srcId="{0DE62FAE-9088-4707-BEAD-5EA59EC1870C}" destId="{4AECA517-DEEC-452F-B867-CC482984D685}" srcOrd="0" destOrd="0" presId="urn:microsoft.com/office/officeart/2008/layout/LinedList"/>
+    <dgm:cxn modelId="{9B7CE718-D56D-4221-91DC-D5E8D8BEECE5}" srcId="{AB386464-54B2-4420-B563-C3BF0DF83EEF}" destId="{757D02AE-CE79-4AD9-B92A-C1AB8E379C96}" srcOrd="1" destOrd="0" parTransId="{EE191C55-B66D-4582-B248-86293BE5BCD6}" sibTransId="{784479ED-C6F7-4BBC-B80E-225C4F681C56}"/>
+    <dgm:cxn modelId="{B98ACE3A-BC51-4D2D-980E-BAFC6487A151}" srcId="{AB386464-54B2-4420-B563-C3BF0DF83EEF}" destId="{0C7EF4E4-31F3-414E-BBA3-A891A10DD2A4}" srcOrd="3" destOrd="0" parTransId="{6E17482E-7B8C-48FD-A61E-9596972942EA}" sibTransId="{988EA475-F2AC-4194-B7E3-183069310706}"/>
+    <dgm:cxn modelId="{16E81664-E901-49EE-8CEE-B4B2ACB1887B}" type="presOf" srcId="{757D02AE-CE79-4AD9-B92A-C1AB8E379C96}" destId="{5956F49E-C3B0-4CAA-B68D-59D03677D907}" srcOrd="0" destOrd="0" presId="urn:microsoft.com/office/officeart/2008/layout/LinedList"/>
+    <dgm:cxn modelId="{6FD2E089-672B-4F35-89D3-B650C9B7B7AA}" type="presOf" srcId="{0C7EF4E4-31F3-414E-BBA3-A891A10DD2A4}" destId="{2697B6D3-9A3D-4119-BC31-56C2942217F1}" srcOrd="0" destOrd="0" presId="urn:microsoft.com/office/officeart/2008/layout/LinedList"/>
+    <dgm:cxn modelId="{8E16078C-361F-43EA-BBA7-95451DF81FD2}" srcId="{AB386464-54B2-4420-B563-C3BF0DF83EEF}" destId="{0DE62FAE-9088-4707-BEAD-5EA59EC1870C}" srcOrd="0" destOrd="0" parTransId="{3CE7E4F1-D241-4540-8F22-710FEE30B61F}" sibTransId="{D0355329-B943-4688-9FCA-5696AFB5155B}"/>
+    <dgm:cxn modelId="{F39201C7-2210-45EC-B4C0-A2EFD2575805}" type="presOf" srcId="{88637844-CA9C-4896-BB1A-1264FEADF15F}" destId="{BFB182EE-7374-4408-B601-0499BFD44009}" srcOrd="0" destOrd="0" presId="urn:microsoft.com/office/officeart/2008/layout/LinedList"/>
+    <dgm:cxn modelId="{368EC4CC-1DD4-4FBF-9C4A-026C65B2E610}" srcId="{AB386464-54B2-4420-B563-C3BF0DF83EEF}" destId="{7B9AB8DF-23FD-4230-8167-1F1AB23FA96C}" srcOrd="2" destOrd="0" parTransId="{4F83D531-36DA-491F-BA3B-B6756F9586B1}" sibTransId="{F2B503C7-E19A-4203-AA51-8B027EDDCE08}"/>
+    <dgm:cxn modelId="{1D5DF0ED-EFDE-4F27-AE3F-8F8E4C0A2C51}" type="presOf" srcId="{7B9AB8DF-23FD-4230-8167-1F1AB23FA96C}" destId="{591F5ACF-0648-47A8-8299-D020D6C44B37}" srcOrd="0" destOrd="0" presId="urn:microsoft.com/office/officeart/2008/layout/LinedList"/>
+    <dgm:cxn modelId="{A49FAFF8-8368-4EBD-B4FA-4A04295B8C17}" srcId="{AB386464-54B2-4420-B563-C3BF0DF83EEF}" destId="{88637844-CA9C-4896-BB1A-1264FEADF15F}" srcOrd="4" destOrd="0" parTransId="{5B700E0A-00A6-4C9E-82C3-2329E0A7159C}" sibTransId="{BF4F6CAE-33F2-49CF-9DCF-6C43BC7424DB}"/>
+    <dgm:cxn modelId="{C42E3E94-2D99-45C7-B681-582B291375E1}" type="presParOf" srcId="{8785FB39-6D76-4FC4-9616-385B844B2A28}" destId="{11AA961E-6BF6-452F-A785-23364A833DE7}" srcOrd="0" destOrd="0" presId="urn:microsoft.com/office/officeart/2008/layout/LinedList"/>
+    <dgm:cxn modelId="{129DBB32-73D3-4963-93DB-774B98671E16}" type="presParOf" srcId="{8785FB39-6D76-4FC4-9616-385B844B2A28}" destId="{FEE95421-DCB2-4EB0-A47F-4963169DA8C3}" srcOrd="1" destOrd="0" presId="urn:microsoft.com/office/officeart/2008/layout/LinedList"/>
+    <dgm:cxn modelId="{757764E3-99A3-4048-AFDB-9279719A9201}" type="presParOf" srcId="{FEE95421-DCB2-4EB0-A47F-4963169DA8C3}" destId="{4AECA517-DEEC-452F-B867-CC482984D685}" srcOrd="0" destOrd="0" presId="urn:microsoft.com/office/officeart/2008/layout/LinedList"/>
+    <dgm:cxn modelId="{077A5E02-1128-4A3B-9147-41AC676CD663}" type="presParOf" srcId="{FEE95421-DCB2-4EB0-A47F-4963169DA8C3}" destId="{06A5D386-50A0-48B6-BF90-2F4B632812F5}" srcOrd="1" destOrd="0" presId="urn:microsoft.com/office/officeart/2008/layout/LinedList"/>
+    <dgm:cxn modelId="{97DC56F9-826A-40D6-A542-8A522903FF35}" type="presParOf" srcId="{8785FB39-6D76-4FC4-9616-385B844B2A28}" destId="{79AF55A1-2136-4DD3-BFA7-09E86FE35E97}" srcOrd="2" destOrd="0" presId="urn:microsoft.com/office/officeart/2008/layout/LinedList"/>
+    <dgm:cxn modelId="{C28BD765-77E5-400E-AD82-82FD209BBA6B}" type="presParOf" srcId="{8785FB39-6D76-4FC4-9616-385B844B2A28}" destId="{94B37831-34EF-48E9-990E-70D5232232BF}" srcOrd="3" destOrd="0" presId="urn:microsoft.com/office/officeart/2008/layout/LinedList"/>
+    <dgm:cxn modelId="{C5D7E999-DC89-4E8B-B125-91D1B480E549}" type="presParOf" srcId="{94B37831-34EF-48E9-990E-70D5232232BF}" destId="{5956F49E-C3B0-4CAA-B68D-59D03677D907}" srcOrd="0" destOrd="0" presId="urn:microsoft.com/office/officeart/2008/layout/LinedList"/>
+    <dgm:cxn modelId="{210FE1F9-3815-48AA-916B-288BD6B19E62}" type="presParOf" srcId="{94B37831-34EF-48E9-990E-70D5232232BF}" destId="{98158B05-2F07-42D6-B742-CD621E55C76C}" srcOrd="1" destOrd="0" presId="urn:microsoft.com/office/officeart/2008/layout/LinedList"/>
+    <dgm:cxn modelId="{CD4A8BE6-5FFD-415A-9819-53168B41C333}" type="presParOf" srcId="{8785FB39-6D76-4FC4-9616-385B844B2A28}" destId="{1060C546-19FB-41A9-BEBF-BA01DAF267CB}" srcOrd="4" destOrd="0" presId="urn:microsoft.com/office/officeart/2008/layout/LinedList"/>
+    <dgm:cxn modelId="{5061EE8C-206F-42DA-B4D4-DD66BD7BB99A}" type="presParOf" srcId="{8785FB39-6D76-4FC4-9616-385B844B2A28}" destId="{7746B27F-1B21-46AF-B050-3541D30C20DE}" srcOrd="5" destOrd="0" presId="urn:microsoft.com/office/officeart/2008/layout/LinedList"/>
+    <dgm:cxn modelId="{27F4493F-A097-499C-AFD0-AD2EB70632B9}" type="presParOf" srcId="{7746B27F-1B21-46AF-B050-3541D30C20DE}" destId="{591F5ACF-0648-47A8-8299-D020D6C44B37}" srcOrd="0" destOrd="0" presId="urn:microsoft.com/office/officeart/2008/layout/LinedList"/>
+    <dgm:cxn modelId="{B0842B24-A4CD-47E9-AA72-55FC89CBC0C6}" type="presParOf" srcId="{7746B27F-1B21-46AF-B050-3541D30C20DE}" destId="{D1828183-5500-4296-A59A-3A272DC021A9}" srcOrd="1" destOrd="0" presId="urn:microsoft.com/office/officeart/2008/layout/LinedList"/>
+    <dgm:cxn modelId="{ECB6FCC9-6075-4363-A847-068CE9B63145}" type="presParOf" srcId="{8785FB39-6D76-4FC4-9616-385B844B2A28}" destId="{7B245826-966E-482A-B565-8321CFE7C90D}" srcOrd="6" destOrd="0" presId="urn:microsoft.com/office/officeart/2008/layout/LinedList"/>
+    <dgm:cxn modelId="{3A1273D5-95C3-4843-B587-DFC02C2FBC6F}" type="presParOf" srcId="{8785FB39-6D76-4FC4-9616-385B844B2A28}" destId="{D25296FF-6696-4612-91E2-BB8F47895A58}" srcOrd="7" destOrd="0" presId="urn:microsoft.com/office/officeart/2008/layout/LinedList"/>
+    <dgm:cxn modelId="{012B02BE-7383-476A-8C9B-F1B684195ABC}" type="presParOf" srcId="{D25296FF-6696-4612-91E2-BB8F47895A58}" destId="{2697B6D3-9A3D-4119-BC31-56C2942217F1}" srcOrd="0" destOrd="0" presId="urn:microsoft.com/office/officeart/2008/layout/LinedList"/>
+    <dgm:cxn modelId="{3E7DF591-F803-485A-994D-8A4C0E1868B0}" type="presParOf" srcId="{D25296FF-6696-4612-91E2-BB8F47895A58}" destId="{4C159E4B-35DB-480A-9B5B-EA34B75B28B7}" srcOrd="1" destOrd="0" presId="urn:microsoft.com/office/officeart/2008/layout/LinedList"/>
+    <dgm:cxn modelId="{5634F008-4D8B-419A-8838-D7B9E9C8ECEA}" type="presParOf" srcId="{8785FB39-6D76-4FC4-9616-385B844B2A28}" destId="{AE710763-8221-481F-A1D7-893708E3E85C}" srcOrd="8" destOrd="0" presId="urn:microsoft.com/office/officeart/2008/layout/LinedList"/>
+    <dgm:cxn modelId="{FBDF082E-E396-4C51-8386-56FEB1A7C191}" type="presParOf" srcId="{8785FB39-6D76-4FC4-9616-385B844B2A28}" destId="{03CCA35E-22B2-4C44-8BA4-C6DA9A2A4128}" srcOrd="9" destOrd="0" presId="urn:microsoft.com/office/officeart/2008/layout/LinedList"/>
+    <dgm:cxn modelId="{D5FD9E86-F3DC-4E72-BCA2-D38EF1156866}" type="presParOf" srcId="{03CCA35E-22B2-4C44-8BA4-C6DA9A2A4128}" destId="{BFB182EE-7374-4408-B601-0499BFD44009}" srcOrd="0" destOrd="0" presId="urn:microsoft.com/office/officeart/2008/layout/LinedList"/>
+    <dgm:cxn modelId="{AFCB15B0-DC2E-4766-921B-91F785AE610F}" type="presParOf" srcId="{03CCA35E-22B2-4C44-8BA4-C6DA9A2A4128}" destId="{DEB3E2D8-10BE-425E-B1C2-C46DAB2418F9}" srcOrd="1" destOrd="0" presId="urn:microsoft.com/office/officeart/2008/layout/LinedList"/>
+  </dgm:cxnLst>
+  <dgm:bg/>
+  <dgm:whole/>
+  <dgm:extLst>
+    <a:ext uri="http://schemas.microsoft.com/office/drawing/2008/diagram">
+      <dsp:dataModelExt xmlns:dsp="http://schemas.microsoft.com/office/drawing/2008/diagram" relId="rId6" minVer="http://schemas.openxmlformats.org/drawingml/2006/diagram"/>
+    </a:ext>
+  </dgm:extLst>
+</dgm:dataModel>
+</file>
+
+<file path=ppt/diagrams/data3.xml><?xml version="1.0" encoding="utf-8"?>
+<dgm:dataModel xmlns:dgm="http://schemas.openxmlformats.org/drawingml/2006/diagram" xmlns:a="http://schemas.openxmlformats.org/drawingml/2006/main">
+  <dgm:ptLst>
+    <dgm:pt modelId="{D491EA54-DABF-47FC-8D1C-E005FA905286}" type="doc">
+      <dgm:prSet loTypeId="urn:microsoft.com/office/officeart/2008/layout/LinedList" loCatId="list" qsTypeId="urn:microsoft.com/office/officeart/2005/8/quickstyle/simple1" qsCatId="simple" csTypeId="urn:microsoft.com/office/officeart/2005/8/colors/accent3_2" csCatId="accent3" phldr="1"/>
+      <dgm:spPr/>
+      <dgm:t>
+        <a:bodyPr/>
+        <a:lstStyle/>
+        <a:p>
+          <a:endParaRPr lang="en-US"/>
+        </a:p>
+      </dgm:t>
+    </dgm:pt>
+    <dgm:pt modelId="{F41895E0-B555-4917-9E73-DBD52542435C}">
+      <dgm:prSet/>
+      <dgm:spPr/>
+      <dgm:t>
+        <a:bodyPr/>
+        <a:lstStyle/>
+        <a:p>
+          <a:r>
+            <a:rPr lang="en-US" b="1" dirty="0">
+              <a:latin typeface="Calibri"/>
+              <a:ea typeface="Verdana"/>
+              <a:cs typeface="Calibri"/>
+            </a:rPr>
+            <a:t>Average Team Velocity - </a:t>
+          </a:r>
+          <a:r>
+            <a:rPr lang="en-US" dirty="0">
+              <a:latin typeface="Calibri"/>
+              <a:ea typeface="Verdana"/>
+              <a:cs typeface="Calibri"/>
+            </a:rPr>
+            <a:t>Average of last 5 to 6 sprints story points accepted each sprint.</a:t>
+          </a:r>
+        </a:p>
+      </dgm:t>
+    </dgm:pt>
+    <dgm:pt modelId="{DFE3A2A5-E88F-4D09-B95C-2C9AD7887CEB}" type="parTrans" cxnId="{188E1E3E-0AD7-44A3-9E52-AF2F6B63E0C1}">
+      <dgm:prSet/>
+      <dgm:spPr/>
+      <dgm:t>
+        <a:bodyPr/>
+        <a:lstStyle/>
+        <a:p>
+          <a:endParaRPr lang="en-US"/>
+        </a:p>
+      </dgm:t>
+    </dgm:pt>
+    <dgm:pt modelId="{73F5ED8D-9137-40F6-8442-E1C13BC965E7}" type="sibTrans" cxnId="{188E1E3E-0AD7-44A3-9E52-AF2F6B63E0C1}">
+      <dgm:prSet/>
+      <dgm:spPr/>
+      <dgm:t>
+        <a:bodyPr/>
+        <a:lstStyle/>
+        <a:p>
+          <a:endParaRPr lang="en-US"/>
+        </a:p>
+      </dgm:t>
+    </dgm:pt>
+    <dgm:pt modelId="{456C27E9-5F6B-4042-A7F6-EC844CDF0962}">
+      <dgm:prSet/>
+      <dgm:spPr/>
+      <dgm:t>
+        <a:bodyPr/>
+        <a:lstStyle/>
+        <a:p>
+          <a:r>
+            <a:rPr lang="en-US" b="1" dirty="0">
+              <a:latin typeface="Calibri"/>
+              <a:ea typeface="Verdana"/>
+              <a:cs typeface="Calibri"/>
+            </a:rPr>
+            <a:t>Commitment Reliability</a:t>
+          </a:r>
+          <a:r>
+            <a:rPr lang="en-US" dirty="0">
+              <a:latin typeface="Calibri"/>
+              <a:ea typeface="Verdana"/>
+              <a:cs typeface="Calibri"/>
+            </a:rPr>
+            <a:t> - The ratio of points delivered vs points committed in a sprint.</a:t>
+          </a:r>
+        </a:p>
+      </dgm:t>
+    </dgm:pt>
+    <dgm:pt modelId="{6953FFA9-5FEA-4EF4-86C6-80B82B8E81F7}" type="parTrans" cxnId="{D9B80289-0E7E-4D0F-8214-D7206F5A0367}">
+      <dgm:prSet/>
+      <dgm:spPr/>
+      <dgm:t>
+        <a:bodyPr/>
+        <a:lstStyle/>
+        <a:p>
+          <a:endParaRPr lang="en-US"/>
+        </a:p>
+      </dgm:t>
+    </dgm:pt>
+    <dgm:pt modelId="{56EB6742-07E9-404C-B38E-2BFDD89EC1E9}" type="sibTrans" cxnId="{D9B80289-0E7E-4D0F-8214-D7206F5A0367}">
+      <dgm:prSet/>
+      <dgm:spPr/>
+      <dgm:t>
+        <a:bodyPr/>
+        <a:lstStyle/>
+        <a:p>
+          <a:endParaRPr lang="en-US"/>
+        </a:p>
+      </dgm:t>
+    </dgm:pt>
+    <dgm:pt modelId="{C93186CE-F36A-40BB-85B3-3D3F2843F0A1}">
+      <dgm:prSet/>
+      <dgm:spPr/>
+      <dgm:t>
+        <a:bodyPr/>
+        <a:lstStyle/>
+        <a:p>
+          <a:r>
+            <a:rPr lang="en-US" b="1" dirty="0">
+              <a:latin typeface="Calibri"/>
+              <a:ea typeface="Verdana"/>
+              <a:cs typeface="Calibri"/>
+            </a:rPr>
+            <a:t>Capacity Utilization</a:t>
+          </a:r>
+          <a:r>
+            <a:rPr lang="en-US" dirty="0">
+              <a:latin typeface="Calibri"/>
+              <a:ea typeface="Verdana"/>
+              <a:cs typeface="Calibri"/>
+            </a:rPr>
+            <a:t> - This the ratio of committed story points vs available capacity for the sprint.</a:t>
+          </a:r>
+        </a:p>
+      </dgm:t>
+    </dgm:pt>
+    <dgm:pt modelId="{0EABD93D-3502-41B0-B249-6793B5285CC6}" type="parTrans" cxnId="{A4FF0A3D-3C99-4CCC-AE05-DD8A5936B602}">
+      <dgm:prSet/>
+      <dgm:spPr/>
+      <dgm:t>
+        <a:bodyPr/>
+        <a:lstStyle/>
+        <a:p>
+          <a:endParaRPr lang="en-US"/>
+        </a:p>
+      </dgm:t>
+    </dgm:pt>
+    <dgm:pt modelId="{4B581373-51BD-4DB6-9526-A609C42604C4}" type="sibTrans" cxnId="{A4FF0A3D-3C99-4CCC-AE05-DD8A5936B602}">
+      <dgm:prSet/>
+      <dgm:spPr/>
+      <dgm:t>
+        <a:bodyPr/>
+        <a:lstStyle/>
+        <a:p>
+          <a:endParaRPr lang="en-US"/>
+        </a:p>
+      </dgm:t>
+    </dgm:pt>
+    <dgm:pt modelId="{9A926D2E-5FE3-41B7-9B31-C65729D3BB89}">
+      <dgm:prSet/>
+      <dgm:spPr/>
+      <dgm:t>
+        <a:bodyPr/>
+        <a:lstStyle/>
+        <a:p>
+          <a:r>
+            <a:rPr lang="en-US" b="1" dirty="0">
+              <a:latin typeface="Calibri"/>
+              <a:ea typeface="Verdana"/>
+              <a:cs typeface="Calibri"/>
+            </a:rPr>
+            <a:t>Estimation Variance - </a:t>
+          </a:r>
+          <a:r>
+            <a:rPr lang="en-US" dirty="0">
+              <a:latin typeface="Calibri"/>
+              <a:ea typeface="Verdana"/>
+              <a:cs typeface="Calibri"/>
+            </a:rPr>
+            <a:t>This is the difference of actual efforts and estimated efforts.</a:t>
+          </a:r>
+        </a:p>
+      </dgm:t>
+    </dgm:pt>
+    <dgm:pt modelId="{BF9EC0BB-C0CE-41E5-B329-30797E29BA8A}" type="parTrans" cxnId="{1A8B2F5F-08CD-4BE5-9B6D-E1183F8A662C}">
+      <dgm:prSet/>
+      <dgm:spPr/>
+      <dgm:t>
+        <a:bodyPr/>
+        <a:lstStyle/>
+        <a:p>
+          <a:endParaRPr lang="en-US"/>
+        </a:p>
+      </dgm:t>
+    </dgm:pt>
+    <dgm:pt modelId="{99518466-7240-4908-BA8E-1D0F4CEA9359}" type="sibTrans" cxnId="{1A8B2F5F-08CD-4BE5-9B6D-E1183F8A662C}">
+      <dgm:prSet/>
+      <dgm:spPr/>
+      <dgm:t>
+        <a:bodyPr/>
+        <a:lstStyle/>
+        <a:p>
+          <a:endParaRPr lang="en-US"/>
+        </a:p>
+      </dgm:t>
+    </dgm:pt>
+    <dgm:pt modelId="{0EC24ED5-FD56-48D5-884D-30EB72B8066F}">
+      <dgm:prSet/>
+      <dgm:spPr/>
+      <dgm:t>
+        <a:bodyPr/>
+        <a:lstStyle/>
+        <a:p>
+          <a:r>
+            <a:rPr lang="en-US" b="1" dirty="0">
+              <a:latin typeface="Calibri"/>
+              <a:ea typeface="Verdana"/>
+              <a:cs typeface="Calibri"/>
+            </a:rPr>
+            <a:t>Scope Change - </a:t>
+          </a:r>
+          <a:r>
+            <a:rPr lang="en-US" dirty="0">
+              <a:latin typeface="Calibri"/>
+              <a:ea typeface="Verdana"/>
+              <a:cs typeface="Calibri"/>
+            </a:rPr>
+            <a:t>Items added or removed from sprint scope after sprint started.</a:t>
+          </a:r>
+        </a:p>
+      </dgm:t>
+    </dgm:pt>
+    <dgm:pt modelId="{62E2F579-4452-4EE9-BAA0-9FD4EDDD15B3}" type="parTrans" cxnId="{5A2447C1-2854-49E3-A9D8-882A35476B1E}">
+      <dgm:prSet/>
+      <dgm:spPr/>
+      <dgm:t>
+        <a:bodyPr/>
+        <a:lstStyle/>
+        <a:p>
+          <a:endParaRPr lang="en-US"/>
+        </a:p>
+      </dgm:t>
+    </dgm:pt>
+    <dgm:pt modelId="{3A674ABC-7B8E-4F91-96AC-CD271C5538F4}" type="sibTrans" cxnId="{5A2447C1-2854-49E3-A9D8-882A35476B1E}">
+      <dgm:prSet/>
+      <dgm:spPr/>
+      <dgm:t>
+        <a:bodyPr/>
+        <a:lstStyle/>
+        <a:p>
+          <a:endParaRPr lang="en-US"/>
+        </a:p>
+      </dgm:t>
+    </dgm:pt>
+    <dgm:pt modelId="{448F9D2E-632E-444E-A144-9464B390620D}">
+      <dgm:prSet/>
+      <dgm:spPr/>
+      <dgm:t>
+        <a:bodyPr/>
+        <a:lstStyle/>
+        <a:p>
+          <a:r>
+            <a:rPr lang="en-US" b="1" dirty="0">
+              <a:latin typeface="Calibri"/>
+              <a:ea typeface="Verdana"/>
+              <a:cs typeface="Calibri"/>
+            </a:rPr>
+            <a:t>Defects Leakage - </a:t>
+          </a:r>
+          <a:r>
+            <a:rPr lang="en-US" dirty="0">
+              <a:latin typeface="Calibri"/>
+              <a:ea typeface="Verdana"/>
+              <a:cs typeface="Calibri"/>
+            </a:rPr>
+            <a:t>Total number of defects detected after the sprint closure.</a:t>
+          </a:r>
+        </a:p>
+      </dgm:t>
+    </dgm:pt>
+    <dgm:pt modelId="{B0582152-8C74-4CD5-8240-95B107CBFB50}" type="parTrans" cxnId="{AEDA219C-3ABF-489D-82A4-D059B31C1A07}">
+      <dgm:prSet/>
+      <dgm:spPr/>
+      <dgm:t>
+        <a:bodyPr/>
+        <a:lstStyle/>
+        <a:p>
+          <a:endParaRPr lang="en-US"/>
+        </a:p>
+      </dgm:t>
+    </dgm:pt>
+    <dgm:pt modelId="{1AC96152-37CA-4142-8E56-6BEE81B55647}" type="sibTrans" cxnId="{AEDA219C-3ABF-489D-82A4-D059B31C1A07}">
+      <dgm:prSet/>
+      <dgm:spPr/>
+      <dgm:t>
+        <a:bodyPr/>
+        <a:lstStyle/>
+        <a:p>
+          <a:endParaRPr lang="en-US"/>
+        </a:p>
+      </dgm:t>
+    </dgm:pt>
+    <dgm:pt modelId="{9076DC29-55A5-4FBC-8AB5-BFDF96152BB6}">
+      <dgm:prSet phldr="0"/>
+      <dgm:spPr/>
+      <dgm:t>
+        <a:bodyPr/>
+        <a:lstStyle/>
+        <a:p>
+          <a:endParaRPr lang="en-US" b="0" dirty="0">
+            <a:latin typeface="Calibri"/>
+            <a:ea typeface="Verdana"/>
+            <a:cs typeface="Calibri"/>
+          </a:endParaRPr>
+        </a:p>
+      </dgm:t>
+    </dgm:pt>
+    <dgm:pt modelId="{0F64832D-2A4A-48EA-989A-98B3FB0FFD60}" type="parTrans" cxnId="{913DBBA6-723A-4D40-8F69-5A7FD339B2D7}">
+      <dgm:prSet/>
+      <dgm:spPr/>
+    </dgm:pt>
+    <dgm:pt modelId="{0CE6F65B-729F-4C8B-90E4-813BCF2A8D04}" type="sibTrans" cxnId="{913DBBA6-723A-4D40-8F69-5A7FD339B2D7}">
+      <dgm:prSet/>
+      <dgm:spPr/>
+      <dgm:t>
+        <a:bodyPr/>
+        <a:lstStyle/>
+        <a:p>
+          <a:endParaRPr lang="en-US"/>
+        </a:p>
+      </dgm:t>
+    </dgm:pt>
+    <dgm:pt modelId="{17A945E4-A55E-4C5E-8B8E-F518DE127C7D}">
+      <dgm:prSet phldr="0"/>
+      <dgm:spPr/>
+      <dgm:t>
+        <a:bodyPr/>
+        <a:lstStyle/>
+        <a:p>
+          <a:endParaRPr lang="en-US" b="0" dirty="0">
+            <a:latin typeface="Calibri"/>
+            <a:ea typeface="Verdana"/>
+            <a:cs typeface="Calibri"/>
+          </a:endParaRPr>
+        </a:p>
+      </dgm:t>
+    </dgm:pt>
+    <dgm:pt modelId="{F4D9C853-F776-4CEA-AE7D-097D62AA8E56}" type="parTrans" cxnId="{97BA2983-184E-41C6-90C2-721744A1AA78}">
+      <dgm:prSet/>
+      <dgm:spPr/>
+    </dgm:pt>
+    <dgm:pt modelId="{EDF100D7-712D-452C-932C-BCD6B99E9FA3}" type="sibTrans" cxnId="{97BA2983-184E-41C6-90C2-721744A1AA78}">
+      <dgm:prSet/>
+      <dgm:spPr/>
+      <dgm:t>
+        <a:bodyPr/>
+        <a:lstStyle/>
+        <a:p>
+          <a:endParaRPr lang="en-US"/>
+        </a:p>
+      </dgm:t>
+    </dgm:pt>
+    <dgm:pt modelId="{2528E2EF-BCC5-4A22-9E2D-DBBEE6B3D29F}">
+      <dgm:prSet phldr="0"/>
+      <dgm:spPr/>
+      <dgm:t>
+        <a:bodyPr/>
+        <a:lstStyle/>
+        <a:p>
+          <a:endParaRPr lang="en-US" b="0" dirty="0">
+            <a:latin typeface="Calibri"/>
+            <a:ea typeface="Verdana"/>
+            <a:cs typeface="Calibri"/>
+          </a:endParaRPr>
+        </a:p>
+      </dgm:t>
+    </dgm:pt>
+    <dgm:pt modelId="{D7ECEC0F-1FAC-4E2E-95DD-216E9218350B}" type="parTrans" cxnId="{FD472F8C-B865-4A97-8CC4-885FD745D150}">
+      <dgm:prSet/>
+      <dgm:spPr/>
+    </dgm:pt>
+    <dgm:pt modelId="{E54C2CAB-80BE-4C18-98D5-DAC3200D5EA0}" type="sibTrans" cxnId="{FD472F8C-B865-4A97-8CC4-885FD745D150}">
+      <dgm:prSet/>
+      <dgm:spPr/>
+      <dgm:t>
+        <a:bodyPr/>
+        <a:lstStyle/>
+        <a:p>
+          <a:endParaRPr lang="en-US"/>
+        </a:p>
+      </dgm:t>
+    </dgm:pt>
+    <dgm:pt modelId="{F62ACCFD-FF84-4909-9185-6D3A1FCF01FA}">
+      <dgm:prSet phldr="0"/>
+      <dgm:spPr/>
+      <dgm:t>
+        <a:bodyPr/>
+        <a:lstStyle/>
+        <a:p>
+          <a:endParaRPr lang="en-US" b="0" dirty="0">
+            <a:latin typeface="Calibri"/>
+            <a:ea typeface="Verdana"/>
+            <a:cs typeface="Calibri"/>
+          </a:endParaRPr>
+        </a:p>
+      </dgm:t>
+    </dgm:pt>
+    <dgm:pt modelId="{15A337A8-E4CF-4B35-8928-E23BD89A9553}" type="parTrans" cxnId="{1819458B-7A87-463A-A326-A0651CFD3DC2}">
+      <dgm:prSet/>
+      <dgm:spPr/>
+    </dgm:pt>
+    <dgm:pt modelId="{443561FE-9356-41C0-B0A6-3112CB70CD62}" type="sibTrans" cxnId="{1819458B-7A87-463A-A326-A0651CFD3DC2}">
+      <dgm:prSet/>
+      <dgm:spPr/>
+      <dgm:t>
+        <a:bodyPr/>
+        <a:lstStyle/>
+        <a:p>
+          <a:endParaRPr lang="en-US"/>
+        </a:p>
+      </dgm:t>
+    </dgm:pt>
+    <dgm:pt modelId="{5C84C636-2BBB-4B5D-BF0A-8B45EEDBF643}">
+      <dgm:prSet phldr="0"/>
+      <dgm:spPr/>
+      <dgm:t>
+        <a:bodyPr/>
+        <a:lstStyle/>
+        <a:p>
+          <a:endParaRPr lang="en-US" b="0" dirty="0">
+            <a:latin typeface="Calibri"/>
+            <a:ea typeface="Verdana"/>
+            <a:cs typeface="Calibri"/>
+          </a:endParaRPr>
+        </a:p>
+      </dgm:t>
+    </dgm:pt>
+    <dgm:pt modelId="{80FC7214-F882-45F4-B900-CA4E5FDEABA9}" type="parTrans" cxnId="{EB9D5664-2A1C-4DE2-82D2-13259B88C51F}">
+      <dgm:prSet/>
+      <dgm:spPr/>
+    </dgm:pt>
+    <dgm:pt modelId="{1104670E-4546-4D7F-99FB-310351951DB8}" type="sibTrans" cxnId="{EB9D5664-2A1C-4DE2-82D2-13259B88C51F}">
+      <dgm:prSet/>
+      <dgm:spPr/>
+      <dgm:t>
+        <a:bodyPr/>
+        <a:lstStyle/>
+        <a:p>
+          <a:endParaRPr lang="en-US"/>
+        </a:p>
+      </dgm:t>
+    </dgm:pt>
+    <dgm:pt modelId="{67AC18DA-108F-47CC-BE3A-AF6FCFF2100C}">
+      <dgm:prSet phldr="0"/>
+      <dgm:spPr/>
+      <dgm:t>
+        <a:bodyPr/>
+        <a:lstStyle/>
+        <a:p>
+          <a:endParaRPr lang="en-US" dirty="0">
+            <a:latin typeface="Calibri"/>
+            <a:ea typeface="Verdana"/>
+            <a:cs typeface="Calibri"/>
+          </a:endParaRPr>
+        </a:p>
+      </dgm:t>
+    </dgm:pt>
+    <dgm:pt modelId="{7B58D300-CED1-4EE0-825A-66AB96B5AFAF}" type="parTrans" cxnId="{C60F3521-CC40-4747-A562-46A6005BEC31}">
+      <dgm:prSet/>
+      <dgm:spPr/>
+    </dgm:pt>
+    <dgm:pt modelId="{8C625C85-450A-475D-940A-BDD1474953B9}" type="sibTrans" cxnId="{C60F3521-CC40-4747-A562-46A6005BEC31}">
+      <dgm:prSet/>
+      <dgm:spPr/>
+    </dgm:pt>
+    <dgm:pt modelId="{B1DCEB85-E710-40A1-9372-F0F35FEAA503}">
+      <dgm:prSet phldr="0"/>
+      <dgm:spPr/>
+      <dgm:t>
+        <a:bodyPr/>
+        <a:lstStyle/>
+        <a:p>
+          <a:pPr rtl="0"/>
+          <a:r>
+            <a:rPr lang="en-US" b="1" dirty="0">
+              <a:latin typeface="Calibri"/>
+              <a:ea typeface="Verdana"/>
+              <a:cs typeface="Calibri"/>
+            </a:rPr>
+            <a:t>Backlog Health</a:t>
+          </a:r>
+          <a:r>
+            <a:rPr lang="en-US" dirty="0">
+              <a:latin typeface="Calibri"/>
+              <a:ea typeface="Verdana"/>
+              <a:cs typeface="Calibri"/>
+            </a:rPr>
+            <a:t> – Shows the health of backlog in as number of story Points available in backlog Vs Average Velocity.</a:t>
+          </a:r>
+        </a:p>
+      </dgm:t>
+    </dgm:pt>
+    <dgm:pt modelId="{D5F58D8F-EA19-4E1B-9052-B51A87A3525C}" type="parTrans" cxnId="{1A3671E4-5D34-4710-8A15-E6EF77CC7E6F}">
+      <dgm:prSet/>
+      <dgm:spPr/>
+    </dgm:pt>
+    <dgm:pt modelId="{2CE36ADC-8F26-4E70-B447-EC7C55C7A51D}" type="sibTrans" cxnId="{1A3671E4-5D34-4710-8A15-E6EF77CC7E6F}">
+      <dgm:prSet/>
+      <dgm:spPr/>
+    </dgm:pt>
+    <dgm:pt modelId="{E8560B67-799B-4419-9D66-FFAF9081E0A6}" type="pres">
+      <dgm:prSet presAssocID="{D491EA54-DABF-47FC-8D1C-E005FA905286}" presName="vert0" presStyleCnt="0">
+        <dgm:presLayoutVars>
+          <dgm:dir/>
+          <dgm:animOne val="branch"/>
+          <dgm:animLvl val="lvl"/>
+        </dgm:presLayoutVars>
+      </dgm:prSet>
+      <dgm:spPr/>
+    </dgm:pt>
+    <dgm:pt modelId="{672B1005-AD1E-4EF1-B699-806793C9AF70}" type="pres">
+      <dgm:prSet presAssocID="{F41895E0-B555-4917-9E73-DBD52542435C}" presName="thickLine" presStyleLbl="alignNode1" presStyleIdx="0" presStyleCnt="13"/>
+      <dgm:spPr/>
+    </dgm:pt>
+    <dgm:pt modelId="{5EB6EEDD-6DA1-4F92-BB5C-C7208C2D5139}" type="pres">
+      <dgm:prSet presAssocID="{F41895E0-B555-4917-9E73-DBD52542435C}" presName="horz1" presStyleCnt="0"/>
+      <dgm:spPr/>
+    </dgm:pt>
+    <dgm:pt modelId="{A2656CB3-70A1-47A4-BE7F-EF4578D537EE}" type="pres">
+      <dgm:prSet presAssocID="{F41895E0-B555-4917-9E73-DBD52542435C}" presName="tx1" presStyleLbl="revTx" presStyleIdx="0" presStyleCnt="13"/>
+      <dgm:spPr/>
+    </dgm:pt>
+    <dgm:pt modelId="{93763F79-7CB3-42CA-85C8-5833BAF2BBAF}" type="pres">
+      <dgm:prSet presAssocID="{F41895E0-B555-4917-9E73-DBD52542435C}" presName="vert1" presStyleCnt="0"/>
+      <dgm:spPr/>
+    </dgm:pt>
+    <dgm:pt modelId="{2B2981CA-232F-4505-9BF5-FDA46BB43D83}" type="pres">
+      <dgm:prSet presAssocID="{9076DC29-55A5-4FBC-8AB5-BFDF96152BB6}" presName="thickLine" presStyleLbl="alignNode1" presStyleIdx="1" presStyleCnt="13"/>
+      <dgm:spPr/>
+    </dgm:pt>
+    <dgm:pt modelId="{E58732CB-A9AE-47A9-B076-EE8B36FB85C0}" type="pres">
+      <dgm:prSet presAssocID="{9076DC29-55A5-4FBC-8AB5-BFDF96152BB6}" presName="horz1" presStyleCnt="0"/>
+      <dgm:spPr/>
+    </dgm:pt>
+    <dgm:pt modelId="{BC7713A9-6435-4747-A616-7A3FBA5320D3}" type="pres">
+      <dgm:prSet presAssocID="{9076DC29-55A5-4FBC-8AB5-BFDF96152BB6}" presName="tx1" presStyleLbl="revTx" presStyleIdx="1" presStyleCnt="13"/>
+      <dgm:spPr/>
+    </dgm:pt>
+    <dgm:pt modelId="{5B8246B0-178F-4E46-9087-35C6D107CA05}" type="pres">
+      <dgm:prSet presAssocID="{9076DC29-55A5-4FBC-8AB5-BFDF96152BB6}" presName="vert1" presStyleCnt="0"/>
+      <dgm:spPr/>
+    </dgm:pt>
+    <dgm:pt modelId="{8EA192B0-319B-4E29-BB57-AD5BA9B99C4D}" type="pres">
+      <dgm:prSet presAssocID="{456C27E9-5F6B-4042-A7F6-EC844CDF0962}" presName="thickLine" presStyleLbl="alignNode1" presStyleIdx="2" presStyleCnt="13"/>
+      <dgm:spPr/>
+    </dgm:pt>
+    <dgm:pt modelId="{84A0DF08-465E-4825-B33C-DFAD5EEAE5AB}" type="pres">
+      <dgm:prSet presAssocID="{456C27E9-5F6B-4042-A7F6-EC844CDF0962}" presName="horz1" presStyleCnt="0"/>
+      <dgm:spPr/>
+    </dgm:pt>
+    <dgm:pt modelId="{0799139F-AAA2-426B-83AF-25671399EA72}" type="pres">
+      <dgm:prSet presAssocID="{456C27E9-5F6B-4042-A7F6-EC844CDF0962}" presName="tx1" presStyleLbl="revTx" presStyleIdx="2" presStyleCnt="13"/>
+      <dgm:spPr/>
+    </dgm:pt>
+    <dgm:pt modelId="{4B93D18A-41A7-40CA-AC33-F03AD83910A7}" type="pres">
+      <dgm:prSet presAssocID="{456C27E9-5F6B-4042-A7F6-EC844CDF0962}" presName="vert1" presStyleCnt="0"/>
+      <dgm:spPr/>
+    </dgm:pt>
+    <dgm:pt modelId="{2843FFFA-3D4F-4923-84F1-67B2F489537F}" type="pres">
+      <dgm:prSet presAssocID="{17A945E4-A55E-4C5E-8B8E-F518DE127C7D}" presName="thickLine" presStyleLbl="alignNode1" presStyleIdx="3" presStyleCnt="13"/>
+      <dgm:spPr/>
+    </dgm:pt>
+    <dgm:pt modelId="{74FF289F-76C6-4F35-AFDA-3DC763096659}" type="pres">
+      <dgm:prSet presAssocID="{17A945E4-A55E-4C5E-8B8E-F518DE127C7D}" presName="horz1" presStyleCnt="0"/>
+      <dgm:spPr/>
+    </dgm:pt>
+    <dgm:pt modelId="{5FDE5DCF-49BC-4D77-9E64-7422B4D0D1F7}" type="pres">
+      <dgm:prSet presAssocID="{17A945E4-A55E-4C5E-8B8E-F518DE127C7D}" presName="tx1" presStyleLbl="revTx" presStyleIdx="3" presStyleCnt="13"/>
+      <dgm:spPr/>
+    </dgm:pt>
+    <dgm:pt modelId="{CFE6FC51-FED1-44A2-B3C9-045470ED761D}" type="pres">
+      <dgm:prSet presAssocID="{17A945E4-A55E-4C5E-8B8E-F518DE127C7D}" presName="vert1" presStyleCnt="0"/>
+      <dgm:spPr/>
+    </dgm:pt>
+    <dgm:pt modelId="{8B5AAE2F-43DA-4659-9ABF-B56C1B7B3187}" type="pres">
+      <dgm:prSet presAssocID="{C93186CE-F36A-40BB-85B3-3D3F2843F0A1}" presName="thickLine" presStyleLbl="alignNode1" presStyleIdx="4" presStyleCnt="13"/>
+      <dgm:spPr/>
+    </dgm:pt>
+    <dgm:pt modelId="{764BA7A3-24BC-40EE-B9D5-1B1A2B8DF0AD}" type="pres">
+      <dgm:prSet presAssocID="{C93186CE-F36A-40BB-85B3-3D3F2843F0A1}" presName="horz1" presStyleCnt="0"/>
+      <dgm:spPr/>
+    </dgm:pt>
+    <dgm:pt modelId="{53B18AF1-FC10-4ACB-A06B-753FB50BDA8C}" type="pres">
+      <dgm:prSet presAssocID="{C93186CE-F36A-40BB-85B3-3D3F2843F0A1}" presName="tx1" presStyleLbl="revTx" presStyleIdx="4" presStyleCnt="13"/>
+      <dgm:spPr/>
+    </dgm:pt>
+    <dgm:pt modelId="{14292B06-326C-4ACA-A4A5-250DEDED5DDB}" type="pres">
+      <dgm:prSet presAssocID="{C93186CE-F36A-40BB-85B3-3D3F2843F0A1}" presName="vert1" presStyleCnt="0"/>
+      <dgm:spPr/>
+    </dgm:pt>
+    <dgm:pt modelId="{F0668E27-5369-4AEC-B003-45FB0C1EEF49}" type="pres">
+      <dgm:prSet presAssocID="{2528E2EF-BCC5-4A22-9E2D-DBBEE6B3D29F}" presName="thickLine" presStyleLbl="alignNode1" presStyleIdx="5" presStyleCnt="13"/>
+      <dgm:spPr/>
+    </dgm:pt>
+    <dgm:pt modelId="{B6DD4E75-EBEE-4DBD-B67F-AB0326A1CF1D}" type="pres">
+      <dgm:prSet presAssocID="{2528E2EF-BCC5-4A22-9E2D-DBBEE6B3D29F}" presName="horz1" presStyleCnt="0"/>
+      <dgm:spPr/>
+    </dgm:pt>
+    <dgm:pt modelId="{83224863-AC78-4E7F-80B3-79D93B2D20BD}" type="pres">
+      <dgm:prSet presAssocID="{2528E2EF-BCC5-4A22-9E2D-DBBEE6B3D29F}" presName="tx1" presStyleLbl="revTx" presStyleIdx="5" presStyleCnt="13"/>
+      <dgm:spPr/>
+    </dgm:pt>
+    <dgm:pt modelId="{FC51DC78-3827-45FE-A4F8-CD4D851AE0B7}" type="pres">
+      <dgm:prSet presAssocID="{2528E2EF-BCC5-4A22-9E2D-DBBEE6B3D29F}" presName="vert1" presStyleCnt="0"/>
+      <dgm:spPr/>
+    </dgm:pt>
+    <dgm:pt modelId="{65A50725-0379-4E0F-B83D-A3CB6C691223}" type="pres">
+      <dgm:prSet presAssocID="{9A926D2E-5FE3-41B7-9B31-C65729D3BB89}" presName="thickLine" presStyleLbl="alignNode1" presStyleIdx="6" presStyleCnt="13"/>
+      <dgm:spPr/>
+    </dgm:pt>
+    <dgm:pt modelId="{BC49B790-EE98-477D-94BB-7EED81DDD63F}" type="pres">
+      <dgm:prSet presAssocID="{9A926D2E-5FE3-41B7-9B31-C65729D3BB89}" presName="horz1" presStyleCnt="0"/>
+      <dgm:spPr/>
+    </dgm:pt>
+    <dgm:pt modelId="{2644B47D-7A06-4004-A928-E58CA2A3327B}" type="pres">
+      <dgm:prSet presAssocID="{9A926D2E-5FE3-41B7-9B31-C65729D3BB89}" presName="tx1" presStyleLbl="revTx" presStyleIdx="6" presStyleCnt="13"/>
+      <dgm:spPr/>
+    </dgm:pt>
+    <dgm:pt modelId="{81E1C199-B6DE-414B-830F-C60BF48F88E5}" type="pres">
+      <dgm:prSet presAssocID="{9A926D2E-5FE3-41B7-9B31-C65729D3BB89}" presName="vert1" presStyleCnt="0"/>
+      <dgm:spPr/>
+    </dgm:pt>
+    <dgm:pt modelId="{48ADA503-04F6-4654-8424-895F4D86B8A3}" type="pres">
+      <dgm:prSet presAssocID="{F62ACCFD-FF84-4909-9185-6D3A1FCF01FA}" presName="thickLine" presStyleLbl="alignNode1" presStyleIdx="7" presStyleCnt="13"/>
+      <dgm:spPr/>
+    </dgm:pt>
+    <dgm:pt modelId="{8B1913BE-B2E9-4FE6-B8E7-3ADA760C29E8}" type="pres">
+      <dgm:prSet presAssocID="{F62ACCFD-FF84-4909-9185-6D3A1FCF01FA}" presName="horz1" presStyleCnt="0"/>
+      <dgm:spPr/>
+    </dgm:pt>
+    <dgm:pt modelId="{B11ED437-4B7D-442F-AE54-1AA2E88DF8C4}" type="pres">
+      <dgm:prSet presAssocID="{F62ACCFD-FF84-4909-9185-6D3A1FCF01FA}" presName="tx1" presStyleLbl="revTx" presStyleIdx="7" presStyleCnt="13"/>
+      <dgm:spPr/>
+    </dgm:pt>
+    <dgm:pt modelId="{74FD125B-DA7A-4854-BA1F-3ADE52EA700B}" type="pres">
+      <dgm:prSet presAssocID="{F62ACCFD-FF84-4909-9185-6D3A1FCF01FA}" presName="vert1" presStyleCnt="0"/>
+      <dgm:spPr/>
+    </dgm:pt>
+    <dgm:pt modelId="{807EC52E-F73A-4B25-B63D-470EB303A749}" type="pres">
+      <dgm:prSet presAssocID="{0EC24ED5-FD56-48D5-884D-30EB72B8066F}" presName="thickLine" presStyleLbl="alignNode1" presStyleIdx="8" presStyleCnt="13"/>
+      <dgm:spPr/>
+    </dgm:pt>
+    <dgm:pt modelId="{C3833DB6-B5EA-41AD-BDE7-EA482A46403F}" type="pres">
+      <dgm:prSet presAssocID="{0EC24ED5-FD56-48D5-884D-30EB72B8066F}" presName="horz1" presStyleCnt="0"/>
+      <dgm:spPr/>
+    </dgm:pt>
+    <dgm:pt modelId="{9578C40B-2FC4-47A4-A3FD-299C73BD1584}" type="pres">
+      <dgm:prSet presAssocID="{0EC24ED5-FD56-48D5-884D-30EB72B8066F}" presName="tx1" presStyleLbl="revTx" presStyleIdx="8" presStyleCnt="13"/>
+      <dgm:spPr/>
+    </dgm:pt>
+    <dgm:pt modelId="{A149F787-AC17-43FB-80AB-47BD9C23C5D8}" type="pres">
+      <dgm:prSet presAssocID="{0EC24ED5-FD56-48D5-884D-30EB72B8066F}" presName="vert1" presStyleCnt="0"/>
+      <dgm:spPr/>
+    </dgm:pt>
+    <dgm:pt modelId="{7483A3F5-DA58-48F1-A79C-0428DB716F97}" type="pres">
+      <dgm:prSet presAssocID="{5C84C636-2BBB-4B5D-BF0A-8B45EEDBF643}" presName="thickLine" presStyleLbl="alignNode1" presStyleIdx="9" presStyleCnt="13"/>
+      <dgm:spPr/>
+    </dgm:pt>
+    <dgm:pt modelId="{D452AA79-4D3A-4990-AD5E-19B3ABEEB966}" type="pres">
+      <dgm:prSet presAssocID="{5C84C636-2BBB-4B5D-BF0A-8B45EEDBF643}" presName="horz1" presStyleCnt="0"/>
+      <dgm:spPr/>
+    </dgm:pt>
+    <dgm:pt modelId="{BCD25DD9-75F9-46AE-BC24-93D9E549292C}" type="pres">
+      <dgm:prSet presAssocID="{5C84C636-2BBB-4B5D-BF0A-8B45EEDBF643}" presName="tx1" presStyleLbl="revTx" presStyleIdx="9" presStyleCnt="13"/>
+      <dgm:spPr/>
+    </dgm:pt>
+    <dgm:pt modelId="{2CCD1C2F-A92C-45B1-9EA5-8FC3B5523330}" type="pres">
+      <dgm:prSet presAssocID="{5C84C636-2BBB-4B5D-BF0A-8B45EEDBF643}" presName="vert1" presStyleCnt="0"/>
+      <dgm:spPr/>
+    </dgm:pt>
+    <dgm:pt modelId="{E37762C4-F4BD-43B7-ABC3-AA26D5A72209}" type="pres">
+      <dgm:prSet presAssocID="{448F9D2E-632E-444E-A144-9464B390620D}" presName="thickLine" presStyleLbl="alignNode1" presStyleIdx="10" presStyleCnt="13"/>
+      <dgm:spPr/>
+    </dgm:pt>
+    <dgm:pt modelId="{9897F18F-D151-4B37-A5A9-687806B17F7F}" type="pres">
+      <dgm:prSet presAssocID="{448F9D2E-632E-444E-A144-9464B390620D}" presName="horz1" presStyleCnt="0"/>
+      <dgm:spPr/>
+    </dgm:pt>
+    <dgm:pt modelId="{9C7B7CFD-AC89-40A7-B5CA-961BD1A75729}" type="pres">
+      <dgm:prSet presAssocID="{448F9D2E-632E-444E-A144-9464B390620D}" presName="tx1" presStyleLbl="revTx" presStyleIdx="10" presStyleCnt="13"/>
+      <dgm:spPr/>
+    </dgm:pt>
+    <dgm:pt modelId="{1E59F100-ACEC-4D3B-AF71-3DA3A8B06B14}" type="pres">
+      <dgm:prSet presAssocID="{448F9D2E-632E-444E-A144-9464B390620D}" presName="vert1" presStyleCnt="0"/>
+      <dgm:spPr/>
+    </dgm:pt>
+    <dgm:pt modelId="{EDA116FC-41D7-4EFA-AD05-B6D330AF539D}" type="pres">
+      <dgm:prSet presAssocID="{67AC18DA-108F-47CC-BE3A-AF6FCFF2100C}" presName="thickLine" presStyleLbl="alignNode1" presStyleIdx="11" presStyleCnt="13"/>
+      <dgm:spPr/>
+    </dgm:pt>
+    <dgm:pt modelId="{FDDCBC92-9EF8-4312-96F1-9A47A1398EE5}" type="pres">
+      <dgm:prSet presAssocID="{67AC18DA-108F-47CC-BE3A-AF6FCFF2100C}" presName="horz1" presStyleCnt="0"/>
+      <dgm:spPr/>
+    </dgm:pt>
+    <dgm:pt modelId="{7BE6823B-5A44-471B-A548-0CB749C21226}" type="pres">
+      <dgm:prSet presAssocID="{67AC18DA-108F-47CC-BE3A-AF6FCFF2100C}" presName="tx1" presStyleLbl="revTx" presStyleIdx="11" presStyleCnt="13"/>
+      <dgm:spPr/>
+    </dgm:pt>
+    <dgm:pt modelId="{BB44A76F-3BD8-4A5E-B9B5-3BF57F7811C0}" type="pres">
+      <dgm:prSet presAssocID="{67AC18DA-108F-47CC-BE3A-AF6FCFF2100C}" presName="vert1" presStyleCnt="0"/>
+      <dgm:spPr/>
+    </dgm:pt>
+    <dgm:pt modelId="{1D6405CB-9EE2-49DA-8E7C-BB62096108F0}" type="pres">
+      <dgm:prSet presAssocID="{B1DCEB85-E710-40A1-9372-F0F35FEAA503}" presName="thickLine" presStyleLbl="alignNode1" presStyleIdx="12" presStyleCnt="13"/>
+      <dgm:spPr/>
+    </dgm:pt>
+    <dgm:pt modelId="{FB56D5C5-5E5D-4F4B-AA5C-B3079A3854DD}" type="pres">
+      <dgm:prSet presAssocID="{B1DCEB85-E710-40A1-9372-F0F35FEAA503}" presName="horz1" presStyleCnt="0"/>
+      <dgm:spPr/>
+    </dgm:pt>
+    <dgm:pt modelId="{F1EAAEE3-B0C5-42FE-840D-8E8751C399F3}" type="pres">
+      <dgm:prSet presAssocID="{B1DCEB85-E710-40A1-9372-F0F35FEAA503}" presName="tx1" presStyleLbl="revTx" presStyleIdx="12" presStyleCnt="13"/>
+      <dgm:spPr/>
+    </dgm:pt>
+    <dgm:pt modelId="{E8D202F5-601F-4AF6-9398-1B0CB2332273}" type="pres">
+      <dgm:prSet presAssocID="{B1DCEB85-E710-40A1-9372-F0F35FEAA503}" presName="vert1" presStyleCnt="0"/>
+      <dgm:spPr/>
+    </dgm:pt>
+  </dgm:ptLst>
+  <dgm:cxnLst>
+    <dgm:cxn modelId="{6E0D4400-1064-4EF8-A93A-4602580EE76A}" type="presOf" srcId="{B1DCEB85-E710-40A1-9372-F0F35FEAA503}" destId="{F1EAAEE3-B0C5-42FE-840D-8E8751C399F3}" srcOrd="0" destOrd="0" presId="urn:microsoft.com/office/officeart/2008/layout/LinedList"/>
+    <dgm:cxn modelId="{83650E0C-B5B2-41F2-8013-A36D6718686E}" type="presOf" srcId="{456C27E9-5F6B-4042-A7F6-EC844CDF0962}" destId="{0799139F-AAA2-426B-83AF-25671399EA72}" srcOrd="0" destOrd="0" presId="urn:microsoft.com/office/officeart/2008/layout/LinedList"/>
+    <dgm:cxn modelId="{95357E19-6F7B-4734-AA86-AAC3336F8668}" type="presOf" srcId="{F41895E0-B555-4917-9E73-DBD52542435C}" destId="{A2656CB3-70A1-47A4-BE7F-EF4578D537EE}" srcOrd="0" destOrd="0" presId="urn:microsoft.com/office/officeart/2008/layout/LinedList"/>
+    <dgm:cxn modelId="{410A401F-3E7F-4366-9E47-A5678CAD979D}" type="presOf" srcId="{9076DC29-55A5-4FBC-8AB5-BFDF96152BB6}" destId="{BC7713A9-6435-4747-A616-7A3FBA5320D3}" srcOrd="0" destOrd="0" presId="urn:microsoft.com/office/officeart/2008/layout/LinedList"/>
+    <dgm:cxn modelId="{C60F3521-CC40-4747-A562-46A6005BEC31}" srcId="{D491EA54-DABF-47FC-8D1C-E005FA905286}" destId="{67AC18DA-108F-47CC-BE3A-AF6FCFF2100C}" srcOrd="11" destOrd="0" parTransId="{7B58D300-CED1-4EE0-825A-66AB96B5AFAF}" sibTransId="{8C625C85-450A-475D-940A-BDD1474953B9}"/>
+    <dgm:cxn modelId="{A4FF0A3D-3C99-4CCC-AE05-DD8A5936B602}" srcId="{D491EA54-DABF-47FC-8D1C-E005FA905286}" destId="{C93186CE-F36A-40BB-85B3-3D3F2843F0A1}" srcOrd="4" destOrd="0" parTransId="{0EABD93D-3502-41B0-B249-6793B5285CC6}" sibTransId="{4B581373-51BD-4DB6-9526-A609C42604C4}"/>
+    <dgm:cxn modelId="{188E1E3E-0AD7-44A3-9E52-AF2F6B63E0C1}" srcId="{D491EA54-DABF-47FC-8D1C-E005FA905286}" destId="{F41895E0-B555-4917-9E73-DBD52542435C}" srcOrd="0" destOrd="0" parTransId="{DFE3A2A5-E88F-4D09-B95C-2C9AD7887CEB}" sibTransId="{73F5ED8D-9137-40F6-8442-E1C13BC965E7}"/>
+    <dgm:cxn modelId="{1A8B2F5F-08CD-4BE5-9B6D-E1183F8A662C}" srcId="{D491EA54-DABF-47FC-8D1C-E005FA905286}" destId="{9A926D2E-5FE3-41B7-9B31-C65729D3BB89}" srcOrd="6" destOrd="0" parTransId="{BF9EC0BB-C0CE-41E5-B329-30797E29BA8A}" sibTransId="{99518466-7240-4908-BA8E-1D0F4CEA9359}"/>
+    <dgm:cxn modelId="{92ED9163-1F81-4E22-AD51-4248182EE5E7}" type="presOf" srcId="{67AC18DA-108F-47CC-BE3A-AF6FCFF2100C}" destId="{7BE6823B-5A44-471B-A548-0CB749C21226}" srcOrd="0" destOrd="0" presId="urn:microsoft.com/office/officeart/2008/layout/LinedList"/>
+    <dgm:cxn modelId="{EB9D5664-2A1C-4DE2-82D2-13259B88C51F}" srcId="{D491EA54-DABF-47FC-8D1C-E005FA905286}" destId="{5C84C636-2BBB-4B5D-BF0A-8B45EEDBF643}" srcOrd="9" destOrd="0" parTransId="{80FC7214-F882-45F4-B900-CA4E5FDEABA9}" sibTransId="{1104670E-4546-4D7F-99FB-310351951DB8}"/>
+    <dgm:cxn modelId="{02A8D067-22D1-4B13-A456-5A3FE43464A9}" type="presOf" srcId="{D491EA54-DABF-47FC-8D1C-E005FA905286}" destId="{E8560B67-799B-4419-9D66-FFAF9081E0A6}" srcOrd="0" destOrd="0" presId="urn:microsoft.com/office/officeart/2008/layout/LinedList"/>
+    <dgm:cxn modelId="{AF401C54-773F-4731-9155-FD627FBC534F}" type="presOf" srcId="{2528E2EF-BCC5-4A22-9E2D-DBBEE6B3D29F}" destId="{83224863-AC78-4E7F-80B3-79D93B2D20BD}" srcOrd="0" destOrd="0" presId="urn:microsoft.com/office/officeart/2008/layout/LinedList"/>
+    <dgm:cxn modelId="{5AC8A77A-EE83-4A58-A268-A4EE27A12397}" type="presOf" srcId="{0EC24ED5-FD56-48D5-884D-30EB72B8066F}" destId="{9578C40B-2FC4-47A4-A3FD-299C73BD1584}" srcOrd="0" destOrd="0" presId="urn:microsoft.com/office/officeart/2008/layout/LinedList"/>
+    <dgm:cxn modelId="{5FC9587C-F8EC-44B8-B45D-FC93BA4997BD}" type="presOf" srcId="{17A945E4-A55E-4C5E-8B8E-F518DE127C7D}" destId="{5FDE5DCF-49BC-4D77-9E64-7422B4D0D1F7}" srcOrd="0" destOrd="0" presId="urn:microsoft.com/office/officeart/2008/layout/LinedList"/>
+    <dgm:cxn modelId="{97BA2983-184E-41C6-90C2-721744A1AA78}" srcId="{D491EA54-DABF-47FC-8D1C-E005FA905286}" destId="{17A945E4-A55E-4C5E-8B8E-F518DE127C7D}" srcOrd="3" destOrd="0" parTransId="{F4D9C853-F776-4CEA-AE7D-097D62AA8E56}" sibTransId="{EDF100D7-712D-452C-932C-BCD6B99E9FA3}"/>
+    <dgm:cxn modelId="{D9B80289-0E7E-4D0F-8214-D7206F5A0367}" srcId="{D491EA54-DABF-47FC-8D1C-E005FA905286}" destId="{456C27E9-5F6B-4042-A7F6-EC844CDF0962}" srcOrd="2" destOrd="0" parTransId="{6953FFA9-5FEA-4EF4-86C6-80B82B8E81F7}" sibTransId="{56EB6742-07E9-404C-B38E-2BFDD89EC1E9}"/>
+    <dgm:cxn modelId="{1819458B-7A87-463A-A326-A0651CFD3DC2}" srcId="{D491EA54-DABF-47FC-8D1C-E005FA905286}" destId="{F62ACCFD-FF84-4909-9185-6D3A1FCF01FA}" srcOrd="7" destOrd="0" parTransId="{15A337A8-E4CF-4B35-8928-E23BD89A9553}" sibTransId="{443561FE-9356-41C0-B0A6-3112CB70CD62}"/>
+    <dgm:cxn modelId="{FD472F8C-B865-4A97-8CC4-885FD745D150}" srcId="{D491EA54-DABF-47FC-8D1C-E005FA905286}" destId="{2528E2EF-BCC5-4A22-9E2D-DBBEE6B3D29F}" srcOrd="5" destOrd="0" parTransId="{D7ECEC0F-1FAC-4E2E-95DD-216E9218350B}" sibTransId="{E54C2CAB-80BE-4C18-98D5-DAC3200D5EA0}"/>
+    <dgm:cxn modelId="{AEDA219C-3ABF-489D-82A4-D059B31C1A07}" srcId="{D491EA54-DABF-47FC-8D1C-E005FA905286}" destId="{448F9D2E-632E-444E-A144-9464B390620D}" srcOrd="10" destOrd="0" parTransId="{B0582152-8C74-4CD5-8240-95B107CBFB50}" sibTransId="{1AC96152-37CA-4142-8E56-6BEE81B55647}"/>
+    <dgm:cxn modelId="{913DBBA6-723A-4D40-8F69-5A7FD339B2D7}" srcId="{D491EA54-DABF-47FC-8D1C-E005FA905286}" destId="{9076DC29-55A5-4FBC-8AB5-BFDF96152BB6}" srcOrd="1" destOrd="0" parTransId="{0F64832D-2A4A-48EA-989A-98B3FB0FFD60}" sibTransId="{0CE6F65B-729F-4C8B-90E4-813BCF2A8D04}"/>
+    <dgm:cxn modelId="{93854EB3-D88D-4A4F-B828-2831283FC174}" type="presOf" srcId="{9A926D2E-5FE3-41B7-9B31-C65729D3BB89}" destId="{2644B47D-7A06-4004-A928-E58CA2A3327B}" srcOrd="0" destOrd="0" presId="urn:microsoft.com/office/officeart/2008/layout/LinedList"/>
+    <dgm:cxn modelId="{3BE0BDB4-5C32-4473-8B69-BF1308757131}" type="presOf" srcId="{5C84C636-2BBB-4B5D-BF0A-8B45EEDBF643}" destId="{BCD25DD9-75F9-46AE-BC24-93D9E549292C}" srcOrd="0" destOrd="0" presId="urn:microsoft.com/office/officeart/2008/layout/LinedList"/>
+    <dgm:cxn modelId="{5A2447C1-2854-49E3-A9D8-882A35476B1E}" srcId="{D491EA54-DABF-47FC-8D1C-E005FA905286}" destId="{0EC24ED5-FD56-48D5-884D-30EB72B8066F}" srcOrd="8" destOrd="0" parTransId="{62E2F579-4452-4EE9-BAA0-9FD4EDDD15B3}" sibTransId="{3A674ABC-7B8E-4F91-96AC-CD271C5538F4}"/>
+    <dgm:cxn modelId="{1A3671E4-5D34-4710-8A15-E6EF77CC7E6F}" srcId="{D491EA54-DABF-47FC-8D1C-E005FA905286}" destId="{B1DCEB85-E710-40A1-9372-F0F35FEAA503}" srcOrd="12" destOrd="0" parTransId="{D5F58D8F-EA19-4E1B-9052-B51A87A3525C}" sibTransId="{2CE36ADC-8F26-4E70-B447-EC7C55C7A51D}"/>
+    <dgm:cxn modelId="{656652E5-E647-4BF4-9C5A-4A2633D087C1}" type="presOf" srcId="{448F9D2E-632E-444E-A144-9464B390620D}" destId="{9C7B7CFD-AC89-40A7-B5CA-961BD1A75729}" srcOrd="0" destOrd="0" presId="urn:microsoft.com/office/officeart/2008/layout/LinedList"/>
+    <dgm:cxn modelId="{6100F8E9-72E1-4B91-89FE-FF378848AE6E}" type="presOf" srcId="{C93186CE-F36A-40BB-85B3-3D3F2843F0A1}" destId="{53B18AF1-FC10-4ACB-A06B-753FB50BDA8C}" srcOrd="0" destOrd="0" presId="urn:microsoft.com/office/officeart/2008/layout/LinedList"/>
+    <dgm:cxn modelId="{7CDDDDF4-0845-4257-9C12-B0740244E6A0}" type="presOf" srcId="{F62ACCFD-FF84-4909-9185-6D3A1FCF01FA}" destId="{B11ED437-4B7D-442F-AE54-1AA2E88DF8C4}" srcOrd="0" destOrd="0" presId="urn:microsoft.com/office/officeart/2008/layout/LinedList"/>
+    <dgm:cxn modelId="{93935060-DCCA-423C-92CA-D32FF316B6D0}" type="presParOf" srcId="{E8560B67-799B-4419-9D66-FFAF9081E0A6}" destId="{672B1005-AD1E-4EF1-B699-806793C9AF70}" srcOrd="0" destOrd="0" presId="urn:microsoft.com/office/officeart/2008/layout/LinedList"/>
+    <dgm:cxn modelId="{27C39E06-53A0-474C-9BB0-1021D86BED49}" type="presParOf" srcId="{E8560B67-799B-4419-9D66-FFAF9081E0A6}" destId="{5EB6EEDD-6DA1-4F92-BB5C-C7208C2D5139}" srcOrd="1" destOrd="0" presId="urn:microsoft.com/office/officeart/2008/layout/LinedList"/>
+    <dgm:cxn modelId="{6E46D00B-7BED-4C18-9AA4-474C8C8B2E63}" type="presParOf" srcId="{5EB6EEDD-6DA1-4F92-BB5C-C7208C2D5139}" destId="{A2656CB3-70A1-47A4-BE7F-EF4578D537EE}" srcOrd="0" destOrd="0" presId="urn:microsoft.com/office/officeart/2008/layout/LinedList"/>
+    <dgm:cxn modelId="{97F2FA89-3024-4573-B55E-881E27FA6B24}" type="presParOf" srcId="{5EB6EEDD-6DA1-4F92-BB5C-C7208C2D5139}" destId="{93763F79-7CB3-42CA-85C8-5833BAF2BBAF}" srcOrd="1" destOrd="0" presId="urn:microsoft.com/office/officeart/2008/layout/LinedList"/>
+    <dgm:cxn modelId="{9D91184E-B1C9-4CD1-AE10-639A254DD022}" type="presParOf" srcId="{E8560B67-799B-4419-9D66-FFAF9081E0A6}" destId="{2B2981CA-232F-4505-9BF5-FDA46BB43D83}" srcOrd="2" destOrd="0" presId="urn:microsoft.com/office/officeart/2008/layout/LinedList"/>
+    <dgm:cxn modelId="{249B72F3-2B66-4223-8365-27317102BA8C}" type="presParOf" srcId="{E8560B67-799B-4419-9D66-FFAF9081E0A6}" destId="{E58732CB-A9AE-47A9-B076-EE8B36FB85C0}" srcOrd="3" destOrd="0" presId="urn:microsoft.com/office/officeart/2008/layout/LinedList"/>
+    <dgm:cxn modelId="{237944FE-A293-4094-8901-F35E3F3FC092}" type="presParOf" srcId="{E58732CB-A9AE-47A9-B076-EE8B36FB85C0}" destId="{BC7713A9-6435-4747-A616-7A3FBA5320D3}" srcOrd="0" destOrd="0" presId="urn:microsoft.com/office/officeart/2008/layout/LinedList"/>
+    <dgm:cxn modelId="{ECE31F5A-F9B7-43B5-8A94-125CB6771673}" type="presParOf" srcId="{E58732CB-A9AE-47A9-B076-EE8B36FB85C0}" destId="{5B8246B0-178F-4E46-9087-35C6D107CA05}" srcOrd="1" destOrd="0" presId="urn:microsoft.com/office/officeart/2008/layout/LinedList"/>
+    <dgm:cxn modelId="{A588F857-60A8-4273-9569-EFBFEE1385A9}" type="presParOf" srcId="{E8560B67-799B-4419-9D66-FFAF9081E0A6}" destId="{8EA192B0-319B-4E29-BB57-AD5BA9B99C4D}" srcOrd="4" destOrd="0" presId="urn:microsoft.com/office/officeart/2008/layout/LinedList"/>
+    <dgm:cxn modelId="{490FFE55-F083-4371-96B4-C9BA94948164}" type="presParOf" srcId="{E8560B67-799B-4419-9D66-FFAF9081E0A6}" destId="{84A0DF08-465E-4825-B33C-DFAD5EEAE5AB}" srcOrd="5" destOrd="0" presId="urn:microsoft.com/office/officeart/2008/layout/LinedList"/>
+    <dgm:cxn modelId="{1D618B8D-1614-4F4D-8DFC-E95A049662B2}" type="presParOf" srcId="{84A0DF08-465E-4825-B33C-DFAD5EEAE5AB}" destId="{0799139F-AAA2-426B-83AF-25671399EA72}" srcOrd="0" destOrd="0" presId="urn:microsoft.com/office/officeart/2008/layout/LinedList"/>
+    <dgm:cxn modelId="{90676B1F-C455-4D1F-B5E4-0CE9594A63CE}" type="presParOf" srcId="{84A0DF08-465E-4825-B33C-DFAD5EEAE5AB}" destId="{4B93D18A-41A7-40CA-AC33-F03AD83910A7}" srcOrd="1" destOrd="0" presId="urn:microsoft.com/office/officeart/2008/layout/LinedList"/>
+    <dgm:cxn modelId="{08D1749D-12F2-4EA0-9E2F-9C55AE6D0D4E}" type="presParOf" srcId="{E8560B67-799B-4419-9D66-FFAF9081E0A6}" destId="{2843FFFA-3D4F-4923-84F1-67B2F489537F}" srcOrd="6" destOrd="0" presId="urn:microsoft.com/office/officeart/2008/layout/LinedList"/>
+    <dgm:cxn modelId="{906AF944-947C-4532-BBC4-79145A82869B}" type="presParOf" srcId="{E8560B67-799B-4419-9D66-FFAF9081E0A6}" destId="{74FF289F-76C6-4F35-AFDA-3DC763096659}" srcOrd="7" destOrd="0" presId="urn:microsoft.com/office/officeart/2008/layout/LinedList"/>
+    <dgm:cxn modelId="{947A88D7-C446-4FB7-9B6A-BB578FF1AD00}" type="presParOf" srcId="{74FF289F-76C6-4F35-AFDA-3DC763096659}" destId="{5FDE5DCF-49BC-4D77-9E64-7422B4D0D1F7}" srcOrd="0" destOrd="0" presId="urn:microsoft.com/office/officeart/2008/layout/LinedList"/>
+    <dgm:cxn modelId="{EC902E23-330C-47CF-AA2C-E7F4FB52B639}" type="presParOf" srcId="{74FF289F-76C6-4F35-AFDA-3DC763096659}" destId="{CFE6FC51-FED1-44A2-B3C9-045470ED761D}" srcOrd="1" destOrd="0" presId="urn:microsoft.com/office/officeart/2008/layout/LinedList"/>
+    <dgm:cxn modelId="{FA8AD95E-2369-4557-8DB3-87C54A6615E6}" type="presParOf" srcId="{E8560B67-799B-4419-9D66-FFAF9081E0A6}" destId="{8B5AAE2F-43DA-4659-9ABF-B56C1B7B3187}" srcOrd="8" destOrd="0" presId="urn:microsoft.com/office/officeart/2008/layout/LinedList"/>
+    <dgm:cxn modelId="{C9F157CB-5F55-42FD-B673-A480C505B405}" type="presParOf" srcId="{E8560B67-799B-4419-9D66-FFAF9081E0A6}" destId="{764BA7A3-24BC-40EE-B9D5-1B1A2B8DF0AD}" srcOrd="9" destOrd="0" presId="urn:microsoft.com/office/officeart/2008/layout/LinedList"/>
+    <dgm:cxn modelId="{24C9E8D0-22DE-4BB2-9C67-DADA798DDCA3}" type="presParOf" srcId="{764BA7A3-24BC-40EE-B9D5-1B1A2B8DF0AD}" destId="{53B18AF1-FC10-4ACB-A06B-753FB50BDA8C}" srcOrd="0" destOrd="0" presId="urn:microsoft.com/office/officeart/2008/layout/LinedList"/>
+    <dgm:cxn modelId="{B64FB0F6-0DC3-4450-9806-3F108FEB2118}" type="presParOf" srcId="{764BA7A3-24BC-40EE-B9D5-1B1A2B8DF0AD}" destId="{14292B06-326C-4ACA-A4A5-250DEDED5DDB}" srcOrd="1" destOrd="0" presId="urn:microsoft.com/office/officeart/2008/layout/LinedList"/>
+    <dgm:cxn modelId="{4CEF947C-BE79-459F-8FB4-5F6E6F6E1F7A}" type="presParOf" srcId="{E8560B67-799B-4419-9D66-FFAF9081E0A6}" destId="{F0668E27-5369-4AEC-B003-45FB0C1EEF49}" srcOrd="10" destOrd="0" presId="urn:microsoft.com/office/officeart/2008/layout/LinedList"/>
+    <dgm:cxn modelId="{3EFF42D6-7A59-4330-93DD-3CA429235D6C}" type="presParOf" srcId="{E8560B67-799B-4419-9D66-FFAF9081E0A6}" destId="{B6DD4E75-EBEE-4DBD-B67F-AB0326A1CF1D}" srcOrd="11" destOrd="0" presId="urn:microsoft.com/office/officeart/2008/layout/LinedList"/>
+    <dgm:cxn modelId="{80D0F394-BD67-43EE-B4EA-FE59175F3ECA}" type="presParOf" srcId="{B6DD4E75-EBEE-4DBD-B67F-AB0326A1CF1D}" destId="{83224863-AC78-4E7F-80B3-79D93B2D20BD}" srcOrd="0" destOrd="0" presId="urn:microsoft.com/office/officeart/2008/layout/LinedList"/>
+    <dgm:cxn modelId="{3F0E19BF-4BCE-4455-83D8-D5E9DAB7A725}" type="presParOf" srcId="{B6DD4E75-EBEE-4DBD-B67F-AB0326A1CF1D}" destId="{FC51DC78-3827-45FE-A4F8-CD4D851AE0B7}" srcOrd="1" destOrd="0" presId="urn:microsoft.com/office/officeart/2008/layout/LinedList"/>
+    <dgm:cxn modelId="{96AFFB35-8CBF-4ACD-8DEB-1937081367C6}" type="presParOf" srcId="{E8560B67-799B-4419-9D66-FFAF9081E0A6}" destId="{65A50725-0379-4E0F-B83D-A3CB6C691223}" srcOrd="12" destOrd="0" presId="urn:microsoft.com/office/officeart/2008/layout/LinedList"/>
+    <dgm:cxn modelId="{678CC2A7-3138-4309-8A00-F95A6F6CB404}" type="presParOf" srcId="{E8560B67-799B-4419-9D66-FFAF9081E0A6}" destId="{BC49B790-EE98-477D-94BB-7EED81DDD63F}" srcOrd="13" destOrd="0" presId="urn:microsoft.com/office/officeart/2008/layout/LinedList"/>
+    <dgm:cxn modelId="{3E09F2F3-D6CA-47CC-8590-7162ABADB783}" type="presParOf" srcId="{BC49B790-EE98-477D-94BB-7EED81DDD63F}" destId="{2644B47D-7A06-4004-A928-E58CA2A3327B}" srcOrd="0" destOrd="0" presId="urn:microsoft.com/office/officeart/2008/layout/LinedList"/>
+    <dgm:cxn modelId="{87F81D37-3EC9-4A6D-8406-D993B9EB4C9B}" type="presParOf" srcId="{BC49B790-EE98-477D-94BB-7EED81DDD63F}" destId="{81E1C199-B6DE-414B-830F-C60BF48F88E5}" srcOrd="1" destOrd="0" presId="urn:microsoft.com/office/officeart/2008/layout/LinedList"/>
+    <dgm:cxn modelId="{1C9982F2-BD13-4ACF-8BAA-10844A58BDEB}" type="presParOf" srcId="{E8560B67-799B-4419-9D66-FFAF9081E0A6}" destId="{48ADA503-04F6-4654-8424-895F4D86B8A3}" srcOrd="14" destOrd="0" presId="urn:microsoft.com/office/officeart/2008/layout/LinedList"/>
+    <dgm:cxn modelId="{560AFC69-3BA7-4683-9961-3EDCFB910B3B}" type="presParOf" srcId="{E8560B67-799B-4419-9D66-FFAF9081E0A6}" destId="{8B1913BE-B2E9-4FE6-B8E7-3ADA760C29E8}" srcOrd="15" destOrd="0" presId="urn:microsoft.com/office/officeart/2008/layout/LinedList"/>
+    <dgm:cxn modelId="{DF57BF99-696F-4948-9EB9-77FAE91FFB25}" type="presParOf" srcId="{8B1913BE-B2E9-4FE6-B8E7-3ADA760C29E8}" destId="{B11ED437-4B7D-442F-AE54-1AA2E88DF8C4}" srcOrd="0" destOrd="0" presId="urn:microsoft.com/office/officeart/2008/layout/LinedList"/>
+    <dgm:cxn modelId="{3FC00E8B-53C8-47FE-89BD-B5FE54F7F375}" type="presParOf" srcId="{8B1913BE-B2E9-4FE6-B8E7-3ADA760C29E8}" destId="{74FD125B-DA7A-4854-BA1F-3ADE52EA700B}" srcOrd="1" destOrd="0" presId="urn:microsoft.com/office/officeart/2008/layout/LinedList"/>
+    <dgm:cxn modelId="{887ED7EE-6436-4068-B463-3032B9FD7233}" type="presParOf" srcId="{E8560B67-799B-4419-9D66-FFAF9081E0A6}" destId="{807EC52E-F73A-4B25-B63D-470EB303A749}" srcOrd="16" destOrd="0" presId="urn:microsoft.com/office/officeart/2008/layout/LinedList"/>
+    <dgm:cxn modelId="{4C461111-F04B-46C8-B2F8-50F6B2FD0F08}" type="presParOf" srcId="{E8560B67-799B-4419-9D66-FFAF9081E0A6}" destId="{C3833DB6-B5EA-41AD-BDE7-EA482A46403F}" srcOrd="17" destOrd="0" presId="urn:microsoft.com/office/officeart/2008/layout/LinedList"/>
+    <dgm:cxn modelId="{D6781759-1925-456D-8624-2CCD788B63ED}" type="presParOf" srcId="{C3833DB6-B5EA-41AD-BDE7-EA482A46403F}" destId="{9578C40B-2FC4-47A4-A3FD-299C73BD1584}" srcOrd="0" destOrd="0" presId="urn:microsoft.com/office/officeart/2008/layout/LinedList"/>
+    <dgm:cxn modelId="{22DF7576-8C50-430E-9198-B59947FBDECC}" type="presParOf" srcId="{C3833DB6-B5EA-41AD-BDE7-EA482A46403F}" destId="{A149F787-AC17-43FB-80AB-47BD9C23C5D8}" srcOrd="1" destOrd="0" presId="urn:microsoft.com/office/officeart/2008/layout/LinedList"/>
+    <dgm:cxn modelId="{8779AE8D-9149-4A4F-9168-B0D508BAF5AA}" type="presParOf" srcId="{E8560B67-799B-4419-9D66-FFAF9081E0A6}" destId="{7483A3F5-DA58-48F1-A79C-0428DB716F97}" srcOrd="18" destOrd="0" presId="urn:microsoft.com/office/officeart/2008/layout/LinedList"/>
+    <dgm:cxn modelId="{3D90FDA8-9146-4243-81CD-4C4EA5EAC5E0}" type="presParOf" srcId="{E8560B67-799B-4419-9D66-FFAF9081E0A6}" destId="{D452AA79-4D3A-4990-AD5E-19B3ABEEB966}" srcOrd="19" destOrd="0" presId="urn:microsoft.com/office/officeart/2008/layout/LinedList"/>
+    <dgm:cxn modelId="{F79062B4-B85B-48A0-9CC8-2CF9E7124F03}" type="presParOf" srcId="{D452AA79-4D3A-4990-AD5E-19B3ABEEB966}" destId="{BCD25DD9-75F9-46AE-BC24-93D9E549292C}" srcOrd="0" destOrd="0" presId="urn:microsoft.com/office/officeart/2008/layout/LinedList"/>
+    <dgm:cxn modelId="{FB0A08D6-D073-4E56-98C5-87BE0A73D37C}" type="presParOf" srcId="{D452AA79-4D3A-4990-AD5E-19B3ABEEB966}" destId="{2CCD1C2F-A92C-45B1-9EA5-8FC3B5523330}" srcOrd="1" destOrd="0" presId="urn:microsoft.com/office/officeart/2008/layout/LinedList"/>
+    <dgm:cxn modelId="{691C84E7-DF12-4B25-9F59-1D379F032CF7}" type="presParOf" srcId="{E8560B67-799B-4419-9D66-FFAF9081E0A6}" destId="{E37762C4-F4BD-43B7-ABC3-AA26D5A72209}" srcOrd="20" destOrd="0" presId="urn:microsoft.com/office/officeart/2008/layout/LinedList"/>
+    <dgm:cxn modelId="{0A5F8F23-2CE5-4F88-9BE8-1768F10E8BDA}" type="presParOf" srcId="{E8560B67-799B-4419-9D66-FFAF9081E0A6}" destId="{9897F18F-D151-4B37-A5A9-687806B17F7F}" srcOrd="21" destOrd="0" presId="urn:microsoft.com/office/officeart/2008/layout/LinedList"/>
+    <dgm:cxn modelId="{50A2846A-9671-4BD6-A5D6-EF18B31142BF}" type="presParOf" srcId="{9897F18F-D151-4B37-A5A9-687806B17F7F}" destId="{9C7B7CFD-AC89-40A7-B5CA-961BD1A75729}" srcOrd="0" destOrd="0" presId="urn:microsoft.com/office/officeart/2008/layout/LinedList"/>
+    <dgm:cxn modelId="{E39FE65C-0374-4AD8-A36B-779DEC5A8454}" type="presParOf" srcId="{9897F18F-D151-4B37-A5A9-687806B17F7F}" destId="{1E59F100-ACEC-4D3B-AF71-3DA3A8B06B14}" srcOrd="1" destOrd="0" presId="urn:microsoft.com/office/officeart/2008/layout/LinedList"/>
+    <dgm:cxn modelId="{BE25ABB0-DC56-4700-8221-E55DA50A6FF8}" type="presParOf" srcId="{E8560B67-799B-4419-9D66-FFAF9081E0A6}" destId="{EDA116FC-41D7-4EFA-AD05-B6D330AF539D}" srcOrd="22" destOrd="0" presId="urn:microsoft.com/office/officeart/2008/layout/LinedList"/>
+    <dgm:cxn modelId="{6924E7F7-D6E0-48D1-BE25-9819D78775B8}" type="presParOf" srcId="{E8560B67-799B-4419-9D66-FFAF9081E0A6}" destId="{FDDCBC92-9EF8-4312-96F1-9A47A1398EE5}" srcOrd="23" destOrd="0" presId="urn:microsoft.com/office/officeart/2008/layout/LinedList"/>
+    <dgm:cxn modelId="{3593270D-2C05-4302-B146-D8C9D81694F2}" type="presParOf" srcId="{FDDCBC92-9EF8-4312-96F1-9A47A1398EE5}" destId="{7BE6823B-5A44-471B-A548-0CB749C21226}" srcOrd="0" destOrd="0" presId="urn:microsoft.com/office/officeart/2008/layout/LinedList"/>
+    <dgm:cxn modelId="{2D40D950-1FC3-43E3-8DE5-52B917428757}" type="presParOf" srcId="{FDDCBC92-9EF8-4312-96F1-9A47A1398EE5}" destId="{BB44A76F-3BD8-4A5E-B9B5-3BF57F7811C0}" srcOrd="1" destOrd="0" presId="urn:microsoft.com/office/officeart/2008/layout/LinedList"/>
+    <dgm:cxn modelId="{F70427A6-20D5-4A4A-92B4-BEE69D88339C}" type="presParOf" srcId="{E8560B67-799B-4419-9D66-FFAF9081E0A6}" destId="{1D6405CB-9EE2-49DA-8E7C-BB62096108F0}" srcOrd="24" destOrd="0" presId="urn:microsoft.com/office/officeart/2008/layout/LinedList"/>
+    <dgm:cxn modelId="{D6898D60-5B02-492F-8E79-7FDB9E27B9E5}" type="presParOf" srcId="{E8560B67-799B-4419-9D66-FFAF9081E0A6}" destId="{FB56D5C5-5E5D-4F4B-AA5C-B3079A3854DD}" srcOrd="25" destOrd="0" presId="urn:microsoft.com/office/officeart/2008/layout/LinedList"/>
+    <dgm:cxn modelId="{2BB03137-BA7C-4FAB-8EF4-FC9D5F2CE459}" type="presParOf" srcId="{FB56D5C5-5E5D-4F4B-AA5C-B3079A3854DD}" destId="{F1EAAEE3-B0C5-42FE-840D-8E8751C399F3}" srcOrd="0" destOrd="0" presId="urn:microsoft.com/office/officeart/2008/layout/LinedList"/>
+    <dgm:cxn modelId="{077CE0FA-364D-483A-91A7-CA6BF8EA32CF}" type="presParOf" srcId="{FB56D5C5-5E5D-4F4B-AA5C-B3079A3854DD}" destId="{E8D202F5-601F-4AF6-9398-1B0CB2332273}" srcOrd="1" destOrd="0" presId="urn:microsoft.com/office/officeart/2008/layout/LinedList"/>
+  </dgm:cxnLst>
+  <dgm:bg/>
+  <dgm:whole/>
+  <dgm:extLst>
+    <a:ext uri="http://schemas.microsoft.com/office/drawing/2008/diagram">
+      <dsp:dataModelExt xmlns:dsp="http://schemas.microsoft.com/office/drawing/2008/diagram" relId="rId6" minVer="http://schemas.openxmlformats.org/drawingml/2006/diagram"/>
+    </a:ext>
+  </dgm:extLst>
+</dgm:dataModel>
+</file>
+
+<file path=ppt/diagrams/data4.xml><?xml version="1.0" encoding="utf-8"?>
+<dgm:dataModel xmlns:dgm="http://schemas.openxmlformats.org/drawingml/2006/diagram" xmlns:a="http://schemas.openxmlformats.org/drawingml/2006/main">
+  <dgm:ptLst>
     <dgm:pt modelId="{299ACA76-FA11-4D7D-80CC-8BDE1AD8FCBF}" type="doc">
       <dgm:prSet loTypeId="urn:microsoft.com/office/officeart/2005/8/layout/vProcess5" loCatId="process" qsTypeId="urn:microsoft.com/office/officeart/2005/8/quickstyle/simple1" qsCatId="simple" csTypeId="urn:microsoft.com/office/officeart/2005/8/colors/accent0_2" csCatId="mainScheme" phldr="1"/>
       <dgm:spPr/>
@@ -3461,7 +6416,7 @@
 </dgm:dataModel>
 </file>
 
-<file path=ppt/diagrams/data3.xml><?xml version="1.0" encoding="utf-8"?>
+<file path=ppt/diagrams/data5.xml><?xml version="1.0" encoding="utf-8"?>
 <dgm:dataModel xmlns:dgm="http://schemas.openxmlformats.org/drawingml/2006/diagram" xmlns:a="http://schemas.openxmlformats.org/drawingml/2006/main">
   <dgm:ptLst>
     <dgm:pt modelId="{B51E51AC-04FD-41D9-BE86-35936FEC4B92}" type="doc">
@@ -4811,6 +7766,2176 @@
       <dsp:cNvGrpSpPr/>
     </dsp:nvGrpSpPr>
     <dsp:grpSpPr/>
+    <dsp:sp modelId="{11AA961E-6BF6-452F-A785-23364A833DE7}">
+      <dsp:nvSpPr>
+        <dsp:cNvPr id="0" name=""/>
+        <dsp:cNvSpPr/>
+      </dsp:nvSpPr>
+      <dsp:spPr>
+        <a:xfrm>
+          <a:off x="0" y="628"/>
+          <a:ext cx="10927913" cy="0"/>
+        </a:xfrm>
+        <a:prstGeom prst="line">
+          <a:avLst/>
+        </a:prstGeom>
+        <a:solidFill>
+          <a:schemeClr val="accent2">
+            <a:hueOff val="0"/>
+            <a:satOff val="0"/>
+            <a:lumOff val="0"/>
+            <a:alphaOff val="0"/>
+          </a:schemeClr>
+        </a:solidFill>
+        <a:ln w="12700" cap="flat" cmpd="sng" algn="ctr">
+          <a:solidFill>
+            <a:schemeClr val="accent2">
+              <a:hueOff val="0"/>
+              <a:satOff val="0"/>
+              <a:lumOff val="0"/>
+              <a:alphaOff val="0"/>
+            </a:schemeClr>
+          </a:solidFill>
+          <a:prstDash val="solid"/>
+          <a:miter lim="800000"/>
+        </a:ln>
+        <a:effectLst/>
+      </dsp:spPr>
+      <dsp:style>
+        <a:lnRef idx="2">
+          <a:scrgbClr r="0" g="0" b="0"/>
+        </a:lnRef>
+        <a:fillRef idx="1">
+          <a:scrgbClr r="0" g="0" b="0"/>
+        </a:fillRef>
+        <a:effectRef idx="0">
+          <a:scrgbClr r="0" g="0" b="0"/>
+        </a:effectRef>
+        <a:fontRef idx="minor">
+          <a:schemeClr val="lt1"/>
+        </a:fontRef>
+      </dsp:style>
+    </dsp:sp>
+    <dsp:sp modelId="{4AECA517-DEEC-452F-B867-CC482984D685}">
+      <dsp:nvSpPr>
+        <dsp:cNvPr id="0" name=""/>
+        <dsp:cNvSpPr/>
+      </dsp:nvSpPr>
+      <dsp:spPr>
+        <a:xfrm>
+          <a:off x="0" y="628"/>
+          <a:ext cx="10927913" cy="1028766"/>
+        </a:xfrm>
+        <a:prstGeom prst="rect">
+          <a:avLst/>
+        </a:prstGeom>
+        <a:noFill/>
+        <a:ln>
+          <a:noFill/>
+        </a:ln>
+        <a:effectLst/>
+      </dsp:spPr>
+      <dsp:style>
+        <a:lnRef idx="0">
+          <a:scrgbClr r="0" g="0" b="0"/>
+        </a:lnRef>
+        <a:fillRef idx="0">
+          <a:scrgbClr r="0" g="0" b="0"/>
+        </a:fillRef>
+        <a:effectRef idx="0">
+          <a:scrgbClr r="0" g="0" b="0"/>
+        </a:effectRef>
+        <a:fontRef idx="minor"/>
+      </dsp:style>
+      <dsp:txBody>
+        <a:bodyPr spcFirstLastPara="0" vert="horz" wrap="square" lIns="60960" tIns="60960" rIns="60960" bIns="60960" numCol="1" spcCol="1270" anchor="t" anchorCtr="0">
+          <a:noAutofit/>
+        </a:bodyPr>
+        <a:lstStyle/>
+        <a:p>
+          <a:pPr marL="0" lvl="0" indent="0" algn="l" defTabSz="711200" rtl="0">
+            <a:lnSpc>
+              <a:spcPct val="90000"/>
+            </a:lnSpc>
+            <a:spcBef>
+              <a:spcPct val="0"/>
+            </a:spcBef>
+            <a:spcAft>
+              <a:spcPct val="35000"/>
+            </a:spcAft>
+            <a:buNone/>
+          </a:pPr>
+          <a:r>
+            <a:rPr lang="en-US" sz="1600" b="1" kern="1200" dirty="0">
+              <a:latin typeface="Calibri"/>
+              <a:ea typeface="Verdana"/>
+              <a:cs typeface="Calibri"/>
+            </a:rPr>
+            <a:t>Tech lead</a:t>
+          </a:r>
+          <a:r>
+            <a:rPr lang="en-US" sz="1600" kern="1200" dirty="0">
+              <a:latin typeface="Calibri"/>
+              <a:ea typeface="Verdana"/>
+              <a:cs typeface="Calibri"/>
+            </a:rPr>
+            <a:t>  - A tech lead is a person responsible for leading a development group. Tech lead guides the technical decision within a team. The responsibility of a tech lead is to drive, lead, motivate the team and its members. He also help the team members to resolve e technical queries/blockers.</a:t>
+          </a:r>
+        </a:p>
+      </dsp:txBody>
+      <dsp:txXfrm>
+        <a:off x="0" y="628"/>
+        <a:ext cx="10927913" cy="1028766"/>
+      </dsp:txXfrm>
+    </dsp:sp>
+    <dsp:sp modelId="{79AF55A1-2136-4DD3-BFA7-09E86FE35E97}">
+      <dsp:nvSpPr>
+        <dsp:cNvPr id="0" name=""/>
+        <dsp:cNvSpPr/>
+      </dsp:nvSpPr>
+      <dsp:spPr>
+        <a:xfrm>
+          <a:off x="0" y="1029394"/>
+          <a:ext cx="10927913" cy="0"/>
+        </a:xfrm>
+        <a:prstGeom prst="line">
+          <a:avLst/>
+        </a:prstGeom>
+        <a:solidFill>
+          <a:schemeClr val="accent3">
+            <a:hueOff val="0"/>
+            <a:satOff val="0"/>
+            <a:lumOff val="0"/>
+            <a:alphaOff val="0"/>
+          </a:schemeClr>
+        </a:solidFill>
+        <a:ln w="12700" cap="flat" cmpd="sng" algn="ctr">
+          <a:solidFill>
+            <a:schemeClr val="accent3">
+              <a:hueOff val="0"/>
+              <a:satOff val="0"/>
+              <a:lumOff val="0"/>
+              <a:alphaOff val="0"/>
+            </a:schemeClr>
+          </a:solidFill>
+          <a:prstDash val="solid"/>
+          <a:miter lim="800000"/>
+        </a:ln>
+        <a:effectLst/>
+      </dsp:spPr>
+      <dsp:style>
+        <a:lnRef idx="2">
+          <a:scrgbClr r="0" g="0" b="0"/>
+        </a:lnRef>
+        <a:fillRef idx="1">
+          <a:scrgbClr r="0" g="0" b="0"/>
+        </a:fillRef>
+        <a:effectRef idx="0">
+          <a:scrgbClr r="0" g="0" b="0"/>
+        </a:effectRef>
+        <a:fontRef idx="minor">
+          <a:schemeClr val="lt1"/>
+        </a:fontRef>
+      </dsp:style>
+    </dsp:sp>
+    <dsp:sp modelId="{5956F49E-C3B0-4CAA-B68D-59D03677D907}">
+      <dsp:nvSpPr>
+        <dsp:cNvPr id="0" name=""/>
+        <dsp:cNvSpPr/>
+      </dsp:nvSpPr>
+      <dsp:spPr>
+        <a:xfrm>
+          <a:off x="0" y="1029394"/>
+          <a:ext cx="10927913" cy="1028766"/>
+        </a:xfrm>
+        <a:prstGeom prst="rect">
+          <a:avLst/>
+        </a:prstGeom>
+        <a:noFill/>
+        <a:ln>
+          <a:noFill/>
+        </a:ln>
+        <a:effectLst/>
+      </dsp:spPr>
+      <dsp:style>
+        <a:lnRef idx="0">
+          <a:scrgbClr r="0" g="0" b="0"/>
+        </a:lnRef>
+        <a:fillRef idx="0">
+          <a:scrgbClr r="0" g="0" b="0"/>
+        </a:fillRef>
+        <a:effectRef idx="0">
+          <a:scrgbClr r="0" g="0" b="0"/>
+        </a:effectRef>
+        <a:fontRef idx="minor"/>
+      </dsp:style>
+      <dsp:txBody>
+        <a:bodyPr spcFirstLastPara="0" vert="horz" wrap="square" lIns="60960" tIns="60960" rIns="60960" bIns="60960" numCol="1" spcCol="1270" anchor="t" anchorCtr="0">
+          <a:noAutofit/>
+        </a:bodyPr>
+        <a:lstStyle/>
+        <a:p>
+          <a:pPr marL="0" lvl="0" indent="0" algn="l" defTabSz="711200" rtl="0">
+            <a:lnSpc>
+              <a:spcPct val="90000"/>
+            </a:lnSpc>
+            <a:spcBef>
+              <a:spcPct val="0"/>
+            </a:spcBef>
+            <a:spcAft>
+              <a:spcPct val="35000"/>
+            </a:spcAft>
+            <a:buNone/>
+          </a:pPr>
+          <a:r>
+            <a:rPr lang="en-US" sz="1600" b="1" kern="1200" dirty="0">
+              <a:latin typeface="Calibri"/>
+              <a:ea typeface="Verdana"/>
+              <a:cs typeface="Calibri"/>
+            </a:rPr>
+            <a:t>Developers </a:t>
+          </a:r>
+          <a:r>
+            <a:rPr lang="en-US" sz="1600" kern="1200" dirty="0">
+              <a:latin typeface="Calibri"/>
+              <a:ea typeface="Verdana"/>
+              <a:cs typeface="Calibri"/>
+            </a:rPr>
+            <a:t>- They are cross functional and cross skilled self-organizing team members. They are responsible for developing the code as per the planned sprint to achieve the sprint goals. They are also responsible for estimating the stories and sprint planning. In ideal scrum team developers are consists of Front-end Developers, Backend Developers, Dev-Ops, QA Experts, Business Analyst, DBA etc.</a:t>
+          </a:r>
+        </a:p>
+      </dsp:txBody>
+      <dsp:txXfrm>
+        <a:off x="0" y="1029394"/>
+        <a:ext cx="10927913" cy="1028766"/>
+      </dsp:txXfrm>
+    </dsp:sp>
+    <dsp:sp modelId="{1060C546-19FB-41A9-BEBF-BA01DAF267CB}">
+      <dsp:nvSpPr>
+        <dsp:cNvPr id="0" name=""/>
+        <dsp:cNvSpPr/>
+      </dsp:nvSpPr>
+      <dsp:spPr>
+        <a:xfrm>
+          <a:off x="0" y="2058160"/>
+          <a:ext cx="10927913" cy="0"/>
+        </a:xfrm>
+        <a:prstGeom prst="line">
+          <a:avLst/>
+        </a:prstGeom>
+        <a:solidFill>
+          <a:schemeClr val="accent4">
+            <a:hueOff val="0"/>
+            <a:satOff val="0"/>
+            <a:lumOff val="0"/>
+            <a:alphaOff val="0"/>
+          </a:schemeClr>
+        </a:solidFill>
+        <a:ln w="12700" cap="flat" cmpd="sng" algn="ctr">
+          <a:solidFill>
+            <a:schemeClr val="accent4">
+              <a:hueOff val="0"/>
+              <a:satOff val="0"/>
+              <a:lumOff val="0"/>
+              <a:alphaOff val="0"/>
+            </a:schemeClr>
+          </a:solidFill>
+          <a:prstDash val="solid"/>
+          <a:miter lim="800000"/>
+        </a:ln>
+        <a:effectLst/>
+      </dsp:spPr>
+      <dsp:style>
+        <a:lnRef idx="2">
+          <a:scrgbClr r="0" g="0" b="0"/>
+        </a:lnRef>
+        <a:fillRef idx="1">
+          <a:scrgbClr r="0" g="0" b="0"/>
+        </a:fillRef>
+        <a:effectRef idx="0">
+          <a:scrgbClr r="0" g="0" b="0"/>
+        </a:effectRef>
+        <a:fontRef idx="minor">
+          <a:schemeClr val="lt1"/>
+        </a:fontRef>
+      </dsp:style>
+    </dsp:sp>
+    <dsp:sp modelId="{591F5ACF-0648-47A8-8299-D020D6C44B37}">
+      <dsp:nvSpPr>
+        <dsp:cNvPr id="0" name=""/>
+        <dsp:cNvSpPr/>
+      </dsp:nvSpPr>
+      <dsp:spPr>
+        <a:xfrm>
+          <a:off x="0" y="2058160"/>
+          <a:ext cx="10927913" cy="1028766"/>
+        </a:xfrm>
+        <a:prstGeom prst="rect">
+          <a:avLst/>
+        </a:prstGeom>
+        <a:noFill/>
+        <a:ln>
+          <a:noFill/>
+        </a:ln>
+        <a:effectLst/>
+      </dsp:spPr>
+      <dsp:style>
+        <a:lnRef idx="0">
+          <a:scrgbClr r="0" g="0" b="0"/>
+        </a:lnRef>
+        <a:fillRef idx="0">
+          <a:scrgbClr r="0" g="0" b="0"/>
+        </a:fillRef>
+        <a:effectRef idx="0">
+          <a:scrgbClr r="0" g="0" b="0"/>
+        </a:effectRef>
+        <a:fontRef idx="minor"/>
+      </dsp:style>
+      <dsp:txBody>
+        <a:bodyPr spcFirstLastPara="0" vert="horz" wrap="square" lIns="60960" tIns="60960" rIns="60960" bIns="60960" numCol="1" spcCol="1270" anchor="t" anchorCtr="0">
+          <a:noAutofit/>
+        </a:bodyPr>
+        <a:lstStyle/>
+        <a:p>
+          <a:pPr marL="0" lvl="0" indent="0" algn="l" defTabSz="711200" rtl="0">
+            <a:lnSpc>
+              <a:spcPct val="90000"/>
+            </a:lnSpc>
+            <a:spcBef>
+              <a:spcPct val="0"/>
+            </a:spcBef>
+            <a:spcAft>
+              <a:spcPct val="35000"/>
+            </a:spcAft>
+            <a:buNone/>
+          </a:pPr>
+          <a:r>
+            <a:rPr lang="en-US" sz="1600" b="1" kern="1200" dirty="0">
+              <a:latin typeface="Calibri"/>
+              <a:ea typeface="Verdana"/>
+              <a:cs typeface="Calibri"/>
+            </a:rPr>
+            <a:t>QA engineer - </a:t>
+          </a:r>
+          <a:r>
+            <a:rPr lang="en-US" sz="1600" kern="1200" dirty="0">
+              <a:latin typeface="Calibri"/>
+              <a:ea typeface="Verdana"/>
+              <a:cs typeface="Calibri"/>
+            </a:rPr>
+            <a:t>QA engineer analyze the requirement, write and execute the test cases to make sure the product meets its specifications or requirements. They are responsible for finding bugs in the product, which is under test and thereby helping to improve the product quality.  </a:t>
+          </a:r>
+        </a:p>
+      </dsp:txBody>
+      <dsp:txXfrm>
+        <a:off x="0" y="2058160"/>
+        <a:ext cx="10927913" cy="1028766"/>
+      </dsp:txXfrm>
+    </dsp:sp>
+    <dsp:sp modelId="{7B245826-966E-482A-B565-8321CFE7C90D}">
+      <dsp:nvSpPr>
+        <dsp:cNvPr id="0" name=""/>
+        <dsp:cNvSpPr/>
+      </dsp:nvSpPr>
+      <dsp:spPr>
+        <a:xfrm>
+          <a:off x="0" y="3086927"/>
+          <a:ext cx="10927913" cy="0"/>
+        </a:xfrm>
+        <a:prstGeom prst="line">
+          <a:avLst/>
+        </a:prstGeom>
+        <a:solidFill>
+          <a:schemeClr val="accent5">
+            <a:hueOff val="0"/>
+            <a:satOff val="0"/>
+            <a:lumOff val="0"/>
+            <a:alphaOff val="0"/>
+          </a:schemeClr>
+        </a:solidFill>
+        <a:ln w="12700" cap="flat" cmpd="sng" algn="ctr">
+          <a:solidFill>
+            <a:schemeClr val="accent5">
+              <a:hueOff val="0"/>
+              <a:satOff val="0"/>
+              <a:lumOff val="0"/>
+              <a:alphaOff val="0"/>
+            </a:schemeClr>
+          </a:solidFill>
+          <a:prstDash val="solid"/>
+          <a:miter lim="800000"/>
+        </a:ln>
+        <a:effectLst/>
+      </dsp:spPr>
+      <dsp:style>
+        <a:lnRef idx="2">
+          <a:scrgbClr r="0" g="0" b="0"/>
+        </a:lnRef>
+        <a:fillRef idx="1">
+          <a:scrgbClr r="0" g="0" b="0"/>
+        </a:fillRef>
+        <a:effectRef idx="0">
+          <a:scrgbClr r="0" g="0" b="0"/>
+        </a:effectRef>
+        <a:fontRef idx="minor">
+          <a:schemeClr val="lt1"/>
+        </a:fontRef>
+      </dsp:style>
+    </dsp:sp>
+    <dsp:sp modelId="{2697B6D3-9A3D-4119-BC31-56C2942217F1}">
+      <dsp:nvSpPr>
+        <dsp:cNvPr id="0" name=""/>
+        <dsp:cNvSpPr/>
+      </dsp:nvSpPr>
+      <dsp:spPr>
+        <a:xfrm>
+          <a:off x="0" y="3086927"/>
+          <a:ext cx="10927913" cy="1028766"/>
+        </a:xfrm>
+        <a:prstGeom prst="rect">
+          <a:avLst/>
+        </a:prstGeom>
+        <a:noFill/>
+        <a:ln>
+          <a:noFill/>
+        </a:ln>
+        <a:effectLst/>
+      </dsp:spPr>
+      <dsp:style>
+        <a:lnRef idx="0">
+          <a:scrgbClr r="0" g="0" b="0"/>
+        </a:lnRef>
+        <a:fillRef idx="0">
+          <a:scrgbClr r="0" g="0" b="0"/>
+        </a:fillRef>
+        <a:effectRef idx="0">
+          <a:scrgbClr r="0" g="0" b="0"/>
+        </a:effectRef>
+        <a:fontRef idx="minor"/>
+      </dsp:style>
+      <dsp:txBody>
+        <a:bodyPr spcFirstLastPara="0" vert="horz" wrap="square" lIns="60960" tIns="60960" rIns="60960" bIns="60960" numCol="1" spcCol="1270" anchor="t" anchorCtr="0">
+          <a:noAutofit/>
+        </a:bodyPr>
+        <a:lstStyle/>
+        <a:p>
+          <a:pPr marL="0" lvl="0" indent="0" algn="l" defTabSz="711200" rtl="0">
+            <a:lnSpc>
+              <a:spcPct val="90000"/>
+            </a:lnSpc>
+            <a:spcBef>
+              <a:spcPct val="0"/>
+            </a:spcBef>
+            <a:spcAft>
+              <a:spcPct val="35000"/>
+            </a:spcAft>
+            <a:buNone/>
+          </a:pPr>
+          <a:r>
+            <a:rPr lang="en-US" sz="1600" b="1" kern="1200" dirty="0">
+              <a:latin typeface="Calibri"/>
+              <a:ea typeface="Verdana"/>
+              <a:cs typeface="Calibri"/>
+            </a:rPr>
+            <a:t>DevOps engineer</a:t>
+          </a:r>
+          <a:r>
+            <a:rPr lang="en-US" sz="1600" kern="1200" dirty="0">
+              <a:latin typeface="Calibri"/>
+              <a:ea typeface="Verdana"/>
+              <a:cs typeface="Calibri"/>
+            </a:rPr>
+            <a:t> - </a:t>
+          </a:r>
+          <a:r>
+            <a:rPr lang="en-US" sz="1600" kern="1200" dirty="0" err="1">
+              <a:latin typeface="Calibri"/>
+              <a:ea typeface="Verdana"/>
+              <a:cs typeface="Calibri"/>
+            </a:rPr>
+            <a:t>Devops</a:t>
+          </a:r>
+          <a:r>
+            <a:rPr lang="en-US" sz="1600" kern="1200" dirty="0">
+              <a:latin typeface="Calibri"/>
+              <a:ea typeface="Verdana"/>
+              <a:cs typeface="Calibri"/>
+            </a:rPr>
+            <a:t> engineer is responsible for Designing, building, testing, and maintaining the continuous integration and continuous delivery (CI/CD) process. Automating different phases of the DevOps cycle and monitoring systems for malicious activity</a:t>
+          </a:r>
+        </a:p>
+      </dsp:txBody>
+      <dsp:txXfrm>
+        <a:off x="0" y="3086927"/>
+        <a:ext cx="10927913" cy="1028766"/>
+      </dsp:txXfrm>
+    </dsp:sp>
+    <dsp:sp modelId="{AE710763-8221-481F-A1D7-893708E3E85C}">
+      <dsp:nvSpPr>
+        <dsp:cNvPr id="0" name=""/>
+        <dsp:cNvSpPr/>
+      </dsp:nvSpPr>
+      <dsp:spPr>
+        <a:xfrm>
+          <a:off x="0" y="4115693"/>
+          <a:ext cx="10927913" cy="0"/>
+        </a:xfrm>
+        <a:prstGeom prst="line">
+          <a:avLst/>
+        </a:prstGeom>
+        <a:solidFill>
+          <a:schemeClr val="accent6">
+            <a:hueOff val="0"/>
+            <a:satOff val="0"/>
+            <a:lumOff val="0"/>
+            <a:alphaOff val="0"/>
+          </a:schemeClr>
+        </a:solidFill>
+        <a:ln w="12700" cap="flat" cmpd="sng" algn="ctr">
+          <a:solidFill>
+            <a:schemeClr val="accent6">
+              <a:hueOff val="0"/>
+              <a:satOff val="0"/>
+              <a:lumOff val="0"/>
+              <a:alphaOff val="0"/>
+            </a:schemeClr>
+          </a:solidFill>
+          <a:prstDash val="solid"/>
+          <a:miter lim="800000"/>
+        </a:ln>
+        <a:effectLst/>
+      </dsp:spPr>
+      <dsp:style>
+        <a:lnRef idx="2">
+          <a:scrgbClr r="0" g="0" b="0"/>
+        </a:lnRef>
+        <a:fillRef idx="1">
+          <a:scrgbClr r="0" g="0" b="0"/>
+        </a:fillRef>
+        <a:effectRef idx="0">
+          <a:scrgbClr r="0" g="0" b="0"/>
+        </a:effectRef>
+        <a:fontRef idx="minor">
+          <a:schemeClr val="lt1"/>
+        </a:fontRef>
+      </dsp:style>
+    </dsp:sp>
+    <dsp:sp modelId="{BFB182EE-7374-4408-B601-0499BFD44009}">
+      <dsp:nvSpPr>
+        <dsp:cNvPr id="0" name=""/>
+        <dsp:cNvSpPr/>
+      </dsp:nvSpPr>
+      <dsp:spPr>
+        <a:xfrm>
+          <a:off x="0" y="4115693"/>
+          <a:ext cx="10927913" cy="1028766"/>
+        </a:xfrm>
+        <a:prstGeom prst="rect">
+          <a:avLst/>
+        </a:prstGeom>
+        <a:noFill/>
+        <a:ln>
+          <a:noFill/>
+        </a:ln>
+        <a:effectLst/>
+      </dsp:spPr>
+      <dsp:style>
+        <a:lnRef idx="0">
+          <a:scrgbClr r="0" g="0" b="0"/>
+        </a:lnRef>
+        <a:fillRef idx="0">
+          <a:scrgbClr r="0" g="0" b="0"/>
+        </a:fillRef>
+        <a:effectRef idx="0">
+          <a:scrgbClr r="0" g="0" b="0"/>
+        </a:effectRef>
+        <a:fontRef idx="minor"/>
+      </dsp:style>
+      <dsp:txBody>
+        <a:bodyPr spcFirstLastPara="0" vert="horz" wrap="square" lIns="60960" tIns="60960" rIns="60960" bIns="60960" numCol="1" spcCol="1270" anchor="t" anchorCtr="0">
+          <a:noAutofit/>
+        </a:bodyPr>
+        <a:lstStyle/>
+        <a:p>
+          <a:pPr marL="0" lvl="0" indent="0" algn="l" defTabSz="711200">
+            <a:lnSpc>
+              <a:spcPct val="90000"/>
+            </a:lnSpc>
+            <a:spcBef>
+              <a:spcPct val="0"/>
+            </a:spcBef>
+            <a:spcAft>
+              <a:spcPct val="35000"/>
+            </a:spcAft>
+            <a:buNone/>
+          </a:pPr>
+          <a:r>
+            <a:rPr lang="en-US" sz="1600" b="1" kern="1200" dirty="0">
+              <a:latin typeface="Calibri"/>
+              <a:ea typeface="Verdana"/>
+              <a:cs typeface="Calibri"/>
+            </a:rPr>
+            <a:t>Support engineer</a:t>
+          </a:r>
+          <a:r>
+            <a:rPr lang="en-US" sz="1600" kern="1200" dirty="0">
+              <a:latin typeface="Calibri"/>
+              <a:ea typeface="Verdana"/>
+              <a:cs typeface="Calibri"/>
+            </a:rPr>
+            <a:t> - Support engineer is responsible to review and resolve the production issues. He will be first point of contact in scrum team for any production issue without disturbing the whole team. As per his requirement he will reach out to developer in case he need support in resolving the issues.</a:t>
+          </a:r>
+        </a:p>
+      </dsp:txBody>
+      <dsp:txXfrm>
+        <a:off x="0" y="4115693"/>
+        <a:ext cx="10927913" cy="1028766"/>
+      </dsp:txXfrm>
+    </dsp:sp>
+  </dsp:spTree>
+</dsp:drawing>
+</file>
+
+<file path=ppt/diagrams/drawing3.xml><?xml version="1.0" encoding="utf-8"?>
+<dsp:drawing xmlns:dgm="http://schemas.openxmlformats.org/drawingml/2006/diagram" xmlns:dsp="http://schemas.microsoft.com/office/drawing/2008/diagram" xmlns:a="http://schemas.openxmlformats.org/drawingml/2006/main">
+  <dsp:spTree>
+    <dsp:nvGrpSpPr>
+      <dsp:cNvPr id="0" name=""/>
+      <dsp:cNvGrpSpPr/>
+    </dsp:nvGrpSpPr>
+    <dsp:grpSpPr/>
+    <dsp:sp modelId="{672B1005-AD1E-4EF1-B699-806793C9AF70}">
+      <dsp:nvSpPr>
+        <dsp:cNvPr id="0" name=""/>
+        <dsp:cNvSpPr/>
+      </dsp:nvSpPr>
+      <dsp:spPr>
+        <a:xfrm>
+          <a:off x="0" y="594"/>
+          <a:ext cx="11403240" cy="0"/>
+        </a:xfrm>
+        <a:prstGeom prst="line">
+          <a:avLst/>
+        </a:prstGeom>
+        <a:solidFill>
+          <a:schemeClr val="accent3">
+            <a:hueOff val="0"/>
+            <a:satOff val="0"/>
+            <a:lumOff val="0"/>
+            <a:alphaOff val="0"/>
+          </a:schemeClr>
+        </a:solidFill>
+        <a:ln w="12700" cap="flat" cmpd="sng" algn="ctr">
+          <a:solidFill>
+            <a:schemeClr val="accent3">
+              <a:hueOff val="0"/>
+              <a:satOff val="0"/>
+              <a:lumOff val="0"/>
+              <a:alphaOff val="0"/>
+            </a:schemeClr>
+          </a:solidFill>
+          <a:prstDash val="solid"/>
+          <a:miter lim="800000"/>
+        </a:ln>
+        <a:effectLst/>
+      </dsp:spPr>
+      <dsp:style>
+        <a:lnRef idx="2">
+          <a:scrgbClr r="0" g="0" b="0"/>
+        </a:lnRef>
+        <a:fillRef idx="1">
+          <a:scrgbClr r="0" g="0" b="0"/>
+        </a:fillRef>
+        <a:effectRef idx="0">
+          <a:scrgbClr r="0" g="0" b="0"/>
+        </a:effectRef>
+        <a:fontRef idx="minor">
+          <a:schemeClr val="lt1"/>
+        </a:fontRef>
+      </dsp:style>
+    </dsp:sp>
+    <dsp:sp modelId="{A2656CB3-70A1-47A4-BE7F-EF4578D537EE}">
+      <dsp:nvSpPr>
+        <dsp:cNvPr id="0" name=""/>
+        <dsp:cNvSpPr/>
+      </dsp:nvSpPr>
+      <dsp:spPr>
+        <a:xfrm>
+          <a:off x="0" y="594"/>
+          <a:ext cx="11403240" cy="374314"/>
+        </a:xfrm>
+        <a:prstGeom prst="rect">
+          <a:avLst/>
+        </a:prstGeom>
+        <a:noFill/>
+        <a:ln>
+          <a:noFill/>
+        </a:ln>
+        <a:effectLst/>
+      </dsp:spPr>
+      <dsp:style>
+        <a:lnRef idx="0">
+          <a:scrgbClr r="0" g="0" b="0"/>
+        </a:lnRef>
+        <a:fillRef idx="0">
+          <a:scrgbClr r="0" g="0" b="0"/>
+        </a:fillRef>
+        <a:effectRef idx="0">
+          <a:scrgbClr r="0" g="0" b="0"/>
+        </a:effectRef>
+        <a:fontRef idx="minor"/>
+      </dsp:style>
+      <dsp:txBody>
+        <a:bodyPr spcFirstLastPara="0" vert="horz" wrap="square" lIns="57150" tIns="57150" rIns="57150" bIns="57150" numCol="1" spcCol="1270" anchor="t" anchorCtr="0">
+          <a:noAutofit/>
+        </a:bodyPr>
+        <a:lstStyle/>
+        <a:p>
+          <a:pPr marL="0" lvl="0" indent="0" algn="l" defTabSz="666750">
+            <a:lnSpc>
+              <a:spcPct val="90000"/>
+            </a:lnSpc>
+            <a:spcBef>
+              <a:spcPct val="0"/>
+            </a:spcBef>
+            <a:spcAft>
+              <a:spcPct val="35000"/>
+            </a:spcAft>
+            <a:buNone/>
+          </a:pPr>
+          <a:r>
+            <a:rPr lang="en-US" sz="1500" b="1" kern="1200" dirty="0">
+              <a:latin typeface="Calibri"/>
+              <a:ea typeface="Verdana"/>
+              <a:cs typeface="Calibri"/>
+            </a:rPr>
+            <a:t>Average Team Velocity - </a:t>
+          </a:r>
+          <a:r>
+            <a:rPr lang="en-US" sz="1500" kern="1200" dirty="0">
+              <a:latin typeface="Calibri"/>
+              <a:ea typeface="Verdana"/>
+              <a:cs typeface="Calibri"/>
+            </a:rPr>
+            <a:t>Average of last 5 to 6 sprints story points accepted each sprint.</a:t>
+          </a:r>
+        </a:p>
+      </dsp:txBody>
+      <dsp:txXfrm>
+        <a:off x="0" y="594"/>
+        <a:ext cx="11403240" cy="374314"/>
+      </dsp:txXfrm>
+    </dsp:sp>
+    <dsp:sp modelId="{2B2981CA-232F-4505-9BF5-FDA46BB43D83}">
+      <dsp:nvSpPr>
+        <dsp:cNvPr id="0" name=""/>
+        <dsp:cNvSpPr/>
+      </dsp:nvSpPr>
+      <dsp:spPr>
+        <a:xfrm>
+          <a:off x="0" y="374908"/>
+          <a:ext cx="11403240" cy="0"/>
+        </a:xfrm>
+        <a:prstGeom prst="line">
+          <a:avLst/>
+        </a:prstGeom>
+        <a:solidFill>
+          <a:schemeClr val="accent3">
+            <a:hueOff val="0"/>
+            <a:satOff val="0"/>
+            <a:lumOff val="0"/>
+            <a:alphaOff val="0"/>
+          </a:schemeClr>
+        </a:solidFill>
+        <a:ln w="12700" cap="flat" cmpd="sng" algn="ctr">
+          <a:solidFill>
+            <a:schemeClr val="accent3">
+              <a:hueOff val="0"/>
+              <a:satOff val="0"/>
+              <a:lumOff val="0"/>
+              <a:alphaOff val="0"/>
+            </a:schemeClr>
+          </a:solidFill>
+          <a:prstDash val="solid"/>
+          <a:miter lim="800000"/>
+        </a:ln>
+        <a:effectLst/>
+      </dsp:spPr>
+      <dsp:style>
+        <a:lnRef idx="2">
+          <a:scrgbClr r="0" g="0" b="0"/>
+        </a:lnRef>
+        <a:fillRef idx="1">
+          <a:scrgbClr r="0" g="0" b="0"/>
+        </a:fillRef>
+        <a:effectRef idx="0">
+          <a:scrgbClr r="0" g="0" b="0"/>
+        </a:effectRef>
+        <a:fontRef idx="minor">
+          <a:schemeClr val="lt1"/>
+        </a:fontRef>
+      </dsp:style>
+    </dsp:sp>
+    <dsp:sp modelId="{BC7713A9-6435-4747-A616-7A3FBA5320D3}">
+      <dsp:nvSpPr>
+        <dsp:cNvPr id="0" name=""/>
+        <dsp:cNvSpPr/>
+      </dsp:nvSpPr>
+      <dsp:spPr>
+        <a:xfrm>
+          <a:off x="0" y="374908"/>
+          <a:ext cx="11403240" cy="374314"/>
+        </a:xfrm>
+        <a:prstGeom prst="rect">
+          <a:avLst/>
+        </a:prstGeom>
+        <a:noFill/>
+        <a:ln>
+          <a:noFill/>
+        </a:ln>
+        <a:effectLst/>
+      </dsp:spPr>
+      <dsp:style>
+        <a:lnRef idx="0">
+          <a:scrgbClr r="0" g="0" b="0"/>
+        </a:lnRef>
+        <a:fillRef idx="0">
+          <a:scrgbClr r="0" g="0" b="0"/>
+        </a:fillRef>
+        <a:effectRef idx="0">
+          <a:scrgbClr r="0" g="0" b="0"/>
+        </a:effectRef>
+        <a:fontRef idx="minor"/>
+      </dsp:style>
+      <dsp:txBody>
+        <a:bodyPr spcFirstLastPara="0" vert="horz" wrap="square" lIns="57150" tIns="57150" rIns="57150" bIns="57150" numCol="1" spcCol="1270" anchor="t" anchorCtr="0">
+          <a:noAutofit/>
+        </a:bodyPr>
+        <a:lstStyle/>
+        <a:p>
+          <a:pPr marL="0" lvl="0" indent="0" algn="l" defTabSz="666750">
+            <a:lnSpc>
+              <a:spcPct val="90000"/>
+            </a:lnSpc>
+            <a:spcBef>
+              <a:spcPct val="0"/>
+            </a:spcBef>
+            <a:spcAft>
+              <a:spcPct val="35000"/>
+            </a:spcAft>
+            <a:buNone/>
+          </a:pPr>
+          <a:endParaRPr lang="en-US" sz="1500" b="0" kern="1200" dirty="0">
+            <a:latin typeface="Calibri"/>
+            <a:ea typeface="Verdana"/>
+            <a:cs typeface="Calibri"/>
+          </a:endParaRPr>
+        </a:p>
+      </dsp:txBody>
+      <dsp:txXfrm>
+        <a:off x="0" y="374908"/>
+        <a:ext cx="11403240" cy="374314"/>
+      </dsp:txXfrm>
+    </dsp:sp>
+    <dsp:sp modelId="{8EA192B0-319B-4E29-BB57-AD5BA9B99C4D}">
+      <dsp:nvSpPr>
+        <dsp:cNvPr id="0" name=""/>
+        <dsp:cNvSpPr/>
+      </dsp:nvSpPr>
+      <dsp:spPr>
+        <a:xfrm>
+          <a:off x="0" y="749222"/>
+          <a:ext cx="11403240" cy="0"/>
+        </a:xfrm>
+        <a:prstGeom prst="line">
+          <a:avLst/>
+        </a:prstGeom>
+        <a:solidFill>
+          <a:schemeClr val="accent3">
+            <a:hueOff val="0"/>
+            <a:satOff val="0"/>
+            <a:lumOff val="0"/>
+            <a:alphaOff val="0"/>
+          </a:schemeClr>
+        </a:solidFill>
+        <a:ln w="12700" cap="flat" cmpd="sng" algn="ctr">
+          <a:solidFill>
+            <a:schemeClr val="accent3">
+              <a:hueOff val="0"/>
+              <a:satOff val="0"/>
+              <a:lumOff val="0"/>
+              <a:alphaOff val="0"/>
+            </a:schemeClr>
+          </a:solidFill>
+          <a:prstDash val="solid"/>
+          <a:miter lim="800000"/>
+        </a:ln>
+        <a:effectLst/>
+      </dsp:spPr>
+      <dsp:style>
+        <a:lnRef idx="2">
+          <a:scrgbClr r="0" g="0" b="0"/>
+        </a:lnRef>
+        <a:fillRef idx="1">
+          <a:scrgbClr r="0" g="0" b="0"/>
+        </a:fillRef>
+        <a:effectRef idx="0">
+          <a:scrgbClr r="0" g="0" b="0"/>
+        </a:effectRef>
+        <a:fontRef idx="minor">
+          <a:schemeClr val="lt1"/>
+        </a:fontRef>
+      </dsp:style>
+    </dsp:sp>
+    <dsp:sp modelId="{0799139F-AAA2-426B-83AF-25671399EA72}">
+      <dsp:nvSpPr>
+        <dsp:cNvPr id="0" name=""/>
+        <dsp:cNvSpPr/>
+      </dsp:nvSpPr>
+      <dsp:spPr>
+        <a:xfrm>
+          <a:off x="0" y="749222"/>
+          <a:ext cx="11403240" cy="374314"/>
+        </a:xfrm>
+        <a:prstGeom prst="rect">
+          <a:avLst/>
+        </a:prstGeom>
+        <a:noFill/>
+        <a:ln>
+          <a:noFill/>
+        </a:ln>
+        <a:effectLst/>
+      </dsp:spPr>
+      <dsp:style>
+        <a:lnRef idx="0">
+          <a:scrgbClr r="0" g="0" b="0"/>
+        </a:lnRef>
+        <a:fillRef idx="0">
+          <a:scrgbClr r="0" g="0" b="0"/>
+        </a:fillRef>
+        <a:effectRef idx="0">
+          <a:scrgbClr r="0" g="0" b="0"/>
+        </a:effectRef>
+        <a:fontRef idx="minor"/>
+      </dsp:style>
+      <dsp:txBody>
+        <a:bodyPr spcFirstLastPara="0" vert="horz" wrap="square" lIns="57150" tIns="57150" rIns="57150" bIns="57150" numCol="1" spcCol="1270" anchor="t" anchorCtr="0">
+          <a:noAutofit/>
+        </a:bodyPr>
+        <a:lstStyle/>
+        <a:p>
+          <a:pPr marL="0" lvl="0" indent="0" algn="l" defTabSz="666750">
+            <a:lnSpc>
+              <a:spcPct val="90000"/>
+            </a:lnSpc>
+            <a:spcBef>
+              <a:spcPct val="0"/>
+            </a:spcBef>
+            <a:spcAft>
+              <a:spcPct val="35000"/>
+            </a:spcAft>
+            <a:buNone/>
+          </a:pPr>
+          <a:r>
+            <a:rPr lang="en-US" sz="1500" b="1" kern="1200" dirty="0">
+              <a:latin typeface="Calibri"/>
+              <a:ea typeface="Verdana"/>
+              <a:cs typeface="Calibri"/>
+            </a:rPr>
+            <a:t>Commitment Reliability</a:t>
+          </a:r>
+          <a:r>
+            <a:rPr lang="en-US" sz="1500" kern="1200" dirty="0">
+              <a:latin typeface="Calibri"/>
+              <a:ea typeface="Verdana"/>
+              <a:cs typeface="Calibri"/>
+            </a:rPr>
+            <a:t> - The ratio of points delivered vs points committed in a sprint.</a:t>
+          </a:r>
+        </a:p>
+      </dsp:txBody>
+      <dsp:txXfrm>
+        <a:off x="0" y="749222"/>
+        <a:ext cx="11403240" cy="374314"/>
+      </dsp:txXfrm>
+    </dsp:sp>
+    <dsp:sp modelId="{2843FFFA-3D4F-4923-84F1-67B2F489537F}">
+      <dsp:nvSpPr>
+        <dsp:cNvPr id="0" name=""/>
+        <dsp:cNvSpPr/>
+      </dsp:nvSpPr>
+      <dsp:spPr>
+        <a:xfrm>
+          <a:off x="0" y="1123537"/>
+          <a:ext cx="11403240" cy="0"/>
+        </a:xfrm>
+        <a:prstGeom prst="line">
+          <a:avLst/>
+        </a:prstGeom>
+        <a:solidFill>
+          <a:schemeClr val="accent3">
+            <a:hueOff val="0"/>
+            <a:satOff val="0"/>
+            <a:lumOff val="0"/>
+            <a:alphaOff val="0"/>
+          </a:schemeClr>
+        </a:solidFill>
+        <a:ln w="12700" cap="flat" cmpd="sng" algn="ctr">
+          <a:solidFill>
+            <a:schemeClr val="accent3">
+              <a:hueOff val="0"/>
+              <a:satOff val="0"/>
+              <a:lumOff val="0"/>
+              <a:alphaOff val="0"/>
+            </a:schemeClr>
+          </a:solidFill>
+          <a:prstDash val="solid"/>
+          <a:miter lim="800000"/>
+        </a:ln>
+        <a:effectLst/>
+      </dsp:spPr>
+      <dsp:style>
+        <a:lnRef idx="2">
+          <a:scrgbClr r="0" g="0" b="0"/>
+        </a:lnRef>
+        <a:fillRef idx="1">
+          <a:scrgbClr r="0" g="0" b="0"/>
+        </a:fillRef>
+        <a:effectRef idx="0">
+          <a:scrgbClr r="0" g="0" b="0"/>
+        </a:effectRef>
+        <a:fontRef idx="minor">
+          <a:schemeClr val="lt1"/>
+        </a:fontRef>
+      </dsp:style>
+    </dsp:sp>
+    <dsp:sp modelId="{5FDE5DCF-49BC-4D77-9E64-7422B4D0D1F7}">
+      <dsp:nvSpPr>
+        <dsp:cNvPr id="0" name=""/>
+        <dsp:cNvSpPr/>
+      </dsp:nvSpPr>
+      <dsp:spPr>
+        <a:xfrm>
+          <a:off x="0" y="1123537"/>
+          <a:ext cx="11403240" cy="374314"/>
+        </a:xfrm>
+        <a:prstGeom prst="rect">
+          <a:avLst/>
+        </a:prstGeom>
+        <a:noFill/>
+        <a:ln>
+          <a:noFill/>
+        </a:ln>
+        <a:effectLst/>
+      </dsp:spPr>
+      <dsp:style>
+        <a:lnRef idx="0">
+          <a:scrgbClr r="0" g="0" b="0"/>
+        </a:lnRef>
+        <a:fillRef idx="0">
+          <a:scrgbClr r="0" g="0" b="0"/>
+        </a:fillRef>
+        <a:effectRef idx="0">
+          <a:scrgbClr r="0" g="0" b="0"/>
+        </a:effectRef>
+        <a:fontRef idx="minor"/>
+      </dsp:style>
+      <dsp:txBody>
+        <a:bodyPr spcFirstLastPara="0" vert="horz" wrap="square" lIns="57150" tIns="57150" rIns="57150" bIns="57150" numCol="1" spcCol="1270" anchor="t" anchorCtr="0">
+          <a:noAutofit/>
+        </a:bodyPr>
+        <a:lstStyle/>
+        <a:p>
+          <a:pPr marL="0" lvl="0" indent="0" algn="l" defTabSz="666750">
+            <a:lnSpc>
+              <a:spcPct val="90000"/>
+            </a:lnSpc>
+            <a:spcBef>
+              <a:spcPct val="0"/>
+            </a:spcBef>
+            <a:spcAft>
+              <a:spcPct val="35000"/>
+            </a:spcAft>
+            <a:buNone/>
+          </a:pPr>
+          <a:endParaRPr lang="en-US" sz="1500" b="0" kern="1200" dirty="0">
+            <a:latin typeface="Calibri"/>
+            <a:ea typeface="Verdana"/>
+            <a:cs typeface="Calibri"/>
+          </a:endParaRPr>
+        </a:p>
+      </dsp:txBody>
+      <dsp:txXfrm>
+        <a:off x="0" y="1123537"/>
+        <a:ext cx="11403240" cy="374314"/>
+      </dsp:txXfrm>
+    </dsp:sp>
+    <dsp:sp modelId="{8B5AAE2F-43DA-4659-9ABF-B56C1B7B3187}">
+      <dsp:nvSpPr>
+        <dsp:cNvPr id="0" name=""/>
+        <dsp:cNvSpPr/>
+      </dsp:nvSpPr>
+      <dsp:spPr>
+        <a:xfrm>
+          <a:off x="0" y="1497851"/>
+          <a:ext cx="11403240" cy="0"/>
+        </a:xfrm>
+        <a:prstGeom prst="line">
+          <a:avLst/>
+        </a:prstGeom>
+        <a:solidFill>
+          <a:schemeClr val="accent3">
+            <a:hueOff val="0"/>
+            <a:satOff val="0"/>
+            <a:lumOff val="0"/>
+            <a:alphaOff val="0"/>
+          </a:schemeClr>
+        </a:solidFill>
+        <a:ln w="12700" cap="flat" cmpd="sng" algn="ctr">
+          <a:solidFill>
+            <a:schemeClr val="accent3">
+              <a:hueOff val="0"/>
+              <a:satOff val="0"/>
+              <a:lumOff val="0"/>
+              <a:alphaOff val="0"/>
+            </a:schemeClr>
+          </a:solidFill>
+          <a:prstDash val="solid"/>
+          <a:miter lim="800000"/>
+        </a:ln>
+        <a:effectLst/>
+      </dsp:spPr>
+      <dsp:style>
+        <a:lnRef idx="2">
+          <a:scrgbClr r="0" g="0" b="0"/>
+        </a:lnRef>
+        <a:fillRef idx="1">
+          <a:scrgbClr r="0" g="0" b="0"/>
+        </a:fillRef>
+        <a:effectRef idx="0">
+          <a:scrgbClr r="0" g="0" b="0"/>
+        </a:effectRef>
+        <a:fontRef idx="minor">
+          <a:schemeClr val="lt1"/>
+        </a:fontRef>
+      </dsp:style>
+    </dsp:sp>
+    <dsp:sp modelId="{53B18AF1-FC10-4ACB-A06B-753FB50BDA8C}">
+      <dsp:nvSpPr>
+        <dsp:cNvPr id="0" name=""/>
+        <dsp:cNvSpPr/>
+      </dsp:nvSpPr>
+      <dsp:spPr>
+        <a:xfrm>
+          <a:off x="0" y="1497851"/>
+          <a:ext cx="11403240" cy="374314"/>
+        </a:xfrm>
+        <a:prstGeom prst="rect">
+          <a:avLst/>
+        </a:prstGeom>
+        <a:noFill/>
+        <a:ln>
+          <a:noFill/>
+        </a:ln>
+        <a:effectLst/>
+      </dsp:spPr>
+      <dsp:style>
+        <a:lnRef idx="0">
+          <a:scrgbClr r="0" g="0" b="0"/>
+        </a:lnRef>
+        <a:fillRef idx="0">
+          <a:scrgbClr r="0" g="0" b="0"/>
+        </a:fillRef>
+        <a:effectRef idx="0">
+          <a:scrgbClr r="0" g="0" b="0"/>
+        </a:effectRef>
+        <a:fontRef idx="minor"/>
+      </dsp:style>
+      <dsp:txBody>
+        <a:bodyPr spcFirstLastPara="0" vert="horz" wrap="square" lIns="57150" tIns="57150" rIns="57150" bIns="57150" numCol="1" spcCol="1270" anchor="t" anchorCtr="0">
+          <a:noAutofit/>
+        </a:bodyPr>
+        <a:lstStyle/>
+        <a:p>
+          <a:pPr marL="0" lvl="0" indent="0" algn="l" defTabSz="666750">
+            <a:lnSpc>
+              <a:spcPct val="90000"/>
+            </a:lnSpc>
+            <a:spcBef>
+              <a:spcPct val="0"/>
+            </a:spcBef>
+            <a:spcAft>
+              <a:spcPct val="35000"/>
+            </a:spcAft>
+            <a:buNone/>
+          </a:pPr>
+          <a:r>
+            <a:rPr lang="en-US" sz="1500" b="1" kern="1200" dirty="0">
+              <a:latin typeface="Calibri"/>
+              <a:ea typeface="Verdana"/>
+              <a:cs typeface="Calibri"/>
+            </a:rPr>
+            <a:t>Capacity Utilization</a:t>
+          </a:r>
+          <a:r>
+            <a:rPr lang="en-US" sz="1500" kern="1200" dirty="0">
+              <a:latin typeface="Calibri"/>
+              <a:ea typeface="Verdana"/>
+              <a:cs typeface="Calibri"/>
+            </a:rPr>
+            <a:t> - This the ratio of committed story points vs available capacity for the sprint.</a:t>
+          </a:r>
+        </a:p>
+      </dsp:txBody>
+      <dsp:txXfrm>
+        <a:off x="0" y="1497851"/>
+        <a:ext cx="11403240" cy="374314"/>
+      </dsp:txXfrm>
+    </dsp:sp>
+    <dsp:sp modelId="{F0668E27-5369-4AEC-B003-45FB0C1EEF49}">
+      <dsp:nvSpPr>
+        <dsp:cNvPr id="0" name=""/>
+        <dsp:cNvSpPr/>
+      </dsp:nvSpPr>
+      <dsp:spPr>
+        <a:xfrm>
+          <a:off x="0" y="1872165"/>
+          <a:ext cx="11403240" cy="0"/>
+        </a:xfrm>
+        <a:prstGeom prst="line">
+          <a:avLst/>
+        </a:prstGeom>
+        <a:solidFill>
+          <a:schemeClr val="accent3">
+            <a:hueOff val="0"/>
+            <a:satOff val="0"/>
+            <a:lumOff val="0"/>
+            <a:alphaOff val="0"/>
+          </a:schemeClr>
+        </a:solidFill>
+        <a:ln w="12700" cap="flat" cmpd="sng" algn="ctr">
+          <a:solidFill>
+            <a:schemeClr val="accent3">
+              <a:hueOff val="0"/>
+              <a:satOff val="0"/>
+              <a:lumOff val="0"/>
+              <a:alphaOff val="0"/>
+            </a:schemeClr>
+          </a:solidFill>
+          <a:prstDash val="solid"/>
+          <a:miter lim="800000"/>
+        </a:ln>
+        <a:effectLst/>
+      </dsp:spPr>
+      <dsp:style>
+        <a:lnRef idx="2">
+          <a:scrgbClr r="0" g="0" b="0"/>
+        </a:lnRef>
+        <a:fillRef idx="1">
+          <a:scrgbClr r="0" g="0" b="0"/>
+        </a:fillRef>
+        <a:effectRef idx="0">
+          <a:scrgbClr r="0" g="0" b="0"/>
+        </a:effectRef>
+        <a:fontRef idx="minor">
+          <a:schemeClr val="lt1"/>
+        </a:fontRef>
+      </dsp:style>
+    </dsp:sp>
+    <dsp:sp modelId="{83224863-AC78-4E7F-80B3-79D93B2D20BD}">
+      <dsp:nvSpPr>
+        <dsp:cNvPr id="0" name=""/>
+        <dsp:cNvSpPr/>
+      </dsp:nvSpPr>
+      <dsp:spPr>
+        <a:xfrm>
+          <a:off x="0" y="1872165"/>
+          <a:ext cx="11403240" cy="374314"/>
+        </a:xfrm>
+        <a:prstGeom prst="rect">
+          <a:avLst/>
+        </a:prstGeom>
+        <a:noFill/>
+        <a:ln>
+          <a:noFill/>
+        </a:ln>
+        <a:effectLst/>
+      </dsp:spPr>
+      <dsp:style>
+        <a:lnRef idx="0">
+          <a:scrgbClr r="0" g="0" b="0"/>
+        </a:lnRef>
+        <a:fillRef idx="0">
+          <a:scrgbClr r="0" g="0" b="0"/>
+        </a:fillRef>
+        <a:effectRef idx="0">
+          <a:scrgbClr r="0" g="0" b="0"/>
+        </a:effectRef>
+        <a:fontRef idx="minor"/>
+      </dsp:style>
+      <dsp:txBody>
+        <a:bodyPr spcFirstLastPara="0" vert="horz" wrap="square" lIns="57150" tIns="57150" rIns="57150" bIns="57150" numCol="1" spcCol="1270" anchor="t" anchorCtr="0">
+          <a:noAutofit/>
+        </a:bodyPr>
+        <a:lstStyle/>
+        <a:p>
+          <a:pPr marL="0" lvl="0" indent="0" algn="l" defTabSz="666750">
+            <a:lnSpc>
+              <a:spcPct val="90000"/>
+            </a:lnSpc>
+            <a:spcBef>
+              <a:spcPct val="0"/>
+            </a:spcBef>
+            <a:spcAft>
+              <a:spcPct val="35000"/>
+            </a:spcAft>
+            <a:buNone/>
+          </a:pPr>
+          <a:endParaRPr lang="en-US" sz="1500" b="0" kern="1200" dirty="0">
+            <a:latin typeface="Calibri"/>
+            <a:ea typeface="Verdana"/>
+            <a:cs typeface="Calibri"/>
+          </a:endParaRPr>
+        </a:p>
+      </dsp:txBody>
+      <dsp:txXfrm>
+        <a:off x="0" y="1872165"/>
+        <a:ext cx="11403240" cy="374314"/>
+      </dsp:txXfrm>
+    </dsp:sp>
+    <dsp:sp modelId="{65A50725-0379-4E0F-B83D-A3CB6C691223}">
+      <dsp:nvSpPr>
+        <dsp:cNvPr id="0" name=""/>
+        <dsp:cNvSpPr/>
+      </dsp:nvSpPr>
+      <dsp:spPr>
+        <a:xfrm>
+          <a:off x="0" y="2246479"/>
+          <a:ext cx="11403240" cy="0"/>
+        </a:xfrm>
+        <a:prstGeom prst="line">
+          <a:avLst/>
+        </a:prstGeom>
+        <a:solidFill>
+          <a:schemeClr val="accent3">
+            <a:hueOff val="0"/>
+            <a:satOff val="0"/>
+            <a:lumOff val="0"/>
+            <a:alphaOff val="0"/>
+          </a:schemeClr>
+        </a:solidFill>
+        <a:ln w="12700" cap="flat" cmpd="sng" algn="ctr">
+          <a:solidFill>
+            <a:schemeClr val="accent3">
+              <a:hueOff val="0"/>
+              <a:satOff val="0"/>
+              <a:lumOff val="0"/>
+              <a:alphaOff val="0"/>
+            </a:schemeClr>
+          </a:solidFill>
+          <a:prstDash val="solid"/>
+          <a:miter lim="800000"/>
+        </a:ln>
+        <a:effectLst/>
+      </dsp:spPr>
+      <dsp:style>
+        <a:lnRef idx="2">
+          <a:scrgbClr r="0" g="0" b="0"/>
+        </a:lnRef>
+        <a:fillRef idx="1">
+          <a:scrgbClr r="0" g="0" b="0"/>
+        </a:fillRef>
+        <a:effectRef idx="0">
+          <a:scrgbClr r="0" g="0" b="0"/>
+        </a:effectRef>
+        <a:fontRef idx="minor">
+          <a:schemeClr val="lt1"/>
+        </a:fontRef>
+      </dsp:style>
+    </dsp:sp>
+    <dsp:sp modelId="{2644B47D-7A06-4004-A928-E58CA2A3327B}">
+      <dsp:nvSpPr>
+        <dsp:cNvPr id="0" name=""/>
+        <dsp:cNvSpPr/>
+      </dsp:nvSpPr>
+      <dsp:spPr>
+        <a:xfrm>
+          <a:off x="0" y="2246479"/>
+          <a:ext cx="11403240" cy="374314"/>
+        </a:xfrm>
+        <a:prstGeom prst="rect">
+          <a:avLst/>
+        </a:prstGeom>
+        <a:noFill/>
+        <a:ln>
+          <a:noFill/>
+        </a:ln>
+        <a:effectLst/>
+      </dsp:spPr>
+      <dsp:style>
+        <a:lnRef idx="0">
+          <a:scrgbClr r="0" g="0" b="0"/>
+        </a:lnRef>
+        <a:fillRef idx="0">
+          <a:scrgbClr r="0" g="0" b="0"/>
+        </a:fillRef>
+        <a:effectRef idx="0">
+          <a:scrgbClr r="0" g="0" b="0"/>
+        </a:effectRef>
+        <a:fontRef idx="minor"/>
+      </dsp:style>
+      <dsp:txBody>
+        <a:bodyPr spcFirstLastPara="0" vert="horz" wrap="square" lIns="57150" tIns="57150" rIns="57150" bIns="57150" numCol="1" spcCol="1270" anchor="t" anchorCtr="0">
+          <a:noAutofit/>
+        </a:bodyPr>
+        <a:lstStyle/>
+        <a:p>
+          <a:pPr marL="0" lvl="0" indent="0" algn="l" defTabSz="666750">
+            <a:lnSpc>
+              <a:spcPct val="90000"/>
+            </a:lnSpc>
+            <a:spcBef>
+              <a:spcPct val="0"/>
+            </a:spcBef>
+            <a:spcAft>
+              <a:spcPct val="35000"/>
+            </a:spcAft>
+            <a:buNone/>
+          </a:pPr>
+          <a:r>
+            <a:rPr lang="en-US" sz="1500" b="1" kern="1200" dirty="0">
+              <a:latin typeface="Calibri"/>
+              <a:ea typeface="Verdana"/>
+              <a:cs typeface="Calibri"/>
+            </a:rPr>
+            <a:t>Estimation Variance - </a:t>
+          </a:r>
+          <a:r>
+            <a:rPr lang="en-US" sz="1500" kern="1200" dirty="0">
+              <a:latin typeface="Calibri"/>
+              <a:ea typeface="Verdana"/>
+              <a:cs typeface="Calibri"/>
+            </a:rPr>
+            <a:t>This is the difference of actual efforts and estimated efforts.</a:t>
+          </a:r>
+        </a:p>
+      </dsp:txBody>
+      <dsp:txXfrm>
+        <a:off x="0" y="2246479"/>
+        <a:ext cx="11403240" cy="374314"/>
+      </dsp:txXfrm>
+    </dsp:sp>
+    <dsp:sp modelId="{48ADA503-04F6-4654-8424-895F4D86B8A3}">
+      <dsp:nvSpPr>
+        <dsp:cNvPr id="0" name=""/>
+        <dsp:cNvSpPr/>
+      </dsp:nvSpPr>
+      <dsp:spPr>
+        <a:xfrm>
+          <a:off x="0" y="2620794"/>
+          <a:ext cx="11403240" cy="0"/>
+        </a:xfrm>
+        <a:prstGeom prst="line">
+          <a:avLst/>
+        </a:prstGeom>
+        <a:solidFill>
+          <a:schemeClr val="accent3">
+            <a:hueOff val="0"/>
+            <a:satOff val="0"/>
+            <a:lumOff val="0"/>
+            <a:alphaOff val="0"/>
+          </a:schemeClr>
+        </a:solidFill>
+        <a:ln w="12700" cap="flat" cmpd="sng" algn="ctr">
+          <a:solidFill>
+            <a:schemeClr val="accent3">
+              <a:hueOff val="0"/>
+              <a:satOff val="0"/>
+              <a:lumOff val="0"/>
+              <a:alphaOff val="0"/>
+            </a:schemeClr>
+          </a:solidFill>
+          <a:prstDash val="solid"/>
+          <a:miter lim="800000"/>
+        </a:ln>
+        <a:effectLst/>
+      </dsp:spPr>
+      <dsp:style>
+        <a:lnRef idx="2">
+          <a:scrgbClr r="0" g="0" b="0"/>
+        </a:lnRef>
+        <a:fillRef idx="1">
+          <a:scrgbClr r="0" g="0" b="0"/>
+        </a:fillRef>
+        <a:effectRef idx="0">
+          <a:scrgbClr r="0" g="0" b="0"/>
+        </a:effectRef>
+        <a:fontRef idx="minor">
+          <a:schemeClr val="lt1"/>
+        </a:fontRef>
+      </dsp:style>
+    </dsp:sp>
+    <dsp:sp modelId="{B11ED437-4B7D-442F-AE54-1AA2E88DF8C4}">
+      <dsp:nvSpPr>
+        <dsp:cNvPr id="0" name=""/>
+        <dsp:cNvSpPr/>
+      </dsp:nvSpPr>
+      <dsp:spPr>
+        <a:xfrm>
+          <a:off x="0" y="2620794"/>
+          <a:ext cx="11403240" cy="374314"/>
+        </a:xfrm>
+        <a:prstGeom prst="rect">
+          <a:avLst/>
+        </a:prstGeom>
+        <a:noFill/>
+        <a:ln>
+          <a:noFill/>
+        </a:ln>
+        <a:effectLst/>
+      </dsp:spPr>
+      <dsp:style>
+        <a:lnRef idx="0">
+          <a:scrgbClr r="0" g="0" b="0"/>
+        </a:lnRef>
+        <a:fillRef idx="0">
+          <a:scrgbClr r="0" g="0" b="0"/>
+        </a:fillRef>
+        <a:effectRef idx="0">
+          <a:scrgbClr r="0" g="0" b="0"/>
+        </a:effectRef>
+        <a:fontRef idx="minor"/>
+      </dsp:style>
+      <dsp:txBody>
+        <a:bodyPr spcFirstLastPara="0" vert="horz" wrap="square" lIns="57150" tIns="57150" rIns="57150" bIns="57150" numCol="1" spcCol="1270" anchor="t" anchorCtr="0">
+          <a:noAutofit/>
+        </a:bodyPr>
+        <a:lstStyle/>
+        <a:p>
+          <a:pPr marL="0" lvl="0" indent="0" algn="l" defTabSz="666750">
+            <a:lnSpc>
+              <a:spcPct val="90000"/>
+            </a:lnSpc>
+            <a:spcBef>
+              <a:spcPct val="0"/>
+            </a:spcBef>
+            <a:spcAft>
+              <a:spcPct val="35000"/>
+            </a:spcAft>
+            <a:buNone/>
+          </a:pPr>
+          <a:endParaRPr lang="en-US" sz="1500" b="0" kern="1200" dirty="0">
+            <a:latin typeface="Calibri"/>
+            <a:ea typeface="Verdana"/>
+            <a:cs typeface="Calibri"/>
+          </a:endParaRPr>
+        </a:p>
+      </dsp:txBody>
+      <dsp:txXfrm>
+        <a:off x="0" y="2620794"/>
+        <a:ext cx="11403240" cy="374314"/>
+      </dsp:txXfrm>
+    </dsp:sp>
+    <dsp:sp modelId="{807EC52E-F73A-4B25-B63D-470EB303A749}">
+      <dsp:nvSpPr>
+        <dsp:cNvPr id="0" name=""/>
+        <dsp:cNvSpPr/>
+      </dsp:nvSpPr>
+      <dsp:spPr>
+        <a:xfrm>
+          <a:off x="0" y="2995108"/>
+          <a:ext cx="11403240" cy="0"/>
+        </a:xfrm>
+        <a:prstGeom prst="line">
+          <a:avLst/>
+        </a:prstGeom>
+        <a:solidFill>
+          <a:schemeClr val="accent3">
+            <a:hueOff val="0"/>
+            <a:satOff val="0"/>
+            <a:lumOff val="0"/>
+            <a:alphaOff val="0"/>
+          </a:schemeClr>
+        </a:solidFill>
+        <a:ln w="12700" cap="flat" cmpd="sng" algn="ctr">
+          <a:solidFill>
+            <a:schemeClr val="accent3">
+              <a:hueOff val="0"/>
+              <a:satOff val="0"/>
+              <a:lumOff val="0"/>
+              <a:alphaOff val="0"/>
+            </a:schemeClr>
+          </a:solidFill>
+          <a:prstDash val="solid"/>
+          <a:miter lim="800000"/>
+        </a:ln>
+        <a:effectLst/>
+      </dsp:spPr>
+      <dsp:style>
+        <a:lnRef idx="2">
+          <a:scrgbClr r="0" g="0" b="0"/>
+        </a:lnRef>
+        <a:fillRef idx="1">
+          <a:scrgbClr r="0" g="0" b="0"/>
+        </a:fillRef>
+        <a:effectRef idx="0">
+          <a:scrgbClr r="0" g="0" b="0"/>
+        </a:effectRef>
+        <a:fontRef idx="minor">
+          <a:schemeClr val="lt1"/>
+        </a:fontRef>
+      </dsp:style>
+    </dsp:sp>
+    <dsp:sp modelId="{9578C40B-2FC4-47A4-A3FD-299C73BD1584}">
+      <dsp:nvSpPr>
+        <dsp:cNvPr id="0" name=""/>
+        <dsp:cNvSpPr/>
+      </dsp:nvSpPr>
+      <dsp:spPr>
+        <a:xfrm>
+          <a:off x="0" y="2995108"/>
+          <a:ext cx="11403240" cy="374314"/>
+        </a:xfrm>
+        <a:prstGeom prst="rect">
+          <a:avLst/>
+        </a:prstGeom>
+        <a:noFill/>
+        <a:ln>
+          <a:noFill/>
+        </a:ln>
+        <a:effectLst/>
+      </dsp:spPr>
+      <dsp:style>
+        <a:lnRef idx="0">
+          <a:scrgbClr r="0" g="0" b="0"/>
+        </a:lnRef>
+        <a:fillRef idx="0">
+          <a:scrgbClr r="0" g="0" b="0"/>
+        </a:fillRef>
+        <a:effectRef idx="0">
+          <a:scrgbClr r="0" g="0" b="0"/>
+        </a:effectRef>
+        <a:fontRef idx="minor"/>
+      </dsp:style>
+      <dsp:txBody>
+        <a:bodyPr spcFirstLastPara="0" vert="horz" wrap="square" lIns="57150" tIns="57150" rIns="57150" bIns="57150" numCol="1" spcCol="1270" anchor="t" anchorCtr="0">
+          <a:noAutofit/>
+        </a:bodyPr>
+        <a:lstStyle/>
+        <a:p>
+          <a:pPr marL="0" lvl="0" indent="0" algn="l" defTabSz="666750">
+            <a:lnSpc>
+              <a:spcPct val="90000"/>
+            </a:lnSpc>
+            <a:spcBef>
+              <a:spcPct val="0"/>
+            </a:spcBef>
+            <a:spcAft>
+              <a:spcPct val="35000"/>
+            </a:spcAft>
+            <a:buNone/>
+          </a:pPr>
+          <a:r>
+            <a:rPr lang="en-US" sz="1500" b="1" kern="1200" dirty="0">
+              <a:latin typeface="Calibri"/>
+              <a:ea typeface="Verdana"/>
+              <a:cs typeface="Calibri"/>
+            </a:rPr>
+            <a:t>Scope Change - </a:t>
+          </a:r>
+          <a:r>
+            <a:rPr lang="en-US" sz="1500" kern="1200" dirty="0">
+              <a:latin typeface="Calibri"/>
+              <a:ea typeface="Verdana"/>
+              <a:cs typeface="Calibri"/>
+            </a:rPr>
+            <a:t>Items added or removed from sprint scope after sprint started.</a:t>
+          </a:r>
+        </a:p>
+      </dsp:txBody>
+      <dsp:txXfrm>
+        <a:off x="0" y="2995108"/>
+        <a:ext cx="11403240" cy="374314"/>
+      </dsp:txXfrm>
+    </dsp:sp>
+    <dsp:sp modelId="{7483A3F5-DA58-48F1-A79C-0428DB716F97}">
+      <dsp:nvSpPr>
+        <dsp:cNvPr id="0" name=""/>
+        <dsp:cNvSpPr/>
+      </dsp:nvSpPr>
+      <dsp:spPr>
+        <a:xfrm>
+          <a:off x="0" y="3369422"/>
+          <a:ext cx="11403240" cy="0"/>
+        </a:xfrm>
+        <a:prstGeom prst="line">
+          <a:avLst/>
+        </a:prstGeom>
+        <a:solidFill>
+          <a:schemeClr val="accent3">
+            <a:hueOff val="0"/>
+            <a:satOff val="0"/>
+            <a:lumOff val="0"/>
+            <a:alphaOff val="0"/>
+          </a:schemeClr>
+        </a:solidFill>
+        <a:ln w="12700" cap="flat" cmpd="sng" algn="ctr">
+          <a:solidFill>
+            <a:schemeClr val="accent3">
+              <a:hueOff val="0"/>
+              <a:satOff val="0"/>
+              <a:lumOff val="0"/>
+              <a:alphaOff val="0"/>
+            </a:schemeClr>
+          </a:solidFill>
+          <a:prstDash val="solid"/>
+          <a:miter lim="800000"/>
+        </a:ln>
+        <a:effectLst/>
+      </dsp:spPr>
+      <dsp:style>
+        <a:lnRef idx="2">
+          <a:scrgbClr r="0" g="0" b="0"/>
+        </a:lnRef>
+        <a:fillRef idx="1">
+          <a:scrgbClr r="0" g="0" b="0"/>
+        </a:fillRef>
+        <a:effectRef idx="0">
+          <a:scrgbClr r="0" g="0" b="0"/>
+        </a:effectRef>
+        <a:fontRef idx="minor">
+          <a:schemeClr val="lt1"/>
+        </a:fontRef>
+      </dsp:style>
+    </dsp:sp>
+    <dsp:sp modelId="{BCD25DD9-75F9-46AE-BC24-93D9E549292C}">
+      <dsp:nvSpPr>
+        <dsp:cNvPr id="0" name=""/>
+        <dsp:cNvSpPr/>
+      </dsp:nvSpPr>
+      <dsp:spPr>
+        <a:xfrm>
+          <a:off x="0" y="3369422"/>
+          <a:ext cx="11403240" cy="374314"/>
+        </a:xfrm>
+        <a:prstGeom prst="rect">
+          <a:avLst/>
+        </a:prstGeom>
+        <a:noFill/>
+        <a:ln>
+          <a:noFill/>
+        </a:ln>
+        <a:effectLst/>
+      </dsp:spPr>
+      <dsp:style>
+        <a:lnRef idx="0">
+          <a:scrgbClr r="0" g="0" b="0"/>
+        </a:lnRef>
+        <a:fillRef idx="0">
+          <a:scrgbClr r="0" g="0" b="0"/>
+        </a:fillRef>
+        <a:effectRef idx="0">
+          <a:scrgbClr r="0" g="0" b="0"/>
+        </a:effectRef>
+        <a:fontRef idx="minor"/>
+      </dsp:style>
+      <dsp:txBody>
+        <a:bodyPr spcFirstLastPara="0" vert="horz" wrap="square" lIns="57150" tIns="57150" rIns="57150" bIns="57150" numCol="1" spcCol="1270" anchor="t" anchorCtr="0">
+          <a:noAutofit/>
+        </a:bodyPr>
+        <a:lstStyle/>
+        <a:p>
+          <a:pPr marL="0" lvl="0" indent="0" algn="l" defTabSz="666750">
+            <a:lnSpc>
+              <a:spcPct val="90000"/>
+            </a:lnSpc>
+            <a:spcBef>
+              <a:spcPct val="0"/>
+            </a:spcBef>
+            <a:spcAft>
+              <a:spcPct val="35000"/>
+            </a:spcAft>
+            <a:buNone/>
+          </a:pPr>
+          <a:endParaRPr lang="en-US" sz="1500" b="0" kern="1200" dirty="0">
+            <a:latin typeface="Calibri"/>
+            <a:ea typeface="Verdana"/>
+            <a:cs typeface="Calibri"/>
+          </a:endParaRPr>
+        </a:p>
+      </dsp:txBody>
+      <dsp:txXfrm>
+        <a:off x="0" y="3369422"/>
+        <a:ext cx="11403240" cy="374314"/>
+      </dsp:txXfrm>
+    </dsp:sp>
+    <dsp:sp modelId="{E37762C4-F4BD-43B7-ABC3-AA26D5A72209}">
+      <dsp:nvSpPr>
+        <dsp:cNvPr id="0" name=""/>
+        <dsp:cNvSpPr/>
+      </dsp:nvSpPr>
+      <dsp:spPr>
+        <a:xfrm>
+          <a:off x="0" y="3743736"/>
+          <a:ext cx="11403240" cy="0"/>
+        </a:xfrm>
+        <a:prstGeom prst="line">
+          <a:avLst/>
+        </a:prstGeom>
+        <a:solidFill>
+          <a:schemeClr val="accent3">
+            <a:hueOff val="0"/>
+            <a:satOff val="0"/>
+            <a:lumOff val="0"/>
+            <a:alphaOff val="0"/>
+          </a:schemeClr>
+        </a:solidFill>
+        <a:ln w="12700" cap="flat" cmpd="sng" algn="ctr">
+          <a:solidFill>
+            <a:schemeClr val="accent3">
+              <a:hueOff val="0"/>
+              <a:satOff val="0"/>
+              <a:lumOff val="0"/>
+              <a:alphaOff val="0"/>
+            </a:schemeClr>
+          </a:solidFill>
+          <a:prstDash val="solid"/>
+          <a:miter lim="800000"/>
+        </a:ln>
+        <a:effectLst/>
+      </dsp:spPr>
+      <dsp:style>
+        <a:lnRef idx="2">
+          <a:scrgbClr r="0" g="0" b="0"/>
+        </a:lnRef>
+        <a:fillRef idx="1">
+          <a:scrgbClr r="0" g="0" b="0"/>
+        </a:fillRef>
+        <a:effectRef idx="0">
+          <a:scrgbClr r="0" g="0" b="0"/>
+        </a:effectRef>
+        <a:fontRef idx="minor">
+          <a:schemeClr val="lt1"/>
+        </a:fontRef>
+      </dsp:style>
+    </dsp:sp>
+    <dsp:sp modelId="{9C7B7CFD-AC89-40A7-B5CA-961BD1A75729}">
+      <dsp:nvSpPr>
+        <dsp:cNvPr id="0" name=""/>
+        <dsp:cNvSpPr/>
+      </dsp:nvSpPr>
+      <dsp:spPr>
+        <a:xfrm>
+          <a:off x="0" y="3743736"/>
+          <a:ext cx="11403240" cy="374314"/>
+        </a:xfrm>
+        <a:prstGeom prst="rect">
+          <a:avLst/>
+        </a:prstGeom>
+        <a:noFill/>
+        <a:ln>
+          <a:noFill/>
+        </a:ln>
+        <a:effectLst/>
+      </dsp:spPr>
+      <dsp:style>
+        <a:lnRef idx="0">
+          <a:scrgbClr r="0" g="0" b="0"/>
+        </a:lnRef>
+        <a:fillRef idx="0">
+          <a:scrgbClr r="0" g="0" b="0"/>
+        </a:fillRef>
+        <a:effectRef idx="0">
+          <a:scrgbClr r="0" g="0" b="0"/>
+        </a:effectRef>
+        <a:fontRef idx="minor"/>
+      </dsp:style>
+      <dsp:txBody>
+        <a:bodyPr spcFirstLastPara="0" vert="horz" wrap="square" lIns="57150" tIns="57150" rIns="57150" bIns="57150" numCol="1" spcCol="1270" anchor="t" anchorCtr="0">
+          <a:noAutofit/>
+        </a:bodyPr>
+        <a:lstStyle/>
+        <a:p>
+          <a:pPr marL="0" lvl="0" indent="0" algn="l" defTabSz="666750">
+            <a:lnSpc>
+              <a:spcPct val="90000"/>
+            </a:lnSpc>
+            <a:spcBef>
+              <a:spcPct val="0"/>
+            </a:spcBef>
+            <a:spcAft>
+              <a:spcPct val="35000"/>
+            </a:spcAft>
+            <a:buNone/>
+          </a:pPr>
+          <a:r>
+            <a:rPr lang="en-US" sz="1500" b="1" kern="1200" dirty="0">
+              <a:latin typeface="Calibri"/>
+              <a:ea typeface="Verdana"/>
+              <a:cs typeface="Calibri"/>
+            </a:rPr>
+            <a:t>Defects Leakage - </a:t>
+          </a:r>
+          <a:r>
+            <a:rPr lang="en-US" sz="1500" kern="1200" dirty="0">
+              <a:latin typeface="Calibri"/>
+              <a:ea typeface="Verdana"/>
+              <a:cs typeface="Calibri"/>
+            </a:rPr>
+            <a:t>Total number of defects detected after the sprint closure.</a:t>
+          </a:r>
+        </a:p>
+      </dsp:txBody>
+      <dsp:txXfrm>
+        <a:off x="0" y="3743736"/>
+        <a:ext cx="11403240" cy="374314"/>
+      </dsp:txXfrm>
+    </dsp:sp>
+    <dsp:sp modelId="{EDA116FC-41D7-4EFA-AD05-B6D330AF539D}">
+      <dsp:nvSpPr>
+        <dsp:cNvPr id="0" name=""/>
+        <dsp:cNvSpPr/>
+      </dsp:nvSpPr>
+      <dsp:spPr>
+        <a:xfrm>
+          <a:off x="0" y="4118051"/>
+          <a:ext cx="11403240" cy="0"/>
+        </a:xfrm>
+        <a:prstGeom prst="line">
+          <a:avLst/>
+        </a:prstGeom>
+        <a:solidFill>
+          <a:schemeClr val="accent3">
+            <a:hueOff val="0"/>
+            <a:satOff val="0"/>
+            <a:lumOff val="0"/>
+            <a:alphaOff val="0"/>
+          </a:schemeClr>
+        </a:solidFill>
+        <a:ln w="12700" cap="flat" cmpd="sng" algn="ctr">
+          <a:solidFill>
+            <a:schemeClr val="accent3">
+              <a:hueOff val="0"/>
+              <a:satOff val="0"/>
+              <a:lumOff val="0"/>
+              <a:alphaOff val="0"/>
+            </a:schemeClr>
+          </a:solidFill>
+          <a:prstDash val="solid"/>
+          <a:miter lim="800000"/>
+        </a:ln>
+        <a:effectLst/>
+      </dsp:spPr>
+      <dsp:style>
+        <a:lnRef idx="2">
+          <a:scrgbClr r="0" g="0" b="0"/>
+        </a:lnRef>
+        <a:fillRef idx="1">
+          <a:scrgbClr r="0" g="0" b="0"/>
+        </a:fillRef>
+        <a:effectRef idx="0">
+          <a:scrgbClr r="0" g="0" b="0"/>
+        </a:effectRef>
+        <a:fontRef idx="minor">
+          <a:schemeClr val="lt1"/>
+        </a:fontRef>
+      </dsp:style>
+    </dsp:sp>
+    <dsp:sp modelId="{7BE6823B-5A44-471B-A548-0CB749C21226}">
+      <dsp:nvSpPr>
+        <dsp:cNvPr id="0" name=""/>
+        <dsp:cNvSpPr/>
+      </dsp:nvSpPr>
+      <dsp:spPr>
+        <a:xfrm>
+          <a:off x="0" y="4118051"/>
+          <a:ext cx="11403240" cy="374314"/>
+        </a:xfrm>
+        <a:prstGeom prst="rect">
+          <a:avLst/>
+        </a:prstGeom>
+        <a:noFill/>
+        <a:ln>
+          <a:noFill/>
+        </a:ln>
+        <a:effectLst/>
+      </dsp:spPr>
+      <dsp:style>
+        <a:lnRef idx="0">
+          <a:scrgbClr r="0" g="0" b="0"/>
+        </a:lnRef>
+        <a:fillRef idx="0">
+          <a:scrgbClr r="0" g="0" b="0"/>
+        </a:fillRef>
+        <a:effectRef idx="0">
+          <a:scrgbClr r="0" g="0" b="0"/>
+        </a:effectRef>
+        <a:fontRef idx="minor"/>
+      </dsp:style>
+      <dsp:txBody>
+        <a:bodyPr spcFirstLastPara="0" vert="horz" wrap="square" lIns="57150" tIns="57150" rIns="57150" bIns="57150" numCol="1" spcCol="1270" anchor="t" anchorCtr="0">
+          <a:noAutofit/>
+        </a:bodyPr>
+        <a:lstStyle/>
+        <a:p>
+          <a:pPr marL="0" lvl="0" indent="0" algn="l" defTabSz="666750">
+            <a:lnSpc>
+              <a:spcPct val="90000"/>
+            </a:lnSpc>
+            <a:spcBef>
+              <a:spcPct val="0"/>
+            </a:spcBef>
+            <a:spcAft>
+              <a:spcPct val="35000"/>
+            </a:spcAft>
+            <a:buNone/>
+          </a:pPr>
+          <a:endParaRPr lang="en-US" sz="1500" kern="1200" dirty="0">
+            <a:latin typeface="Calibri"/>
+            <a:ea typeface="Verdana"/>
+            <a:cs typeface="Calibri"/>
+          </a:endParaRPr>
+        </a:p>
+      </dsp:txBody>
+      <dsp:txXfrm>
+        <a:off x="0" y="4118051"/>
+        <a:ext cx="11403240" cy="374314"/>
+      </dsp:txXfrm>
+    </dsp:sp>
+    <dsp:sp modelId="{1D6405CB-9EE2-49DA-8E7C-BB62096108F0}">
+      <dsp:nvSpPr>
+        <dsp:cNvPr id="0" name=""/>
+        <dsp:cNvSpPr/>
+      </dsp:nvSpPr>
+      <dsp:spPr>
+        <a:xfrm>
+          <a:off x="0" y="4492365"/>
+          <a:ext cx="11403240" cy="0"/>
+        </a:xfrm>
+        <a:prstGeom prst="line">
+          <a:avLst/>
+        </a:prstGeom>
+        <a:solidFill>
+          <a:schemeClr val="accent3">
+            <a:hueOff val="0"/>
+            <a:satOff val="0"/>
+            <a:lumOff val="0"/>
+            <a:alphaOff val="0"/>
+          </a:schemeClr>
+        </a:solidFill>
+        <a:ln w="12700" cap="flat" cmpd="sng" algn="ctr">
+          <a:solidFill>
+            <a:schemeClr val="accent3">
+              <a:hueOff val="0"/>
+              <a:satOff val="0"/>
+              <a:lumOff val="0"/>
+              <a:alphaOff val="0"/>
+            </a:schemeClr>
+          </a:solidFill>
+          <a:prstDash val="solid"/>
+          <a:miter lim="800000"/>
+        </a:ln>
+        <a:effectLst/>
+      </dsp:spPr>
+      <dsp:style>
+        <a:lnRef idx="2">
+          <a:scrgbClr r="0" g="0" b="0"/>
+        </a:lnRef>
+        <a:fillRef idx="1">
+          <a:scrgbClr r="0" g="0" b="0"/>
+        </a:fillRef>
+        <a:effectRef idx="0">
+          <a:scrgbClr r="0" g="0" b="0"/>
+        </a:effectRef>
+        <a:fontRef idx="minor">
+          <a:schemeClr val="lt1"/>
+        </a:fontRef>
+      </dsp:style>
+    </dsp:sp>
+    <dsp:sp modelId="{F1EAAEE3-B0C5-42FE-840D-8E8751C399F3}">
+      <dsp:nvSpPr>
+        <dsp:cNvPr id="0" name=""/>
+        <dsp:cNvSpPr/>
+      </dsp:nvSpPr>
+      <dsp:spPr>
+        <a:xfrm>
+          <a:off x="0" y="4492365"/>
+          <a:ext cx="11403240" cy="374314"/>
+        </a:xfrm>
+        <a:prstGeom prst="rect">
+          <a:avLst/>
+        </a:prstGeom>
+        <a:noFill/>
+        <a:ln>
+          <a:noFill/>
+        </a:ln>
+        <a:effectLst/>
+      </dsp:spPr>
+      <dsp:style>
+        <a:lnRef idx="0">
+          <a:scrgbClr r="0" g="0" b="0"/>
+        </a:lnRef>
+        <a:fillRef idx="0">
+          <a:scrgbClr r="0" g="0" b="0"/>
+        </a:fillRef>
+        <a:effectRef idx="0">
+          <a:scrgbClr r="0" g="0" b="0"/>
+        </a:effectRef>
+        <a:fontRef idx="minor"/>
+      </dsp:style>
+      <dsp:txBody>
+        <a:bodyPr spcFirstLastPara="0" vert="horz" wrap="square" lIns="57150" tIns="57150" rIns="57150" bIns="57150" numCol="1" spcCol="1270" anchor="t" anchorCtr="0">
+          <a:noAutofit/>
+        </a:bodyPr>
+        <a:lstStyle/>
+        <a:p>
+          <a:pPr marL="0" lvl="0" indent="0" algn="l" defTabSz="666750" rtl="0">
+            <a:lnSpc>
+              <a:spcPct val="90000"/>
+            </a:lnSpc>
+            <a:spcBef>
+              <a:spcPct val="0"/>
+            </a:spcBef>
+            <a:spcAft>
+              <a:spcPct val="35000"/>
+            </a:spcAft>
+            <a:buNone/>
+          </a:pPr>
+          <a:r>
+            <a:rPr lang="en-US" sz="1500" b="1" kern="1200" dirty="0">
+              <a:latin typeface="Calibri"/>
+              <a:ea typeface="Verdana"/>
+              <a:cs typeface="Calibri"/>
+            </a:rPr>
+            <a:t>Backlog Health</a:t>
+          </a:r>
+          <a:r>
+            <a:rPr lang="en-US" sz="1500" kern="1200" dirty="0">
+              <a:latin typeface="Calibri"/>
+              <a:ea typeface="Verdana"/>
+              <a:cs typeface="Calibri"/>
+            </a:rPr>
+            <a:t> – Shows the health of backlog in as number of story Points available in backlog Vs Average Velocity.</a:t>
+          </a:r>
+        </a:p>
+      </dsp:txBody>
+      <dsp:txXfrm>
+        <a:off x="0" y="4492365"/>
+        <a:ext cx="11403240" cy="374314"/>
+      </dsp:txXfrm>
+    </dsp:sp>
+  </dsp:spTree>
+</dsp:drawing>
+</file>
+
+<file path=ppt/diagrams/drawing4.xml><?xml version="1.0" encoding="utf-8"?>
+<dsp:drawing xmlns:dgm="http://schemas.openxmlformats.org/drawingml/2006/diagram" xmlns:dsp="http://schemas.microsoft.com/office/drawing/2008/diagram" xmlns:a="http://schemas.openxmlformats.org/drawingml/2006/main">
+  <dsp:spTree>
+    <dsp:nvGrpSpPr>
+      <dsp:cNvPr id="0" name=""/>
+      <dsp:cNvGrpSpPr/>
+    </dsp:nvGrpSpPr>
+    <dsp:grpSpPr/>
     <dsp:sp modelId="{EFC77803-70B4-409E-9B62-582882B40570}">
       <dsp:nvSpPr>
         <dsp:cNvPr id="0" name=""/>
@@ -5314,7 +10439,7 @@
 </dsp:drawing>
 </file>
 
-<file path=ppt/diagrams/drawing3.xml><?xml version="1.0" encoding="utf-8"?>
+<file path=ppt/diagrams/drawing5.xml><?xml version="1.0" encoding="utf-8"?>
 <dsp:drawing xmlns:dgm="http://schemas.openxmlformats.org/drawingml/2006/diagram" xmlns:dsp="http://schemas.microsoft.com/office/drawing/2008/diagram" xmlns:a="http://schemas.openxmlformats.org/drawingml/2006/main">
   <dsp:spTree>
     <dsp:nvGrpSpPr>
@@ -6300,6 +11425,938 @@
 </file>
 
 <file path=ppt/diagrams/layout2.xml><?xml version="1.0" encoding="utf-8"?>
+<dgm:layoutDef xmlns:dgm="http://schemas.openxmlformats.org/drawingml/2006/diagram" xmlns:a="http://schemas.openxmlformats.org/drawingml/2006/main" uniqueId="urn:microsoft.com/office/officeart/2008/layout/LinedList">
+  <dgm:title val=""/>
+  <dgm:desc val=""/>
+  <dgm:catLst>
+    <dgm:cat type="hierarchy" pri="8000"/>
+    <dgm:cat type="list" pri="2500"/>
+  </dgm:catLst>
+  <dgm:sampData>
+    <dgm:dataModel>
+      <dgm:ptLst>
+        <dgm:pt modelId="0" type="doc"/>
+        <dgm:pt modelId="1">
+          <dgm:prSet phldr="1"/>
+        </dgm:pt>
+        <dgm:pt modelId="11">
+          <dgm:prSet phldr="1"/>
+        </dgm:pt>
+        <dgm:pt modelId="12">
+          <dgm:prSet phldr="1"/>
+        </dgm:pt>
+        <dgm:pt modelId="13">
+          <dgm:prSet phldr="1"/>
+        </dgm:pt>
+      </dgm:ptLst>
+      <dgm:cxnLst>
+        <dgm:cxn modelId="2" srcId="0" destId="1" srcOrd="0" destOrd="0"/>
+        <dgm:cxn modelId="3" srcId="1" destId="11" srcOrd="0" destOrd="0"/>
+        <dgm:cxn modelId="4" srcId="1" destId="12" srcOrd="1" destOrd="0"/>
+        <dgm:cxn modelId="5" srcId="1" destId="13" srcOrd="2" destOrd="0"/>
+      </dgm:cxnLst>
+      <dgm:bg/>
+      <dgm:whole/>
+    </dgm:dataModel>
+  </dgm:sampData>
+  <dgm:styleData>
+    <dgm:dataModel>
+      <dgm:ptLst>
+        <dgm:pt modelId="0" type="doc"/>
+        <dgm:pt modelId="1">
+          <dgm:prSet phldr="1"/>
+        </dgm:pt>
+        <dgm:pt modelId="11">
+          <dgm:prSet phldr="1"/>
+        </dgm:pt>
+        <dgm:pt modelId="12">
+          <dgm:prSet phldr="1"/>
+        </dgm:pt>
+      </dgm:ptLst>
+      <dgm:cxnLst>
+        <dgm:cxn modelId="2" srcId="0" destId="1" srcOrd="0" destOrd="0"/>
+        <dgm:cxn modelId="3" srcId="1" destId="11" srcOrd="0" destOrd="0"/>
+        <dgm:cxn modelId="4" srcId="1" destId="12" srcOrd="1" destOrd="0"/>
+      </dgm:cxnLst>
+      <dgm:bg/>
+      <dgm:whole/>
+    </dgm:dataModel>
+  </dgm:styleData>
+  <dgm:clrData>
+    <dgm:dataModel>
+      <dgm:ptLst>
+        <dgm:pt modelId="0" type="doc"/>
+        <dgm:pt modelId="1">
+          <dgm:prSet phldr="1"/>
+        </dgm:pt>
+        <dgm:pt modelId="11">
+          <dgm:prSet phldr="1"/>
+        </dgm:pt>
+        <dgm:pt modelId="12">
+          <dgm:prSet phldr="1"/>
+        </dgm:pt>
+      </dgm:ptLst>
+      <dgm:cxnLst>
+        <dgm:cxn modelId="2" srcId="0" destId="1" srcOrd="0" destOrd="0"/>
+        <dgm:cxn modelId="3" srcId="1" destId="11" srcOrd="0" destOrd="0"/>
+        <dgm:cxn modelId="4" srcId="1" destId="12" srcOrd="1" destOrd="0"/>
+      </dgm:cxnLst>
+      <dgm:bg/>
+      <dgm:whole/>
+    </dgm:dataModel>
+  </dgm:clrData>
+  <dgm:layoutNode name="vert0">
+    <dgm:varLst>
+      <dgm:dir/>
+      <dgm:animOne val="branch"/>
+      <dgm:animLvl val="lvl"/>
+    </dgm:varLst>
+    <dgm:choose name="Name0">
+      <dgm:if name="Name1" func="var" arg="dir" op="equ" val="norm">
+        <dgm:alg type="lin">
+          <dgm:param type="linDir" val="fromT"/>
+          <dgm:param type="nodeHorzAlign" val="l"/>
+        </dgm:alg>
+      </dgm:if>
+      <dgm:else name="Name2">
+        <dgm:alg type="lin">
+          <dgm:param type="linDir" val="fromT"/>
+          <dgm:param type="nodeHorzAlign" val="r"/>
+        </dgm:alg>
+      </dgm:else>
+    </dgm:choose>
+    <dgm:shape xmlns:r="http://schemas.openxmlformats.org/officeDocument/2006/relationships" r:blip="">
+      <dgm:adjLst/>
+    </dgm:shape>
+    <dgm:presOf/>
+    <dgm:constrLst>
+      <dgm:constr type="w" for="ch" forName="horz1" refType="w"/>
+      <dgm:constr type="h" for="ch" forName="horz1" refType="h"/>
+      <dgm:constr type="h" for="des" forName="vert1" refType="h"/>
+      <dgm:constr type="h" for="des" forName="tx1" refType="h"/>
+      <dgm:constr type="h" for="des" forName="horz2" refType="h"/>
+      <dgm:constr type="h" for="des" forName="vert2" refType="h"/>
+      <dgm:constr type="h" for="des" forName="horz3" refType="h"/>
+      <dgm:constr type="h" for="des" forName="vert3" refType="h"/>
+      <dgm:constr type="h" for="des" forName="horz4" refType="h"/>
+      <dgm:constr type="h" for="des" ptType="node" refType="h"/>
+      <dgm:constr type="primFontSz" for="des" forName="tx1" op="equ" val="65"/>
+      <dgm:constr type="primFontSz" for="des" forName="tx2" op="equ" val="65"/>
+      <dgm:constr type="primFontSz" for="des" forName="tx3" op="equ" val="65"/>
+      <dgm:constr type="primFontSz" for="des" forName="tx4" op="equ" val="65"/>
+      <dgm:constr type="w" for="des" forName="thickLine" refType="w"/>
+      <dgm:constr type="h" for="des" forName="thickLine"/>
+      <dgm:constr type="h" for="des" forName="thinLine1"/>
+      <dgm:constr type="h" for="des" forName="thinLine2b"/>
+      <dgm:constr type="h" for="des" forName="thinLine3"/>
+      <dgm:constr type="h" for="des" forName="vertSpace2a" refType="h" fact="0.05"/>
+      <dgm:constr type="h" for="des" forName="vertSpace2b" refType="h" refFor="des" refForName="vertSpace2a"/>
+    </dgm:constrLst>
+    <dgm:forEach name="Name3" axis="ch" ptType="node">
+      <dgm:layoutNode name="thickLine" styleLbl="alignNode1">
+        <dgm:alg type="sp"/>
+        <dgm:shape xmlns:r="http://schemas.openxmlformats.org/officeDocument/2006/relationships" type="line" r:blip="">
+          <dgm:adjLst/>
+        </dgm:shape>
+        <dgm:presOf/>
+      </dgm:layoutNode>
+      <dgm:layoutNode name="horz1">
+        <dgm:choose name="Name4">
+          <dgm:if name="Name5" func="var" arg="dir" op="equ" val="norm">
+            <dgm:alg type="lin">
+              <dgm:param type="linDir" val="fromL"/>
+              <dgm:param type="nodeVertAlign" val="t"/>
+            </dgm:alg>
+          </dgm:if>
+          <dgm:else name="Name6">
+            <dgm:alg type="lin">
+              <dgm:param type="linDir" val="fromR"/>
+              <dgm:param type="nodeVertAlign" val="t"/>
+            </dgm:alg>
+          </dgm:else>
+        </dgm:choose>
+        <dgm:shape xmlns:r="http://schemas.openxmlformats.org/officeDocument/2006/relationships" r:blip="">
+          <dgm:adjLst/>
+        </dgm:shape>
+        <dgm:presOf/>
+        <dgm:choose name="Name7">
+          <dgm:if name="Name8" axis="root des" func="maxDepth" op="equ" val="1">
+            <dgm:constrLst>
+              <dgm:constr type="w" for="ch" forName="tx1" refType="w"/>
+            </dgm:constrLst>
+          </dgm:if>
+          <dgm:if name="Name9" axis="root des" func="maxDepth" op="equ" val="2">
+            <dgm:constrLst>
+              <dgm:constr type="w" for="ch" forName="tx1" refType="w" fact="0.2"/>
+              <dgm:constr type="w" for="des" forName="tx2" refType="w" fact="0.785"/>
+              <dgm:constr type="w" for="des" forName="horzSpace2" refType="w" fact="0.015"/>
+              <dgm:constr type="w" for="des" forName="thinLine2b" refType="w" fact="0.8"/>
+            </dgm:constrLst>
+          </dgm:if>
+          <dgm:if name="Name10" axis="root des" func="maxDepth" op="equ" val="3">
+            <dgm:constrLst>
+              <dgm:constr type="w" for="ch" forName="tx1" refType="w" fact="0.2"/>
+              <dgm:constr type="w" for="des" forName="tx2" refType="w" fact="0.385"/>
+              <dgm:constr type="w" for="des" forName="tx3" refType="w" fact="0.385"/>
+              <dgm:constr type="w" for="des" forName="horzSpace2" refType="w" fact="0.015"/>
+              <dgm:constr type="w" for="des" forName="horzSpace3" refType="w" fact="0.015"/>
+              <dgm:constr type="w" for="des" forName="thinLine2b" refType="w" fact="0.8"/>
+              <dgm:constr type="w" for="des" forName="thinLine3" refType="w" fact="0.385"/>
+            </dgm:constrLst>
+          </dgm:if>
+          <dgm:if name="Name11" axis="root des" func="maxDepth" op="gte" val="4">
+            <dgm:constrLst>
+              <dgm:constr type="w" for="ch" forName="tx1" refType="w" fact="0.2"/>
+              <dgm:constr type="w" for="des" forName="tx2" refType="w" fact="0.2516"/>
+              <dgm:constr type="w" for="des" forName="tx3" refType="w" fact="0.2516"/>
+              <dgm:constr type="w" for="des" forName="tx4" refType="w" fact="0.2516"/>
+              <dgm:constr type="w" for="des" forName="horzSpace2" refType="w" fact="0.015"/>
+              <dgm:constr type="w" for="des" forName="horzSpace3" refType="w" fact="0.015"/>
+              <dgm:constr type="w" for="des" forName="horzSpace4" refType="w" fact="0.015"/>
+              <dgm:constr type="w" for="des" forName="thinLine2b" refType="w" fact="0.8"/>
+              <dgm:constr type="w" for="des" forName="thinLine3" refType="w" fact="0.5332"/>
+            </dgm:constrLst>
+          </dgm:if>
+          <dgm:else name="Name12"/>
+        </dgm:choose>
+        <dgm:layoutNode name="tx1" styleLbl="revTx">
+          <dgm:alg type="tx">
+            <dgm:param type="parTxLTRAlign" val="l"/>
+            <dgm:param type="parTxRTLAlign" val="r"/>
+            <dgm:param type="txAnchorVert" val="t"/>
+          </dgm:alg>
+          <dgm:shape xmlns:r="http://schemas.openxmlformats.org/officeDocument/2006/relationships" type="rect" r:blip="">
+            <dgm:adjLst/>
+          </dgm:shape>
+          <dgm:presOf axis="self"/>
+          <dgm:constrLst>
+            <dgm:constr type="tMarg" refType="primFontSz" fact="0.3"/>
+            <dgm:constr type="bMarg" refType="primFontSz" fact="0.3"/>
+            <dgm:constr type="lMarg" refType="primFontSz" fact="0.3"/>
+            <dgm:constr type="rMarg" refType="primFontSz" fact="0.3"/>
+          </dgm:constrLst>
+          <dgm:ruleLst>
+            <dgm:rule type="primFontSz" val="5" fact="NaN" max="NaN"/>
+          </dgm:ruleLst>
+        </dgm:layoutNode>
+        <dgm:layoutNode name="vert1">
+          <dgm:choose name="Name13">
+            <dgm:if name="Name14" func="var" arg="dir" op="equ" val="norm">
+              <dgm:alg type="lin">
+                <dgm:param type="linDir" val="fromT"/>
+                <dgm:param type="nodeHorzAlign" val="l"/>
+              </dgm:alg>
+            </dgm:if>
+            <dgm:else name="Name15">
+              <dgm:alg type="lin">
+                <dgm:param type="linDir" val="fromT"/>
+                <dgm:param type="nodeHorzAlign" val="r"/>
+              </dgm:alg>
+            </dgm:else>
+          </dgm:choose>
+          <dgm:shape xmlns:r="http://schemas.openxmlformats.org/officeDocument/2006/relationships" r:blip="">
+            <dgm:adjLst/>
+          </dgm:shape>
+          <dgm:presOf/>
+          <dgm:forEach name="Name16" axis="ch" ptType="node">
+            <dgm:choose name="Name17">
+              <dgm:if name="Name18" axis="self" ptType="node" func="pos" op="equ" val="1">
+                <dgm:layoutNode name="vertSpace2a">
+                  <dgm:alg type="sp"/>
+                  <dgm:shape xmlns:r="http://schemas.openxmlformats.org/officeDocument/2006/relationships" r:blip="">
+                    <dgm:adjLst/>
+                  </dgm:shape>
+                  <dgm:presOf/>
+                </dgm:layoutNode>
+              </dgm:if>
+              <dgm:else name="Name19"/>
+            </dgm:choose>
+            <dgm:layoutNode name="horz2">
+              <dgm:choose name="Name20">
+                <dgm:if name="Name21" func="var" arg="dir" op="equ" val="norm">
+                  <dgm:alg type="lin">
+                    <dgm:param type="linDir" val="fromL"/>
+                    <dgm:param type="nodeVertAlign" val="t"/>
+                  </dgm:alg>
+                </dgm:if>
+                <dgm:else name="Name22">
+                  <dgm:alg type="lin">
+                    <dgm:param type="linDir" val="fromR"/>
+                    <dgm:param type="nodeVertAlign" val="t"/>
+                  </dgm:alg>
+                </dgm:else>
+              </dgm:choose>
+              <dgm:shape xmlns:r="http://schemas.openxmlformats.org/officeDocument/2006/relationships" r:blip="">
+                <dgm:adjLst/>
+              </dgm:shape>
+              <dgm:presOf/>
+              <dgm:layoutNode name="horzSpace2">
+                <dgm:alg type="sp"/>
+                <dgm:shape xmlns:r="http://schemas.openxmlformats.org/officeDocument/2006/relationships" r:blip="">
+                  <dgm:adjLst/>
+                </dgm:shape>
+                <dgm:presOf/>
+              </dgm:layoutNode>
+              <dgm:layoutNode name="tx2" styleLbl="revTx">
+                <dgm:alg type="tx">
+                  <dgm:param type="parTxLTRAlign" val="l"/>
+                  <dgm:param type="parTxRTLAlign" val="r"/>
+                  <dgm:param type="txAnchorVert" val="t"/>
+                </dgm:alg>
+                <dgm:shape xmlns:r="http://schemas.openxmlformats.org/officeDocument/2006/relationships" type="rect" r:blip="">
+                  <dgm:adjLst/>
+                </dgm:shape>
+                <dgm:presOf axis="self"/>
+                <dgm:constrLst>
+                  <dgm:constr type="tMarg" refType="primFontSz" fact="0.3"/>
+                  <dgm:constr type="bMarg" refType="primFontSz" fact="0.3"/>
+                  <dgm:constr type="lMarg" refType="primFontSz" fact="0.3"/>
+                  <dgm:constr type="rMarg" refType="primFontSz" fact="0.3"/>
+                </dgm:constrLst>
+                <dgm:ruleLst>
+                  <dgm:rule type="primFontSz" val="5" fact="NaN" max="NaN"/>
+                </dgm:ruleLst>
+              </dgm:layoutNode>
+              <dgm:layoutNode name="vert2">
+                <dgm:choose name="Name23">
+                  <dgm:if name="Name24" func="var" arg="dir" op="equ" val="norm">
+                    <dgm:alg type="lin">
+                      <dgm:param type="linDir" val="fromT"/>
+                      <dgm:param type="nodeHorzAlign" val="l"/>
+                    </dgm:alg>
+                  </dgm:if>
+                  <dgm:else name="Name25">
+                    <dgm:alg type="lin">
+                      <dgm:param type="linDir" val="fromT"/>
+                      <dgm:param type="nodeHorzAlign" val="r"/>
+                    </dgm:alg>
+                  </dgm:else>
+                </dgm:choose>
+                <dgm:shape xmlns:r="http://schemas.openxmlformats.org/officeDocument/2006/relationships" r:blip="">
+                  <dgm:adjLst/>
+                </dgm:shape>
+                <dgm:presOf/>
+                <dgm:forEach name="Name26" axis="ch" ptType="node">
+                  <dgm:layoutNode name="horz3">
+                    <dgm:choose name="Name27">
+                      <dgm:if name="Name28" func="var" arg="dir" op="equ" val="norm">
+                        <dgm:alg type="lin">
+                          <dgm:param type="linDir" val="fromL"/>
+                          <dgm:param type="nodeVertAlign" val="t"/>
+                        </dgm:alg>
+                      </dgm:if>
+                      <dgm:else name="Name29">
+                        <dgm:alg type="lin">
+                          <dgm:param type="linDir" val="fromR"/>
+                          <dgm:param type="nodeVertAlign" val="t"/>
+                        </dgm:alg>
+                      </dgm:else>
+                    </dgm:choose>
+                    <dgm:shape xmlns:r="http://schemas.openxmlformats.org/officeDocument/2006/relationships" r:blip="">
+                      <dgm:adjLst/>
+                    </dgm:shape>
+                    <dgm:presOf/>
+                    <dgm:layoutNode name="horzSpace3">
+                      <dgm:alg type="sp"/>
+                      <dgm:shape xmlns:r="http://schemas.openxmlformats.org/officeDocument/2006/relationships" r:blip="">
+                        <dgm:adjLst/>
+                      </dgm:shape>
+                      <dgm:presOf/>
+                    </dgm:layoutNode>
+                    <dgm:layoutNode name="tx3" styleLbl="revTx">
+                      <dgm:alg type="tx">
+                        <dgm:param type="parTxLTRAlign" val="l"/>
+                        <dgm:param type="parTxRTLAlign" val="r"/>
+                        <dgm:param type="txAnchorVert" val="t"/>
+                      </dgm:alg>
+                      <dgm:shape xmlns:r="http://schemas.openxmlformats.org/officeDocument/2006/relationships" type="rect" r:blip="">
+                        <dgm:adjLst/>
+                      </dgm:shape>
+                      <dgm:presOf axis="self"/>
+                      <dgm:constrLst>
+                        <dgm:constr type="tMarg" refType="primFontSz" fact="0.3"/>
+                        <dgm:constr type="bMarg" refType="primFontSz" fact="0.3"/>
+                        <dgm:constr type="lMarg" refType="primFontSz" fact="0.3"/>
+                        <dgm:constr type="rMarg" refType="primFontSz" fact="0.3"/>
+                      </dgm:constrLst>
+                      <dgm:ruleLst>
+                        <dgm:rule type="primFontSz" val="5" fact="NaN" max="NaN"/>
+                      </dgm:ruleLst>
+                    </dgm:layoutNode>
+                    <dgm:layoutNode name="vert3">
+                      <dgm:choose name="Name30">
+                        <dgm:if name="Name31" func="var" arg="dir" op="equ" val="norm">
+                          <dgm:alg type="lin">
+                            <dgm:param type="linDir" val="fromT"/>
+                            <dgm:param type="nodeHorzAlign" val="l"/>
+                          </dgm:alg>
+                        </dgm:if>
+                        <dgm:else name="Name32">
+                          <dgm:alg type="lin">
+                            <dgm:param type="linDir" val="fromT"/>
+                            <dgm:param type="nodeHorzAlign" val="r"/>
+                          </dgm:alg>
+                        </dgm:else>
+                      </dgm:choose>
+                      <dgm:shape xmlns:r="http://schemas.openxmlformats.org/officeDocument/2006/relationships" r:blip="">
+                        <dgm:adjLst/>
+                      </dgm:shape>
+                      <dgm:presOf/>
+                      <dgm:forEach name="Name33" axis="ch" ptType="node">
+                        <dgm:layoutNode name="horz4">
+                          <dgm:choose name="Name34">
+                            <dgm:if name="Name35" func="var" arg="dir" op="equ" val="norm">
+                              <dgm:alg type="lin">
+                                <dgm:param type="linDir" val="fromL"/>
+                                <dgm:param type="nodeVertAlign" val="t"/>
+                              </dgm:alg>
+                            </dgm:if>
+                            <dgm:else name="Name36">
+                              <dgm:alg type="lin">
+                                <dgm:param type="linDir" val="fromR"/>
+                                <dgm:param type="nodeVertAlign" val="t"/>
+                              </dgm:alg>
+                            </dgm:else>
+                          </dgm:choose>
+                          <dgm:shape xmlns:r="http://schemas.openxmlformats.org/officeDocument/2006/relationships" r:blip="">
+                            <dgm:adjLst/>
+                          </dgm:shape>
+                          <dgm:presOf/>
+                          <dgm:layoutNode name="horzSpace4">
+                            <dgm:alg type="sp"/>
+                            <dgm:shape xmlns:r="http://schemas.openxmlformats.org/officeDocument/2006/relationships" r:blip="">
+                              <dgm:adjLst/>
+                            </dgm:shape>
+                            <dgm:presOf/>
+                          </dgm:layoutNode>
+                          <dgm:layoutNode name="tx4" styleLbl="revTx">
+                            <dgm:varLst>
+                              <dgm:bulletEnabled val="1"/>
+                            </dgm:varLst>
+                            <dgm:alg type="tx">
+                              <dgm:param type="parTxLTRAlign" val="l"/>
+                              <dgm:param type="parTxRTLAlign" val="r"/>
+                              <dgm:param type="txAnchorVert" val="t"/>
+                            </dgm:alg>
+                            <dgm:shape xmlns:r="http://schemas.openxmlformats.org/officeDocument/2006/relationships" type="rect" r:blip="">
+                              <dgm:adjLst/>
+                            </dgm:shape>
+                            <dgm:presOf axis="desOrSelf" ptType="node"/>
+                            <dgm:constrLst>
+                              <dgm:constr type="tMarg" refType="primFontSz" fact="0.3"/>
+                              <dgm:constr type="bMarg" refType="primFontSz" fact="0.3"/>
+                              <dgm:constr type="lMarg" refType="primFontSz" fact="0.3"/>
+                              <dgm:constr type="rMarg" refType="primFontSz" fact="0.3"/>
+                            </dgm:constrLst>
+                            <dgm:ruleLst>
+                              <dgm:rule type="primFontSz" val="5" fact="NaN" max="NaN"/>
+                            </dgm:ruleLst>
+                          </dgm:layoutNode>
+                        </dgm:layoutNode>
+                      </dgm:forEach>
+                    </dgm:layoutNode>
+                  </dgm:layoutNode>
+                  <dgm:forEach name="Name37" axis="followSib" ptType="sibTrans" cnt="1">
+                    <dgm:layoutNode name="thinLine3" styleLbl="callout">
+                      <dgm:alg type="sp"/>
+                      <dgm:shape xmlns:r="http://schemas.openxmlformats.org/officeDocument/2006/relationships" type="line" r:blip="">
+                        <dgm:adjLst/>
+                      </dgm:shape>
+                      <dgm:presOf/>
+                    </dgm:layoutNode>
+                  </dgm:forEach>
+                </dgm:forEach>
+              </dgm:layoutNode>
+            </dgm:layoutNode>
+            <dgm:layoutNode name="thinLine2b" styleLbl="callout">
+              <dgm:alg type="sp"/>
+              <dgm:shape xmlns:r="http://schemas.openxmlformats.org/officeDocument/2006/relationships" type="line" r:blip="">
+                <dgm:adjLst/>
+              </dgm:shape>
+              <dgm:presOf/>
+            </dgm:layoutNode>
+            <dgm:layoutNode name="vertSpace2b">
+              <dgm:alg type="sp"/>
+              <dgm:shape xmlns:r="http://schemas.openxmlformats.org/officeDocument/2006/relationships" r:blip="">
+                <dgm:adjLst/>
+              </dgm:shape>
+              <dgm:presOf/>
+            </dgm:layoutNode>
+          </dgm:forEach>
+        </dgm:layoutNode>
+      </dgm:layoutNode>
+    </dgm:forEach>
+  </dgm:layoutNode>
+</dgm:layoutDef>
+</file>
+
+<file path=ppt/diagrams/layout3.xml><?xml version="1.0" encoding="utf-8"?>
+<dgm:layoutDef xmlns:dgm="http://schemas.openxmlformats.org/drawingml/2006/diagram" xmlns:a="http://schemas.openxmlformats.org/drawingml/2006/main" uniqueId="urn:microsoft.com/office/officeart/2008/layout/LinedList">
+  <dgm:title val=""/>
+  <dgm:desc val=""/>
+  <dgm:catLst>
+    <dgm:cat type="hierarchy" pri="8000"/>
+    <dgm:cat type="list" pri="2500"/>
+  </dgm:catLst>
+  <dgm:sampData>
+    <dgm:dataModel>
+      <dgm:ptLst>
+        <dgm:pt modelId="0" type="doc"/>
+        <dgm:pt modelId="1">
+          <dgm:prSet phldr="1"/>
+        </dgm:pt>
+        <dgm:pt modelId="11">
+          <dgm:prSet phldr="1"/>
+        </dgm:pt>
+        <dgm:pt modelId="12">
+          <dgm:prSet phldr="1"/>
+        </dgm:pt>
+        <dgm:pt modelId="13">
+          <dgm:prSet phldr="1"/>
+        </dgm:pt>
+      </dgm:ptLst>
+      <dgm:cxnLst>
+        <dgm:cxn modelId="2" srcId="0" destId="1" srcOrd="0" destOrd="0"/>
+        <dgm:cxn modelId="3" srcId="1" destId="11" srcOrd="0" destOrd="0"/>
+        <dgm:cxn modelId="4" srcId="1" destId="12" srcOrd="1" destOrd="0"/>
+        <dgm:cxn modelId="5" srcId="1" destId="13" srcOrd="2" destOrd="0"/>
+      </dgm:cxnLst>
+      <dgm:bg/>
+      <dgm:whole/>
+    </dgm:dataModel>
+  </dgm:sampData>
+  <dgm:styleData>
+    <dgm:dataModel>
+      <dgm:ptLst>
+        <dgm:pt modelId="0" type="doc"/>
+        <dgm:pt modelId="1">
+          <dgm:prSet phldr="1"/>
+        </dgm:pt>
+        <dgm:pt modelId="11">
+          <dgm:prSet phldr="1"/>
+        </dgm:pt>
+        <dgm:pt modelId="12">
+          <dgm:prSet phldr="1"/>
+        </dgm:pt>
+      </dgm:ptLst>
+      <dgm:cxnLst>
+        <dgm:cxn modelId="2" srcId="0" destId="1" srcOrd="0" destOrd="0"/>
+        <dgm:cxn modelId="3" srcId="1" destId="11" srcOrd="0" destOrd="0"/>
+        <dgm:cxn modelId="4" srcId="1" destId="12" srcOrd="1" destOrd="0"/>
+      </dgm:cxnLst>
+      <dgm:bg/>
+      <dgm:whole/>
+    </dgm:dataModel>
+  </dgm:styleData>
+  <dgm:clrData>
+    <dgm:dataModel>
+      <dgm:ptLst>
+        <dgm:pt modelId="0" type="doc"/>
+        <dgm:pt modelId="1">
+          <dgm:prSet phldr="1"/>
+        </dgm:pt>
+        <dgm:pt modelId="11">
+          <dgm:prSet phldr="1"/>
+        </dgm:pt>
+        <dgm:pt modelId="12">
+          <dgm:prSet phldr="1"/>
+        </dgm:pt>
+      </dgm:ptLst>
+      <dgm:cxnLst>
+        <dgm:cxn modelId="2" srcId="0" destId="1" srcOrd="0" destOrd="0"/>
+        <dgm:cxn modelId="3" srcId="1" destId="11" srcOrd="0" destOrd="0"/>
+        <dgm:cxn modelId="4" srcId="1" destId="12" srcOrd="1" destOrd="0"/>
+      </dgm:cxnLst>
+      <dgm:bg/>
+      <dgm:whole/>
+    </dgm:dataModel>
+  </dgm:clrData>
+  <dgm:layoutNode name="vert0">
+    <dgm:varLst>
+      <dgm:dir/>
+      <dgm:animOne val="branch"/>
+      <dgm:animLvl val="lvl"/>
+    </dgm:varLst>
+    <dgm:choose name="Name0">
+      <dgm:if name="Name1" func="var" arg="dir" op="equ" val="norm">
+        <dgm:alg type="lin">
+          <dgm:param type="linDir" val="fromT"/>
+          <dgm:param type="nodeHorzAlign" val="l"/>
+        </dgm:alg>
+      </dgm:if>
+      <dgm:else name="Name2">
+        <dgm:alg type="lin">
+          <dgm:param type="linDir" val="fromT"/>
+          <dgm:param type="nodeHorzAlign" val="r"/>
+        </dgm:alg>
+      </dgm:else>
+    </dgm:choose>
+    <dgm:shape xmlns:r="http://schemas.openxmlformats.org/officeDocument/2006/relationships" r:blip="">
+      <dgm:adjLst/>
+    </dgm:shape>
+    <dgm:presOf/>
+    <dgm:constrLst>
+      <dgm:constr type="w" for="ch" forName="horz1" refType="w"/>
+      <dgm:constr type="h" for="ch" forName="horz1" refType="h"/>
+      <dgm:constr type="h" for="des" forName="vert1" refType="h"/>
+      <dgm:constr type="h" for="des" forName="tx1" refType="h"/>
+      <dgm:constr type="h" for="des" forName="horz2" refType="h"/>
+      <dgm:constr type="h" for="des" forName="vert2" refType="h"/>
+      <dgm:constr type="h" for="des" forName="horz3" refType="h"/>
+      <dgm:constr type="h" for="des" forName="vert3" refType="h"/>
+      <dgm:constr type="h" for="des" forName="horz4" refType="h"/>
+      <dgm:constr type="h" for="des" ptType="node" refType="h"/>
+      <dgm:constr type="primFontSz" for="des" forName="tx1" op="equ" val="65"/>
+      <dgm:constr type="primFontSz" for="des" forName="tx2" op="equ" val="65"/>
+      <dgm:constr type="primFontSz" for="des" forName="tx3" op="equ" val="65"/>
+      <dgm:constr type="primFontSz" for="des" forName="tx4" op="equ" val="65"/>
+      <dgm:constr type="w" for="des" forName="thickLine" refType="w"/>
+      <dgm:constr type="h" for="des" forName="thickLine"/>
+      <dgm:constr type="h" for="des" forName="thinLine1"/>
+      <dgm:constr type="h" for="des" forName="thinLine2b"/>
+      <dgm:constr type="h" for="des" forName="thinLine3"/>
+      <dgm:constr type="h" for="des" forName="vertSpace2a" refType="h" fact="0.05"/>
+      <dgm:constr type="h" for="des" forName="vertSpace2b" refType="h" refFor="des" refForName="vertSpace2a"/>
+    </dgm:constrLst>
+    <dgm:forEach name="Name3" axis="ch" ptType="node">
+      <dgm:layoutNode name="thickLine" styleLbl="alignNode1">
+        <dgm:alg type="sp"/>
+        <dgm:shape xmlns:r="http://schemas.openxmlformats.org/officeDocument/2006/relationships" type="line" r:blip="">
+          <dgm:adjLst/>
+        </dgm:shape>
+        <dgm:presOf/>
+      </dgm:layoutNode>
+      <dgm:layoutNode name="horz1">
+        <dgm:choose name="Name4">
+          <dgm:if name="Name5" func="var" arg="dir" op="equ" val="norm">
+            <dgm:alg type="lin">
+              <dgm:param type="linDir" val="fromL"/>
+              <dgm:param type="nodeVertAlign" val="t"/>
+            </dgm:alg>
+          </dgm:if>
+          <dgm:else name="Name6">
+            <dgm:alg type="lin">
+              <dgm:param type="linDir" val="fromR"/>
+              <dgm:param type="nodeVertAlign" val="t"/>
+            </dgm:alg>
+          </dgm:else>
+        </dgm:choose>
+        <dgm:shape xmlns:r="http://schemas.openxmlformats.org/officeDocument/2006/relationships" r:blip="">
+          <dgm:adjLst/>
+        </dgm:shape>
+        <dgm:presOf/>
+        <dgm:choose name="Name7">
+          <dgm:if name="Name8" axis="root des" func="maxDepth" op="equ" val="1">
+            <dgm:constrLst>
+              <dgm:constr type="w" for="ch" forName="tx1" refType="w"/>
+            </dgm:constrLst>
+          </dgm:if>
+          <dgm:if name="Name9" axis="root des" func="maxDepth" op="equ" val="2">
+            <dgm:constrLst>
+              <dgm:constr type="w" for="ch" forName="tx1" refType="w" fact="0.2"/>
+              <dgm:constr type="w" for="des" forName="tx2" refType="w" fact="0.785"/>
+              <dgm:constr type="w" for="des" forName="horzSpace2" refType="w" fact="0.015"/>
+              <dgm:constr type="w" for="des" forName="thinLine2b" refType="w" fact="0.8"/>
+            </dgm:constrLst>
+          </dgm:if>
+          <dgm:if name="Name10" axis="root des" func="maxDepth" op="equ" val="3">
+            <dgm:constrLst>
+              <dgm:constr type="w" for="ch" forName="tx1" refType="w" fact="0.2"/>
+              <dgm:constr type="w" for="des" forName="tx2" refType="w" fact="0.385"/>
+              <dgm:constr type="w" for="des" forName="tx3" refType="w" fact="0.385"/>
+              <dgm:constr type="w" for="des" forName="horzSpace2" refType="w" fact="0.015"/>
+              <dgm:constr type="w" for="des" forName="horzSpace3" refType="w" fact="0.015"/>
+              <dgm:constr type="w" for="des" forName="thinLine2b" refType="w" fact="0.8"/>
+              <dgm:constr type="w" for="des" forName="thinLine3" refType="w" fact="0.385"/>
+            </dgm:constrLst>
+          </dgm:if>
+          <dgm:if name="Name11" axis="root des" func="maxDepth" op="gte" val="4">
+            <dgm:constrLst>
+              <dgm:constr type="w" for="ch" forName="tx1" refType="w" fact="0.2"/>
+              <dgm:constr type="w" for="des" forName="tx2" refType="w" fact="0.2516"/>
+              <dgm:constr type="w" for="des" forName="tx3" refType="w" fact="0.2516"/>
+              <dgm:constr type="w" for="des" forName="tx4" refType="w" fact="0.2516"/>
+              <dgm:constr type="w" for="des" forName="horzSpace2" refType="w" fact="0.015"/>
+              <dgm:constr type="w" for="des" forName="horzSpace3" refType="w" fact="0.015"/>
+              <dgm:constr type="w" for="des" forName="horzSpace4" refType="w" fact="0.015"/>
+              <dgm:constr type="w" for="des" forName="thinLine2b" refType="w" fact="0.8"/>
+              <dgm:constr type="w" for="des" forName="thinLine3" refType="w" fact="0.5332"/>
+            </dgm:constrLst>
+          </dgm:if>
+          <dgm:else name="Name12"/>
+        </dgm:choose>
+        <dgm:layoutNode name="tx1" styleLbl="revTx">
+          <dgm:alg type="tx">
+            <dgm:param type="parTxLTRAlign" val="l"/>
+            <dgm:param type="parTxRTLAlign" val="r"/>
+            <dgm:param type="txAnchorVert" val="t"/>
+          </dgm:alg>
+          <dgm:shape xmlns:r="http://schemas.openxmlformats.org/officeDocument/2006/relationships" type="rect" r:blip="">
+            <dgm:adjLst/>
+          </dgm:shape>
+          <dgm:presOf axis="self"/>
+          <dgm:constrLst>
+            <dgm:constr type="tMarg" refType="primFontSz" fact="0.3"/>
+            <dgm:constr type="bMarg" refType="primFontSz" fact="0.3"/>
+            <dgm:constr type="lMarg" refType="primFontSz" fact="0.3"/>
+            <dgm:constr type="rMarg" refType="primFontSz" fact="0.3"/>
+          </dgm:constrLst>
+          <dgm:ruleLst>
+            <dgm:rule type="primFontSz" val="5" fact="NaN" max="NaN"/>
+          </dgm:ruleLst>
+        </dgm:layoutNode>
+        <dgm:layoutNode name="vert1">
+          <dgm:choose name="Name13">
+            <dgm:if name="Name14" func="var" arg="dir" op="equ" val="norm">
+              <dgm:alg type="lin">
+                <dgm:param type="linDir" val="fromT"/>
+                <dgm:param type="nodeHorzAlign" val="l"/>
+              </dgm:alg>
+            </dgm:if>
+            <dgm:else name="Name15">
+              <dgm:alg type="lin">
+                <dgm:param type="linDir" val="fromT"/>
+                <dgm:param type="nodeHorzAlign" val="r"/>
+              </dgm:alg>
+            </dgm:else>
+          </dgm:choose>
+          <dgm:shape xmlns:r="http://schemas.openxmlformats.org/officeDocument/2006/relationships" r:blip="">
+            <dgm:adjLst/>
+          </dgm:shape>
+          <dgm:presOf/>
+          <dgm:forEach name="Name16" axis="ch" ptType="node">
+            <dgm:choose name="Name17">
+              <dgm:if name="Name18" axis="self" ptType="node" func="pos" op="equ" val="1">
+                <dgm:layoutNode name="vertSpace2a">
+                  <dgm:alg type="sp"/>
+                  <dgm:shape xmlns:r="http://schemas.openxmlformats.org/officeDocument/2006/relationships" r:blip="">
+                    <dgm:adjLst/>
+                  </dgm:shape>
+                  <dgm:presOf/>
+                </dgm:layoutNode>
+              </dgm:if>
+              <dgm:else name="Name19"/>
+            </dgm:choose>
+            <dgm:layoutNode name="horz2">
+              <dgm:choose name="Name20">
+                <dgm:if name="Name21" func="var" arg="dir" op="equ" val="norm">
+                  <dgm:alg type="lin">
+                    <dgm:param type="linDir" val="fromL"/>
+                    <dgm:param type="nodeVertAlign" val="t"/>
+                  </dgm:alg>
+                </dgm:if>
+                <dgm:else name="Name22">
+                  <dgm:alg type="lin">
+                    <dgm:param type="linDir" val="fromR"/>
+                    <dgm:param type="nodeVertAlign" val="t"/>
+                  </dgm:alg>
+                </dgm:else>
+              </dgm:choose>
+              <dgm:shape xmlns:r="http://schemas.openxmlformats.org/officeDocument/2006/relationships" r:blip="">
+                <dgm:adjLst/>
+              </dgm:shape>
+              <dgm:presOf/>
+              <dgm:layoutNode name="horzSpace2">
+                <dgm:alg type="sp"/>
+                <dgm:shape xmlns:r="http://schemas.openxmlformats.org/officeDocument/2006/relationships" r:blip="">
+                  <dgm:adjLst/>
+                </dgm:shape>
+                <dgm:presOf/>
+              </dgm:layoutNode>
+              <dgm:layoutNode name="tx2" styleLbl="revTx">
+                <dgm:alg type="tx">
+                  <dgm:param type="parTxLTRAlign" val="l"/>
+                  <dgm:param type="parTxRTLAlign" val="r"/>
+                  <dgm:param type="txAnchorVert" val="t"/>
+                </dgm:alg>
+                <dgm:shape xmlns:r="http://schemas.openxmlformats.org/officeDocument/2006/relationships" type="rect" r:blip="">
+                  <dgm:adjLst/>
+                </dgm:shape>
+                <dgm:presOf axis="self"/>
+                <dgm:constrLst>
+                  <dgm:constr type="tMarg" refType="primFontSz" fact="0.3"/>
+                  <dgm:constr type="bMarg" refType="primFontSz" fact="0.3"/>
+                  <dgm:constr type="lMarg" refType="primFontSz" fact="0.3"/>
+                  <dgm:constr type="rMarg" refType="primFontSz" fact="0.3"/>
+                </dgm:constrLst>
+                <dgm:ruleLst>
+                  <dgm:rule type="primFontSz" val="5" fact="NaN" max="NaN"/>
+                </dgm:ruleLst>
+              </dgm:layoutNode>
+              <dgm:layoutNode name="vert2">
+                <dgm:choose name="Name23">
+                  <dgm:if name="Name24" func="var" arg="dir" op="equ" val="norm">
+                    <dgm:alg type="lin">
+                      <dgm:param type="linDir" val="fromT"/>
+                      <dgm:param type="nodeHorzAlign" val="l"/>
+                    </dgm:alg>
+                  </dgm:if>
+                  <dgm:else name="Name25">
+                    <dgm:alg type="lin">
+                      <dgm:param type="linDir" val="fromT"/>
+                      <dgm:param type="nodeHorzAlign" val="r"/>
+                    </dgm:alg>
+                  </dgm:else>
+                </dgm:choose>
+                <dgm:shape xmlns:r="http://schemas.openxmlformats.org/officeDocument/2006/relationships" r:blip="">
+                  <dgm:adjLst/>
+                </dgm:shape>
+                <dgm:presOf/>
+                <dgm:forEach name="Name26" axis="ch" ptType="node">
+                  <dgm:layoutNode name="horz3">
+                    <dgm:choose name="Name27">
+                      <dgm:if name="Name28" func="var" arg="dir" op="equ" val="norm">
+                        <dgm:alg type="lin">
+                          <dgm:param type="linDir" val="fromL"/>
+                          <dgm:param type="nodeVertAlign" val="t"/>
+                        </dgm:alg>
+                      </dgm:if>
+                      <dgm:else name="Name29">
+                        <dgm:alg type="lin">
+                          <dgm:param type="linDir" val="fromR"/>
+                          <dgm:param type="nodeVertAlign" val="t"/>
+                        </dgm:alg>
+                      </dgm:else>
+                    </dgm:choose>
+                    <dgm:shape xmlns:r="http://schemas.openxmlformats.org/officeDocument/2006/relationships" r:blip="">
+                      <dgm:adjLst/>
+                    </dgm:shape>
+                    <dgm:presOf/>
+                    <dgm:layoutNode name="horzSpace3">
+                      <dgm:alg type="sp"/>
+                      <dgm:shape xmlns:r="http://schemas.openxmlformats.org/officeDocument/2006/relationships" r:blip="">
+                        <dgm:adjLst/>
+                      </dgm:shape>
+                      <dgm:presOf/>
+                    </dgm:layoutNode>
+                    <dgm:layoutNode name="tx3" styleLbl="revTx">
+                      <dgm:alg type="tx">
+                        <dgm:param type="parTxLTRAlign" val="l"/>
+                        <dgm:param type="parTxRTLAlign" val="r"/>
+                        <dgm:param type="txAnchorVert" val="t"/>
+                      </dgm:alg>
+                      <dgm:shape xmlns:r="http://schemas.openxmlformats.org/officeDocument/2006/relationships" type="rect" r:blip="">
+                        <dgm:adjLst/>
+                      </dgm:shape>
+                      <dgm:presOf axis="self"/>
+                      <dgm:constrLst>
+                        <dgm:constr type="tMarg" refType="primFontSz" fact="0.3"/>
+                        <dgm:constr type="bMarg" refType="primFontSz" fact="0.3"/>
+                        <dgm:constr type="lMarg" refType="primFontSz" fact="0.3"/>
+                        <dgm:constr type="rMarg" refType="primFontSz" fact="0.3"/>
+                      </dgm:constrLst>
+                      <dgm:ruleLst>
+                        <dgm:rule type="primFontSz" val="5" fact="NaN" max="NaN"/>
+                      </dgm:ruleLst>
+                    </dgm:layoutNode>
+                    <dgm:layoutNode name="vert3">
+                      <dgm:choose name="Name30">
+                        <dgm:if name="Name31" func="var" arg="dir" op="equ" val="norm">
+                          <dgm:alg type="lin">
+                            <dgm:param type="linDir" val="fromT"/>
+                            <dgm:param type="nodeHorzAlign" val="l"/>
+                          </dgm:alg>
+                        </dgm:if>
+                        <dgm:else name="Name32">
+                          <dgm:alg type="lin">
+                            <dgm:param type="linDir" val="fromT"/>
+                            <dgm:param type="nodeHorzAlign" val="r"/>
+                          </dgm:alg>
+                        </dgm:else>
+                      </dgm:choose>
+                      <dgm:shape xmlns:r="http://schemas.openxmlformats.org/officeDocument/2006/relationships" r:blip="">
+                        <dgm:adjLst/>
+                      </dgm:shape>
+                      <dgm:presOf/>
+                      <dgm:forEach name="Name33" axis="ch" ptType="node">
+                        <dgm:layoutNode name="horz4">
+                          <dgm:choose name="Name34">
+                            <dgm:if name="Name35" func="var" arg="dir" op="equ" val="norm">
+                              <dgm:alg type="lin">
+                                <dgm:param type="linDir" val="fromL"/>
+                                <dgm:param type="nodeVertAlign" val="t"/>
+                              </dgm:alg>
+                            </dgm:if>
+                            <dgm:else name="Name36">
+                              <dgm:alg type="lin">
+                                <dgm:param type="linDir" val="fromR"/>
+                                <dgm:param type="nodeVertAlign" val="t"/>
+                              </dgm:alg>
+                            </dgm:else>
+                          </dgm:choose>
+                          <dgm:shape xmlns:r="http://schemas.openxmlformats.org/officeDocument/2006/relationships" r:blip="">
+                            <dgm:adjLst/>
+                          </dgm:shape>
+                          <dgm:presOf/>
+                          <dgm:layoutNode name="horzSpace4">
+                            <dgm:alg type="sp"/>
+                            <dgm:shape xmlns:r="http://schemas.openxmlformats.org/officeDocument/2006/relationships" r:blip="">
+                              <dgm:adjLst/>
+                            </dgm:shape>
+                            <dgm:presOf/>
+                          </dgm:layoutNode>
+                          <dgm:layoutNode name="tx4" styleLbl="revTx">
+                            <dgm:varLst>
+                              <dgm:bulletEnabled val="1"/>
+                            </dgm:varLst>
+                            <dgm:alg type="tx">
+                              <dgm:param type="parTxLTRAlign" val="l"/>
+                              <dgm:param type="parTxRTLAlign" val="r"/>
+                              <dgm:param type="txAnchorVert" val="t"/>
+                            </dgm:alg>
+                            <dgm:shape xmlns:r="http://schemas.openxmlformats.org/officeDocument/2006/relationships" type="rect" r:blip="">
+                              <dgm:adjLst/>
+                            </dgm:shape>
+                            <dgm:presOf axis="desOrSelf" ptType="node"/>
+                            <dgm:constrLst>
+                              <dgm:constr type="tMarg" refType="primFontSz" fact="0.3"/>
+                              <dgm:constr type="bMarg" refType="primFontSz" fact="0.3"/>
+                              <dgm:constr type="lMarg" refType="primFontSz" fact="0.3"/>
+                              <dgm:constr type="rMarg" refType="primFontSz" fact="0.3"/>
+                            </dgm:constrLst>
+                            <dgm:ruleLst>
+                              <dgm:rule type="primFontSz" val="5" fact="NaN" max="NaN"/>
+                            </dgm:ruleLst>
+                          </dgm:layoutNode>
+                        </dgm:layoutNode>
+                      </dgm:forEach>
+                    </dgm:layoutNode>
+                  </dgm:layoutNode>
+                  <dgm:forEach name="Name37" axis="followSib" ptType="sibTrans" cnt="1">
+                    <dgm:layoutNode name="thinLine3" styleLbl="callout">
+                      <dgm:alg type="sp"/>
+                      <dgm:shape xmlns:r="http://schemas.openxmlformats.org/officeDocument/2006/relationships" type="line" r:blip="">
+                        <dgm:adjLst/>
+                      </dgm:shape>
+                      <dgm:presOf/>
+                    </dgm:layoutNode>
+                  </dgm:forEach>
+                </dgm:forEach>
+              </dgm:layoutNode>
+            </dgm:layoutNode>
+            <dgm:layoutNode name="thinLine2b" styleLbl="callout">
+              <dgm:alg type="sp"/>
+              <dgm:shape xmlns:r="http://schemas.openxmlformats.org/officeDocument/2006/relationships" type="line" r:blip="">
+                <dgm:adjLst/>
+              </dgm:shape>
+              <dgm:presOf/>
+            </dgm:layoutNode>
+            <dgm:layoutNode name="vertSpace2b">
+              <dgm:alg type="sp"/>
+              <dgm:shape xmlns:r="http://schemas.openxmlformats.org/officeDocument/2006/relationships" r:blip="">
+                <dgm:adjLst/>
+              </dgm:shape>
+              <dgm:presOf/>
+            </dgm:layoutNode>
+          </dgm:forEach>
+        </dgm:layoutNode>
+      </dgm:layoutNode>
+    </dgm:forEach>
+  </dgm:layoutNode>
+</dgm:layoutDef>
+</file>
+
+<file path=ppt/diagrams/layout4.xml><?xml version="1.0" encoding="utf-8"?>
 <dgm:layoutDef xmlns:dgm="http://schemas.openxmlformats.org/drawingml/2006/diagram" xmlns:a="http://schemas.openxmlformats.org/drawingml/2006/main" uniqueId="urn:microsoft.com/office/officeart/2005/8/layout/vProcess5">
   <dgm:title val=""/>
   <dgm:desc val=""/>
@@ -7525,7 +13582,7 @@
 </dgm:layoutDef>
 </file>
 
-<file path=ppt/diagrams/layout3.xml><?xml version="1.0" encoding="utf-8"?>
+<file path=ppt/diagrams/layout5.xml><?xml version="1.0" encoding="utf-8"?>
 <dgm:layoutDef xmlns:dgm="http://schemas.openxmlformats.org/drawingml/2006/diagram" xmlns:a="http://schemas.openxmlformats.org/drawingml/2006/main" uniqueId="urn:microsoft.com/office/officeart/2005/8/layout/vProcess5">
   <dgm:title val=""/>
   <dgm:desc val=""/>
@@ -11853,6 +17910,2074 @@
 </dgm:styleDef>
 </file>
 
+<file path=ppt/diagrams/quickStyle4.xml><?xml version="1.0" encoding="utf-8"?>
+<dgm:styleDef xmlns:dgm="http://schemas.openxmlformats.org/drawingml/2006/diagram" xmlns:a="http://schemas.openxmlformats.org/drawingml/2006/main" uniqueId="urn:microsoft.com/office/officeart/2005/8/quickstyle/simple1">
+  <dgm:title val=""/>
+  <dgm:desc val=""/>
+  <dgm:catLst>
+    <dgm:cat type="simple" pri="10100"/>
+  </dgm:catLst>
+  <dgm:scene3d>
+    <a:camera prst="orthographicFront"/>
+    <a:lightRig rig="threePt" dir="t"/>
+  </dgm:scene3d>
+  <dgm:styleLbl name="node0">
+    <dgm:scene3d>
+      <a:camera prst="orthographicFront"/>
+      <a:lightRig rig="threePt" dir="t"/>
+    </dgm:scene3d>
+    <dgm:sp3d/>
+    <dgm:txPr/>
+    <dgm:style>
+      <a:lnRef idx="2">
+        <a:scrgbClr r="0" g="0" b="0"/>
+      </a:lnRef>
+      <a:fillRef idx="1">
+        <a:scrgbClr r="0" g="0" b="0"/>
+      </a:fillRef>
+      <a:effectRef idx="0">
+        <a:scrgbClr r="0" g="0" b="0"/>
+      </a:effectRef>
+      <a:fontRef idx="minor">
+        <a:schemeClr val="lt1"/>
+      </a:fontRef>
+    </dgm:style>
+  </dgm:styleLbl>
+  <dgm:styleLbl name="lnNode1">
+    <dgm:scene3d>
+      <a:camera prst="orthographicFront"/>
+      <a:lightRig rig="threePt" dir="t"/>
+    </dgm:scene3d>
+    <dgm:sp3d/>
+    <dgm:txPr/>
+    <dgm:style>
+      <a:lnRef idx="2">
+        <a:scrgbClr r="0" g="0" b="0"/>
+      </a:lnRef>
+      <a:fillRef idx="1">
+        <a:scrgbClr r="0" g="0" b="0"/>
+      </a:fillRef>
+      <a:effectRef idx="0">
+        <a:scrgbClr r="0" g="0" b="0"/>
+      </a:effectRef>
+      <a:fontRef idx="minor">
+        <a:schemeClr val="lt1"/>
+      </a:fontRef>
+    </dgm:style>
+  </dgm:styleLbl>
+  <dgm:styleLbl name="vennNode1">
+    <dgm:scene3d>
+      <a:camera prst="orthographicFront"/>
+      <a:lightRig rig="threePt" dir="t"/>
+    </dgm:scene3d>
+    <dgm:sp3d/>
+    <dgm:txPr/>
+    <dgm:style>
+      <a:lnRef idx="2">
+        <a:scrgbClr r="0" g="0" b="0"/>
+      </a:lnRef>
+      <a:fillRef idx="1">
+        <a:scrgbClr r="0" g="0" b="0"/>
+      </a:fillRef>
+      <a:effectRef idx="0">
+        <a:scrgbClr r="0" g="0" b="0"/>
+      </a:effectRef>
+      <a:fontRef idx="minor">
+        <a:schemeClr val="tx1"/>
+      </a:fontRef>
+    </dgm:style>
+  </dgm:styleLbl>
+  <dgm:styleLbl name="alignNode1">
+    <dgm:scene3d>
+      <a:camera prst="orthographicFront"/>
+      <a:lightRig rig="threePt" dir="t"/>
+    </dgm:scene3d>
+    <dgm:sp3d/>
+    <dgm:txPr/>
+    <dgm:style>
+      <a:lnRef idx="2">
+        <a:scrgbClr r="0" g="0" b="0"/>
+      </a:lnRef>
+      <a:fillRef idx="1">
+        <a:scrgbClr r="0" g="0" b="0"/>
+      </a:fillRef>
+      <a:effectRef idx="0">
+        <a:scrgbClr r="0" g="0" b="0"/>
+      </a:effectRef>
+      <a:fontRef idx="minor">
+        <a:schemeClr val="lt1"/>
+      </a:fontRef>
+    </dgm:style>
+  </dgm:styleLbl>
+  <dgm:styleLbl name="node1">
+    <dgm:scene3d>
+      <a:camera prst="orthographicFront"/>
+      <a:lightRig rig="threePt" dir="t"/>
+    </dgm:scene3d>
+    <dgm:sp3d/>
+    <dgm:txPr/>
+    <dgm:style>
+      <a:lnRef idx="2">
+        <a:scrgbClr r="0" g="0" b="0"/>
+      </a:lnRef>
+      <a:fillRef idx="1">
+        <a:scrgbClr r="0" g="0" b="0"/>
+      </a:fillRef>
+      <a:effectRef idx="0">
+        <a:scrgbClr r="0" g="0" b="0"/>
+      </a:effectRef>
+      <a:fontRef idx="minor">
+        <a:schemeClr val="lt1"/>
+      </a:fontRef>
+    </dgm:style>
+  </dgm:styleLbl>
+  <dgm:styleLbl name="node2">
+    <dgm:scene3d>
+      <a:camera prst="orthographicFront"/>
+      <a:lightRig rig="threePt" dir="t"/>
+    </dgm:scene3d>
+    <dgm:sp3d/>
+    <dgm:txPr/>
+    <dgm:style>
+      <a:lnRef idx="2">
+        <a:scrgbClr r="0" g="0" b="0"/>
+      </a:lnRef>
+      <a:fillRef idx="1">
+        <a:scrgbClr r="0" g="0" b="0"/>
+      </a:fillRef>
+      <a:effectRef idx="0">
+        <a:scrgbClr r="0" g="0" b="0"/>
+      </a:effectRef>
+      <a:fontRef idx="minor">
+        <a:schemeClr val="lt1"/>
+      </a:fontRef>
+    </dgm:style>
+  </dgm:styleLbl>
+  <dgm:styleLbl name="node3">
+    <dgm:scene3d>
+      <a:camera prst="orthographicFront"/>
+      <a:lightRig rig="threePt" dir="t"/>
+    </dgm:scene3d>
+    <dgm:sp3d/>
+    <dgm:txPr/>
+    <dgm:style>
+      <a:lnRef idx="2">
+        <a:scrgbClr r="0" g="0" b="0"/>
+      </a:lnRef>
+      <a:fillRef idx="1">
+        <a:scrgbClr r="0" g="0" b="0"/>
+      </a:fillRef>
+      <a:effectRef idx="0">
+        <a:scrgbClr r="0" g="0" b="0"/>
+      </a:effectRef>
+      <a:fontRef idx="minor">
+        <a:schemeClr val="lt1"/>
+      </a:fontRef>
+    </dgm:style>
+  </dgm:styleLbl>
+  <dgm:styleLbl name="node4">
+    <dgm:scene3d>
+      <a:camera prst="orthographicFront"/>
+      <a:lightRig rig="threePt" dir="t"/>
+    </dgm:scene3d>
+    <dgm:sp3d/>
+    <dgm:txPr/>
+    <dgm:style>
+      <a:lnRef idx="2">
+        <a:scrgbClr r="0" g="0" b="0"/>
+      </a:lnRef>
+      <a:fillRef idx="1">
+        <a:scrgbClr r="0" g="0" b="0"/>
+      </a:fillRef>
+      <a:effectRef idx="0">
+        <a:scrgbClr r="0" g="0" b="0"/>
+      </a:effectRef>
+      <a:fontRef idx="minor">
+        <a:schemeClr val="lt1"/>
+      </a:fontRef>
+    </dgm:style>
+  </dgm:styleLbl>
+  <dgm:styleLbl name="fgImgPlace1">
+    <dgm:scene3d>
+      <a:camera prst="orthographicFront"/>
+      <a:lightRig rig="threePt" dir="t"/>
+    </dgm:scene3d>
+    <dgm:sp3d/>
+    <dgm:txPr/>
+    <dgm:style>
+      <a:lnRef idx="2">
+        <a:scrgbClr r="0" g="0" b="0"/>
+      </a:lnRef>
+      <a:fillRef idx="1">
+        <a:scrgbClr r="0" g="0" b="0"/>
+      </a:fillRef>
+      <a:effectRef idx="0">
+        <a:scrgbClr r="0" g="0" b="0"/>
+      </a:effectRef>
+      <a:fontRef idx="minor"/>
+    </dgm:style>
+  </dgm:styleLbl>
+  <dgm:styleLbl name="alignImgPlace1">
+    <dgm:scene3d>
+      <a:camera prst="orthographicFront"/>
+      <a:lightRig rig="threePt" dir="t"/>
+    </dgm:scene3d>
+    <dgm:sp3d/>
+    <dgm:txPr/>
+    <dgm:style>
+      <a:lnRef idx="2">
+        <a:scrgbClr r="0" g="0" b="0"/>
+      </a:lnRef>
+      <a:fillRef idx="1">
+        <a:scrgbClr r="0" g="0" b="0"/>
+      </a:fillRef>
+      <a:effectRef idx="0">
+        <a:scrgbClr r="0" g="0" b="0"/>
+      </a:effectRef>
+      <a:fontRef idx="minor"/>
+    </dgm:style>
+  </dgm:styleLbl>
+  <dgm:styleLbl name="bgImgPlace1">
+    <dgm:scene3d>
+      <a:camera prst="orthographicFront"/>
+      <a:lightRig rig="threePt" dir="t"/>
+    </dgm:scene3d>
+    <dgm:sp3d/>
+    <dgm:txPr/>
+    <dgm:style>
+      <a:lnRef idx="2">
+        <a:scrgbClr r="0" g="0" b="0"/>
+      </a:lnRef>
+      <a:fillRef idx="1">
+        <a:scrgbClr r="0" g="0" b="0"/>
+      </a:fillRef>
+      <a:effectRef idx="0">
+        <a:scrgbClr r="0" g="0" b="0"/>
+      </a:effectRef>
+      <a:fontRef idx="minor"/>
+    </dgm:style>
+  </dgm:styleLbl>
+  <dgm:styleLbl name="sibTrans2D1">
+    <dgm:scene3d>
+      <a:camera prst="orthographicFront"/>
+      <a:lightRig rig="threePt" dir="t"/>
+    </dgm:scene3d>
+    <dgm:sp3d/>
+    <dgm:txPr/>
+    <dgm:style>
+      <a:lnRef idx="0">
+        <a:scrgbClr r="0" g="0" b="0"/>
+      </a:lnRef>
+      <a:fillRef idx="1">
+        <a:scrgbClr r="0" g="0" b="0"/>
+      </a:fillRef>
+      <a:effectRef idx="0">
+        <a:scrgbClr r="0" g="0" b="0"/>
+      </a:effectRef>
+      <a:fontRef idx="minor">
+        <a:schemeClr val="lt1"/>
+      </a:fontRef>
+    </dgm:style>
+  </dgm:styleLbl>
+  <dgm:styleLbl name="fgSibTrans2D1">
+    <dgm:scene3d>
+      <a:camera prst="orthographicFront"/>
+      <a:lightRig rig="threePt" dir="t"/>
+    </dgm:scene3d>
+    <dgm:sp3d/>
+    <dgm:txPr/>
+    <dgm:style>
+      <a:lnRef idx="0">
+        <a:scrgbClr r="0" g="0" b="0"/>
+      </a:lnRef>
+      <a:fillRef idx="1">
+        <a:scrgbClr r="0" g="0" b="0"/>
+      </a:fillRef>
+      <a:effectRef idx="0">
+        <a:scrgbClr r="0" g="0" b="0"/>
+      </a:effectRef>
+      <a:fontRef idx="minor">
+        <a:schemeClr val="lt1"/>
+      </a:fontRef>
+    </dgm:style>
+  </dgm:styleLbl>
+  <dgm:styleLbl name="bgSibTrans2D1">
+    <dgm:scene3d>
+      <a:camera prst="orthographicFront"/>
+      <a:lightRig rig="threePt" dir="t"/>
+    </dgm:scene3d>
+    <dgm:sp3d/>
+    <dgm:txPr/>
+    <dgm:style>
+      <a:lnRef idx="0">
+        <a:scrgbClr r="0" g="0" b="0"/>
+      </a:lnRef>
+      <a:fillRef idx="1">
+        <a:scrgbClr r="0" g="0" b="0"/>
+      </a:fillRef>
+      <a:effectRef idx="0">
+        <a:scrgbClr r="0" g="0" b="0"/>
+      </a:effectRef>
+      <a:fontRef idx="minor">
+        <a:schemeClr val="lt1"/>
+      </a:fontRef>
+    </dgm:style>
+  </dgm:styleLbl>
+  <dgm:styleLbl name="sibTrans1D1">
+    <dgm:scene3d>
+      <a:camera prst="orthographicFront"/>
+      <a:lightRig rig="threePt" dir="t"/>
+    </dgm:scene3d>
+    <dgm:sp3d/>
+    <dgm:txPr/>
+    <dgm:style>
+      <a:lnRef idx="1">
+        <a:scrgbClr r="0" g="0" b="0"/>
+      </a:lnRef>
+      <a:fillRef idx="0">
+        <a:scrgbClr r="0" g="0" b="0"/>
+      </a:fillRef>
+      <a:effectRef idx="0">
+        <a:scrgbClr r="0" g="0" b="0"/>
+      </a:effectRef>
+      <a:fontRef idx="minor"/>
+    </dgm:style>
+  </dgm:styleLbl>
+  <dgm:styleLbl name="callout">
+    <dgm:scene3d>
+      <a:camera prst="orthographicFront"/>
+      <a:lightRig rig="threePt" dir="t"/>
+    </dgm:scene3d>
+    <dgm:sp3d/>
+    <dgm:txPr/>
+    <dgm:style>
+      <a:lnRef idx="2">
+        <a:scrgbClr r="0" g="0" b="0"/>
+      </a:lnRef>
+      <a:fillRef idx="1">
+        <a:scrgbClr r="0" g="0" b="0"/>
+      </a:fillRef>
+      <a:effectRef idx="0">
+        <a:scrgbClr r="0" g="0" b="0"/>
+      </a:effectRef>
+      <a:fontRef idx="minor"/>
+    </dgm:style>
+  </dgm:styleLbl>
+  <dgm:styleLbl name="asst0">
+    <dgm:scene3d>
+      <a:camera prst="orthographicFront"/>
+      <a:lightRig rig="threePt" dir="t"/>
+    </dgm:scene3d>
+    <dgm:sp3d/>
+    <dgm:txPr/>
+    <dgm:style>
+      <a:lnRef idx="2">
+        <a:scrgbClr r="0" g="0" b="0"/>
+      </a:lnRef>
+      <a:fillRef idx="1">
+        <a:scrgbClr r="0" g="0" b="0"/>
+      </a:fillRef>
+      <a:effectRef idx="0">
+        <a:scrgbClr r="0" g="0" b="0"/>
+      </a:effectRef>
+      <a:fontRef idx="minor">
+        <a:schemeClr val="lt1"/>
+      </a:fontRef>
+    </dgm:style>
+  </dgm:styleLbl>
+  <dgm:styleLbl name="asst1">
+    <dgm:scene3d>
+      <a:camera prst="orthographicFront"/>
+      <a:lightRig rig="threePt" dir="t"/>
+    </dgm:scene3d>
+    <dgm:sp3d/>
+    <dgm:txPr/>
+    <dgm:style>
+      <a:lnRef idx="2">
+        <a:scrgbClr r="0" g="0" b="0"/>
+      </a:lnRef>
+      <a:fillRef idx="1">
+        <a:scrgbClr r="0" g="0" b="0"/>
+      </a:fillRef>
+      <a:effectRef idx="0">
+        <a:scrgbClr r="0" g="0" b="0"/>
+      </a:effectRef>
+      <a:fontRef idx="minor">
+        <a:schemeClr val="lt1"/>
+      </a:fontRef>
+    </dgm:style>
+  </dgm:styleLbl>
+  <dgm:styleLbl name="asst2">
+    <dgm:scene3d>
+      <a:camera prst="orthographicFront"/>
+      <a:lightRig rig="threePt" dir="t"/>
+    </dgm:scene3d>
+    <dgm:sp3d/>
+    <dgm:txPr/>
+    <dgm:style>
+      <a:lnRef idx="2">
+        <a:scrgbClr r="0" g="0" b="0"/>
+      </a:lnRef>
+      <a:fillRef idx="1">
+        <a:scrgbClr r="0" g="0" b="0"/>
+      </a:fillRef>
+      <a:effectRef idx="0">
+        <a:scrgbClr r="0" g="0" b="0"/>
+      </a:effectRef>
+      <a:fontRef idx="minor">
+        <a:schemeClr val="lt1"/>
+      </a:fontRef>
+    </dgm:style>
+  </dgm:styleLbl>
+  <dgm:styleLbl name="asst3">
+    <dgm:scene3d>
+      <a:camera prst="orthographicFront"/>
+      <a:lightRig rig="threePt" dir="t"/>
+    </dgm:scene3d>
+    <dgm:sp3d/>
+    <dgm:txPr/>
+    <dgm:style>
+      <a:lnRef idx="2">
+        <a:scrgbClr r="0" g="0" b="0"/>
+      </a:lnRef>
+      <a:fillRef idx="1">
+        <a:scrgbClr r="0" g="0" b="0"/>
+      </a:fillRef>
+      <a:effectRef idx="0">
+        <a:scrgbClr r="0" g="0" b="0"/>
+      </a:effectRef>
+      <a:fontRef idx="minor">
+        <a:schemeClr val="lt1"/>
+      </a:fontRef>
+    </dgm:style>
+  </dgm:styleLbl>
+  <dgm:styleLbl name="asst4">
+    <dgm:scene3d>
+      <a:camera prst="orthographicFront"/>
+      <a:lightRig rig="threePt" dir="t"/>
+    </dgm:scene3d>
+    <dgm:sp3d/>
+    <dgm:txPr/>
+    <dgm:style>
+      <a:lnRef idx="2">
+        <a:scrgbClr r="0" g="0" b="0"/>
+      </a:lnRef>
+      <a:fillRef idx="1">
+        <a:scrgbClr r="0" g="0" b="0"/>
+      </a:fillRef>
+      <a:effectRef idx="0">
+        <a:scrgbClr r="0" g="0" b="0"/>
+      </a:effectRef>
+      <a:fontRef idx="minor">
+        <a:schemeClr val="lt1"/>
+      </a:fontRef>
+    </dgm:style>
+  </dgm:styleLbl>
+  <dgm:styleLbl name="parChTrans2D1">
+    <dgm:scene3d>
+      <a:camera prst="orthographicFront"/>
+      <a:lightRig rig="threePt" dir="t"/>
+    </dgm:scene3d>
+    <dgm:sp3d/>
+    <dgm:txPr/>
+    <dgm:style>
+      <a:lnRef idx="2">
+        <a:scrgbClr r="0" g="0" b="0"/>
+      </a:lnRef>
+      <a:fillRef idx="1">
+        <a:scrgbClr r="0" g="0" b="0"/>
+      </a:fillRef>
+      <a:effectRef idx="0">
+        <a:scrgbClr r="0" g="0" b="0"/>
+      </a:effectRef>
+      <a:fontRef idx="minor">
+        <a:schemeClr val="lt1"/>
+      </a:fontRef>
+    </dgm:style>
+  </dgm:styleLbl>
+  <dgm:styleLbl name="parChTrans2D2">
+    <dgm:scene3d>
+      <a:camera prst="orthographicFront"/>
+      <a:lightRig rig="threePt" dir="t"/>
+    </dgm:scene3d>
+    <dgm:sp3d/>
+    <dgm:txPr/>
+    <dgm:style>
+      <a:lnRef idx="2">
+        <a:scrgbClr r="0" g="0" b="0"/>
+      </a:lnRef>
+      <a:fillRef idx="1">
+        <a:scrgbClr r="0" g="0" b="0"/>
+      </a:fillRef>
+      <a:effectRef idx="0">
+        <a:scrgbClr r="0" g="0" b="0"/>
+      </a:effectRef>
+      <a:fontRef idx="minor">
+        <a:schemeClr val="lt1"/>
+      </a:fontRef>
+    </dgm:style>
+  </dgm:styleLbl>
+  <dgm:styleLbl name="parChTrans2D3">
+    <dgm:scene3d>
+      <a:camera prst="orthographicFront"/>
+      <a:lightRig rig="threePt" dir="t"/>
+    </dgm:scene3d>
+    <dgm:sp3d/>
+    <dgm:txPr/>
+    <dgm:style>
+      <a:lnRef idx="2">
+        <a:scrgbClr r="0" g="0" b="0"/>
+      </a:lnRef>
+      <a:fillRef idx="1">
+        <a:scrgbClr r="0" g="0" b="0"/>
+      </a:fillRef>
+      <a:effectRef idx="0">
+        <a:scrgbClr r="0" g="0" b="0"/>
+      </a:effectRef>
+      <a:fontRef idx="minor">
+        <a:schemeClr val="lt1"/>
+      </a:fontRef>
+    </dgm:style>
+  </dgm:styleLbl>
+  <dgm:styleLbl name="parChTrans2D4">
+    <dgm:scene3d>
+      <a:camera prst="orthographicFront"/>
+      <a:lightRig rig="threePt" dir="t"/>
+    </dgm:scene3d>
+    <dgm:sp3d/>
+    <dgm:txPr/>
+    <dgm:style>
+      <a:lnRef idx="2">
+        <a:scrgbClr r="0" g="0" b="0"/>
+      </a:lnRef>
+      <a:fillRef idx="1">
+        <a:scrgbClr r="0" g="0" b="0"/>
+      </a:fillRef>
+      <a:effectRef idx="0">
+        <a:scrgbClr r="0" g="0" b="0"/>
+      </a:effectRef>
+      <a:fontRef idx="minor">
+        <a:schemeClr val="lt1"/>
+      </a:fontRef>
+    </dgm:style>
+  </dgm:styleLbl>
+  <dgm:styleLbl name="parChTrans1D1">
+    <dgm:scene3d>
+      <a:camera prst="orthographicFront"/>
+      <a:lightRig rig="threePt" dir="t"/>
+    </dgm:scene3d>
+    <dgm:sp3d/>
+    <dgm:txPr/>
+    <dgm:style>
+      <a:lnRef idx="2">
+        <a:scrgbClr r="0" g="0" b="0"/>
+      </a:lnRef>
+      <a:fillRef idx="0">
+        <a:scrgbClr r="0" g="0" b="0"/>
+      </a:fillRef>
+      <a:effectRef idx="0">
+        <a:scrgbClr r="0" g="0" b="0"/>
+      </a:effectRef>
+      <a:fontRef idx="minor"/>
+    </dgm:style>
+  </dgm:styleLbl>
+  <dgm:styleLbl name="parChTrans1D2">
+    <dgm:scene3d>
+      <a:camera prst="orthographicFront"/>
+      <a:lightRig rig="threePt" dir="t"/>
+    </dgm:scene3d>
+    <dgm:sp3d/>
+    <dgm:txPr/>
+    <dgm:style>
+      <a:lnRef idx="2">
+        <a:scrgbClr r="0" g="0" b="0"/>
+      </a:lnRef>
+      <a:fillRef idx="0">
+        <a:scrgbClr r="0" g="0" b="0"/>
+      </a:fillRef>
+      <a:effectRef idx="0">
+        <a:scrgbClr r="0" g="0" b="0"/>
+      </a:effectRef>
+      <a:fontRef idx="minor"/>
+    </dgm:style>
+  </dgm:styleLbl>
+  <dgm:styleLbl name="parChTrans1D3">
+    <dgm:scene3d>
+      <a:camera prst="orthographicFront"/>
+      <a:lightRig rig="threePt" dir="t"/>
+    </dgm:scene3d>
+    <dgm:sp3d/>
+    <dgm:txPr/>
+    <dgm:style>
+      <a:lnRef idx="2">
+        <a:scrgbClr r="0" g="0" b="0"/>
+      </a:lnRef>
+      <a:fillRef idx="0">
+        <a:scrgbClr r="0" g="0" b="0"/>
+      </a:fillRef>
+      <a:effectRef idx="0">
+        <a:scrgbClr r="0" g="0" b="0"/>
+      </a:effectRef>
+      <a:fontRef idx="minor"/>
+    </dgm:style>
+  </dgm:styleLbl>
+  <dgm:styleLbl name="parChTrans1D4">
+    <dgm:scene3d>
+      <a:camera prst="orthographicFront"/>
+      <a:lightRig rig="threePt" dir="t"/>
+    </dgm:scene3d>
+    <dgm:sp3d/>
+    <dgm:txPr/>
+    <dgm:style>
+      <a:lnRef idx="2">
+        <a:scrgbClr r="0" g="0" b="0"/>
+      </a:lnRef>
+      <a:fillRef idx="0">
+        <a:scrgbClr r="0" g="0" b="0"/>
+      </a:fillRef>
+      <a:effectRef idx="0">
+        <a:scrgbClr r="0" g="0" b="0"/>
+      </a:effectRef>
+      <a:fontRef idx="minor"/>
+    </dgm:style>
+  </dgm:styleLbl>
+  <dgm:styleLbl name="fgAcc1">
+    <dgm:scene3d>
+      <a:camera prst="orthographicFront"/>
+      <a:lightRig rig="threePt" dir="t"/>
+    </dgm:scene3d>
+    <dgm:sp3d/>
+    <dgm:txPr/>
+    <dgm:style>
+      <a:lnRef idx="2">
+        <a:scrgbClr r="0" g="0" b="0"/>
+      </a:lnRef>
+      <a:fillRef idx="1">
+        <a:scrgbClr r="0" g="0" b="0"/>
+      </a:fillRef>
+      <a:effectRef idx="0">
+        <a:scrgbClr r="0" g="0" b="0"/>
+      </a:effectRef>
+      <a:fontRef idx="minor"/>
+    </dgm:style>
+  </dgm:styleLbl>
+  <dgm:styleLbl name="conFgAcc1">
+    <dgm:scene3d>
+      <a:camera prst="orthographicFront"/>
+      <a:lightRig rig="threePt" dir="t"/>
+    </dgm:scene3d>
+    <dgm:sp3d/>
+    <dgm:txPr/>
+    <dgm:style>
+      <a:lnRef idx="2">
+        <a:scrgbClr r="0" g="0" b="0"/>
+      </a:lnRef>
+      <a:fillRef idx="1">
+        <a:scrgbClr r="0" g="0" b="0"/>
+      </a:fillRef>
+      <a:effectRef idx="0">
+        <a:scrgbClr r="0" g="0" b="0"/>
+      </a:effectRef>
+      <a:fontRef idx="minor"/>
+    </dgm:style>
+  </dgm:styleLbl>
+  <dgm:styleLbl name="alignAcc1">
+    <dgm:scene3d>
+      <a:camera prst="orthographicFront"/>
+      <a:lightRig rig="threePt" dir="t"/>
+    </dgm:scene3d>
+    <dgm:sp3d/>
+    <dgm:txPr/>
+    <dgm:style>
+      <a:lnRef idx="2">
+        <a:scrgbClr r="0" g="0" b="0"/>
+      </a:lnRef>
+      <a:fillRef idx="1">
+        <a:scrgbClr r="0" g="0" b="0"/>
+      </a:fillRef>
+      <a:effectRef idx="0">
+        <a:scrgbClr r="0" g="0" b="0"/>
+      </a:effectRef>
+      <a:fontRef idx="minor"/>
+    </dgm:style>
+  </dgm:styleLbl>
+  <dgm:styleLbl name="trAlignAcc1">
+    <dgm:scene3d>
+      <a:camera prst="orthographicFront"/>
+      <a:lightRig rig="threePt" dir="t"/>
+    </dgm:scene3d>
+    <dgm:sp3d/>
+    <dgm:txPr/>
+    <dgm:style>
+      <a:lnRef idx="1">
+        <a:scrgbClr r="0" g="0" b="0"/>
+      </a:lnRef>
+      <a:fillRef idx="1">
+        <a:scrgbClr r="0" g="0" b="0"/>
+      </a:fillRef>
+      <a:effectRef idx="0">
+        <a:scrgbClr r="0" g="0" b="0"/>
+      </a:effectRef>
+      <a:fontRef idx="minor"/>
+    </dgm:style>
+  </dgm:styleLbl>
+  <dgm:styleLbl name="bgAcc1">
+    <dgm:scene3d>
+      <a:camera prst="orthographicFront"/>
+      <a:lightRig rig="threePt" dir="t"/>
+    </dgm:scene3d>
+    <dgm:sp3d/>
+    <dgm:txPr/>
+    <dgm:style>
+      <a:lnRef idx="2">
+        <a:scrgbClr r="0" g="0" b="0"/>
+      </a:lnRef>
+      <a:fillRef idx="1">
+        <a:scrgbClr r="0" g="0" b="0"/>
+      </a:fillRef>
+      <a:effectRef idx="0">
+        <a:scrgbClr r="0" g="0" b="0"/>
+      </a:effectRef>
+      <a:fontRef idx="minor"/>
+    </dgm:style>
+  </dgm:styleLbl>
+  <dgm:styleLbl name="solidFgAcc1">
+    <dgm:scene3d>
+      <a:camera prst="orthographicFront"/>
+      <a:lightRig rig="threePt" dir="t"/>
+    </dgm:scene3d>
+    <dgm:sp3d/>
+    <dgm:txPr/>
+    <dgm:style>
+      <a:lnRef idx="2">
+        <a:scrgbClr r="0" g="0" b="0"/>
+      </a:lnRef>
+      <a:fillRef idx="1">
+        <a:scrgbClr r="0" g="0" b="0"/>
+      </a:fillRef>
+      <a:effectRef idx="0">
+        <a:scrgbClr r="0" g="0" b="0"/>
+      </a:effectRef>
+      <a:fontRef idx="minor"/>
+    </dgm:style>
+  </dgm:styleLbl>
+  <dgm:styleLbl name="solidAlignAcc1">
+    <dgm:scene3d>
+      <a:camera prst="orthographicFront"/>
+      <a:lightRig rig="threePt" dir="t"/>
+    </dgm:scene3d>
+    <dgm:sp3d/>
+    <dgm:txPr/>
+    <dgm:style>
+      <a:lnRef idx="2">
+        <a:scrgbClr r="0" g="0" b="0"/>
+      </a:lnRef>
+      <a:fillRef idx="1">
+        <a:scrgbClr r="0" g="0" b="0"/>
+      </a:fillRef>
+      <a:effectRef idx="0">
+        <a:scrgbClr r="0" g="0" b="0"/>
+      </a:effectRef>
+      <a:fontRef idx="minor"/>
+    </dgm:style>
+  </dgm:styleLbl>
+  <dgm:styleLbl name="solidBgAcc1">
+    <dgm:scene3d>
+      <a:camera prst="orthographicFront"/>
+      <a:lightRig rig="threePt" dir="t"/>
+    </dgm:scene3d>
+    <dgm:sp3d/>
+    <dgm:txPr/>
+    <dgm:style>
+      <a:lnRef idx="2">
+        <a:scrgbClr r="0" g="0" b="0"/>
+      </a:lnRef>
+      <a:fillRef idx="1">
+        <a:scrgbClr r="0" g="0" b="0"/>
+      </a:fillRef>
+      <a:effectRef idx="0">
+        <a:scrgbClr r="0" g="0" b="0"/>
+      </a:effectRef>
+      <a:fontRef idx="minor"/>
+    </dgm:style>
+  </dgm:styleLbl>
+  <dgm:styleLbl name="fgAccFollowNode1">
+    <dgm:scene3d>
+      <a:camera prst="orthographicFront"/>
+      <a:lightRig rig="threePt" dir="t"/>
+    </dgm:scene3d>
+    <dgm:sp3d/>
+    <dgm:txPr/>
+    <dgm:style>
+      <a:lnRef idx="2">
+        <a:scrgbClr r="0" g="0" b="0"/>
+      </a:lnRef>
+      <a:fillRef idx="1">
+        <a:scrgbClr r="0" g="0" b="0"/>
+      </a:fillRef>
+      <a:effectRef idx="0">
+        <a:scrgbClr r="0" g="0" b="0"/>
+      </a:effectRef>
+      <a:fontRef idx="minor"/>
+    </dgm:style>
+  </dgm:styleLbl>
+  <dgm:styleLbl name="alignAccFollowNode1">
+    <dgm:scene3d>
+      <a:camera prst="orthographicFront"/>
+      <a:lightRig rig="threePt" dir="t"/>
+    </dgm:scene3d>
+    <dgm:sp3d/>
+    <dgm:txPr/>
+    <dgm:style>
+      <a:lnRef idx="2">
+        <a:scrgbClr r="0" g="0" b="0"/>
+      </a:lnRef>
+      <a:fillRef idx="1">
+        <a:scrgbClr r="0" g="0" b="0"/>
+      </a:fillRef>
+      <a:effectRef idx="0">
+        <a:scrgbClr r="0" g="0" b="0"/>
+      </a:effectRef>
+      <a:fontRef idx="minor"/>
+    </dgm:style>
+  </dgm:styleLbl>
+  <dgm:styleLbl name="bgAccFollowNode1">
+    <dgm:scene3d>
+      <a:camera prst="orthographicFront"/>
+      <a:lightRig rig="threePt" dir="t"/>
+    </dgm:scene3d>
+    <dgm:sp3d/>
+    <dgm:txPr/>
+    <dgm:style>
+      <a:lnRef idx="2">
+        <a:scrgbClr r="0" g="0" b="0"/>
+      </a:lnRef>
+      <a:fillRef idx="1">
+        <a:scrgbClr r="0" g="0" b="0"/>
+      </a:fillRef>
+      <a:effectRef idx="0">
+        <a:scrgbClr r="0" g="0" b="0"/>
+      </a:effectRef>
+      <a:fontRef idx="minor"/>
+    </dgm:style>
+  </dgm:styleLbl>
+  <dgm:styleLbl name="fgAcc0">
+    <dgm:scene3d>
+      <a:camera prst="orthographicFront"/>
+      <a:lightRig rig="threePt" dir="t"/>
+    </dgm:scene3d>
+    <dgm:sp3d/>
+    <dgm:txPr/>
+    <dgm:style>
+      <a:lnRef idx="2">
+        <a:scrgbClr r="0" g="0" b="0"/>
+      </a:lnRef>
+      <a:fillRef idx="1">
+        <a:scrgbClr r="0" g="0" b="0"/>
+      </a:fillRef>
+      <a:effectRef idx="0">
+        <a:scrgbClr r="0" g="0" b="0"/>
+      </a:effectRef>
+      <a:fontRef idx="minor"/>
+    </dgm:style>
+  </dgm:styleLbl>
+  <dgm:styleLbl name="fgAcc2">
+    <dgm:scene3d>
+      <a:camera prst="orthographicFront"/>
+      <a:lightRig rig="threePt" dir="t"/>
+    </dgm:scene3d>
+    <dgm:sp3d/>
+    <dgm:txPr/>
+    <dgm:style>
+      <a:lnRef idx="2">
+        <a:scrgbClr r="0" g="0" b="0"/>
+      </a:lnRef>
+      <a:fillRef idx="1">
+        <a:scrgbClr r="0" g="0" b="0"/>
+      </a:fillRef>
+      <a:effectRef idx="0">
+        <a:scrgbClr r="0" g="0" b="0"/>
+      </a:effectRef>
+      <a:fontRef idx="minor"/>
+    </dgm:style>
+  </dgm:styleLbl>
+  <dgm:styleLbl name="fgAcc3">
+    <dgm:scene3d>
+      <a:camera prst="orthographicFront"/>
+      <a:lightRig rig="threePt" dir="t"/>
+    </dgm:scene3d>
+    <dgm:sp3d/>
+    <dgm:txPr/>
+    <dgm:style>
+      <a:lnRef idx="2">
+        <a:scrgbClr r="0" g="0" b="0"/>
+      </a:lnRef>
+      <a:fillRef idx="1">
+        <a:scrgbClr r="0" g="0" b="0"/>
+      </a:fillRef>
+      <a:effectRef idx="0">
+        <a:scrgbClr r="0" g="0" b="0"/>
+      </a:effectRef>
+      <a:fontRef idx="minor"/>
+    </dgm:style>
+  </dgm:styleLbl>
+  <dgm:styleLbl name="fgAcc4">
+    <dgm:scene3d>
+      <a:camera prst="orthographicFront"/>
+      <a:lightRig rig="threePt" dir="t"/>
+    </dgm:scene3d>
+    <dgm:sp3d/>
+    <dgm:txPr/>
+    <dgm:style>
+      <a:lnRef idx="2">
+        <a:scrgbClr r="0" g="0" b="0"/>
+      </a:lnRef>
+      <a:fillRef idx="1">
+        <a:scrgbClr r="0" g="0" b="0"/>
+      </a:fillRef>
+      <a:effectRef idx="0">
+        <a:scrgbClr r="0" g="0" b="0"/>
+      </a:effectRef>
+      <a:fontRef idx="minor"/>
+    </dgm:style>
+  </dgm:styleLbl>
+  <dgm:styleLbl name="bgShp">
+    <dgm:scene3d>
+      <a:camera prst="orthographicFront"/>
+      <a:lightRig rig="threePt" dir="t"/>
+    </dgm:scene3d>
+    <dgm:sp3d/>
+    <dgm:txPr/>
+    <dgm:style>
+      <a:lnRef idx="0">
+        <a:scrgbClr r="0" g="0" b="0"/>
+      </a:lnRef>
+      <a:fillRef idx="1">
+        <a:scrgbClr r="0" g="0" b="0"/>
+      </a:fillRef>
+      <a:effectRef idx="0">
+        <a:scrgbClr r="0" g="0" b="0"/>
+      </a:effectRef>
+      <a:fontRef idx="minor"/>
+    </dgm:style>
+  </dgm:styleLbl>
+  <dgm:styleLbl name="dkBgShp">
+    <dgm:scene3d>
+      <a:camera prst="orthographicFront"/>
+      <a:lightRig rig="threePt" dir="t"/>
+    </dgm:scene3d>
+    <dgm:sp3d/>
+    <dgm:txPr/>
+    <dgm:style>
+      <a:lnRef idx="0">
+        <a:scrgbClr r="0" g="0" b="0"/>
+      </a:lnRef>
+      <a:fillRef idx="1">
+        <a:scrgbClr r="0" g="0" b="0"/>
+      </a:fillRef>
+      <a:effectRef idx="0">
+        <a:scrgbClr r="0" g="0" b="0"/>
+      </a:effectRef>
+      <a:fontRef idx="minor"/>
+    </dgm:style>
+  </dgm:styleLbl>
+  <dgm:styleLbl name="trBgShp">
+    <dgm:scene3d>
+      <a:camera prst="orthographicFront"/>
+      <a:lightRig rig="threePt" dir="t"/>
+    </dgm:scene3d>
+    <dgm:sp3d/>
+    <dgm:txPr/>
+    <dgm:style>
+      <a:lnRef idx="0">
+        <a:scrgbClr r="0" g="0" b="0"/>
+      </a:lnRef>
+      <a:fillRef idx="1">
+        <a:scrgbClr r="0" g="0" b="0"/>
+      </a:fillRef>
+      <a:effectRef idx="0">
+        <a:scrgbClr r="0" g="0" b="0"/>
+      </a:effectRef>
+      <a:fontRef idx="minor"/>
+    </dgm:style>
+  </dgm:styleLbl>
+  <dgm:styleLbl name="fgShp">
+    <dgm:scene3d>
+      <a:camera prst="orthographicFront"/>
+      <a:lightRig rig="threePt" dir="t"/>
+    </dgm:scene3d>
+    <dgm:sp3d/>
+    <dgm:txPr/>
+    <dgm:style>
+      <a:lnRef idx="2">
+        <a:scrgbClr r="0" g="0" b="0"/>
+      </a:lnRef>
+      <a:fillRef idx="1">
+        <a:scrgbClr r="0" g="0" b="0"/>
+      </a:fillRef>
+      <a:effectRef idx="0">
+        <a:scrgbClr r="0" g="0" b="0"/>
+      </a:effectRef>
+      <a:fontRef idx="minor"/>
+    </dgm:style>
+  </dgm:styleLbl>
+  <dgm:styleLbl name="revTx">
+    <dgm:scene3d>
+      <a:camera prst="orthographicFront"/>
+      <a:lightRig rig="threePt" dir="t"/>
+    </dgm:scene3d>
+    <dgm:sp3d/>
+    <dgm:txPr/>
+    <dgm:style>
+      <a:lnRef idx="0">
+        <a:scrgbClr r="0" g="0" b="0"/>
+      </a:lnRef>
+      <a:fillRef idx="0">
+        <a:scrgbClr r="0" g="0" b="0"/>
+      </a:fillRef>
+      <a:effectRef idx="0">
+        <a:scrgbClr r="0" g="0" b="0"/>
+      </a:effectRef>
+      <a:fontRef idx="minor"/>
+    </dgm:style>
+  </dgm:styleLbl>
+</dgm:styleDef>
+</file>
+
+<file path=ppt/diagrams/quickStyle5.xml><?xml version="1.0" encoding="utf-8"?>
+<dgm:styleDef xmlns:dgm="http://schemas.openxmlformats.org/drawingml/2006/diagram" xmlns:a="http://schemas.openxmlformats.org/drawingml/2006/main" uniqueId="urn:microsoft.com/office/officeart/2005/8/quickstyle/simple1">
+  <dgm:title val=""/>
+  <dgm:desc val=""/>
+  <dgm:catLst>
+    <dgm:cat type="simple" pri="10100"/>
+  </dgm:catLst>
+  <dgm:scene3d>
+    <a:camera prst="orthographicFront"/>
+    <a:lightRig rig="threePt" dir="t"/>
+  </dgm:scene3d>
+  <dgm:styleLbl name="node0">
+    <dgm:scene3d>
+      <a:camera prst="orthographicFront"/>
+      <a:lightRig rig="threePt" dir="t"/>
+    </dgm:scene3d>
+    <dgm:sp3d/>
+    <dgm:txPr/>
+    <dgm:style>
+      <a:lnRef idx="2">
+        <a:scrgbClr r="0" g="0" b="0"/>
+      </a:lnRef>
+      <a:fillRef idx="1">
+        <a:scrgbClr r="0" g="0" b="0"/>
+      </a:fillRef>
+      <a:effectRef idx="0">
+        <a:scrgbClr r="0" g="0" b="0"/>
+      </a:effectRef>
+      <a:fontRef idx="minor">
+        <a:schemeClr val="lt1"/>
+      </a:fontRef>
+    </dgm:style>
+  </dgm:styleLbl>
+  <dgm:styleLbl name="lnNode1">
+    <dgm:scene3d>
+      <a:camera prst="orthographicFront"/>
+      <a:lightRig rig="threePt" dir="t"/>
+    </dgm:scene3d>
+    <dgm:sp3d/>
+    <dgm:txPr/>
+    <dgm:style>
+      <a:lnRef idx="2">
+        <a:scrgbClr r="0" g="0" b="0"/>
+      </a:lnRef>
+      <a:fillRef idx="1">
+        <a:scrgbClr r="0" g="0" b="0"/>
+      </a:fillRef>
+      <a:effectRef idx="0">
+        <a:scrgbClr r="0" g="0" b="0"/>
+      </a:effectRef>
+      <a:fontRef idx="minor">
+        <a:schemeClr val="lt1"/>
+      </a:fontRef>
+    </dgm:style>
+  </dgm:styleLbl>
+  <dgm:styleLbl name="vennNode1">
+    <dgm:scene3d>
+      <a:camera prst="orthographicFront"/>
+      <a:lightRig rig="threePt" dir="t"/>
+    </dgm:scene3d>
+    <dgm:sp3d/>
+    <dgm:txPr/>
+    <dgm:style>
+      <a:lnRef idx="2">
+        <a:scrgbClr r="0" g="0" b="0"/>
+      </a:lnRef>
+      <a:fillRef idx="1">
+        <a:scrgbClr r="0" g="0" b="0"/>
+      </a:fillRef>
+      <a:effectRef idx="0">
+        <a:scrgbClr r="0" g="0" b="0"/>
+      </a:effectRef>
+      <a:fontRef idx="minor">
+        <a:schemeClr val="tx1"/>
+      </a:fontRef>
+    </dgm:style>
+  </dgm:styleLbl>
+  <dgm:styleLbl name="alignNode1">
+    <dgm:scene3d>
+      <a:camera prst="orthographicFront"/>
+      <a:lightRig rig="threePt" dir="t"/>
+    </dgm:scene3d>
+    <dgm:sp3d/>
+    <dgm:txPr/>
+    <dgm:style>
+      <a:lnRef idx="2">
+        <a:scrgbClr r="0" g="0" b="0"/>
+      </a:lnRef>
+      <a:fillRef idx="1">
+        <a:scrgbClr r="0" g="0" b="0"/>
+      </a:fillRef>
+      <a:effectRef idx="0">
+        <a:scrgbClr r="0" g="0" b="0"/>
+      </a:effectRef>
+      <a:fontRef idx="minor">
+        <a:schemeClr val="lt1"/>
+      </a:fontRef>
+    </dgm:style>
+  </dgm:styleLbl>
+  <dgm:styleLbl name="node1">
+    <dgm:scene3d>
+      <a:camera prst="orthographicFront"/>
+      <a:lightRig rig="threePt" dir="t"/>
+    </dgm:scene3d>
+    <dgm:sp3d/>
+    <dgm:txPr/>
+    <dgm:style>
+      <a:lnRef idx="2">
+        <a:scrgbClr r="0" g="0" b="0"/>
+      </a:lnRef>
+      <a:fillRef idx="1">
+        <a:scrgbClr r="0" g="0" b="0"/>
+      </a:fillRef>
+      <a:effectRef idx="0">
+        <a:scrgbClr r="0" g="0" b="0"/>
+      </a:effectRef>
+      <a:fontRef idx="minor">
+        <a:schemeClr val="lt1"/>
+      </a:fontRef>
+    </dgm:style>
+  </dgm:styleLbl>
+  <dgm:styleLbl name="node2">
+    <dgm:scene3d>
+      <a:camera prst="orthographicFront"/>
+      <a:lightRig rig="threePt" dir="t"/>
+    </dgm:scene3d>
+    <dgm:sp3d/>
+    <dgm:txPr/>
+    <dgm:style>
+      <a:lnRef idx="2">
+        <a:scrgbClr r="0" g="0" b="0"/>
+      </a:lnRef>
+      <a:fillRef idx="1">
+        <a:scrgbClr r="0" g="0" b="0"/>
+      </a:fillRef>
+      <a:effectRef idx="0">
+        <a:scrgbClr r="0" g="0" b="0"/>
+      </a:effectRef>
+      <a:fontRef idx="minor">
+        <a:schemeClr val="lt1"/>
+      </a:fontRef>
+    </dgm:style>
+  </dgm:styleLbl>
+  <dgm:styleLbl name="node3">
+    <dgm:scene3d>
+      <a:camera prst="orthographicFront"/>
+      <a:lightRig rig="threePt" dir="t"/>
+    </dgm:scene3d>
+    <dgm:sp3d/>
+    <dgm:txPr/>
+    <dgm:style>
+      <a:lnRef idx="2">
+        <a:scrgbClr r="0" g="0" b="0"/>
+      </a:lnRef>
+      <a:fillRef idx="1">
+        <a:scrgbClr r="0" g="0" b="0"/>
+      </a:fillRef>
+      <a:effectRef idx="0">
+        <a:scrgbClr r="0" g="0" b="0"/>
+      </a:effectRef>
+      <a:fontRef idx="minor">
+        <a:schemeClr val="lt1"/>
+      </a:fontRef>
+    </dgm:style>
+  </dgm:styleLbl>
+  <dgm:styleLbl name="node4">
+    <dgm:scene3d>
+      <a:camera prst="orthographicFront"/>
+      <a:lightRig rig="threePt" dir="t"/>
+    </dgm:scene3d>
+    <dgm:sp3d/>
+    <dgm:txPr/>
+    <dgm:style>
+      <a:lnRef idx="2">
+        <a:scrgbClr r="0" g="0" b="0"/>
+      </a:lnRef>
+      <a:fillRef idx="1">
+        <a:scrgbClr r="0" g="0" b="0"/>
+      </a:fillRef>
+      <a:effectRef idx="0">
+        <a:scrgbClr r="0" g="0" b="0"/>
+      </a:effectRef>
+      <a:fontRef idx="minor">
+        <a:schemeClr val="lt1"/>
+      </a:fontRef>
+    </dgm:style>
+  </dgm:styleLbl>
+  <dgm:styleLbl name="fgImgPlace1">
+    <dgm:scene3d>
+      <a:camera prst="orthographicFront"/>
+      <a:lightRig rig="threePt" dir="t"/>
+    </dgm:scene3d>
+    <dgm:sp3d/>
+    <dgm:txPr/>
+    <dgm:style>
+      <a:lnRef idx="2">
+        <a:scrgbClr r="0" g="0" b="0"/>
+      </a:lnRef>
+      <a:fillRef idx="1">
+        <a:scrgbClr r="0" g="0" b="0"/>
+      </a:fillRef>
+      <a:effectRef idx="0">
+        <a:scrgbClr r="0" g="0" b="0"/>
+      </a:effectRef>
+      <a:fontRef idx="minor"/>
+    </dgm:style>
+  </dgm:styleLbl>
+  <dgm:styleLbl name="alignImgPlace1">
+    <dgm:scene3d>
+      <a:camera prst="orthographicFront"/>
+      <a:lightRig rig="threePt" dir="t"/>
+    </dgm:scene3d>
+    <dgm:sp3d/>
+    <dgm:txPr/>
+    <dgm:style>
+      <a:lnRef idx="2">
+        <a:scrgbClr r="0" g="0" b="0"/>
+      </a:lnRef>
+      <a:fillRef idx="1">
+        <a:scrgbClr r="0" g="0" b="0"/>
+      </a:fillRef>
+      <a:effectRef idx="0">
+        <a:scrgbClr r="0" g="0" b="0"/>
+      </a:effectRef>
+      <a:fontRef idx="minor"/>
+    </dgm:style>
+  </dgm:styleLbl>
+  <dgm:styleLbl name="bgImgPlace1">
+    <dgm:scene3d>
+      <a:camera prst="orthographicFront"/>
+      <a:lightRig rig="threePt" dir="t"/>
+    </dgm:scene3d>
+    <dgm:sp3d/>
+    <dgm:txPr/>
+    <dgm:style>
+      <a:lnRef idx="2">
+        <a:scrgbClr r="0" g="0" b="0"/>
+      </a:lnRef>
+      <a:fillRef idx="1">
+        <a:scrgbClr r="0" g="0" b="0"/>
+      </a:fillRef>
+      <a:effectRef idx="0">
+        <a:scrgbClr r="0" g="0" b="0"/>
+      </a:effectRef>
+      <a:fontRef idx="minor"/>
+    </dgm:style>
+  </dgm:styleLbl>
+  <dgm:styleLbl name="sibTrans2D1">
+    <dgm:scene3d>
+      <a:camera prst="orthographicFront"/>
+      <a:lightRig rig="threePt" dir="t"/>
+    </dgm:scene3d>
+    <dgm:sp3d/>
+    <dgm:txPr/>
+    <dgm:style>
+      <a:lnRef idx="0">
+        <a:scrgbClr r="0" g="0" b="0"/>
+      </a:lnRef>
+      <a:fillRef idx="1">
+        <a:scrgbClr r="0" g="0" b="0"/>
+      </a:fillRef>
+      <a:effectRef idx="0">
+        <a:scrgbClr r="0" g="0" b="0"/>
+      </a:effectRef>
+      <a:fontRef idx="minor">
+        <a:schemeClr val="lt1"/>
+      </a:fontRef>
+    </dgm:style>
+  </dgm:styleLbl>
+  <dgm:styleLbl name="fgSibTrans2D1">
+    <dgm:scene3d>
+      <a:camera prst="orthographicFront"/>
+      <a:lightRig rig="threePt" dir="t"/>
+    </dgm:scene3d>
+    <dgm:sp3d/>
+    <dgm:txPr/>
+    <dgm:style>
+      <a:lnRef idx="0">
+        <a:scrgbClr r="0" g="0" b="0"/>
+      </a:lnRef>
+      <a:fillRef idx="1">
+        <a:scrgbClr r="0" g="0" b="0"/>
+      </a:fillRef>
+      <a:effectRef idx="0">
+        <a:scrgbClr r="0" g="0" b="0"/>
+      </a:effectRef>
+      <a:fontRef idx="minor">
+        <a:schemeClr val="lt1"/>
+      </a:fontRef>
+    </dgm:style>
+  </dgm:styleLbl>
+  <dgm:styleLbl name="bgSibTrans2D1">
+    <dgm:scene3d>
+      <a:camera prst="orthographicFront"/>
+      <a:lightRig rig="threePt" dir="t"/>
+    </dgm:scene3d>
+    <dgm:sp3d/>
+    <dgm:txPr/>
+    <dgm:style>
+      <a:lnRef idx="0">
+        <a:scrgbClr r="0" g="0" b="0"/>
+      </a:lnRef>
+      <a:fillRef idx="1">
+        <a:scrgbClr r="0" g="0" b="0"/>
+      </a:fillRef>
+      <a:effectRef idx="0">
+        <a:scrgbClr r="0" g="0" b="0"/>
+      </a:effectRef>
+      <a:fontRef idx="minor">
+        <a:schemeClr val="lt1"/>
+      </a:fontRef>
+    </dgm:style>
+  </dgm:styleLbl>
+  <dgm:styleLbl name="sibTrans1D1">
+    <dgm:scene3d>
+      <a:camera prst="orthographicFront"/>
+      <a:lightRig rig="threePt" dir="t"/>
+    </dgm:scene3d>
+    <dgm:sp3d/>
+    <dgm:txPr/>
+    <dgm:style>
+      <a:lnRef idx="1">
+        <a:scrgbClr r="0" g="0" b="0"/>
+      </a:lnRef>
+      <a:fillRef idx="0">
+        <a:scrgbClr r="0" g="0" b="0"/>
+      </a:fillRef>
+      <a:effectRef idx="0">
+        <a:scrgbClr r="0" g="0" b="0"/>
+      </a:effectRef>
+      <a:fontRef idx="minor"/>
+    </dgm:style>
+  </dgm:styleLbl>
+  <dgm:styleLbl name="callout">
+    <dgm:scene3d>
+      <a:camera prst="orthographicFront"/>
+      <a:lightRig rig="threePt" dir="t"/>
+    </dgm:scene3d>
+    <dgm:sp3d/>
+    <dgm:txPr/>
+    <dgm:style>
+      <a:lnRef idx="2">
+        <a:scrgbClr r="0" g="0" b="0"/>
+      </a:lnRef>
+      <a:fillRef idx="1">
+        <a:scrgbClr r="0" g="0" b="0"/>
+      </a:fillRef>
+      <a:effectRef idx="0">
+        <a:scrgbClr r="0" g="0" b="0"/>
+      </a:effectRef>
+      <a:fontRef idx="minor"/>
+    </dgm:style>
+  </dgm:styleLbl>
+  <dgm:styleLbl name="asst0">
+    <dgm:scene3d>
+      <a:camera prst="orthographicFront"/>
+      <a:lightRig rig="threePt" dir="t"/>
+    </dgm:scene3d>
+    <dgm:sp3d/>
+    <dgm:txPr/>
+    <dgm:style>
+      <a:lnRef idx="2">
+        <a:scrgbClr r="0" g="0" b="0"/>
+      </a:lnRef>
+      <a:fillRef idx="1">
+        <a:scrgbClr r="0" g="0" b="0"/>
+      </a:fillRef>
+      <a:effectRef idx="0">
+        <a:scrgbClr r="0" g="0" b="0"/>
+      </a:effectRef>
+      <a:fontRef idx="minor">
+        <a:schemeClr val="lt1"/>
+      </a:fontRef>
+    </dgm:style>
+  </dgm:styleLbl>
+  <dgm:styleLbl name="asst1">
+    <dgm:scene3d>
+      <a:camera prst="orthographicFront"/>
+      <a:lightRig rig="threePt" dir="t"/>
+    </dgm:scene3d>
+    <dgm:sp3d/>
+    <dgm:txPr/>
+    <dgm:style>
+      <a:lnRef idx="2">
+        <a:scrgbClr r="0" g="0" b="0"/>
+      </a:lnRef>
+      <a:fillRef idx="1">
+        <a:scrgbClr r="0" g="0" b="0"/>
+      </a:fillRef>
+      <a:effectRef idx="0">
+        <a:scrgbClr r="0" g="0" b="0"/>
+      </a:effectRef>
+      <a:fontRef idx="minor">
+        <a:schemeClr val="lt1"/>
+      </a:fontRef>
+    </dgm:style>
+  </dgm:styleLbl>
+  <dgm:styleLbl name="asst2">
+    <dgm:scene3d>
+      <a:camera prst="orthographicFront"/>
+      <a:lightRig rig="threePt" dir="t"/>
+    </dgm:scene3d>
+    <dgm:sp3d/>
+    <dgm:txPr/>
+    <dgm:style>
+      <a:lnRef idx="2">
+        <a:scrgbClr r="0" g="0" b="0"/>
+      </a:lnRef>
+      <a:fillRef idx="1">
+        <a:scrgbClr r="0" g="0" b="0"/>
+      </a:fillRef>
+      <a:effectRef idx="0">
+        <a:scrgbClr r="0" g="0" b="0"/>
+      </a:effectRef>
+      <a:fontRef idx="minor">
+        <a:schemeClr val="lt1"/>
+      </a:fontRef>
+    </dgm:style>
+  </dgm:styleLbl>
+  <dgm:styleLbl name="asst3">
+    <dgm:scene3d>
+      <a:camera prst="orthographicFront"/>
+      <a:lightRig rig="threePt" dir="t"/>
+    </dgm:scene3d>
+    <dgm:sp3d/>
+    <dgm:txPr/>
+    <dgm:style>
+      <a:lnRef idx="2">
+        <a:scrgbClr r="0" g="0" b="0"/>
+      </a:lnRef>
+      <a:fillRef idx="1">
+        <a:scrgbClr r="0" g="0" b="0"/>
+      </a:fillRef>
+      <a:effectRef idx="0">
+        <a:scrgbClr r="0" g="0" b="0"/>
+      </a:effectRef>
+      <a:fontRef idx="minor">
+        <a:schemeClr val="lt1"/>
+      </a:fontRef>
+    </dgm:style>
+  </dgm:styleLbl>
+  <dgm:styleLbl name="asst4">
+    <dgm:scene3d>
+      <a:camera prst="orthographicFront"/>
+      <a:lightRig rig="threePt" dir="t"/>
+    </dgm:scene3d>
+    <dgm:sp3d/>
+    <dgm:txPr/>
+    <dgm:style>
+      <a:lnRef idx="2">
+        <a:scrgbClr r="0" g="0" b="0"/>
+      </a:lnRef>
+      <a:fillRef idx="1">
+        <a:scrgbClr r="0" g="0" b="0"/>
+      </a:fillRef>
+      <a:effectRef idx="0">
+        <a:scrgbClr r="0" g="0" b="0"/>
+      </a:effectRef>
+      <a:fontRef idx="minor">
+        <a:schemeClr val="lt1"/>
+      </a:fontRef>
+    </dgm:style>
+  </dgm:styleLbl>
+  <dgm:styleLbl name="parChTrans2D1">
+    <dgm:scene3d>
+      <a:camera prst="orthographicFront"/>
+      <a:lightRig rig="threePt" dir="t"/>
+    </dgm:scene3d>
+    <dgm:sp3d/>
+    <dgm:txPr/>
+    <dgm:style>
+      <a:lnRef idx="2">
+        <a:scrgbClr r="0" g="0" b="0"/>
+      </a:lnRef>
+      <a:fillRef idx="1">
+        <a:scrgbClr r="0" g="0" b="0"/>
+      </a:fillRef>
+      <a:effectRef idx="0">
+        <a:scrgbClr r="0" g="0" b="0"/>
+      </a:effectRef>
+      <a:fontRef idx="minor">
+        <a:schemeClr val="lt1"/>
+      </a:fontRef>
+    </dgm:style>
+  </dgm:styleLbl>
+  <dgm:styleLbl name="parChTrans2D2">
+    <dgm:scene3d>
+      <a:camera prst="orthographicFront"/>
+      <a:lightRig rig="threePt" dir="t"/>
+    </dgm:scene3d>
+    <dgm:sp3d/>
+    <dgm:txPr/>
+    <dgm:style>
+      <a:lnRef idx="2">
+        <a:scrgbClr r="0" g="0" b="0"/>
+      </a:lnRef>
+      <a:fillRef idx="1">
+        <a:scrgbClr r="0" g="0" b="0"/>
+      </a:fillRef>
+      <a:effectRef idx="0">
+        <a:scrgbClr r="0" g="0" b="0"/>
+      </a:effectRef>
+      <a:fontRef idx="minor">
+        <a:schemeClr val="lt1"/>
+      </a:fontRef>
+    </dgm:style>
+  </dgm:styleLbl>
+  <dgm:styleLbl name="parChTrans2D3">
+    <dgm:scene3d>
+      <a:camera prst="orthographicFront"/>
+      <a:lightRig rig="threePt" dir="t"/>
+    </dgm:scene3d>
+    <dgm:sp3d/>
+    <dgm:txPr/>
+    <dgm:style>
+      <a:lnRef idx="2">
+        <a:scrgbClr r="0" g="0" b="0"/>
+      </a:lnRef>
+      <a:fillRef idx="1">
+        <a:scrgbClr r="0" g="0" b="0"/>
+      </a:fillRef>
+      <a:effectRef idx="0">
+        <a:scrgbClr r="0" g="0" b="0"/>
+      </a:effectRef>
+      <a:fontRef idx="minor">
+        <a:schemeClr val="lt1"/>
+      </a:fontRef>
+    </dgm:style>
+  </dgm:styleLbl>
+  <dgm:styleLbl name="parChTrans2D4">
+    <dgm:scene3d>
+      <a:camera prst="orthographicFront"/>
+      <a:lightRig rig="threePt" dir="t"/>
+    </dgm:scene3d>
+    <dgm:sp3d/>
+    <dgm:txPr/>
+    <dgm:style>
+      <a:lnRef idx="2">
+        <a:scrgbClr r="0" g="0" b="0"/>
+      </a:lnRef>
+      <a:fillRef idx="1">
+        <a:scrgbClr r="0" g="0" b="0"/>
+      </a:fillRef>
+      <a:effectRef idx="0">
+        <a:scrgbClr r="0" g="0" b="0"/>
+      </a:effectRef>
+      <a:fontRef idx="minor">
+        <a:schemeClr val="lt1"/>
+      </a:fontRef>
+    </dgm:style>
+  </dgm:styleLbl>
+  <dgm:styleLbl name="parChTrans1D1">
+    <dgm:scene3d>
+      <a:camera prst="orthographicFront"/>
+      <a:lightRig rig="threePt" dir="t"/>
+    </dgm:scene3d>
+    <dgm:sp3d/>
+    <dgm:txPr/>
+    <dgm:style>
+      <a:lnRef idx="2">
+        <a:scrgbClr r="0" g="0" b="0"/>
+      </a:lnRef>
+      <a:fillRef idx="0">
+        <a:scrgbClr r="0" g="0" b="0"/>
+      </a:fillRef>
+      <a:effectRef idx="0">
+        <a:scrgbClr r="0" g="0" b="0"/>
+      </a:effectRef>
+      <a:fontRef idx="minor"/>
+    </dgm:style>
+  </dgm:styleLbl>
+  <dgm:styleLbl name="parChTrans1D2">
+    <dgm:scene3d>
+      <a:camera prst="orthographicFront"/>
+      <a:lightRig rig="threePt" dir="t"/>
+    </dgm:scene3d>
+    <dgm:sp3d/>
+    <dgm:txPr/>
+    <dgm:style>
+      <a:lnRef idx="2">
+        <a:scrgbClr r="0" g="0" b="0"/>
+      </a:lnRef>
+      <a:fillRef idx="0">
+        <a:scrgbClr r="0" g="0" b="0"/>
+      </a:fillRef>
+      <a:effectRef idx="0">
+        <a:scrgbClr r="0" g="0" b="0"/>
+      </a:effectRef>
+      <a:fontRef idx="minor"/>
+    </dgm:style>
+  </dgm:styleLbl>
+  <dgm:styleLbl name="parChTrans1D3">
+    <dgm:scene3d>
+      <a:camera prst="orthographicFront"/>
+      <a:lightRig rig="threePt" dir="t"/>
+    </dgm:scene3d>
+    <dgm:sp3d/>
+    <dgm:txPr/>
+    <dgm:style>
+      <a:lnRef idx="2">
+        <a:scrgbClr r="0" g="0" b="0"/>
+      </a:lnRef>
+      <a:fillRef idx="0">
+        <a:scrgbClr r="0" g="0" b="0"/>
+      </a:fillRef>
+      <a:effectRef idx="0">
+        <a:scrgbClr r="0" g="0" b="0"/>
+      </a:effectRef>
+      <a:fontRef idx="minor"/>
+    </dgm:style>
+  </dgm:styleLbl>
+  <dgm:styleLbl name="parChTrans1D4">
+    <dgm:scene3d>
+      <a:camera prst="orthographicFront"/>
+      <a:lightRig rig="threePt" dir="t"/>
+    </dgm:scene3d>
+    <dgm:sp3d/>
+    <dgm:txPr/>
+    <dgm:style>
+      <a:lnRef idx="2">
+        <a:scrgbClr r="0" g="0" b="0"/>
+      </a:lnRef>
+      <a:fillRef idx="0">
+        <a:scrgbClr r="0" g="0" b="0"/>
+      </a:fillRef>
+      <a:effectRef idx="0">
+        <a:scrgbClr r="0" g="0" b="0"/>
+      </a:effectRef>
+      <a:fontRef idx="minor"/>
+    </dgm:style>
+  </dgm:styleLbl>
+  <dgm:styleLbl name="fgAcc1">
+    <dgm:scene3d>
+      <a:camera prst="orthographicFront"/>
+      <a:lightRig rig="threePt" dir="t"/>
+    </dgm:scene3d>
+    <dgm:sp3d/>
+    <dgm:txPr/>
+    <dgm:style>
+      <a:lnRef idx="2">
+        <a:scrgbClr r="0" g="0" b="0"/>
+      </a:lnRef>
+      <a:fillRef idx="1">
+        <a:scrgbClr r="0" g="0" b="0"/>
+      </a:fillRef>
+      <a:effectRef idx="0">
+        <a:scrgbClr r="0" g="0" b="0"/>
+      </a:effectRef>
+      <a:fontRef idx="minor"/>
+    </dgm:style>
+  </dgm:styleLbl>
+  <dgm:styleLbl name="conFgAcc1">
+    <dgm:scene3d>
+      <a:camera prst="orthographicFront"/>
+      <a:lightRig rig="threePt" dir="t"/>
+    </dgm:scene3d>
+    <dgm:sp3d/>
+    <dgm:txPr/>
+    <dgm:style>
+      <a:lnRef idx="2">
+        <a:scrgbClr r="0" g="0" b="0"/>
+      </a:lnRef>
+      <a:fillRef idx="1">
+        <a:scrgbClr r="0" g="0" b="0"/>
+      </a:fillRef>
+      <a:effectRef idx="0">
+        <a:scrgbClr r="0" g="0" b="0"/>
+      </a:effectRef>
+      <a:fontRef idx="minor"/>
+    </dgm:style>
+  </dgm:styleLbl>
+  <dgm:styleLbl name="alignAcc1">
+    <dgm:scene3d>
+      <a:camera prst="orthographicFront"/>
+      <a:lightRig rig="threePt" dir="t"/>
+    </dgm:scene3d>
+    <dgm:sp3d/>
+    <dgm:txPr/>
+    <dgm:style>
+      <a:lnRef idx="2">
+        <a:scrgbClr r="0" g="0" b="0"/>
+      </a:lnRef>
+      <a:fillRef idx="1">
+        <a:scrgbClr r="0" g="0" b="0"/>
+      </a:fillRef>
+      <a:effectRef idx="0">
+        <a:scrgbClr r="0" g="0" b="0"/>
+      </a:effectRef>
+      <a:fontRef idx="minor"/>
+    </dgm:style>
+  </dgm:styleLbl>
+  <dgm:styleLbl name="trAlignAcc1">
+    <dgm:scene3d>
+      <a:camera prst="orthographicFront"/>
+      <a:lightRig rig="threePt" dir="t"/>
+    </dgm:scene3d>
+    <dgm:sp3d/>
+    <dgm:txPr/>
+    <dgm:style>
+      <a:lnRef idx="1">
+        <a:scrgbClr r="0" g="0" b="0"/>
+      </a:lnRef>
+      <a:fillRef idx="1">
+        <a:scrgbClr r="0" g="0" b="0"/>
+      </a:fillRef>
+      <a:effectRef idx="0">
+        <a:scrgbClr r="0" g="0" b="0"/>
+      </a:effectRef>
+      <a:fontRef idx="minor"/>
+    </dgm:style>
+  </dgm:styleLbl>
+  <dgm:styleLbl name="bgAcc1">
+    <dgm:scene3d>
+      <a:camera prst="orthographicFront"/>
+      <a:lightRig rig="threePt" dir="t"/>
+    </dgm:scene3d>
+    <dgm:sp3d/>
+    <dgm:txPr/>
+    <dgm:style>
+      <a:lnRef idx="2">
+        <a:scrgbClr r="0" g="0" b="0"/>
+      </a:lnRef>
+      <a:fillRef idx="1">
+        <a:scrgbClr r="0" g="0" b="0"/>
+      </a:fillRef>
+      <a:effectRef idx="0">
+        <a:scrgbClr r="0" g="0" b="0"/>
+      </a:effectRef>
+      <a:fontRef idx="minor"/>
+    </dgm:style>
+  </dgm:styleLbl>
+  <dgm:styleLbl name="solidFgAcc1">
+    <dgm:scene3d>
+      <a:camera prst="orthographicFront"/>
+      <a:lightRig rig="threePt" dir="t"/>
+    </dgm:scene3d>
+    <dgm:sp3d/>
+    <dgm:txPr/>
+    <dgm:style>
+      <a:lnRef idx="2">
+        <a:scrgbClr r="0" g="0" b="0"/>
+      </a:lnRef>
+      <a:fillRef idx="1">
+        <a:scrgbClr r="0" g="0" b="0"/>
+      </a:fillRef>
+      <a:effectRef idx="0">
+        <a:scrgbClr r="0" g="0" b="0"/>
+      </a:effectRef>
+      <a:fontRef idx="minor"/>
+    </dgm:style>
+  </dgm:styleLbl>
+  <dgm:styleLbl name="solidAlignAcc1">
+    <dgm:scene3d>
+      <a:camera prst="orthographicFront"/>
+      <a:lightRig rig="threePt" dir="t"/>
+    </dgm:scene3d>
+    <dgm:sp3d/>
+    <dgm:txPr/>
+    <dgm:style>
+      <a:lnRef idx="2">
+        <a:scrgbClr r="0" g="0" b="0"/>
+      </a:lnRef>
+      <a:fillRef idx="1">
+        <a:scrgbClr r="0" g="0" b="0"/>
+      </a:fillRef>
+      <a:effectRef idx="0">
+        <a:scrgbClr r="0" g="0" b="0"/>
+      </a:effectRef>
+      <a:fontRef idx="minor"/>
+    </dgm:style>
+  </dgm:styleLbl>
+  <dgm:styleLbl name="solidBgAcc1">
+    <dgm:scene3d>
+      <a:camera prst="orthographicFront"/>
+      <a:lightRig rig="threePt" dir="t"/>
+    </dgm:scene3d>
+    <dgm:sp3d/>
+    <dgm:txPr/>
+    <dgm:style>
+      <a:lnRef idx="2">
+        <a:scrgbClr r="0" g="0" b="0"/>
+      </a:lnRef>
+      <a:fillRef idx="1">
+        <a:scrgbClr r="0" g="0" b="0"/>
+      </a:fillRef>
+      <a:effectRef idx="0">
+        <a:scrgbClr r="0" g="0" b="0"/>
+      </a:effectRef>
+      <a:fontRef idx="minor"/>
+    </dgm:style>
+  </dgm:styleLbl>
+  <dgm:styleLbl name="fgAccFollowNode1">
+    <dgm:scene3d>
+      <a:camera prst="orthographicFront"/>
+      <a:lightRig rig="threePt" dir="t"/>
+    </dgm:scene3d>
+    <dgm:sp3d/>
+    <dgm:txPr/>
+    <dgm:style>
+      <a:lnRef idx="2">
+        <a:scrgbClr r="0" g="0" b="0"/>
+      </a:lnRef>
+      <a:fillRef idx="1">
+        <a:scrgbClr r="0" g="0" b="0"/>
+      </a:fillRef>
+      <a:effectRef idx="0">
+        <a:scrgbClr r="0" g="0" b="0"/>
+      </a:effectRef>
+      <a:fontRef idx="minor"/>
+    </dgm:style>
+  </dgm:styleLbl>
+  <dgm:styleLbl name="alignAccFollowNode1">
+    <dgm:scene3d>
+      <a:camera prst="orthographicFront"/>
+      <a:lightRig rig="threePt" dir="t"/>
+    </dgm:scene3d>
+    <dgm:sp3d/>
+    <dgm:txPr/>
+    <dgm:style>
+      <a:lnRef idx="2">
+        <a:scrgbClr r="0" g="0" b="0"/>
+      </a:lnRef>
+      <a:fillRef idx="1">
+        <a:scrgbClr r="0" g="0" b="0"/>
+      </a:fillRef>
+      <a:effectRef idx="0">
+        <a:scrgbClr r="0" g="0" b="0"/>
+      </a:effectRef>
+      <a:fontRef idx="minor"/>
+    </dgm:style>
+  </dgm:styleLbl>
+  <dgm:styleLbl name="bgAccFollowNode1">
+    <dgm:scene3d>
+      <a:camera prst="orthographicFront"/>
+      <a:lightRig rig="threePt" dir="t"/>
+    </dgm:scene3d>
+    <dgm:sp3d/>
+    <dgm:txPr/>
+    <dgm:style>
+      <a:lnRef idx="2">
+        <a:scrgbClr r="0" g="0" b="0"/>
+      </a:lnRef>
+      <a:fillRef idx="1">
+        <a:scrgbClr r="0" g="0" b="0"/>
+      </a:fillRef>
+      <a:effectRef idx="0">
+        <a:scrgbClr r="0" g="0" b="0"/>
+      </a:effectRef>
+      <a:fontRef idx="minor"/>
+    </dgm:style>
+  </dgm:styleLbl>
+  <dgm:styleLbl name="fgAcc0">
+    <dgm:scene3d>
+      <a:camera prst="orthographicFront"/>
+      <a:lightRig rig="threePt" dir="t"/>
+    </dgm:scene3d>
+    <dgm:sp3d/>
+    <dgm:txPr/>
+    <dgm:style>
+      <a:lnRef idx="2">
+        <a:scrgbClr r="0" g="0" b="0"/>
+      </a:lnRef>
+      <a:fillRef idx="1">
+        <a:scrgbClr r="0" g="0" b="0"/>
+      </a:fillRef>
+      <a:effectRef idx="0">
+        <a:scrgbClr r="0" g="0" b="0"/>
+      </a:effectRef>
+      <a:fontRef idx="minor"/>
+    </dgm:style>
+  </dgm:styleLbl>
+  <dgm:styleLbl name="fgAcc2">
+    <dgm:scene3d>
+      <a:camera prst="orthographicFront"/>
+      <a:lightRig rig="threePt" dir="t"/>
+    </dgm:scene3d>
+    <dgm:sp3d/>
+    <dgm:txPr/>
+    <dgm:style>
+      <a:lnRef idx="2">
+        <a:scrgbClr r="0" g="0" b="0"/>
+      </a:lnRef>
+      <a:fillRef idx="1">
+        <a:scrgbClr r="0" g="0" b="0"/>
+      </a:fillRef>
+      <a:effectRef idx="0">
+        <a:scrgbClr r="0" g="0" b="0"/>
+      </a:effectRef>
+      <a:fontRef idx="minor"/>
+    </dgm:style>
+  </dgm:styleLbl>
+  <dgm:styleLbl name="fgAcc3">
+    <dgm:scene3d>
+      <a:camera prst="orthographicFront"/>
+      <a:lightRig rig="threePt" dir="t"/>
+    </dgm:scene3d>
+    <dgm:sp3d/>
+    <dgm:txPr/>
+    <dgm:style>
+      <a:lnRef idx="2">
+        <a:scrgbClr r="0" g="0" b="0"/>
+      </a:lnRef>
+      <a:fillRef idx="1">
+        <a:scrgbClr r="0" g="0" b="0"/>
+      </a:fillRef>
+      <a:effectRef idx="0">
+        <a:scrgbClr r="0" g="0" b="0"/>
+      </a:effectRef>
+      <a:fontRef idx="minor"/>
+    </dgm:style>
+  </dgm:styleLbl>
+  <dgm:styleLbl name="fgAcc4">
+    <dgm:scene3d>
+      <a:camera prst="orthographicFront"/>
+      <a:lightRig rig="threePt" dir="t"/>
+    </dgm:scene3d>
+    <dgm:sp3d/>
+    <dgm:txPr/>
+    <dgm:style>
+      <a:lnRef idx="2">
+        <a:scrgbClr r="0" g="0" b="0"/>
+      </a:lnRef>
+      <a:fillRef idx="1">
+        <a:scrgbClr r="0" g="0" b="0"/>
+      </a:fillRef>
+      <a:effectRef idx="0">
+        <a:scrgbClr r="0" g="0" b="0"/>
+      </a:effectRef>
+      <a:fontRef idx="minor"/>
+    </dgm:style>
+  </dgm:styleLbl>
+  <dgm:styleLbl name="bgShp">
+    <dgm:scene3d>
+      <a:camera prst="orthographicFront"/>
+      <a:lightRig rig="threePt" dir="t"/>
+    </dgm:scene3d>
+    <dgm:sp3d/>
+    <dgm:txPr/>
+    <dgm:style>
+      <a:lnRef idx="0">
+        <a:scrgbClr r="0" g="0" b="0"/>
+      </a:lnRef>
+      <a:fillRef idx="1">
+        <a:scrgbClr r="0" g="0" b="0"/>
+      </a:fillRef>
+      <a:effectRef idx="0">
+        <a:scrgbClr r="0" g="0" b="0"/>
+      </a:effectRef>
+      <a:fontRef idx="minor"/>
+    </dgm:style>
+  </dgm:styleLbl>
+  <dgm:styleLbl name="dkBgShp">
+    <dgm:scene3d>
+      <a:camera prst="orthographicFront"/>
+      <a:lightRig rig="threePt" dir="t"/>
+    </dgm:scene3d>
+    <dgm:sp3d/>
+    <dgm:txPr/>
+    <dgm:style>
+      <a:lnRef idx="0">
+        <a:scrgbClr r="0" g="0" b="0"/>
+      </a:lnRef>
+      <a:fillRef idx="1">
+        <a:scrgbClr r="0" g="0" b="0"/>
+      </a:fillRef>
+      <a:effectRef idx="0">
+        <a:scrgbClr r="0" g="0" b="0"/>
+      </a:effectRef>
+      <a:fontRef idx="minor"/>
+    </dgm:style>
+  </dgm:styleLbl>
+  <dgm:styleLbl name="trBgShp">
+    <dgm:scene3d>
+      <a:camera prst="orthographicFront"/>
+      <a:lightRig rig="threePt" dir="t"/>
+    </dgm:scene3d>
+    <dgm:sp3d/>
+    <dgm:txPr/>
+    <dgm:style>
+      <a:lnRef idx="0">
+        <a:scrgbClr r="0" g="0" b="0"/>
+      </a:lnRef>
+      <a:fillRef idx="1">
+        <a:scrgbClr r="0" g="0" b="0"/>
+      </a:fillRef>
+      <a:effectRef idx="0">
+        <a:scrgbClr r="0" g="0" b="0"/>
+      </a:effectRef>
+      <a:fontRef idx="minor"/>
+    </dgm:style>
+  </dgm:styleLbl>
+  <dgm:styleLbl name="fgShp">
+    <dgm:scene3d>
+      <a:camera prst="orthographicFront"/>
+      <a:lightRig rig="threePt" dir="t"/>
+    </dgm:scene3d>
+    <dgm:sp3d/>
+    <dgm:txPr/>
+    <dgm:style>
+      <a:lnRef idx="2">
+        <a:scrgbClr r="0" g="0" b="0"/>
+      </a:lnRef>
+      <a:fillRef idx="1">
+        <a:scrgbClr r="0" g="0" b="0"/>
+      </a:fillRef>
+      <a:effectRef idx="0">
+        <a:scrgbClr r="0" g="0" b="0"/>
+      </a:effectRef>
+      <a:fontRef idx="minor"/>
+    </dgm:style>
+  </dgm:styleLbl>
+  <dgm:styleLbl name="revTx">
+    <dgm:scene3d>
+      <a:camera prst="orthographicFront"/>
+      <a:lightRig rig="threePt" dir="t"/>
+    </dgm:scene3d>
+    <dgm:sp3d/>
+    <dgm:txPr/>
+    <dgm:style>
+      <a:lnRef idx="0">
+        <a:scrgbClr r="0" g="0" b="0"/>
+      </a:lnRef>
+      <a:fillRef idx="0">
+        <a:scrgbClr r="0" g="0" b="0"/>
+      </a:fillRef>
+      <a:effectRef idx="0">
+        <a:scrgbClr r="0" g="0" b="0"/>
+      </a:effectRef>
+      <a:fontRef idx="minor"/>
+    </dgm:style>
+  </dgm:styleLbl>
+</dgm:styleDef>
+</file>
+
 <file path=ppt/notesMasters/notesMaster1.xml><?xml version="1.0" encoding="utf-8"?>
 <p:notesMaster xmlns:a="http://schemas.openxmlformats.org/drawingml/2006/main" xmlns:r="http://schemas.openxmlformats.org/officeDocument/2006/relationships" xmlns:p="http://schemas.openxmlformats.org/presentationml/2006/main">
   <p:cSld>
@@ -11935,7 +20060,7 @@
           <a:p>
             <a:fld id="{D1DD7E74-1267-4F34-842A-76954F6696CC}" type="datetimeFigureOut">
               <a:rPr lang="en-IN" smtClean="0"/>
-              <a:t>30-03-2022</a:t>
+              <a:t>06-04-2022</a:t>
             </a:fld>
             <a:endParaRPr lang="en-IN"/>
           </a:p>
@@ -12357,7 +20482,7 @@
           <a:p>
             <a:fld id="{F940BCC5-5FCD-43ED-958F-A8CCB3FDA6D6}" type="datetimeFigureOut">
               <a:rPr lang="en-IN" smtClean="0"/>
-              <a:t>30-03-2022</a:t>
+              <a:t>06-04-2022</a:t>
             </a:fld>
             <a:endParaRPr lang="en-IN"/>
           </a:p>
@@ -12617,7 +20742,7 @@
           <a:p>
             <a:fld id="{F940BCC5-5FCD-43ED-958F-A8CCB3FDA6D6}" type="datetimeFigureOut">
               <a:rPr lang="en-IN" smtClean="0"/>
-              <a:t>30-03-2022</a:t>
+              <a:t>06-04-2022</a:t>
             </a:fld>
             <a:endParaRPr lang="en-IN"/>
           </a:p>
@@ -12827,7 +20952,7 @@
           <a:p>
             <a:fld id="{F940BCC5-5FCD-43ED-958F-A8CCB3FDA6D6}" type="datetimeFigureOut">
               <a:rPr lang="en-IN" smtClean="0"/>
-              <a:t>30-03-2022</a:t>
+              <a:t>06-04-2022</a:t>
             </a:fld>
             <a:endParaRPr lang="en-IN"/>
           </a:p>
@@ -13032,7 +21157,7 @@
           <a:p>
             <a:fld id="{F940BCC5-5FCD-43ED-958F-A8CCB3FDA6D6}" type="datetimeFigureOut">
               <a:rPr lang="en-IN" smtClean="0"/>
-              <a:t>30-03-2022</a:t>
+              <a:t>06-04-2022</a:t>
             </a:fld>
             <a:endParaRPr lang="en-IN"/>
           </a:p>
@@ -13394,7 +21519,7 @@
           <a:p>
             <a:fld id="{F940BCC5-5FCD-43ED-958F-A8CCB3FDA6D6}" type="datetimeFigureOut">
               <a:rPr lang="en-IN" smtClean="0"/>
-              <a:t>30-03-2022</a:t>
+              <a:t>06-04-2022</a:t>
             </a:fld>
             <a:endParaRPr lang="en-IN"/>
           </a:p>
@@ -13662,7 +21787,7 @@
           <a:p>
             <a:fld id="{F940BCC5-5FCD-43ED-958F-A8CCB3FDA6D6}" type="datetimeFigureOut">
               <a:rPr lang="en-IN" smtClean="0"/>
-              <a:t>30-03-2022</a:t>
+              <a:t>06-04-2022</a:t>
             </a:fld>
             <a:endParaRPr lang="en-IN"/>
           </a:p>
@@ -14077,7 +22202,7 @@
           <a:p>
             <a:fld id="{F940BCC5-5FCD-43ED-958F-A8CCB3FDA6D6}" type="datetimeFigureOut">
               <a:rPr lang="en-IN" smtClean="0"/>
-              <a:t>30-03-2022</a:t>
+              <a:t>06-04-2022</a:t>
             </a:fld>
             <a:endParaRPr lang="en-IN"/>
           </a:p>
@@ -14229,7 +22354,7 @@
           <a:p>
             <a:fld id="{F940BCC5-5FCD-43ED-958F-A8CCB3FDA6D6}" type="datetimeFigureOut">
               <a:rPr lang="en-IN" smtClean="0"/>
-              <a:t>30-03-2022</a:t>
+              <a:t>06-04-2022</a:t>
             </a:fld>
             <a:endParaRPr lang="en-IN"/>
           </a:p>
@@ -14438,7 +22563,7 @@
           <a:p>
             <a:fld id="{F940BCC5-5FCD-43ED-958F-A8CCB3FDA6D6}" type="datetimeFigureOut">
               <a:rPr lang="en-IN" smtClean="0"/>
-              <a:t>30-03-2022</a:t>
+              <a:t>06-04-2022</a:t>
             </a:fld>
             <a:endParaRPr lang="en-IN"/>
           </a:p>
@@ -14751,7 +22876,7 @@
           <a:p>
             <a:fld id="{F940BCC5-5FCD-43ED-958F-A8CCB3FDA6D6}" type="datetimeFigureOut">
               <a:rPr lang="en-IN" smtClean="0"/>
-              <a:t>30-03-2022</a:t>
+              <a:t>06-04-2022</a:t>
             </a:fld>
             <a:endParaRPr lang="en-IN"/>
           </a:p>
@@ -15040,7 +23165,7 @@
           <a:p>
             <a:fld id="{F940BCC5-5FCD-43ED-958F-A8CCB3FDA6D6}" type="datetimeFigureOut">
               <a:rPr lang="en-IN" smtClean="0"/>
-              <a:t>30-03-2022</a:t>
+              <a:t>06-04-2022</a:t>
             </a:fld>
             <a:endParaRPr lang="en-IN"/>
           </a:p>
@@ -15283,7 +23408,7 @@
           <a:p>
             <a:fld id="{F940BCC5-5FCD-43ED-958F-A8CCB3FDA6D6}" type="datetimeFigureOut">
               <a:rPr lang="en-IN" smtClean="0"/>
-              <a:t>30-03-2022</a:t>
+              <a:t>06-04-2022</a:t>
             </a:fld>
             <a:endParaRPr lang="en-IN"/>
           </a:p>
@@ -16066,6 +24191,204 @@
           <a:chExt cx="0" cy="0"/>
         </a:xfrm>
       </p:grpSpPr>
+      <p:sp>
+        <p:nvSpPr>
+          <p:cNvPr id="2" name="Title 1">
+            <a:extLst>
+              <a:ext uri="{FF2B5EF4-FFF2-40B4-BE49-F238E27FC236}">
+                <a16:creationId xmlns:a16="http://schemas.microsoft.com/office/drawing/2014/main" id="{74DC037E-F290-0954-41D3-E431BDB53E3E}"/>
+              </a:ext>
+            </a:extLst>
+          </p:cNvPr>
+          <p:cNvSpPr>
+            <a:spLocks noGrp="1"/>
+          </p:cNvSpPr>
+          <p:nvPr>
+            <p:ph type="title"/>
+          </p:nvPr>
+        </p:nvSpPr>
+        <p:spPr/>
+        <p:txBody>
+          <a:bodyPr>
+            <a:normAutofit fontScale="90000"/>
+          </a:bodyPr>
+          <a:lstStyle/>
+          <a:p>
+            <a:r>
+              <a:rPr lang="en-US" b="1" dirty="0">
+                <a:latin typeface="Calibri Light"/>
+                <a:ea typeface="Verdana"/>
+                <a:cs typeface="Calibri Light"/>
+              </a:rPr>
+              <a:t>Roles and responsibility of Scrum team members </a:t>
+            </a:r>
+            <a:endParaRPr lang="en-US" dirty="0">
+              <a:latin typeface="Calibri Light"/>
+              <a:ea typeface="+mj-lt"/>
+              <a:cs typeface="+mj-lt"/>
+            </a:endParaRPr>
+          </a:p>
+        </p:txBody>
+      </p:sp>
+      <p:graphicFrame>
+        <p:nvGraphicFramePr>
+          <p:cNvPr id="4" name="Content Placeholder 2">
+            <a:extLst>
+              <a:ext uri="{FF2B5EF4-FFF2-40B4-BE49-F238E27FC236}">
+                <a16:creationId xmlns:a16="http://schemas.microsoft.com/office/drawing/2014/main" id="{C0FF4A55-8C8F-BE47-3503-EC4CEB5F88AF}"/>
+              </a:ext>
+            </a:extLst>
+          </p:cNvPr>
+          <p:cNvGraphicFramePr>
+            <a:graphicFrameLocks noGrp="1"/>
+          </p:cNvGraphicFramePr>
+          <p:nvPr>
+            <p:extLst>
+              <p:ext uri="{D42A27DB-BD31-4B8C-83A1-F6EECF244321}">
+                <p14:modId xmlns:p14="http://schemas.microsoft.com/office/powerpoint/2010/main" val="2604914618"/>
+              </p:ext>
+            </p:extLst>
+          </p:nvPr>
+        </p:nvGraphicFramePr>
+        <p:xfrm>
+          <a:off x="502103" y="1417864"/>
+          <a:ext cx="10927913" cy="5145088"/>
+        </p:xfrm>
+        <a:graphic>
+          <a:graphicData uri="http://schemas.openxmlformats.org/drawingml/2006/diagram">
+            <dgm:relIds xmlns:dgm="http://schemas.openxmlformats.org/drawingml/2006/diagram" xmlns:r="http://schemas.openxmlformats.org/officeDocument/2006/relationships" r:dm="rId2" r:lo="rId3" r:qs="rId4" r:cs="rId5"/>
+          </a:graphicData>
+        </a:graphic>
+      </p:graphicFrame>
+    </p:spTree>
+    <p:extLst>
+      <p:ext uri="{BB962C8B-B14F-4D97-AF65-F5344CB8AC3E}">
+        <p14:creationId xmlns:p14="http://schemas.microsoft.com/office/powerpoint/2010/main" val="4208166662"/>
+      </p:ext>
+    </p:extLst>
+  </p:cSld>
+  <p:clrMapOvr>
+    <a:masterClrMapping/>
+  </p:clrMapOvr>
+</p:sld>
+</file>
+
+<file path=ppt/slides/slide5.xml><?xml version="1.0" encoding="utf-8"?>
+<p:sld xmlns:a="http://schemas.openxmlformats.org/drawingml/2006/main" xmlns:r="http://schemas.openxmlformats.org/officeDocument/2006/relationships" xmlns:p="http://schemas.openxmlformats.org/presentationml/2006/main">
+  <p:cSld>
+    <p:spTree>
+      <p:nvGrpSpPr>
+        <p:cNvPr id="1" name=""/>
+        <p:cNvGrpSpPr/>
+        <p:nvPr/>
+      </p:nvGrpSpPr>
+      <p:grpSpPr>
+        <a:xfrm>
+          <a:off x="0" y="0"/>
+          <a:ext cx="0" cy="0"/>
+          <a:chOff x="0" y="0"/>
+          <a:chExt cx="0" cy="0"/>
+        </a:xfrm>
+      </p:grpSpPr>
+      <p:sp>
+        <p:nvSpPr>
+          <p:cNvPr id="2" name="Title 1">
+            <a:extLst>
+              <a:ext uri="{FF2B5EF4-FFF2-40B4-BE49-F238E27FC236}">
+                <a16:creationId xmlns:a16="http://schemas.microsoft.com/office/drawing/2014/main" id="{162678FA-6855-0838-8D5F-572BFE6FA1F6}"/>
+              </a:ext>
+            </a:extLst>
+          </p:cNvPr>
+          <p:cNvSpPr>
+            <a:spLocks noGrp="1"/>
+          </p:cNvSpPr>
+          <p:nvPr>
+            <p:ph type="title"/>
+          </p:nvPr>
+        </p:nvSpPr>
+        <p:spPr/>
+        <p:txBody>
+          <a:bodyPr>
+            <a:normAutofit fontScale="90000"/>
+          </a:bodyPr>
+          <a:lstStyle/>
+          <a:p>
+            <a:r>
+              <a:rPr lang="en-US" b="1" dirty="0">
+                <a:latin typeface="Calibri Light"/>
+                <a:ea typeface="Verdana"/>
+                <a:cs typeface="Calibri Light"/>
+              </a:rPr>
+              <a:t>KPIs/Metrics</a:t>
+            </a:r>
+            <a:endParaRPr lang="en-US" dirty="0">
+              <a:latin typeface="Calibri Light"/>
+              <a:ea typeface="+mj-lt"/>
+              <a:cs typeface="Calibri Light"/>
+            </a:endParaRPr>
+          </a:p>
+        </p:txBody>
+      </p:sp>
+      <p:graphicFrame>
+        <p:nvGraphicFramePr>
+          <p:cNvPr id="4" name="Content Placeholder 2">
+            <a:extLst>
+              <a:ext uri="{FF2B5EF4-FFF2-40B4-BE49-F238E27FC236}">
+                <a16:creationId xmlns:a16="http://schemas.microsoft.com/office/drawing/2014/main" id="{060DE2D8-B7EE-49C7-46D9-EDA3AFEA2469}"/>
+              </a:ext>
+            </a:extLst>
+          </p:cNvPr>
+          <p:cNvGraphicFramePr>
+            <a:graphicFrameLocks noGrp="1"/>
+          </p:cNvGraphicFramePr>
+          <p:nvPr>
+            <p:extLst>
+              <p:ext uri="{D42A27DB-BD31-4B8C-83A1-F6EECF244321}">
+                <p14:modId xmlns:p14="http://schemas.microsoft.com/office/powerpoint/2010/main" val="3754454005"/>
+              </p:ext>
+            </p:extLst>
+          </p:nvPr>
+        </p:nvGraphicFramePr>
+        <p:xfrm>
+          <a:off x="352446" y="1405619"/>
+          <a:ext cx="11403240" cy="4867274"/>
+        </p:xfrm>
+        <a:graphic>
+          <a:graphicData uri="http://schemas.openxmlformats.org/drawingml/2006/diagram">
+            <dgm:relIds xmlns:dgm="http://schemas.openxmlformats.org/drawingml/2006/diagram" xmlns:r="http://schemas.openxmlformats.org/officeDocument/2006/relationships" r:dm="rId2" r:lo="rId3" r:qs="rId4" r:cs="rId5"/>
+          </a:graphicData>
+        </a:graphic>
+      </p:graphicFrame>
+    </p:spTree>
+    <p:extLst>
+      <p:ext uri="{BB962C8B-B14F-4D97-AF65-F5344CB8AC3E}">
+        <p14:creationId xmlns:p14="http://schemas.microsoft.com/office/powerpoint/2010/main" val="3068612066"/>
+      </p:ext>
+    </p:extLst>
+  </p:cSld>
+  <p:clrMapOvr>
+    <a:masterClrMapping/>
+  </p:clrMapOvr>
+</p:sld>
+</file>
+
+<file path=ppt/slides/slide6.xml><?xml version="1.0" encoding="utf-8"?>
+<p:sld xmlns:a="http://schemas.openxmlformats.org/drawingml/2006/main" xmlns:r="http://schemas.openxmlformats.org/officeDocument/2006/relationships" xmlns:p="http://schemas.openxmlformats.org/presentationml/2006/main">
+  <p:cSld>
+    <p:spTree>
+      <p:nvGrpSpPr>
+        <p:cNvPr id="1" name=""/>
+        <p:cNvGrpSpPr/>
+        <p:nvPr/>
+      </p:nvGrpSpPr>
+      <p:grpSpPr>
+        <a:xfrm>
+          <a:off x="0" y="0"/>
+          <a:ext cx="0" cy="0"/>
+          <a:chOff x="0" y="0"/>
+          <a:chExt cx="0" cy="0"/>
+        </a:xfrm>
+      </p:grpSpPr>
       <p:graphicFrame>
         <p:nvGraphicFramePr>
           <p:cNvPr id="9" name="Content Placeholder 2">
@@ -16248,7 +24571,7 @@
 </p:sld>
 </file>
 
-<file path=ppt/slides/slide5.xml><?xml version="1.0" encoding="utf-8"?>
+<file path=ppt/slides/slide7.xml><?xml version="1.0" encoding="utf-8"?>
 <p:sld xmlns:a="http://schemas.openxmlformats.org/drawingml/2006/main" xmlns:r="http://schemas.openxmlformats.org/officeDocument/2006/relationships" xmlns:p="http://schemas.openxmlformats.org/presentationml/2006/main">
   <p:cSld>
     <p:spTree>
@@ -16390,7 +24713,7 @@
 </p:sld>
 </file>
 
-<file path=ppt/slides/slide6.xml><?xml version="1.0" encoding="utf-8"?>
+<file path=ppt/slides/slide8.xml><?xml version="1.0" encoding="utf-8"?>
 <p:sld xmlns:a="http://schemas.openxmlformats.org/drawingml/2006/main" xmlns:r="http://schemas.openxmlformats.org/officeDocument/2006/relationships" xmlns:p="http://schemas.openxmlformats.org/presentationml/2006/main">
   <p:cSld>
     <p:spTree>
@@ -16605,7 +24928,7 @@
 </p:sld>
 </file>
 
-<file path=ppt/slides/slide7.xml><?xml version="1.0" encoding="utf-8"?>
+<file path=ppt/slides/slide9.xml><?xml version="1.0" encoding="utf-8"?>
 <p:sld xmlns:a="http://schemas.openxmlformats.org/drawingml/2006/main" xmlns:r="http://schemas.openxmlformats.org/officeDocument/2006/relationships" xmlns:p="http://schemas.openxmlformats.org/presentationml/2006/main">
   <p:cSld>
     <p:spTree>
